--- a/DsDotNet/src/UnitTest/UnitTest.Engine/ImportOffice/Sample/s.pptx
+++ b/DsDotNet/src/UnitTest/UnitTest.Engine/ImportOffice/Sample/s.pptx
@@ -227,7 +227,7 @@
           <a:p>
             <a:fld id="{DD503887-5801-43A0-AEF9-041E8DDC2558}" type="datetimeFigureOut">
               <a:rPr lang="ko-KR" altLang="en-US" smtClean="0"/>
-              <a:t>2022-12-21</a:t>
+              <a:t>2022-12-28</a:t>
             </a:fld>
             <a:endParaRPr lang="ko-KR" altLang="en-US" dirty="0"/>
           </a:p>
@@ -404,7 +404,7 @@
           <a:p>
             <a:fld id="{95336A0E-57B1-4D4C-BD9B-2F72B5943464}" type="datetimeFigureOut">
               <a:rPr lang="ko-KR" altLang="en-US" smtClean="0"/>
-              <a:t>2022-12-21</a:t>
+              <a:t>2022-12-28</a:t>
             </a:fld>
             <a:endParaRPr lang="ko-KR" altLang="en-US" dirty="0"/>
           </a:p>
@@ -902,7 +902,7 @@
           <a:p>
             <a:fld id="{229D12C7-0FF5-4972-A033-474EFFC79F40}" type="datetime1">
               <a:rPr lang="ko-KR" altLang="en-US" smtClean="0"/>
-              <a:t>2022-12-21</a:t>
+              <a:t>2022-12-28</a:t>
             </a:fld>
             <a:endParaRPr lang="ko-KR" altLang="en-US" dirty="0"/>
           </a:p>
@@ -1100,7 +1100,7 @@
           <a:p>
             <a:fld id="{5BA19FD4-B052-4F56-8FD8-EAFD078DEFB0}" type="datetime1">
               <a:rPr lang="ko-KR" altLang="en-US" smtClean="0"/>
-              <a:t>2022-12-21</a:t>
+              <a:t>2022-12-28</a:t>
             </a:fld>
             <a:endParaRPr lang="ko-KR" altLang="en-US" dirty="0"/>
           </a:p>
@@ -1308,7 +1308,7 @@
           <a:p>
             <a:fld id="{024994B9-23A6-4B0A-A038-AC140E83DAA3}" type="datetime1">
               <a:rPr lang="ko-KR" altLang="en-US" smtClean="0"/>
-              <a:t>2022-12-21</a:t>
+              <a:t>2022-12-28</a:t>
             </a:fld>
             <a:endParaRPr lang="ko-KR" altLang="en-US" dirty="0"/>
           </a:p>
@@ -1450,7 +1450,7 @@
           <a:p>
             <a:fld id="{B5B1BBC2-B738-4C35-AEE5-660EB2DEB482}" type="datetime1">
               <a:rPr lang="ko-KR" altLang="en-US" smtClean="0"/>
-              <a:t>2022-12-21</a:t>
+              <a:t>2022-12-28</a:t>
             </a:fld>
             <a:endParaRPr lang="ko-KR" altLang="en-US" dirty="0"/>
           </a:p>
@@ -6117,7 +6117,7 @@
           <a:p>
             <a:fld id="{70D0DAB2-87CB-4028-B965-3AA710ADF2CB}" type="datetime1">
               <a:rPr lang="ko-KR" altLang="en-US" smtClean="0"/>
-              <a:t>2022-12-21</a:t>
+              <a:t>2022-12-28</a:t>
             </a:fld>
             <a:endParaRPr lang="ko-KR" altLang="en-US" dirty="0"/>
           </a:p>
@@ -6392,7 +6392,7 @@
           <a:p>
             <a:fld id="{63FA3D71-FEA8-477F-9D1E-EA860F411BC7}" type="datetime1">
               <a:rPr lang="ko-KR" altLang="en-US" smtClean="0"/>
-              <a:t>2022-12-21</a:t>
+              <a:t>2022-12-28</a:t>
             </a:fld>
             <a:endParaRPr lang="ko-KR" altLang="en-US" dirty="0"/>
           </a:p>
@@ -6657,7 +6657,7 @@
           <a:p>
             <a:fld id="{F58E3EF4-7980-4C97-BA64-EC66995BB574}" type="datetime1">
               <a:rPr lang="ko-KR" altLang="en-US" smtClean="0"/>
-              <a:t>2022-12-21</a:t>
+              <a:t>2022-12-28</a:t>
             </a:fld>
             <a:endParaRPr lang="ko-KR" altLang="en-US" dirty="0"/>
           </a:p>
@@ -7069,7 +7069,7 @@
           <a:p>
             <a:fld id="{FC9BC1D0-7D6B-4634-9D19-644040D74EAE}" type="datetime1">
               <a:rPr lang="ko-KR" altLang="en-US" smtClean="0"/>
-              <a:t>2022-12-21</a:t>
+              <a:t>2022-12-28</a:t>
             </a:fld>
             <a:endParaRPr lang="ko-KR" altLang="en-US" dirty="0"/>
           </a:p>
@@ -7210,7 +7210,7 @@
           <a:p>
             <a:fld id="{B5B1BBC2-B738-4C35-AEE5-660EB2DEB482}" type="datetime1">
               <a:rPr lang="ko-KR" altLang="en-US" smtClean="0"/>
-              <a:t>2022-12-21</a:t>
+              <a:t>2022-12-28</a:t>
             </a:fld>
             <a:endParaRPr lang="ko-KR" altLang="en-US" dirty="0"/>
           </a:p>
@@ -11792,7 +11792,7 @@
           <a:p>
             <a:fld id="{C60E9F93-7E77-4F36-B88C-A425F00C8D91}" type="datetime1">
               <a:rPr lang="ko-KR" altLang="en-US" smtClean="0"/>
-              <a:t>2022-12-21</a:t>
+              <a:t>2022-12-28</a:t>
             </a:fld>
             <a:endParaRPr lang="ko-KR" altLang="en-US" dirty="0"/>
           </a:p>
@@ -12103,7 +12103,7 @@
           <a:p>
             <a:fld id="{36BCCD0E-2A54-4016-BFFC-FEAABCDA6915}" type="datetime1">
               <a:rPr lang="ko-KR" altLang="en-US" smtClean="0"/>
-              <a:t>2022-12-21</a:t>
+              <a:t>2022-12-28</a:t>
             </a:fld>
             <a:endParaRPr lang="ko-KR" altLang="en-US" dirty="0"/>
           </a:p>
@@ -12391,7 +12391,7 @@
           <a:p>
             <a:fld id="{C984B0C4-64BA-4E4C-B5E6-A51EE3F6ED95}" type="datetime1">
               <a:rPr lang="ko-KR" altLang="en-US" smtClean="0"/>
-              <a:t>2022-12-21</a:t>
+              <a:t>2022-12-28</a:t>
             </a:fld>
             <a:endParaRPr lang="ko-KR" altLang="en-US" dirty="0"/>
           </a:p>
@@ -12633,7 +12633,7 @@
           <a:p>
             <a:fld id="{C984B0C4-64BA-4E4C-B5E6-A51EE3F6ED95}" type="datetime1">
               <a:rPr lang="ko-KR" altLang="en-US" smtClean="0"/>
-              <a:t>2022-12-21</a:t>
+              <a:t>2022-12-28</a:t>
             </a:fld>
             <a:endParaRPr lang="ko-KR" altLang="en-US" dirty="0"/>
           </a:p>
@@ -15348,6 +15348,230 @@
           </a:p>
         </p:txBody>
       </p:sp>
+      <p:sp>
+        <p:nvSpPr>
+          <p:cNvPr id="3" name="사각형: 빗면 2">
+            <a:extLst>
+              <a:ext uri="{FF2B5EF4-FFF2-40B4-BE49-F238E27FC236}">
+                <a16:creationId xmlns:a16="http://schemas.microsoft.com/office/drawing/2014/main" id="{EA0B0213-28F7-C9A6-DE4A-8FF0E176A7E2}"/>
+              </a:ext>
+            </a:extLst>
+          </p:cNvPr>
+          <p:cNvSpPr/>
+          <p:nvPr/>
+        </p:nvSpPr>
+        <p:spPr>
+          <a:xfrm>
+            <a:off x="8109908" y="4356847"/>
+            <a:ext cx="2695552" cy="1858681"/>
+          </a:xfrm>
+          <a:prstGeom prst="bevel">
+            <a:avLst>
+              <a:gd name="adj" fmla="val 0"/>
+            </a:avLst>
+          </a:prstGeom>
+          <a:ln>
+            <a:solidFill>
+              <a:schemeClr val="tx1"/>
+            </a:solidFill>
+          </a:ln>
+        </p:spPr>
+        <p:style>
+          <a:lnRef idx="2">
+            <a:schemeClr val="accent1">
+              <a:shade val="50000"/>
+            </a:schemeClr>
+          </a:lnRef>
+          <a:fillRef idx="1">
+            <a:schemeClr val="accent1"/>
+          </a:fillRef>
+          <a:effectRef idx="0">
+            <a:schemeClr val="accent1"/>
+          </a:effectRef>
+          <a:fontRef idx="minor">
+            <a:schemeClr val="lt1"/>
+          </a:fontRef>
+        </p:style>
+        <p:txBody>
+          <a:bodyPr rtlCol="0" anchor="ctr"/>
+          <a:lstStyle/>
+          <a:p>
+            <a:pPr algn="ctr"/>
+            <a:r>
+              <a:rPr lang="en-US" altLang="ko-KR" dirty="0">
+                <a:solidFill>
+                  <a:schemeClr val="bg2"/>
+                </a:solidFill>
+              </a:rPr>
+              <a:t>M[manualLamp2]</a:t>
+            </a:r>
+          </a:p>
+          <a:p>
+            <a:pPr algn="ctr"/>
+            <a:r>
+              <a:rPr lang="en-US" altLang="ko-KR" dirty="0">
+                <a:solidFill>
+                  <a:schemeClr val="bg2"/>
+                </a:solidFill>
+              </a:rPr>
+              <a:t>E[emgLamp2]</a:t>
+            </a:r>
+          </a:p>
+          <a:p>
+            <a:pPr algn="ctr"/>
+            <a:r>
+              <a:rPr lang="en-US" altLang="ko-KR" dirty="0">
+                <a:solidFill>
+                  <a:schemeClr val="bg2"/>
+                </a:solidFill>
+              </a:rPr>
+              <a:t>D[dryrunLamp2]</a:t>
+            </a:r>
+          </a:p>
+        </p:txBody>
+      </p:sp>
+      <p:sp>
+        <p:nvSpPr>
+          <p:cNvPr id="10" name="사각형: 빗면 9">
+            <a:extLst>
+              <a:ext uri="{FF2B5EF4-FFF2-40B4-BE49-F238E27FC236}">
+                <a16:creationId xmlns:a16="http://schemas.microsoft.com/office/drawing/2014/main" id="{24B8EA58-FC9B-F3F1-C35D-0F76F046E22A}"/>
+              </a:ext>
+            </a:extLst>
+          </p:cNvPr>
+          <p:cNvSpPr/>
+          <p:nvPr/>
+        </p:nvSpPr>
+        <p:spPr>
+          <a:xfrm>
+            <a:off x="8253696" y="478176"/>
+            <a:ext cx="3591555" cy="3534697"/>
+          </a:xfrm>
+          <a:prstGeom prst="bevel">
+            <a:avLst>
+              <a:gd name="adj" fmla="val 16754"/>
+            </a:avLst>
+          </a:prstGeom>
+          <a:ln>
+            <a:solidFill>
+              <a:schemeClr val="tx1"/>
+            </a:solidFill>
+          </a:ln>
+        </p:spPr>
+        <p:style>
+          <a:lnRef idx="2">
+            <a:schemeClr val="accent1">
+              <a:shade val="50000"/>
+            </a:schemeClr>
+          </a:lnRef>
+          <a:fillRef idx="1">
+            <a:schemeClr val="accent1"/>
+          </a:fillRef>
+          <a:effectRef idx="0">
+            <a:schemeClr val="accent1"/>
+          </a:effectRef>
+          <a:fontRef idx="minor">
+            <a:schemeClr val="lt1"/>
+          </a:fontRef>
+        </p:style>
+        <p:txBody>
+          <a:bodyPr rtlCol="0" anchor="ctr"/>
+          <a:lstStyle/>
+          <a:p>
+            <a:pPr algn="ctr"/>
+            <a:r>
+              <a:rPr lang="en-US" altLang="ko-KR" dirty="0">
+                <a:solidFill>
+                  <a:schemeClr val="bg2"/>
+                </a:solidFill>
+              </a:rPr>
+              <a:t>A[autoBtn1]</a:t>
+            </a:r>
+          </a:p>
+          <a:p>
+            <a:pPr algn="ctr"/>
+            <a:r>
+              <a:rPr lang="en-US" altLang="ko-KR" dirty="0">
+                <a:solidFill>
+                  <a:schemeClr val="bg2"/>
+                </a:solidFill>
+              </a:rPr>
+              <a:t>M[manualBtn1]</a:t>
+            </a:r>
+          </a:p>
+          <a:p>
+            <a:pPr algn="ctr"/>
+            <a:r>
+              <a:rPr lang="en-US" altLang="ko-KR" dirty="0">
+                <a:solidFill>
+                  <a:schemeClr val="bg2"/>
+                </a:solidFill>
+              </a:rPr>
+              <a:t>E[emgBtn1]</a:t>
+            </a:r>
+          </a:p>
+          <a:p>
+            <a:pPr algn="ctr"/>
+            <a:r>
+              <a:rPr lang="en-US" altLang="ko-KR" dirty="0">
+                <a:solidFill>
+                  <a:schemeClr val="bg2"/>
+                </a:solidFill>
+              </a:rPr>
+              <a:t>S[stopBtn1]</a:t>
+            </a:r>
+          </a:p>
+          <a:p>
+            <a:pPr algn="ctr"/>
+            <a:r>
+              <a:rPr lang="en-US" altLang="ko-KR" dirty="0">
+                <a:solidFill>
+                  <a:schemeClr val="bg2"/>
+                </a:solidFill>
+              </a:rPr>
+              <a:t>C[clearBtn1]</a:t>
+            </a:r>
+          </a:p>
+          <a:p>
+            <a:pPr algn="ctr"/>
+            <a:r>
+              <a:rPr lang="en-US" altLang="ko-KR" dirty="0">
+                <a:solidFill>
+                  <a:schemeClr val="bg2"/>
+                </a:solidFill>
+              </a:rPr>
+              <a:t>R[runBtn1]</a:t>
+            </a:r>
+          </a:p>
+          <a:p>
+            <a:pPr algn="ctr"/>
+            <a:r>
+              <a:rPr lang="en-US" altLang="ko-KR" dirty="0">
+                <a:solidFill>
+                  <a:schemeClr val="bg2"/>
+                </a:solidFill>
+              </a:rPr>
+              <a:t>D[dryrunBtn1]</a:t>
+            </a:r>
+          </a:p>
+          <a:p>
+            <a:pPr algn="ctr"/>
+            <a:r>
+              <a:rPr lang="en-US" altLang="ko-KR" dirty="0">
+                <a:solidFill>
+                  <a:schemeClr val="bg2"/>
+                </a:solidFill>
+              </a:rPr>
+              <a:t>H[homeBtn1]</a:t>
+            </a:r>
+            <a:endParaRPr lang="en-US" altLang="ko-KR" sz="1400" dirty="0">
+              <a:solidFill>
+                <a:schemeClr val="bg2"/>
+              </a:solidFill>
+            </a:endParaRPr>
+          </a:p>
+        </p:txBody>
+      </p:sp>
     </p:spTree>
     <p:extLst>
       <p:ext uri="{BB962C8B-B14F-4D97-AF65-F5344CB8AC3E}">
@@ -15409,10 +15633,10 @@
       </p:sp>
       <p:sp>
         <p:nvSpPr>
-          <p:cNvPr id="3" name="&quot;허용 안 됨&quot; 기호 2">
-            <a:extLst>
-              <a:ext uri="{FF2B5EF4-FFF2-40B4-BE49-F238E27FC236}">
-                <a16:creationId xmlns:a16="http://schemas.microsoft.com/office/drawing/2014/main" id="{71150BE1-6B5C-1750-73A3-25D64C876AFF}"/>
+          <p:cNvPr id="4" name="사각형: 빗면 3">
+            <a:extLst>
+              <a:ext uri="{FF2B5EF4-FFF2-40B4-BE49-F238E27FC236}">
+                <a16:creationId xmlns:a16="http://schemas.microsoft.com/office/drawing/2014/main" id="{46DE3FC5-F63B-4762-025F-E4864E3BE855}"/>
               </a:ext>
             </a:extLst>
           </p:cNvPr>
@@ -15421,11 +15645,13 @@
         </p:nvSpPr>
         <p:spPr>
           <a:xfrm>
-            <a:off x="7020174" y="475269"/>
-            <a:ext cx="1772204" cy="1690778"/>
+            <a:off x="1658871" y="2561303"/>
+            <a:ext cx="3591555" cy="3534697"/>
           </a:xfrm>
-          <a:prstGeom prst="noSmoking">
-            <a:avLst/>
+          <a:prstGeom prst="bevel">
+            <a:avLst>
+              <a:gd name="adj" fmla="val 16754"/>
+            </a:avLst>
           </a:prstGeom>
           <a:ln>
             <a:solidFill>
@@ -15457,14 +15683,91 @@
             <a:r>
               <a:rPr lang="en-US" altLang="ko-KR" dirty="0">
                 <a:solidFill>
-                  <a:schemeClr val="tx1"/>
+                  <a:schemeClr val="bg2"/>
                 </a:solidFill>
               </a:rPr>
-              <a:t>EMG1</a:t>
-            </a:r>
-            <a:endParaRPr lang="ko-KR" altLang="en-US" dirty="0">
+              <a:t>A[autoBtn1]</a:t>
+            </a:r>
+          </a:p>
+          <a:p>
+            <a:pPr algn="ctr"/>
+            <a:r>
+              <a:rPr lang="en-US" altLang="ko-KR" dirty="0">
+                <a:solidFill>
+                  <a:schemeClr val="bg2"/>
+                </a:solidFill>
+              </a:rPr>
+              <a:t>M[manualBtn1]</a:t>
+            </a:r>
+          </a:p>
+          <a:p>
+            <a:pPr algn="ctr"/>
+            <a:r>
+              <a:rPr lang="en-US" altLang="ko-KR" dirty="0">
+                <a:solidFill>
+                  <a:schemeClr val="bg2"/>
+                </a:solidFill>
+              </a:rPr>
+              <a:t>E[emgBtn1]</a:t>
+            </a:r>
+          </a:p>
+          <a:p>
+            <a:pPr algn="ctr"/>
+            <a:r>
+              <a:rPr lang="en-US" altLang="ko-KR" dirty="0">
+                <a:solidFill>
+                  <a:schemeClr val="bg2"/>
+                </a:solidFill>
+              </a:rPr>
+              <a:t>S[stopBtn1]</a:t>
+            </a:r>
+          </a:p>
+          <a:p>
+            <a:pPr algn="ctr"/>
+            <a:r>
+              <a:rPr lang="en-US" altLang="ko-KR" dirty="0">
+                <a:solidFill>
+                  <a:schemeClr val="bg2"/>
+                </a:solidFill>
+              </a:rPr>
+              <a:t>C[clearBtn1]</a:t>
+            </a:r>
+          </a:p>
+          <a:p>
+            <a:pPr algn="ctr"/>
+            <a:r>
+              <a:rPr lang="en-US" altLang="ko-KR" dirty="0">
+                <a:solidFill>
+                  <a:schemeClr val="bg2"/>
+                </a:solidFill>
+              </a:rPr>
+              <a:t>R[runBtn1]</a:t>
+            </a:r>
+          </a:p>
+          <a:p>
+            <a:pPr algn="ctr"/>
+            <a:r>
+              <a:rPr lang="en-US" altLang="ko-KR" dirty="0">
+                <a:solidFill>
+                  <a:schemeClr val="bg2"/>
+                </a:solidFill>
+              </a:rPr>
+              <a:t>D[dryrunBtn1]</a:t>
+            </a:r>
+          </a:p>
+          <a:p>
+            <a:pPr algn="ctr"/>
+            <a:r>
+              <a:rPr lang="en-US" altLang="ko-KR" dirty="0">
+                <a:solidFill>
+                  <a:schemeClr val="bg2"/>
+                </a:solidFill>
+              </a:rPr>
+              <a:t>H[homeBtn1]</a:t>
+            </a:r>
+            <a:endParaRPr lang="en-US" altLang="ko-KR" sz="1400" dirty="0">
               <a:solidFill>
-                <a:schemeClr val="tx1"/>
+                <a:schemeClr val="bg2"/>
               </a:solidFill>
             </a:endParaRPr>
           </a:p>
@@ -15472,10 +15775,10 @@
       </p:sp>
       <p:sp>
         <p:nvSpPr>
-          <p:cNvPr id="10" name="사각형: 빗면 9">
-            <a:extLst>
-              <a:ext uri="{FF2B5EF4-FFF2-40B4-BE49-F238E27FC236}">
-                <a16:creationId xmlns:a16="http://schemas.microsoft.com/office/drawing/2014/main" id="{8A720798-24E9-449D-3026-B2F852A7056C}"/>
+          <p:cNvPr id="5" name="사각형: 빗면 4">
+            <a:extLst>
+              <a:ext uri="{FF2B5EF4-FFF2-40B4-BE49-F238E27FC236}">
+                <a16:creationId xmlns:a16="http://schemas.microsoft.com/office/drawing/2014/main" id="{DB236E01-5964-6AEB-7B99-CC2A9EE7249D}"/>
               </a:ext>
             </a:extLst>
           </p:cNvPr>
@@ -15484,11 +15787,13 @@
         </p:nvSpPr>
         <p:spPr>
           <a:xfrm>
-            <a:off x="7598020" y="2536077"/>
-            <a:ext cx="1104181" cy="1245933"/>
+            <a:off x="6427516" y="2561302"/>
+            <a:ext cx="3591555" cy="3534697"/>
           </a:xfrm>
           <a:prstGeom prst="bevel">
-            <a:avLst/>
+            <a:avLst>
+              <a:gd name="adj" fmla="val 0"/>
+            </a:avLst>
           </a:prstGeom>
           <a:ln>
             <a:solidFill>
@@ -15518,131 +15823,57 @@
           <a:p>
             <a:pPr algn="ctr"/>
             <a:r>
-              <a:rPr lang="en-US" altLang="ko-KR" dirty="0"/>
-              <a:t>RESET1</a:t>
-            </a:r>
-            <a:endParaRPr lang="ko-KR" altLang="en-US" dirty="0"/>
-          </a:p>
-        </p:txBody>
-      </p:sp>
-      <p:sp>
-        <p:nvSpPr>
-          <p:cNvPr id="11" name="원형: 비어 있음 10">
-            <a:extLst>
-              <a:ext uri="{FF2B5EF4-FFF2-40B4-BE49-F238E27FC236}">
-                <a16:creationId xmlns:a16="http://schemas.microsoft.com/office/drawing/2014/main" id="{71F39176-5B54-BDCA-08DD-D38B0EA1599E}"/>
-              </a:ext>
-            </a:extLst>
-          </p:cNvPr>
-          <p:cNvSpPr/>
-          <p:nvPr/>
-        </p:nvSpPr>
-        <p:spPr>
-          <a:xfrm>
-            <a:off x="5267927" y="475269"/>
-            <a:ext cx="1673524" cy="1690778"/>
-          </a:xfrm>
-          <a:prstGeom prst="donut">
-            <a:avLst/>
-          </a:prstGeom>
-          <a:ln>
-            <a:solidFill>
-              <a:schemeClr val="tx1"/>
-            </a:solidFill>
-          </a:ln>
-        </p:spPr>
-        <p:style>
-          <a:lnRef idx="2">
-            <a:schemeClr val="accent1">
-              <a:shade val="50000"/>
-            </a:schemeClr>
-          </a:lnRef>
-          <a:fillRef idx="1">
-            <a:schemeClr val="accent1"/>
-          </a:fillRef>
-          <a:effectRef idx="0">
-            <a:schemeClr val="accent1"/>
-          </a:effectRef>
-          <a:fontRef idx="minor">
-            <a:schemeClr val="lt1"/>
-          </a:fontRef>
-        </p:style>
-        <p:txBody>
-          <a:bodyPr rtlCol="0" anchor="ctr"/>
-          <a:lstStyle/>
+              <a:rPr lang="en-US" altLang="ko-KR" dirty="0">
+                <a:solidFill>
+                  <a:schemeClr val="bg2"/>
+                </a:solidFill>
+              </a:rPr>
+              <a:t>R[runLamp1]</a:t>
+            </a:r>
+          </a:p>
           <a:p>
             <a:pPr algn="ctr"/>
             <a:r>
               <a:rPr lang="en-US" altLang="ko-KR" dirty="0">
                 <a:solidFill>
-                  <a:schemeClr val="tx1"/>
+                  <a:schemeClr val="bg2"/>
                 </a:solidFill>
               </a:rPr>
-              <a:t>Start1</a:t>
-            </a:r>
-            <a:endParaRPr lang="ko-KR" altLang="en-US" dirty="0">
-              <a:solidFill>
-                <a:schemeClr val="tx1"/>
-              </a:solidFill>
-            </a:endParaRPr>
-          </a:p>
-        </p:txBody>
-      </p:sp>
-      <p:sp>
-        <p:nvSpPr>
-          <p:cNvPr id="7" name="막힌 원호 6">
-            <a:extLst>
-              <a:ext uri="{FF2B5EF4-FFF2-40B4-BE49-F238E27FC236}">
-                <a16:creationId xmlns:a16="http://schemas.microsoft.com/office/drawing/2014/main" id="{EBA8504C-5A73-239C-D23F-12E7A9347EB4}"/>
-              </a:ext>
-            </a:extLst>
-          </p:cNvPr>
-          <p:cNvSpPr/>
-          <p:nvPr/>
-        </p:nvSpPr>
-        <p:spPr>
-          <a:xfrm>
-            <a:off x="5339752" y="2698614"/>
-            <a:ext cx="1949570" cy="2114925"/>
-          </a:xfrm>
-          <a:prstGeom prst="blockArc">
-            <a:avLst/>
-          </a:prstGeom>
-        </p:spPr>
-        <p:style>
-          <a:lnRef idx="2">
-            <a:schemeClr val="accent1">
-              <a:shade val="50000"/>
-            </a:schemeClr>
-          </a:lnRef>
-          <a:fillRef idx="1">
-            <a:schemeClr val="accent1"/>
-          </a:fillRef>
-          <a:effectRef idx="0">
-            <a:schemeClr val="accent1"/>
-          </a:effectRef>
-          <a:fontRef idx="minor">
-            <a:schemeClr val="lt1"/>
-          </a:fontRef>
-        </p:style>
-        <p:txBody>
-          <a:bodyPr rtlCol="0" anchor="ctr"/>
-          <a:lstStyle/>
+              <a:t>S[stopLamp1]</a:t>
+            </a:r>
+          </a:p>
           <a:p>
             <a:pPr algn="ctr"/>
             <a:r>
-              <a:rPr lang="en-US" altLang="ko-KR">
-                <a:solidFill>
-                  <a:schemeClr val="tx1"/>
+              <a:rPr lang="en-US" altLang="ko-KR" dirty="0">
+                <a:solidFill>
+                  <a:schemeClr val="bg2"/>
                 </a:solidFill>
               </a:rPr>
-              <a:t>AUTO1</a:t>
-            </a:r>
-            <a:endParaRPr lang="ko-KR" altLang="en-US">
-              <a:solidFill>
-                <a:schemeClr val="tx1"/>
-              </a:solidFill>
-            </a:endParaRPr>
+              <a:t>M[manualLamp1]</a:t>
+            </a:r>
+          </a:p>
+          <a:p>
+            <a:pPr algn="ctr"/>
+            <a:r>
+              <a:rPr lang="en-US" altLang="ko-KR" dirty="0">
+                <a:solidFill>
+                  <a:schemeClr val="bg2"/>
+                </a:solidFill>
+              </a:rPr>
+              <a:t>E[emgLamp1]</a:t>
+            </a:r>
+          </a:p>
+          <a:p>
+            <a:pPr algn="ctr"/>
+            <a:r>
+              <a:rPr lang="en-US" altLang="ko-KR" dirty="0">
+                <a:solidFill>
+                  <a:schemeClr val="bg2"/>
+                </a:solidFill>
+              </a:rPr>
+              <a:t>D[dryrunLamp1]</a:t>
+            </a:r>
           </a:p>
         </p:txBody>
       </p:sp>

--- a/DsDotNet/src/UnitTest/UnitTest.Engine/ImportOffice/Sample/s.pptx
+++ b/DsDotNet/src/UnitTest/UnitTest.Engine/ImportOffice/Sample/s.pptx
@@ -227,7 +227,7 @@
           <a:p>
             <a:fld id="{DD503887-5801-43A0-AEF9-041E8DDC2558}" type="datetimeFigureOut">
               <a:rPr lang="ko-KR" altLang="en-US" smtClean="0"/>
-              <a:t>2022-12-28</a:t>
+              <a:t>2023-01-04</a:t>
             </a:fld>
             <a:endParaRPr lang="ko-KR" altLang="en-US" dirty="0"/>
           </a:p>
@@ -404,7 +404,7 @@
           <a:p>
             <a:fld id="{95336A0E-57B1-4D4C-BD9B-2F72B5943464}" type="datetimeFigureOut">
               <a:rPr lang="ko-KR" altLang="en-US" smtClean="0"/>
-              <a:t>2022-12-28</a:t>
+              <a:t>2023-01-04</a:t>
             </a:fld>
             <a:endParaRPr lang="ko-KR" altLang="en-US" dirty="0"/>
           </a:p>
@@ -902,7 +902,7 @@
           <a:p>
             <a:fld id="{229D12C7-0FF5-4972-A033-474EFFC79F40}" type="datetime1">
               <a:rPr lang="ko-KR" altLang="en-US" smtClean="0"/>
-              <a:t>2022-12-28</a:t>
+              <a:t>2023-01-04</a:t>
             </a:fld>
             <a:endParaRPr lang="ko-KR" altLang="en-US" dirty="0"/>
           </a:p>
@@ -1100,7 +1100,7 @@
           <a:p>
             <a:fld id="{5BA19FD4-B052-4F56-8FD8-EAFD078DEFB0}" type="datetime1">
               <a:rPr lang="ko-KR" altLang="en-US" smtClean="0"/>
-              <a:t>2022-12-28</a:t>
+              <a:t>2023-01-04</a:t>
             </a:fld>
             <a:endParaRPr lang="ko-KR" altLang="en-US" dirty="0"/>
           </a:p>
@@ -1308,7 +1308,7 @@
           <a:p>
             <a:fld id="{024994B9-23A6-4B0A-A038-AC140E83DAA3}" type="datetime1">
               <a:rPr lang="ko-KR" altLang="en-US" smtClean="0"/>
-              <a:t>2022-12-28</a:t>
+              <a:t>2023-01-04</a:t>
             </a:fld>
             <a:endParaRPr lang="ko-KR" altLang="en-US" dirty="0"/>
           </a:p>
@@ -1450,7 +1450,7 @@
           <a:p>
             <a:fld id="{B5B1BBC2-B738-4C35-AEE5-660EB2DEB482}" type="datetime1">
               <a:rPr lang="ko-KR" altLang="en-US" smtClean="0"/>
-              <a:t>2022-12-28</a:t>
+              <a:t>2023-01-04</a:t>
             </a:fld>
             <a:endParaRPr lang="ko-KR" altLang="en-US" dirty="0"/>
           </a:p>
@@ -6117,7 +6117,7 @@
           <a:p>
             <a:fld id="{70D0DAB2-87CB-4028-B965-3AA710ADF2CB}" type="datetime1">
               <a:rPr lang="ko-KR" altLang="en-US" smtClean="0"/>
-              <a:t>2022-12-28</a:t>
+              <a:t>2023-01-04</a:t>
             </a:fld>
             <a:endParaRPr lang="ko-KR" altLang="en-US" dirty="0"/>
           </a:p>
@@ -6392,7 +6392,7 @@
           <a:p>
             <a:fld id="{63FA3D71-FEA8-477F-9D1E-EA860F411BC7}" type="datetime1">
               <a:rPr lang="ko-KR" altLang="en-US" smtClean="0"/>
-              <a:t>2022-12-28</a:t>
+              <a:t>2023-01-04</a:t>
             </a:fld>
             <a:endParaRPr lang="ko-KR" altLang="en-US" dirty="0"/>
           </a:p>
@@ -6657,7 +6657,7 @@
           <a:p>
             <a:fld id="{F58E3EF4-7980-4C97-BA64-EC66995BB574}" type="datetime1">
               <a:rPr lang="ko-KR" altLang="en-US" smtClean="0"/>
-              <a:t>2022-12-28</a:t>
+              <a:t>2023-01-04</a:t>
             </a:fld>
             <a:endParaRPr lang="ko-KR" altLang="en-US" dirty="0"/>
           </a:p>
@@ -7069,7 +7069,7 @@
           <a:p>
             <a:fld id="{FC9BC1D0-7D6B-4634-9D19-644040D74EAE}" type="datetime1">
               <a:rPr lang="ko-KR" altLang="en-US" smtClean="0"/>
-              <a:t>2022-12-28</a:t>
+              <a:t>2023-01-04</a:t>
             </a:fld>
             <a:endParaRPr lang="ko-KR" altLang="en-US" dirty="0"/>
           </a:p>
@@ -7210,7 +7210,7 @@
           <a:p>
             <a:fld id="{B5B1BBC2-B738-4C35-AEE5-660EB2DEB482}" type="datetime1">
               <a:rPr lang="ko-KR" altLang="en-US" smtClean="0"/>
-              <a:t>2022-12-28</a:t>
+              <a:t>2023-01-04</a:t>
             </a:fld>
             <a:endParaRPr lang="ko-KR" altLang="en-US" dirty="0"/>
           </a:p>
@@ -11792,7 +11792,7 @@
           <a:p>
             <a:fld id="{C60E9F93-7E77-4F36-B88C-A425F00C8D91}" type="datetime1">
               <a:rPr lang="ko-KR" altLang="en-US" smtClean="0"/>
-              <a:t>2022-12-28</a:t>
+              <a:t>2023-01-04</a:t>
             </a:fld>
             <a:endParaRPr lang="ko-KR" altLang="en-US" dirty="0"/>
           </a:p>
@@ -12103,7 +12103,7 @@
           <a:p>
             <a:fld id="{36BCCD0E-2A54-4016-BFFC-FEAABCDA6915}" type="datetime1">
               <a:rPr lang="ko-KR" altLang="en-US" smtClean="0"/>
-              <a:t>2022-12-28</a:t>
+              <a:t>2023-01-04</a:t>
             </a:fld>
             <a:endParaRPr lang="ko-KR" altLang="en-US" dirty="0"/>
           </a:p>
@@ -12391,7 +12391,7 @@
           <a:p>
             <a:fld id="{C984B0C4-64BA-4E4C-B5E6-A51EE3F6ED95}" type="datetime1">
               <a:rPr lang="ko-KR" altLang="en-US" smtClean="0"/>
-              <a:t>2022-12-28</a:t>
+              <a:t>2023-01-04</a:t>
             </a:fld>
             <a:endParaRPr lang="ko-KR" altLang="en-US" dirty="0"/>
           </a:p>
@@ -12633,7 +12633,7 @@
           <a:p>
             <a:fld id="{C984B0C4-64BA-4E4C-B5E6-A51EE3F6ED95}" type="datetime1">
               <a:rPr lang="ko-KR" altLang="en-US" smtClean="0"/>
-              <a:t>2022-12-28</a:t>
+              <a:t>2023-01-04</a:t>
             </a:fld>
             <a:endParaRPr lang="ko-KR" altLang="en-US" dirty="0"/>
           </a:p>
@@ -13036,7 +13036,7 @@
 </file>
 
 <file path=ppt/slides/slide1.xml><?xml version="1.0" encoding="utf-8"?>
-<p:sld xmlns:a="http://schemas.openxmlformats.org/drawingml/2006/main" xmlns:r="http://schemas.openxmlformats.org/officeDocument/2006/relationships" xmlns:p="http://schemas.openxmlformats.org/presentationml/2006/main">
+<p:sld xmlns:a="http://schemas.openxmlformats.org/drawingml/2006/main" xmlns:r="http://schemas.openxmlformats.org/officeDocument/2006/relationships" xmlns:p="http://schemas.openxmlformats.org/presentationml/2006/main" show="0">
   <p:cSld>
     <p:spTree>
       <p:nvGrpSpPr>
@@ -13110,6 +13110,36 @@
           </a:p>
         </p:txBody>
       </p:sp>
+      <p:pic>
+        <p:nvPicPr>
+          <p:cNvPr id="5" name="그림 4">
+            <a:extLst>
+              <a:ext uri="{FF2B5EF4-FFF2-40B4-BE49-F238E27FC236}">
+                <a16:creationId xmlns:a16="http://schemas.microsoft.com/office/drawing/2014/main" id="{AD9D8D34-A0DA-8DB1-636C-B923E96D31E0}"/>
+              </a:ext>
+            </a:extLst>
+          </p:cNvPr>
+          <p:cNvPicPr>
+            <a:picLocks noChangeAspect="1"/>
+          </p:cNvPicPr>
+          <p:nvPr/>
+        </p:nvPicPr>
+        <p:blipFill>
+          <a:blip r:embed="rId3"/>
+          <a:stretch>
+            <a:fillRect/>
+          </a:stretch>
+        </p:blipFill>
+        <p:spPr>
+          <a:xfrm>
+            <a:off x="211781" y="0"/>
+            <a:ext cx="11768438" cy="6858000"/>
+          </a:xfrm>
+          <a:prstGeom prst="rect">
+            <a:avLst/>
+          </a:prstGeom>
+        </p:spPr>
+      </p:pic>
     </p:spTree>
     <p:extLst>
       <p:ext uri="{BB962C8B-B14F-4D97-AF65-F5344CB8AC3E}">
@@ -13124,7 +13154,7 @@
 </file>
 
 <file path=ppt/slides/slide10.xml><?xml version="1.0" encoding="utf-8"?>
-<p:sld xmlns:a="http://schemas.openxmlformats.org/drawingml/2006/main" xmlns:r="http://schemas.openxmlformats.org/officeDocument/2006/relationships" xmlns:p="http://schemas.openxmlformats.org/presentationml/2006/main">
+<p:sld xmlns:a="http://schemas.openxmlformats.org/drawingml/2006/main" xmlns:r="http://schemas.openxmlformats.org/officeDocument/2006/relationships" xmlns:p="http://schemas.openxmlformats.org/presentationml/2006/main" show="0">
   <p:cSld>
     <p:spTree>
       <p:nvGrpSpPr>
@@ -13660,7 +13690,7 @@
 </file>
 
 <file path=ppt/slides/slide11.xml><?xml version="1.0" encoding="utf-8"?>
-<p:sld xmlns:a="http://schemas.openxmlformats.org/drawingml/2006/main" xmlns:r="http://schemas.openxmlformats.org/officeDocument/2006/relationships" xmlns:p="http://schemas.openxmlformats.org/presentationml/2006/main">
+<p:sld xmlns:a="http://schemas.openxmlformats.org/drawingml/2006/main" xmlns:r="http://schemas.openxmlformats.org/officeDocument/2006/relationships" xmlns:p="http://schemas.openxmlformats.org/presentationml/2006/main" show="0">
   <p:cSld>
     <p:spTree>
       <p:nvGrpSpPr>
@@ -15891,7 +15921,7 @@
 </file>
 
 <file path=ppt/slides/slide2.xml><?xml version="1.0" encoding="utf-8"?>
-<p:sld xmlns:a="http://schemas.openxmlformats.org/drawingml/2006/main" xmlns:r="http://schemas.openxmlformats.org/officeDocument/2006/relationships" xmlns:p="http://schemas.openxmlformats.org/presentationml/2006/main">
+<p:sld xmlns:a="http://schemas.openxmlformats.org/drawingml/2006/main" xmlns:r="http://schemas.openxmlformats.org/officeDocument/2006/relationships" xmlns:p="http://schemas.openxmlformats.org/presentationml/2006/main" show="0">
   <p:cSld>
     <p:spTree>
       <p:nvGrpSpPr>
@@ -16284,7 +16314,7 @@
 </file>
 
 <file path=ppt/slides/slide3.xml><?xml version="1.0" encoding="utf-8"?>
-<p:sld xmlns:a="http://schemas.openxmlformats.org/drawingml/2006/main" xmlns:r="http://schemas.openxmlformats.org/officeDocument/2006/relationships" xmlns:p="http://schemas.openxmlformats.org/presentationml/2006/main">
+<p:sld xmlns:a="http://schemas.openxmlformats.org/drawingml/2006/main" xmlns:r="http://schemas.openxmlformats.org/officeDocument/2006/relationships" xmlns:p="http://schemas.openxmlformats.org/presentationml/2006/main" show="0">
   <p:cSld>
     <p:spTree>
       <p:nvGrpSpPr>
@@ -16473,7 +16503,7 @@
 </file>
 
 <file path=ppt/slides/slide4.xml><?xml version="1.0" encoding="utf-8"?>
-<p:sld xmlns:a="http://schemas.openxmlformats.org/drawingml/2006/main" xmlns:r="http://schemas.openxmlformats.org/officeDocument/2006/relationships" xmlns:p="http://schemas.openxmlformats.org/presentationml/2006/main">
+<p:sld xmlns:a="http://schemas.openxmlformats.org/drawingml/2006/main" xmlns:r="http://schemas.openxmlformats.org/officeDocument/2006/relationships" xmlns:p="http://schemas.openxmlformats.org/presentationml/2006/main" show="0">
   <p:cSld>
     <p:spTree>
       <p:nvGrpSpPr>
@@ -17039,7 +17069,7 @@
 </file>
 
 <file path=ppt/slides/slide5.xml><?xml version="1.0" encoding="utf-8"?>
-<p:sld xmlns:a="http://schemas.openxmlformats.org/drawingml/2006/main" xmlns:r="http://schemas.openxmlformats.org/officeDocument/2006/relationships" xmlns:p="http://schemas.openxmlformats.org/presentationml/2006/main">
+<p:sld xmlns:a="http://schemas.openxmlformats.org/drawingml/2006/main" xmlns:r="http://schemas.openxmlformats.org/officeDocument/2006/relationships" xmlns:p="http://schemas.openxmlformats.org/presentationml/2006/main" show="0">
   <p:cSld>
     <p:spTree>
       <p:nvGrpSpPr>
@@ -17472,7 +17502,7 @@
 </file>
 
 <file path=ppt/slides/slide6.xml><?xml version="1.0" encoding="utf-8"?>
-<p:sld xmlns:a="http://schemas.openxmlformats.org/drawingml/2006/main" xmlns:r="http://schemas.openxmlformats.org/officeDocument/2006/relationships" xmlns:p="http://schemas.openxmlformats.org/presentationml/2006/main">
+<p:sld xmlns:a="http://schemas.openxmlformats.org/drawingml/2006/main" xmlns:r="http://schemas.openxmlformats.org/officeDocument/2006/relationships" xmlns:p="http://schemas.openxmlformats.org/presentationml/2006/main" show="0">
   <p:cSld>
     <p:spTree>
       <p:nvGrpSpPr>
@@ -18663,7 +18693,7 @@
 </file>
 
 <file path=ppt/slides/slide7.xml><?xml version="1.0" encoding="utf-8"?>
-<p:sld xmlns:a="http://schemas.openxmlformats.org/drawingml/2006/main" xmlns:r="http://schemas.openxmlformats.org/officeDocument/2006/relationships" xmlns:p="http://schemas.openxmlformats.org/presentationml/2006/main">
+<p:sld xmlns:a="http://schemas.openxmlformats.org/drawingml/2006/main" xmlns:r="http://schemas.openxmlformats.org/officeDocument/2006/relationships" xmlns:p="http://schemas.openxmlformats.org/presentationml/2006/main" show="0">
   <p:cSld>
     <p:spTree>
       <p:nvGrpSpPr>
@@ -19696,7 +19726,7 @@
 </file>
 
 <file path=ppt/slides/slide9.xml><?xml version="1.0" encoding="utf-8"?>
-<p:sld xmlns:a="http://schemas.openxmlformats.org/drawingml/2006/main" xmlns:r="http://schemas.openxmlformats.org/officeDocument/2006/relationships" xmlns:p="http://schemas.openxmlformats.org/presentationml/2006/main">
+<p:sld xmlns:a="http://schemas.openxmlformats.org/drawingml/2006/main" xmlns:r="http://schemas.openxmlformats.org/officeDocument/2006/relationships" xmlns:p="http://schemas.openxmlformats.org/presentationml/2006/main" show="0">
   <p:cSld>
     <p:spTree>
       <p:nvGrpSpPr>

--- a/DsDotNet/src/UnitTest/UnitTest.Engine/ImportOffice/Sample/s.pptx
+++ b/DsDotNet/src/UnitTest/UnitTest.Engine/ImportOffice/Sample/s.pptx
@@ -5,10 +5,10 @@
     <p:sldMasterId id="2147483687" r:id="rId1"/>
   </p:sldMasterIdLst>
   <p:notesMasterIdLst>
-    <p:notesMasterId r:id="rId15"/>
+    <p:notesMasterId r:id="rId16"/>
   </p:notesMasterIdLst>
   <p:handoutMasterIdLst>
-    <p:handoutMasterId r:id="rId16"/>
+    <p:handoutMasterId r:id="rId17"/>
   </p:handoutMasterIdLst>
   <p:sldIdLst>
     <p:sldId id="614" r:id="rId2"/>
@@ -20,10 +20,11 @@
     <p:sldId id="625" r:id="rId8"/>
     <p:sldId id="627" r:id="rId9"/>
     <p:sldId id="628" r:id="rId10"/>
-    <p:sldId id="618" r:id="rId11"/>
-    <p:sldId id="615" r:id="rId12"/>
-    <p:sldId id="621" r:id="rId13"/>
-    <p:sldId id="624" r:id="rId14"/>
+    <p:sldId id="631" r:id="rId11"/>
+    <p:sldId id="618" r:id="rId12"/>
+    <p:sldId id="615" r:id="rId13"/>
+    <p:sldId id="621" r:id="rId14"/>
+    <p:sldId id="624" r:id="rId15"/>
   </p:sldIdLst>
   <p:sldSz cx="12192000" cy="6858000"/>
   <p:notesSz cx="6797675" cy="9926638"/>
@@ -227,7 +228,7 @@
           <a:p>
             <a:fld id="{DD503887-5801-43A0-AEF9-041E8DDC2558}" type="datetimeFigureOut">
               <a:rPr lang="ko-KR" altLang="en-US" smtClean="0"/>
-              <a:t>2023-01-04</a:t>
+              <a:t>2023-01-06</a:t>
             </a:fld>
             <a:endParaRPr lang="ko-KR" altLang="en-US" dirty="0"/>
           </a:p>
@@ -404,7 +405,7 @@
           <a:p>
             <a:fld id="{95336A0E-57B1-4D4C-BD9B-2F72B5943464}" type="datetimeFigureOut">
               <a:rPr lang="ko-KR" altLang="en-US" smtClean="0"/>
-              <a:t>2023-01-04</a:t>
+              <a:t>2023-01-06</a:t>
             </a:fld>
             <a:endParaRPr lang="ko-KR" altLang="en-US" dirty="0"/>
           </a:p>
@@ -902,7 +903,7 @@
           <a:p>
             <a:fld id="{229D12C7-0FF5-4972-A033-474EFFC79F40}" type="datetime1">
               <a:rPr lang="ko-KR" altLang="en-US" smtClean="0"/>
-              <a:t>2023-01-04</a:t>
+              <a:t>2023-01-06</a:t>
             </a:fld>
             <a:endParaRPr lang="ko-KR" altLang="en-US" dirty="0"/>
           </a:p>
@@ -1100,7 +1101,7 @@
           <a:p>
             <a:fld id="{5BA19FD4-B052-4F56-8FD8-EAFD078DEFB0}" type="datetime1">
               <a:rPr lang="ko-KR" altLang="en-US" smtClean="0"/>
-              <a:t>2023-01-04</a:t>
+              <a:t>2023-01-06</a:t>
             </a:fld>
             <a:endParaRPr lang="ko-KR" altLang="en-US" dirty="0"/>
           </a:p>
@@ -1308,7 +1309,7 @@
           <a:p>
             <a:fld id="{024994B9-23A6-4B0A-A038-AC140E83DAA3}" type="datetime1">
               <a:rPr lang="ko-KR" altLang="en-US" smtClean="0"/>
-              <a:t>2023-01-04</a:t>
+              <a:t>2023-01-06</a:t>
             </a:fld>
             <a:endParaRPr lang="ko-KR" altLang="en-US" dirty="0"/>
           </a:p>
@@ -1450,7 +1451,7 @@
           <a:p>
             <a:fld id="{B5B1BBC2-B738-4C35-AEE5-660EB2DEB482}" type="datetime1">
               <a:rPr lang="ko-KR" altLang="en-US" smtClean="0"/>
-              <a:t>2023-01-04</a:t>
+              <a:t>2023-01-06</a:t>
             </a:fld>
             <a:endParaRPr lang="ko-KR" altLang="en-US" dirty="0"/>
           </a:p>
@@ -6117,7 +6118,7 @@
           <a:p>
             <a:fld id="{70D0DAB2-87CB-4028-B965-3AA710ADF2CB}" type="datetime1">
               <a:rPr lang="ko-KR" altLang="en-US" smtClean="0"/>
-              <a:t>2023-01-04</a:t>
+              <a:t>2023-01-06</a:t>
             </a:fld>
             <a:endParaRPr lang="ko-KR" altLang="en-US" dirty="0"/>
           </a:p>
@@ -6392,7 +6393,7 @@
           <a:p>
             <a:fld id="{63FA3D71-FEA8-477F-9D1E-EA860F411BC7}" type="datetime1">
               <a:rPr lang="ko-KR" altLang="en-US" smtClean="0"/>
-              <a:t>2023-01-04</a:t>
+              <a:t>2023-01-06</a:t>
             </a:fld>
             <a:endParaRPr lang="ko-KR" altLang="en-US" dirty="0"/>
           </a:p>
@@ -6657,7 +6658,7 @@
           <a:p>
             <a:fld id="{F58E3EF4-7980-4C97-BA64-EC66995BB574}" type="datetime1">
               <a:rPr lang="ko-KR" altLang="en-US" smtClean="0"/>
-              <a:t>2023-01-04</a:t>
+              <a:t>2023-01-06</a:t>
             </a:fld>
             <a:endParaRPr lang="ko-KR" altLang="en-US" dirty="0"/>
           </a:p>
@@ -7069,7 +7070,7 @@
           <a:p>
             <a:fld id="{FC9BC1D0-7D6B-4634-9D19-644040D74EAE}" type="datetime1">
               <a:rPr lang="ko-KR" altLang="en-US" smtClean="0"/>
-              <a:t>2023-01-04</a:t>
+              <a:t>2023-01-06</a:t>
             </a:fld>
             <a:endParaRPr lang="ko-KR" altLang="en-US" dirty="0"/>
           </a:p>
@@ -7210,7 +7211,7 @@
           <a:p>
             <a:fld id="{B5B1BBC2-B738-4C35-AEE5-660EB2DEB482}" type="datetime1">
               <a:rPr lang="ko-KR" altLang="en-US" smtClean="0"/>
-              <a:t>2023-01-04</a:t>
+              <a:t>2023-01-06</a:t>
             </a:fld>
             <a:endParaRPr lang="ko-KR" altLang="en-US" dirty="0"/>
           </a:p>
@@ -11792,7 +11793,7 @@
           <a:p>
             <a:fld id="{C60E9F93-7E77-4F36-B88C-A425F00C8D91}" type="datetime1">
               <a:rPr lang="ko-KR" altLang="en-US" smtClean="0"/>
-              <a:t>2023-01-04</a:t>
+              <a:t>2023-01-06</a:t>
             </a:fld>
             <a:endParaRPr lang="ko-KR" altLang="en-US" dirty="0"/>
           </a:p>
@@ -12103,7 +12104,7 @@
           <a:p>
             <a:fld id="{36BCCD0E-2A54-4016-BFFC-FEAABCDA6915}" type="datetime1">
               <a:rPr lang="ko-KR" altLang="en-US" smtClean="0"/>
-              <a:t>2023-01-04</a:t>
+              <a:t>2023-01-06</a:t>
             </a:fld>
             <a:endParaRPr lang="ko-KR" altLang="en-US" dirty="0"/>
           </a:p>
@@ -12391,7 +12392,7 @@
           <a:p>
             <a:fld id="{C984B0C4-64BA-4E4C-B5E6-A51EE3F6ED95}" type="datetime1">
               <a:rPr lang="ko-KR" altLang="en-US" smtClean="0"/>
-              <a:t>2023-01-04</a:t>
+              <a:t>2023-01-06</a:t>
             </a:fld>
             <a:endParaRPr lang="ko-KR" altLang="en-US" dirty="0"/>
           </a:p>
@@ -12633,7 +12634,7 @@
           <a:p>
             <a:fld id="{C984B0C4-64BA-4E4C-B5E6-A51EE3F6ED95}" type="datetime1">
               <a:rPr lang="ko-KR" altLang="en-US" smtClean="0"/>
-              <a:t>2023-01-04</a:t>
+              <a:t>2023-01-06</a:t>
             </a:fld>
             <a:endParaRPr lang="ko-KR" altLang="en-US" dirty="0"/>
           </a:p>
@@ -13154,6 +13155,551 @@
 </file>
 
 <file path=ppt/slides/slide10.xml><?xml version="1.0" encoding="utf-8"?>
+<p:sld xmlns:a="http://schemas.openxmlformats.org/drawingml/2006/main" xmlns:r="http://schemas.openxmlformats.org/officeDocument/2006/relationships" xmlns:p="http://schemas.openxmlformats.org/presentationml/2006/main">
+  <p:cSld>
+    <p:spTree>
+      <p:nvGrpSpPr>
+        <p:cNvPr id="1" name=""/>
+        <p:cNvGrpSpPr/>
+        <p:nvPr/>
+      </p:nvGrpSpPr>
+      <p:grpSpPr>
+        <a:xfrm>
+          <a:off x="0" y="0"/>
+          <a:ext cx="0" cy="0"/>
+          <a:chOff x="0" y="0"/>
+          <a:chExt cx="0" cy="0"/>
+        </a:xfrm>
+      </p:grpSpPr>
+      <p:sp>
+        <p:nvSpPr>
+          <p:cNvPr id="2" name="제목 1">
+            <a:extLst>
+              <a:ext uri="{FF2B5EF4-FFF2-40B4-BE49-F238E27FC236}">
+                <a16:creationId xmlns:a16="http://schemas.microsoft.com/office/drawing/2014/main" id="{E35BEC89-0CFB-7F29-D8C7-71B3E64B4D66}"/>
+              </a:ext>
+            </a:extLst>
+          </p:cNvPr>
+          <p:cNvSpPr>
+            <a:spLocks noGrp="1"/>
+          </p:cNvSpPr>
+          <p:nvPr>
+            <p:ph type="title"/>
+          </p:nvPr>
+        </p:nvSpPr>
+        <p:spPr/>
+        <p:txBody>
+          <a:bodyPr/>
+          <a:lstStyle/>
+          <a:p>
+            <a:r>
+              <a:rPr lang="en-US" altLang="ko-KR" dirty="0"/>
+              <a:t>S3</a:t>
+            </a:r>
+            <a:endParaRPr lang="ko-KR" altLang="en-US" dirty="0"/>
+          </a:p>
+        </p:txBody>
+      </p:sp>
+      <p:sp>
+        <p:nvSpPr>
+          <p:cNvPr id="10" name="직사각형 9">
+            <a:extLst>
+              <a:ext uri="{FF2B5EF4-FFF2-40B4-BE49-F238E27FC236}">
+                <a16:creationId xmlns:a16="http://schemas.microsoft.com/office/drawing/2014/main" id="{F318C6E2-FDDA-8B00-0783-15AA765D0AA6}"/>
+              </a:ext>
+            </a:extLst>
+          </p:cNvPr>
+          <p:cNvSpPr/>
+          <p:nvPr/>
+        </p:nvSpPr>
+        <p:spPr>
+          <a:xfrm>
+            <a:off x="7988400" y="4158041"/>
+            <a:ext cx="2437946" cy="1223682"/>
+          </a:xfrm>
+          <a:prstGeom prst="rect">
+            <a:avLst/>
+          </a:prstGeom>
+          <a:solidFill>
+            <a:schemeClr val="accent4">
+              <a:alpha val="50000"/>
+            </a:schemeClr>
+          </a:solidFill>
+          <a:ln>
+            <a:noFill/>
+          </a:ln>
+        </p:spPr>
+        <p:style>
+          <a:lnRef idx="0">
+            <a:scrgbClr r="0" g="0" b="0"/>
+          </a:lnRef>
+          <a:fillRef idx="0">
+            <a:scrgbClr r="0" g="0" b="0"/>
+          </a:fillRef>
+          <a:effectRef idx="0">
+            <a:scrgbClr r="0" g="0" b="0"/>
+          </a:effectRef>
+          <a:fontRef idx="minor">
+            <a:schemeClr val="lt1"/>
+          </a:fontRef>
+        </p:style>
+        <p:txBody>
+          <a:bodyPr rtlCol="0" anchor="ctr"/>
+          <a:lstStyle/>
+          <a:p>
+            <a:pPr algn="ctr"/>
+            <a:r>
+              <a:rPr lang="en-US" altLang="ko-KR" sz="1200" dirty="0"/>
+              <a:t>R2</a:t>
+            </a:r>
+            <a:endParaRPr lang="ko-KR" altLang="en-US" sz="1200" dirty="0"/>
+          </a:p>
+        </p:txBody>
+      </p:sp>
+      <p:cxnSp>
+        <p:nvCxnSpPr>
+          <p:cNvPr id="13" name="직선 화살표 연결선 12">
+            <a:extLst>
+              <a:ext uri="{FF2B5EF4-FFF2-40B4-BE49-F238E27FC236}">
+                <a16:creationId xmlns:a16="http://schemas.microsoft.com/office/drawing/2014/main" id="{DF6B060D-6633-DD91-FDA7-49A882D2EBE8}"/>
+              </a:ext>
+            </a:extLst>
+          </p:cNvPr>
+          <p:cNvCxnSpPr>
+            <a:cxnSpLocks/>
+            <a:stCxn id="16" idx="3"/>
+            <a:endCxn id="10" idx="1"/>
+          </p:cNvCxnSpPr>
+          <p:nvPr/>
+        </p:nvCxnSpPr>
+        <p:spPr>
+          <a:xfrm>
+            <a:off x="6534526" y="4220068"/>
+            <a:ext cx="1453874" cy="549814"/>
+          </a:xfrm>
+          <a:prstGeom prst="straightConnector1">
+            <a:avLst/>
+          </a:prstGeom>
+          <a:ln w="28575">
+            <a:solidFill>
+              <a:schemeClr val="tx1">
+                <a:lumMod val="75000"/>
+                <a:lumOff val="25000"/>
+              </a:schemeClr>
+            </a:solidFill>
+            <a:tailEnd type="triangle"/>
+          </a:ln>
+        </p:spPr>
+        <p:style>
+          <a:lnRef idx="1">
+            <a:schemeClr val="dk1"/>
+          </a:lnRef>
+          <a:fillRef idx="3">
+            <a:schemeClr val="dk1"/>
+          </a:fillRef>
+          <a:effectRef idx="2">
+            <a:schemeClr val="dk1"/>
+          </a:effectRef>
+          <a:fontRef idx="minor">
+            <a:schemeClr val="lt1"/>
+          </a:fontRef>
+        </p:style>
+      </p:cxnSp>
+      <p:grpSp>
+        <p:nvGrpSpPr>
+          <p:cNvPr id="15" name="그룹 14">
+            <a:extLst>
+              <a:ext uri="{FF2B5EF4-FFF2-40B4-BE49-F238E27FC236}">
+                <a16:creationId xmlns:a16="http://schemas.microsoft.com/office/drawing/2014/main" id="{EEAD2CC3-3FF9-E574-DCC0-CFF9A0A99A95}"/>
+              </a:ext>
+            </a:extLst>
+          </p:cNvPr>
+          <p:cNvGrpSpPr/>
+          <p:nvPr/>
+        </p:nvGrpSpPr>
+        <p:grpSpPr>
+          <a:xfrm>
+            <a:off x="810000" y="2424605"/>
+            <a:ext cx="5724526" cy="3590925"/>
+            <a:chOff x="848416" y="1962150"/>
+            <a:chExt cx="5724526" cy="3590925"/>
+          </a:xfrm>
+        </p:grpSpPr>
+        <p:sp>
+          <p:nvSpPr>
+            <p:cNvPr id="16" name="직사각형 15">
+              <a:extLst>
+                <a:ext uri="{FF2B5EF4-FFF2-40B4-BE49-F238E27FC236}">
+                  <a16:creationId xmlns:a16="http://schemas.microsoft.com/office/drawing/2014/main" id="{B33EEBEF-13AF-E7A3-33A7-C063A7A9FF05}"/>
+                </a:ext>
+              </a:extLst>
+            </p:cNvPr>
+            <p:cNvSpPr/>
+            <p:nvPr/>
+          </p:nvSpPr>
+          <p:spPr>
+            <a:xfrm>
+              <a:off x="848416" y="1962150"/>
+              <a:ext cx="5724526" cy="3590925"/>
+            </a:xfrm>
+            <a:prstGeom prst="rect">
+              <a:avLst/>
+            </a:prstGeom>
+            <a:solidFill>
+              <a:schemeClr val="accent4">
+                <a:alpha val="50000"/>
+              </a:schemeClr>
+            </a:solidFill>
+            <a:ln>
+              <a:noFill/>
+            </a:ln>
+          </p:spPr>
+          <p:style>
+            <a:lnRef idx="0">
+              <a:scrgbClr r="0" g="0" b="0"/>
+            </a:lnRef>
+            <a:fillRef idx="0">
+              <a:scrgbClr r="0" g="0" b="0"/>
+            </a:fillRef>
+            <a:effectRef idx="0">
+              <a:scrgbClr r="0" g="0" b="0"/>
+            </a:effectRef>
+            <a:fontRef idx="minor">
+              <a:schemeClr val="lt1"/>
+            </a:fontRef>
+          </p:style>
+          <p:txBody>
+            <a:bodyPr rtlCol="0" anchor="t"/>
+            <a:lstStyle/>
+            <a:p>
+              <a:pPr algn="ctr"/>
+              <a:r>
+                <a:rPr lang="en-US" altLang="ko-KR" sz="2800" dirty="0">
+                  <a:solidFill>
+                    <a:schemeClr val="tx1"/>
+                  </a:solidFill>
+                </a:rPr>
+                <a:t>R1</a:t>
+              </a:r>
+              <a:endParaRPr lang="ko-KR" altLang="en-US" sz="1200" dirty="0">
+                <a:solidFill>
+                  <a:schemeClr val="tx1"/>
+                </a:solidFill>
+              </a:endParaRPr>
+            </a:p>
+          </p:txBody>
+        </p:sp>
+        <p:grpSp>
+          <p:nvGrpSpPr>
+            <p:cNvPr id="17" name="그룹 16">
+              <a:extLst>
+                <a:ext uri="{FF2B5EF4-FFF2-40B4-BE49-F238E27FC236}">
+                  <a16:creationId xmlns:a16="http://schemas.microsoft.com/office/drawing/2014/main" id="{1032C5B6-6F15-0B71-31AC-6A846F1ABAF9}"/>
+                </a:ext>
+              </a:extLst>
+            </p:cNvPr>
+            <p:cNvGrpSpPr/>
+            <p:nvPr/>
+          </p:nvGrpSpPr>
+          <p:grpSpPr>
+            <a:xfrm>
+              <a:off x="1405973" y="2441441"/>
+              <a:ext cx="4398681" cy="2052964"/>
+              <a:chOff x="1314450" y="2476500"/>
+              <a:chExt cx="4476750" cy="2447925"/>
+            </a:xfrm>
+          </p:grpSpPr>
+          <p:sp>
+            <p:nvSpPr>
+              <p:cNvPr id="18" name="타원 17">
+                <a:extLst>
+                  <a:ext uri="{FF2B5EF4-FFF2-40B4-BE49-F238E27FC236}">
+                    <a16:creationId xmlns:a16="http://schemas.microsoft.com/office/drawing/2014/main" id="{4799297C-C1B1-B459-CA8E-C18F6B037C8E}"/>
+                  </a:ext>
+                </a:extLst>
+              </p:cNvPr>
+              <p:cNvSpPr/>
+              <p:nvPr/>
+            </p:nvSpPr>
+            <p:spPr>
+              <a:xfrm>
+                <a:off x="1314450" y="2476500"/>
+                <a:ext cx="1733550" cy="952500"/>
+              </a:xfrm>
+              <a:prstGeom prst="ellipse">
+                <a:avLst/>
+              </a:prstGeom>
+              <a:solidFill>
+                <a:schemeClr val="accent4">
+                  <a:alpha val="50000"/>
+                </a:schemeClr>
+              </a:solidFill>
+              <a:ln>
+                <a:noFill/>
+              </a:ln>
+            </p:spPr>
+            <p:style>
+              <a:lnRef idx="0">
+                <a:scrgbClr r="0" g="0" b="0"/>
+              </a:lnRef>
+              <a:fillRef idx="0">
+                <a:scrgbClr r="0" g="0" b="0"/>
+              </a:fillRef>
+              <a:effectRef idx="0">
+                <a:scrgbClr r="0" g="0" b="0"/>
+              </a:effectRef>
+              <a:fontRef idx="minor">
+                <a:schemeClr val="lt1"/>
+              </a:fontRef>
+            </p:style>
+            <p:txBody>
+              <a:bodyPr rtlCol="0" anchor="ctr"/>
+              <a:lstStyle/>
+              <a:p>
+                <a:pPr algn="ctr"/>
+                <a:r>
+                  <a:rPr lang="en-US" altLang="ko-KR" dirty="0"/>
+                  <a:t>Job $Func1</a:t>
+                </a:r>
+                <a:endParaRPr lang="ko-KR" altLang="en-US" dirty="0"/>
+              </a:p>
+            </p:txBody>
+          </p:sp>
+          <p:sp>
+            <p:nvSpPr>
+              <p:cNvPr id="19" name="타원 18">
+                <a:extLst>
+                  <a:ext uri="{FF2B5EF4-FFF2-40B4-BE49-F238E27FC236}">
+                    <a16:creationId xmlns:a16="http://schemas.microsoft.com/office/drawing/2014/main" id="{BC1C2AB1-53C2-3134-39D7-821DDE64FCA6}"/>
+                  </a:ext>
+                </a:extLst>
+              </p:cNvPr>
+              <p:cNvSpPr/>
+              <p:nvPr/>
+            </p:nvSpPr>
+            <p:spPr>
+              <a:xfrm>
+                <a:off x="4057650" y="3971925"/>
+                <a:ext cx="1733550" cy="952500"/>
+              </a:xfrm>
+              <a:prstGeom prst="ellipse">
+                <a:avLst/>
+              </a:prstGeom>
+              <a:solidFill>
+                <a:schemeClr val="accent4">
+                  <a:alpha val="50000"/>
+                </a:schemeClr>
+              </a:solidFill>
+              <a:ln>
+                <a:noFill/>
+              </a:ln>
+            </p:spPr>
+            <p:style>
+              <a:lnRef idx="0">
+                <a:scrgbClr r="0" g="0" b="0"/>
+              </a:lnRef>
+              <a:fillRef idx="0">
+                <a:scrgbClr r="0" g="0" b="0"/>
+              </a:fillRef>
+              <a:effectRef idx="0">
+                <a:scrgbClr r="0" g="0" b="0"/>
+              </a:effectRef>
+              <a:fontRef idx="minor">
+                <a:schemeClr val="lt1"/>
+              </a:fontRef>
+            </p:style>
+            <p:txBody>
+              <a:bodyPr rtlCol="0" anchor="ctr"/>
+              <a:lstStyle/>
+              <a:p>
+                <a:pPr algn="ctr"/>
+                <a:r>
+                  <a:rPr lang="en-US" altLang="ko-KR" dirty="0"/>
+                  <a:t>Job $Func2</a:t>
+                </a:r>
+                <a:endParaRPr lang="ko-KR" altLang="en-US" dirty="0"/>
+              </a:p>
+            </p:txBody>
+          </p:sp>
+          <p:cxnSp>
+            <p:nvCxnSpPr>
+              <p:cNvPr id="20" name="연결선: 꺾임 19">
+                <a:extLst>
+                  <a:ext uri="{FF2B5EF4-FFF2-40B4-BE49-F238E27FC236}">
+                    <a16:creationId xmlns:a16="http://schemas.microsoft.com/office/drawing/2014/main" id="{58E16926-A46B-1D84-E0E7-FF453F933C82}"/>
+                  </a:ext>
+                </a:extLst>
+              </p:cNvPr>
+              <p:cNvCxnSpPr>
+                <a:stCxn id="18" idx="5"/>
+                <a:endCxn id="19" idx="1"/>
+              </p:cNvCxnSpPr>
+              <p:nvPr/>
+            </p:nvCxnSpPr>
+            <p:spPr>
+              <a:xfrm rot="16200000" flipH="1">
+                <a:off x="3141873" y="2941764"/>
+                <a:ext cx="821905" cy="1517396"/>
+              </a:xfrm>
+              <a:prstGeom prst="bentConnector3">
+                <a:avLst/>
+              </a:prstGeom>
+              <a:ln>
+                <a:tailEnd type="triangle"/>
+              </a:ln>
+            </p:spPr>
+            <p:style>
+              <a:lnRef idx="1">
+                <a:schemeClr val="accent4"/>
+              </a:lnRef>
+              <a:fillRef idx="0">
+                <a:schemeClr val="accent4"/>
+              </a:fillRef>
+              <a:effectRef idx="0">
+                <a:schemeClr val="accent4"/>
+              </a:effectRef>
+              <a:fontRef idx="minor">
+                <a:schemeClr val="tx1"/>
+              </a:fontRef>
+            </p:style>
+          </p:cxnSp>
+        </p:grpSp>
+      </p:grpSp>
+      <p:sp>
+        <p:nvSpPr>
+          <p:cNvPr id="21" name="사각형: 모서리가 접힌 도형 20">
+            <a:extLst>
+              <a:ext uri="{FF2B5EF4-FFF2-40B4-BE49-F238E27FC236}">
+                <a16:creationId xmlns:a16="http://schemas.microsoft.com/office/drawing/2014/main" id="{DB926D2F-DFBD-8412-5ADF-EFF48CDDFE8A}"/>
+              </a:ext>
+            </a:extLst>
+          </p:cNvPr>
+          <p:cNvSpPr/>
+          <p:nvPr/>
+        </p:nvSpPr>
+        <p:spPr>
+          <a:xfrm>
+            <a:off x="9316310" y="2557743"/>
+            <a:ext cx="2437946" cy="1223682"/>
+          </a:xfrm>
+          <a:prstGeom prst="foldedCorner">
+            <a:avLst/>
+          </a:prstGeom>
+          <a:solidFill>
+            <a:schemeClr val="accent3">
+              <a:alpha val="50000"/>
+            </a:schemeClr>
+          </a:solidFill>
+          <a:ln>
+            <a:noFill/>
+          </a:ln>
+        </p:spPr>
+        <p:style>
+          <a:lnRef idx="0">
+            <a:scrgbClr r="0" g="0" b="0"/>
+          </a:lnRef>
+          <a:fillRef idx="0">
+            <a:scrgbClr r="0" g="0" b="0"/>
+          </a:fillRef>
+          <a:effectRef idx="0">
+            <a:scrgbClr r="0" g="0" b="0"/>
+          </a:effectRef>
+          <a:fontRef idx="minor">
+            <a:schemeClr val="lt1"/>
+          </a:fontRef>
+        </p:style>
+        <p:txBody>
+          <a:bodyPr rtlCol="0" anchor="ctr"/>
+          <a:lstStyle/>
+          <a:p>
+            <a:pPr algn="ctr"/>
+            <a:r>
+              <a:rPr lang="en-US" altLang="ko-KR" dirty="0"/>
+              <a:t>../sample/Lib/test </a:t>
+            </a:r>
+          </a:p>
+          <a:p>
+            <a:pPr algn="ctr"/>
+            <a:r>
+              <a:rPr lang="en-US" altLang="ko-KR" dirty="0"/>
+              <a:t>[Job]5</a:t>
+            </a:r>
+            <a:endParaRPr lang="ko-KR" altLang="en-US" dirty="0"/>
+          </a:p>
+        </p:txBody>
+      </p:sp>
+      <p:sp>
+        <p:nvSpPr>
+          <p:cNvPr id="22" name="TextBox 21">
+            <a:extLst>
+              <a:ext uri="{FF2B5EF4-FFF2-40B4-BE49-F238E27FC236}">
+                <a16:creationId xmlns:a16="http://schemas.microsoft.com/office/drawing/2014/main" id="{0772646A-C193-829E-B2AE-9749CB2CD9D4}"/>
+              </a:ext>
+            </a:extLst>
+          </p:cNvPr>
+          <p:cNvSpPr txBox="1"/>
+          <p:nvPr/>
+        </p:nvSpPr>
+        <p:spPr>
+          <a:xfrm>
+            <a:off x="6817869" y="1861486"/>
+            <a:ext cx="4996881" cy="646331"/>
+          </a:xfrm>
+          <a:prstGeom prst="rect">
+            <a:avLst/>
+          </a:prstGeom>
+          <a:noFill/>
+        </p:spPr>
+        <p:txBody>
+          <a:bodyPr wrap="none" rtlCol="0">
+            <a:spAutoFit/>
+          </a:bodyPr>
+          <a:lstStyle/>
+          <a:p>
+            <a:r>
+              <a:rPr lang="ko-KR" altLang="en-US" dirty="0"/>
+              <a:t>확장정의</a:t>
+            </a:r>
+            <a:r>
+              <a:rPr lang="en-US" altLang="ko-KR" dirty="0"/>
+              <a:t>2 : N </a:t>
+            </a:r>
+            <a:r>
+              <a:rPr lang="ko-KR" altLang="en-US" dirty="0"/>
+              <a:t>숫자 만큼 </a:t>
+            </a:r>
+            <a:endParaRPr lang="en-US" altLang="ko-KR" dirty="0"/>
+          </a:p>
+          <a:p>
+            <a:r>
+              <a:rPr lang="en-US" altLang="ko-KR" dirty="0"/>
+              <a:t>groupName1~ groupNameN Loading </a:t>
+            </a:r>
+            <a:r>
+              <a:rPr lang="ko-KR" altLang="en-US" dirty="0"/>
+              <a:t>한다</a:t>
+            </a:r>
+            <a:r>
+              <a:rPr lang="en-US" altLang="ko-KR" dirty="0"/>
+              <a:t>.</a:t>
+            </a:r>
+          </a:p>
+        </p:txBody>
+      </p:sp>
+    </p:spTree>
+    <p:extLst>
+      <p:ext uri="{BB962C8B-B14F-4D97-AF65-F5344CB8AC3E}">
+        <p14:creationId xmlns:p14="http://schemas.microsoft.com/office/powerpoint/2010/main" val="3764349495"/>
+      </p:ext>
+    </p:extLst>
+  </p:cSld>
+  <p:clrMapOvr>
+    <a:masterClrMapping/>
+  </p:clrMapOvr>
+</p:sld>
+</file>
+
+<file path=ppt/slides/slide11.xml><?xml version="1.0" encoding="utf-8"?>
 <p:sld xmlns:a="http://schemas.openxmlformats.org/drawingml/2006/main" xmlns:r="http://schemas.openxmlformats.org/officeDocument/2006/relationships" xmlns:p="http://schemas.openxmlformats.org/presentationml/2006/main" show="0">
   <p:cSld>
     <p:spTree>
@@ -13689,7 +14235,7 @@
 </p:sld>
 </file>
 
-<file path=ppt/slides/slide11.xml><?xml version="1.0" encoding="utf-8"?>
+<file path=ppt/slides/slide12.xml><?xml version="1.0" encoding="utf-8"?>
 <p:sld xmlns:a="http://schemas.openxmlformats.org/drawingml/2006/main" xmlns:r="http://schemas.openxmlformats.org/officeDocument/2006/relationships" xmlns:p="http://schemas.openxmlformats.org/presentationml/2006/main" show="0">
   <p:cSld>
     <p:spTree>
@@ -14736,7 +15282,7 @@
 </p:sld>
 </file>
 
-<file path=ppt/slides/slide12.xml><?xml version="1.0" encoding="utf-8"?>
+<file path=ppt/slides/slide13.xml><?xml version="1.0" encoding="utf-8"?>
 <p:sld xmlns:a="http://schemas.openxmlformats.org/drawingml/2006/main" xmlns:r="http://schemas.openxmlformats.org/officeDocument/2006/relationships" xmlns:p="http://schemas.openxmlformats.org/presentationml/2006/main">
   <p:cSld>
     <p:spTree>
@@ -15615,7 +16161,7 @@
 </p:sld>
 </file>
 
-<file path=ppt/slides/slide13.xml><?xml version="1.0" encoding="utf-8"?>
+<file path=ppt/slides/slide14.xml><?xml version="1.0" encoding="utf-8"?>
 <p:sld xmlns:a="http://schemas.openxmlformats.org/drawingml/2006/main" xmlns:r="http://schemas.openxmlformats.org/officeDocument/2006/relationships" xmlns:p="http://schemas.openxmlformats.org/presentationml/2006/main">
   <p:cSld>
     <p:spTree>

--- a/DsDotNet/src/UnitTest/UnitTest.Engine/ImportOffice/Sample/s.pptx
+++ b/DsDotNet/src/UnitTest/UnitTest.Engine/ImportOffice/Sample/s.pptx
@@ -5,10 +5,10 @@
     <p:sldMasterId id="2147483687" r:id="rId1"/>
   </p:sldMasterIdLst>
   <p:notesMasterIdLst>
-    <p:notesMasterId r:id="rId16"/>
+    <p:notesMasterId r:id="rId17"/>
   </p:notesMasterIdLst>
   <p:handoutMasterIdLst>
-    <p:handoutMasterId r:id="rId17"/>
+    <p:handoutMasterId r:id="rId18"/>
   </p:handoutMasterIdLst>
   <p:sldIdLst>
     <p:sldId id="614" r:id="rId2"/>
@@ -21,10 +21,11 @@
     <p:sldId id="627" r:id="rId9"/>
     <p:sldId id="628" r:id="rId10"/>
     <p:sldId id="631" r:id="rId11"/>
-    <p:sldId id="618" r:id="rId12"/>
-    <p:sldId id="615" r:id="rId13"/>
-    <p:sldId id="621" r:id="rId14"/>
-    <p:sldId id="624" r:id="rId15"/>
+    <p:sldId id="632" r:id="rId12"/>
+    <p:sldId id="618" r:id="rId13"/>
+    <p:sldId id="615" r:id="rId14"/>
+    <p:sldId id="621" r:id="rId15"/>
+    <p:sldId id="624" r:id="rId16"/>
   </p:sldIdLst>
   <p:sldSz cx="12192000" cy="6858000"/>
   <p:notesSz cx="6797675" cy="9926638"/>
@@ -228,7 +229,7 @@
           <a:p>
             <a:fld id="{DD503887-5801-43A0-AEF9-041E8DDC2558}" type="datetimeFigureOut">
               <a:rPr lang="ko-KR" altLang="en-US" smtClean="0"/>
-              <a:t>2023-01-06</a:t>
+              <a:t>2023-01-09</a:t>
             </a:fld>
             <a:endParaRPr lang="ko-KR" altLang="en-US" dirty="0"/>
           </a:p>
@@ -405,7 +406,7 @@
           <a:p>
             <a:fld id="{95336A0E-57B1-4D4C-BD9B-2F72B5943464}" type="datetimeFigureOut">
               <a:rPr lang="ko-KR" altLang="en-US" smtClean="0"/>
-              <a:t>2023-01-06</a:t>
+              <a:t>2023-01-09</a:t>
             </a:fld>
             <a:endParaRPr lang="ko-KR" altLang="en-US" dirty="0"/>
           </a:p>
@@ -903,7 +904,7 @@
           <a:p>
             <a:fld id="{229D12C7-0FF5-4972-A033-474EFFC79F40}" type="datetime1">
               <a:rPr lang="ko-KR" altLang="en-US" smtClean="0"/>
-              <a:t>2023-01-06</a:t>
+              <a:t>2023-01-09</a:t>
             </a:fld>
             <a:endParaRPr lang="ko-KR" altLang="en-US" dirty="0"/>
           </a:p>
@@ -1101,7 +1102,7 @@
           <a:p>
             <a:fld id="{5BA19FD4-B052-4F56-8FD8-EAFD078DEFB0}" type="datetime1">
               <a:rPr lang="ko-KR" altLang="en-US" smtClean="0"/>
-              <a:t>2023-01-06</a:t>
+              <a:t>2023-01-09</a:t>
             </a:fld>
             <a:endParaRPr lang="ko-KR" altLang="en-US" dirty="0"/>
           </a:p>
@@ -1309,7 +1310,7 @@
           <a:p>
             <a:fld id="{024994B9-23A6-4B0A-A038-AC140E83DAA3}" type="datetime1">
               <a:rPr lang="ko-KR" altLang="en-US" smtClean="0"/>
-              <a:t>2023-01-06</a:t>
+              <a:t>2023-01-09</a:t>
             </a:fld>
             <a:endParaRPr lang="ko-KR" altLang="en-US" dirty="0"/>
           </a:p>
@@ -1451,7 +1452,7 @@
           <a:p>
             <a:fld id="{B5B1BBC2-B738-4C35-AEE5-660EB2DEB482}" type="datetime1">
               <a:rPr lang="ko-KR" altLang="en-US" smtClean="0"/>
-              <a:t>2023-01-06</a:t>
+              <a:t>2023-01-09</a:t>
             </a:fld>
             <a:endParaRPr lang="ko-KR" altLang="en-US" dirty="0"/>
           </a:p>
@@ -6118,7 +6119,7 @@
           <a:p>
             <a:fld id="{70D0DAB2-87CB-4028-B965-3AA710ADF2CB}" type="datetime1">
               <a:rPr lang="ko-KR" altLang="en-US" smtClean="0"/>
-              <a:t>2023-01-06</a:t>
+              <a:t>2023-01-09</a:t>
             </a:fld>
             <a:endParaRPr lang="ko-KR" altLang="en-US" dirty="0"/>
           </a:p>
@@ -6393,7 +6394,7 @@
           <a:p>
             <a:fld id="{63FA3D71-FEA8-477F-9D1E-EA860F411BC7}" type="datetime1">
               <a:rPr lang="ko-KR" altLang="en-US" smtClean="0"/>
-              <a:t>2023-01-06</a:t>
+              <a:t>2023-01-09</a:t>
             </a:fld>
             <a:endParaRPr lang="ko-KR" altLang="en-US" dirty="0"/>
           </a:p>
@@ -6658,7 +6659,7 @@
           <a:p>
             <a:fld id="{F58E3EF4-7980-4C97-BA64-EC66995BB574}" type="datetime1">
               <a:rPr lang="ko-KR" altLang="en-US" smtClean="0"/>
-              <a:t>2023-01-06</a:t>
+              <a:t>2023-01-09</a:t>
             </a:fld>
             <a:endParaRPr lang="ko-KR" altLang="en-US" dirty="0"/>
           </a:p>
@@ -7070,7 +7071,7 @@
           <a:p>
             <a:fld id="{FC9BC1D0-7D6B-4634-9D19-644040D74EAE}" type="datetime1">
               <a:rPr lang="ko-KR" altLang="en-US" smtClean="0"/>
-              <a:t>2023-01-06</a:t>
+              <a:t>2023-01-09</a:t>
             </a:fld>
             <a:endParaRPr lang="ko-KR" altLang="en-US" dirty="0"/>
           </a:p>
@@ -7211,7 +7212,7 @@
           <a:p>
             <a:fld id="{B5B1BBC2-B738-4C35-AEE5-660EB2DEB482}" type="datetime1">
               <a:rPr lang="ko-KR" altLang="en-US" smtClean="0"/>
-              <a:t>2023-01-06</a:t>
+              <a:t>2023-01-09</a:t>
             </a:fld>
             <a:endParaRPr lang="ko-KR" altLang="en-US" dirty="0"/>
           </a:p>
@@ -11793,7 +11794,7 @@
           <a:p>
             <a:fld id="{C60E9F93-7E77-4F36-B88C-A425F00C8D91}" type="datetime1">
               <a:rPr lang="ko-KR" altLang="en-US" smtClean="0"/>
-              <a:t>2023-01-06</a:t>
+              <a:t>2023-01-09</a:t>
             </a:fld>
             <a:endParaRPr lang="ko-KR" altLang="en-US" dirty="0"/>
           </a:p>
@@ -12104,7 +12105,7 @@
           <a:p>
             <a:fld id="{36BCCD0E-2A54-4016-BFFC-FEAABCDA6915}" type="datetime1">
               <a:rPr lang="ko-KR" altLang="en-US" smtClean="0"/>
-              <a:t>2023-01-06</a:t>
+              <a:t>2023-01-09</a:t>
             </a:fld>
             <a:endParaRPr lang="ko-KR" altLang="en-US" dirty="0"/>
           </a:p>
@@ -12392,7 +12393,7 @@
           <a:p>
             <a:fld id="{C984B0C4-64BA-4E4C-B5E6-A51EE3F6ED95}" type="datetime1">
               <a:rPr lang="ko-KR" altLang="en-US" smtClean="0"/>
-              <a:t>2023-01-06</a:t>
+              <a:t>2023-01-09</a:t>
             </a:fld>
             <a:endParaRPr lang="ko-KR" altLang="en-US" dirty="0"/>
           </a:p>
@@ -12634,7 +12635,7 @@
           <a:p>
             <a:fld id="{C984B0C4-64BA-4E4C-B5E6-A51EE3F6ED95}" type="datetime1">
               <a:rPr lang="ko-KR" altLang="en-US" smtClean="0"/>
-              <a:t>2023-01-06</a:t>
+              <a:t>2023-01-09</a:t>
             </a:fld>
             <a:endParaRPr lang="ko-KR" altLang="en-US" dirty="0"/>
           </a:p>
@@ -13155,7 +13156,7 @@
 </file>
 
 <file path=ppt/slides/slide10.xml><?xml version="1.0" encoding="utf-8"?>
-<p:sld xmlns:a="http://schemas.openxmlformats.org/drawingml/2006/main" xmlns:r="http://schemas.openxmlformats.org/officeDocument/2006/relationships" xmlns:p="http://schemas.openxmlformats.org/presentationml/2006/main">
+<p:sld xmlns:a="http://schemas.openxmlformats.org/drawingml/2006/main" xmlns:r="http://schemas.openxmlformats.org/officeDocument/2006/relationships" xmlns:p="http://schemas.openxmlformats.org/presentationml/2006/main" show="0">
   <p:cSld>
     <p:spTree>
       <p:nvGrpSpPr>
@@ -13700,6 +13701,585 @@
 </file>
 
 <file path=ppt/slides/slide11.xml><?xml version="1.0" encoding="utf-8"?>
+<p:sld xmlns:a="http://schemas.openxmlformats.org/drawingml/2006/main" xmlns:r="http://schemas.openxmlformats.org/officeDocument/2006/relationships" xmlns:p="http://schemas.openxmlformats.org/presentationml/2006/main">
+  <p:cSld>
+    <p:spTree>
+      <p:nvGrpSpPr>
+        <p:cNvPr id="1" name=""/>
+        <p:cNvGrpSpPr/>
+        <p:nvPr/>
+      </p:nvGrpSpPr>
+      <p:grpSpPr>
+        <a:xfrm>
+          <a:off x="0" y="0"/>
+          <a:ext cx="0" cy="0"/>
+          <a:chOff x="0" y="0"/>
+          <a:chExt cx="0" cy="0"/>
+        </a:xfrm>
+      </p:grpSpPr>
+      <p:sp>
+        <p:nvSpPr>
+          <p:cNvPr id="2" name="제목 1">
+            <a:extLst>
+              <a:ext uri="{FF2B5EF4-FFF2-40B4-BE49-F238E27FC236}">
+                <a16:creationId xmlns:a16="http://schemas.microsoft.com/office/drawing/2014/main" id="{E35BEC89-0CFB-7F29-D8C7-71B3E64B4D66}"/>
+              </a:ext>
+            </a:extLst>
+          </p:cNvPr>
+          <p:cNvSpPr>
+            <a:spLocks noGrp="1"/>
+          </p:cNvSpPr>
+          <p:nvPr>
+            <p:ph type="title"/>
+          </p:nvPr>
+        </p:nvSpPr>
+        <p:spPr/>
+        <p:txBody>
+          <a:bodyPr/>
+          <a:lstStyle/>
+          <a:p>
+            <a:r>
+              <a:rPr lang="en-US" altLang="ko-KR" dirty="0" err="1"/>
+              <a:t>S4</a:t>
+            </a:r>
+            <a:endParaRPr lang="ko-KR" altLang="en-US" dirty="0"/>
+          </a:p>
+        </p:txBody>
+      </p:sp>
+      <p:sp>
+        <p:nvSpPr>
+          <p:cNvPr id="10" name="직사각형 9">
+            <a:extLst>
+              <a:ext uri="{FF2B5EF4-FFF2-40B4-BE49-F238E27FC236}">
+                <a16:creationId xmlns:a16="http://schemas.microsoft.com/office/drawing/2014/main" id="{F318C6E2-FDDA-8B00-0783-15AA765D0AA6}"/>
+              </a:ext>
+            </a:extLst>
+          </p:cNvPr>
+          <p:cNvSpPr/>
+          <p:nvPr/>
+        </p:nvSpPr>
+        <p:spPr>
+          <a:xfrm>
+            <a:off x="7988400" y="4158041"/>
+            <a:ext cx="2437946" cy="1223682"/>
+          </a:xfrm>
+          <a:prstGeom prst="rect">
+            <a:avLst/>
+          </a:prstGeom>
+          <a:solidFill>
+            <a:schemeClr val="accent4">
+              <a:alpha val="50000"/>
+            </a:schemeClr>
+          </a:solidFill>
+          <a:ln>
+            <a:noFill/>
+          </a:ln>
+        </p:spPr>
+        <p:style>
+          <a:lnRef idx="0">
+            <a:scrgbClr r="0" g="0" b="0"/>
+          </a:lnRef>
+          <a:fillRef idx="0">
+            <a:scrgbClr r="0" g="0" b="0"/>
+          </a:fillRef>
+          <a:effectRef idx="0">
+            <a:scrgbClr r="0" g="0" b="0"/>
+          </a:effectRef>
+          <a:fontRef idx="minor">
+            <a:schemeClr val="lt1"/>
+          </a:fontRef>
+        </p:style>
+        <p:txBody>
+          <a:bodyPr rtlCol="0" anchor="ctr"/>
+          <a:lstStyle/>
+          <a:p>
+            <a:pPr algn="ctr"/>
+            <a:r>
+              <a:rPr lang="en-US" altLang="ko-KR" sz="1200" dirty="0"/>
+              <a:t>R2</a:t>
+            </a:r>
+            <a:endParaRPr lang="ko-KR" altLang="en-US" sz="1200" dirty="0"/>
+          </a:p>
+        </p:txBody>
+      </p:sp>
+      <p:cxnSp>
+        <p:nvCxnSpPr>
+          <p:cNvPr id="13" name="직선 화살표 연결선 12">
+            <a:extLst>
+              <a:ext uri="{FF2B5EF4-FFF2-40B4-BE49-F238E27FC236}">
+                <a16:creationId xmlns:a16="http://schemas.microsoft.com/office/drawing/2014/main" id="{DF6B060D-6633-DD91-FDA7-49A882D2EBE8}"/>
+              </a:ext>
+            </a:extLst>
+          </p:cNvPr>
+          <p:cNvCxnSpPr>
+            <a:cxnSpLocks/>
+            <a:stCxn id="16" idx="3"/>
+            <a:endCxn id="10" idx="1"/>
+          </p:cNvCxnSpPr>
+          <p:nvPr/>
+        </p:nvCxnSpPr>
+        <p:spPr>
+          <a:xfrm>
+            <a:off x="6534526" y="4220068"/>
+            <a:ext cx="1453874" cy="549814"/>
+          </a:xfrm>
+          <a:prstGeom prst="straightConnector1">
+            <a:avLst/>
+          </a:prstGeom>
+          <a:ln w="28575">
+            <a:solidFill>
+              <a:schemeClr val="tx1">
+                <a:lumMod val="75000"/>
+                <a:lumOff val="25000"/>
+              </a:schemeClr>
+            </a:solidFill>
+            <a:tailEnd type="triangle"/>
+          </a:ln>
+        </p:spPr>
+        <p:style>
+          <a:lnRef idx="1">
+            <a:schemeClr val="dk1"/>
+          </a:lnRef>
+          <a:fillRef idx="3">
+            <a:schemeClr val="dk1"/>
+          </a:fillRef>
+          <a:effectRef idx="2">
+            <a:schemeClr val="dk1"/>
+          </a:effectRef>
+          <a:fontRef idx="minor">
+            <a:schemeClr val="lt1"/>
+          </a:fontRef>
+        </p:style>
+      </p:cxnSp>
+      <p:grpSp>
+        <p:nvGrpSpPr>
+          <p:cNvPr id="15" name="그룹 14">
+            <a:extLst>
+              <a:ext uri="{FF2B5EF4-FFF2-40B4-BE49-F238E27FC236}">
+                <a16:creationId xmlns:a16="http://schemas.microsoft.com/office/drawing/2014/main" id="{EEAD2CC3-3FF9-E574-DCC0-CFF9A0A99A95}"/>
+              </a:ext>
+            </a:extLst>
+          </p:cNvPr>
+          <p:cNvGrpSpPr/>
+          <p:nvPr/>
+        </p:nvGrpSpPr>
+        <p:grpSpPr>
+          <a:xfrm>
+            <a:off x="810000" y="2424605"/>
+            <a:ext cx="5724526" cy="3590925"/>
+            <a:chOff x="848416" y="1962150"/>
+            <a:chExt cx="5724526" cy="3590925"/>
+          </a:xfrm>
+        </p:grpSpPr>
+        <p:sp>
+          <p:nvSpPr>
+            <p:cNvPr id="16" name="직사각형 15">
+              <a:extLst>
+                <a:ext uri="{FF2B5EF4-FFF2-40B4-BE49-F238E27FC236}">
+                  <a16:creationId xmlns:a16="http://schemas.microsoft.com/office/drawing/2014/main" id="{B33EEBEF-13AF-E7A3-33A7-C063A7A9FF05}"/>
+                </a:ext>
+              </a:extLst>
+            </p:cNvPr>
+            <p:cNvSpPr/>
+            <p:nvPr/>
+          </p:nvSpPr>
+          <p:spPr>
+            <a:xfrm>
+              <a:off x="848416" y="1962150"/>
+              <a:ext cx="5724526" cy="3590925"/>
+            </a:xfrm>
+            <a:prstGeom prst="rect">
+              <a:avLst/>
+            </a:prstGeom>
+            <a:solidFill>
+              <a:schemeClr val="accent4">
+                <a:alpha val="50000"/>
+              </a:schemeClr>
+            </a:solidFill>
+            <a:ln>
+              <a:noFill/>
+            </a:ln>
+          </p:spPr>
+          <p:style>
+            <a:lnRef idx="0">
+              <a:scrgbClr r="0" g="0" b="0"/>
+            </a:lnRef>
+            <a:fillRef idx="0">
+              <a:scrgbClr r="0" g="0" b="0"/>
+            </a:fillRef>
+            <a:effectRef idx="0">
+              <a:scrgbClr r="0" g="0" b="0"/>
+            </a:effectRef>
+            <a:fontRef idx="minor">
+              <a:schemeClr val="lt1"/>
+            </a:fontRef>
+          </p:style>
+          <p:txBody>
+            <a:bodyPr rtlCol="0" anchor="t"/>
+            <a:lstStyle/>
+            <a:p>
+              <a:pPr algn="ctr"/>
+              <a:r>
+                <a:rPr lang="en-US" altLang="ko-KR" sz="2800" dirty="0">
+                  <a:solidFill>
+                    <a:schemeClr val="tx1"/>
+                  </a:solidFill>
+                </a:rPr>
+                <a:t>R1</a:t>
+              </a:r>
+              <a:endParaRPr lang="ko-KR" altLang="en-US" sz="1200" dirty="0">
+                <a:solidFill>
+                  <a:schemeClr val="tx1"/>
+                </a:solidFill>
+              </a:endParaRPr>
+            </a:p>
+          </p:txBody>
+        </p:sp>
+        <p:grpSp>
+          <p:nvGrpSpPr>
+            <p:cNvPr id="17" name="그룹 16">
+              <a:extLst>
+                <a:ext uri="{FF2B5EF4-FFF2-40B4-BE49-F238E27FC236}">
+                  <a16:creationId xmlns:a16="http://schemas.microsoft.com/office/drawing/2014/main" id="{1032C5B6-6F15-0B71-31AC-6A846F1ABAF9}"/>
+                </a:ext>
+              </a:extLst>
+            </p:cNvPr>
+            <p:cNvGrpSpPr/>
+            <p:nvPr/>
+          </p:nvGrpSpPr>
+          <p:grpSpPr>
+            <a:xfrm>
+              <a:off x="1405973" y="2441441"/>
+              <a:ext cx="4398681" cy="2664805"/>
+              <a:chOff x="1314450" y="2476500"/>
+              <a:chExt cx="4476750" cy="3177475"/>
+            </a:xfrm>
+          </p:grpSpPr>
+          <p:sp>
+            <p:nvSpPr>
+              <p:cNvPr id="18" name="타원 17">
+                <a:extLst>
+                  <a:ext uri="{FF2B5EF4-FFF2-40B4-BE49-F238E27FC236}">
+                    <a16:creationId xmlns:a16="http://schemas.microsoft.com/office/drawing/2014/main" id="{4799297C-C1B1-B459-CA8E-C18F6B037C8E}"/>
+                  </a:ext>
+                </a:extLst>
+              </p:cNvPr>
+              <p:cNvSpPr/>
+              <p:nvPr/>
+            </p:nvSpPr>
+            <p:spPr>
+              <a:xfrm>
+                <a:off x="1314450" y="2476500"/>
+                <a:ext cx="1733550" cy="952500"/>
+              </a:xfrm>
+              <a:prstGeom prst="ellipse">
+                <a:avLst/>
+              </a:prstGeom>
+              <a:solidFill>
+                <a:schemeClr val="accent4">
+                  <a:alpha val="50000"/>
+                </a:schemeClr>
+              </a:solidFill>
+              <a:ln>
+                <a:noFill/>
+              </a:ln>
+            </p:spPr>
+            <p:style>
+              <a:lnRef idx="0">
+                <a:scrgbClr r="0" g="0" b="0"/>
+              </a:lnRef>
+              <a:fillRef idx="0">
+                <a:scrgbClr r="0" g="0" b="0"/>
+              </a:fillRef>
+              <a:effectRef idx="0">
+                <a:scrgbClr r="0" g="0" b="0"/>
+              </a:effectRef>
+              <a:fontRef idx="minor">
+                <a:schemeClr val="lt1"/>
+              </a:fontRef>
+            </p:style>
+            <p:txBody>
+              <a:bodyPr rtlCol="0" anchor="ctr"/>
+              <a:lstStyle/>
+              <a:p>
+                <a:pPr algn="ctr"/>
+                <a:r>
+                  <a:rPr lang="en-US" altLang="ko-KR" dirty="0" err="1"/>
+                  <a:t>rbt</a:t>
+                </a:r>
+                <a:r>
+                  <a:rPr lang="en-US" altLang="ko-KR" dirty="0"/>
+                  <a:t> $Home</a:t>
+                </a:r>
+                <a:endParaRPr lang="ko-KR" altLang="en-US" dirty="0"/>
+              </a:p>
+            </p:txBody>
+          </p:sp>
+          <p:sp>
+            <p:nvSpPr>
+              <p:cNvPr id="19" name="타원 18">
+                <a:extLst>
+                  <a:ext uri="{FF2B5EF4-FFF2-40B4-BE49-F238E27FC236}">
+                    <a16:creationId xmlns:a16="http://schemas.microsoft.com/office/drawing/2014/main" id="{BC1C2AB1-53C2-3134-39D7-821DDE64FCA6}"/>
+                  </a:ext>
+                </a:extLst>
+              </p:cNvPr>
+              <p:cNvSpPr/>
+              <p:nvPr/>
+            </p:nvSpPr>
+            <p:spPr>
+              <a:xfrm>
+                <a:off x="4057650" y="3971925"/>
+                <a:ext cx="1733550" cy="952500"/>
+              </a:xfrm>
+              <a:prstGeom prst="ellipse">
+                <a:avLst/>
+              </a:prstGeom>
+              <a:solidFill>
+                <a:schemeClr val="accent4">
+                  <a:alpha val="50000"/>
+                </a:schemeClr>
+              </a:solidFill>
+              <a:ln>
+                <a:noFill/>
+              </a:ln>
+            </p:spPr>
+            <p:style>
+              <a:lnRef idx="0">
+                <a:scrgbClr r="0" g="0" b="0"/>
+              </a:lnRef>
+              <a:fillRef idx="0">
+                <a:scrgbClr r="0" g="0" b="0"/>
+              </a:fillRef>
+              <a:effectRef idx="0">
+                <a:scrgbClr r="0" g="0" b="0"/>
+              </a:effectRef>
+              <a:fontRef idx="minor">
+                <a:schemeClr val="lt1"/>
+              </a:fontRef>
+            </p:style>
+            <p:txBody>
+              <a:bodyPr rtlCol="0" anchor="ctr"/>
+              <a:lstStyle/>
+              <a:p>
+                <a:pPr algn="ctr"/>
+                <a:r>
+                  <a:rPr lang="en-US" altLang="ko-KR" dirty="0" err="1"/>
+                  <a:t>rbt</a:t>
+                </a:r>
+                <a:r>
+                  <a:rPr lang="en-US" altLang="ko-KR" dirty="0"/>
+                  <a:t> $Reset</a:t>
+                </a:r>
+                <a:endParaRPr lang="ko-KR" altLang="en-US" dirty="0"/>
+              </a:p>
+            </p:txBody>
+          </p:sp>
+          <p:sp>
+            <p:nvSpPr>
+              <p:cNvPr id="4" name="타원 3">
+                <a:extLst>
+                  <a:ext uri="{FF2B5EF4-FFF2-40B4-BE49-F238E27FC236}">
+                    <a16:creationId xmlns:a16="http://schemas.microsoft.com/office/drawing/2014/main" id="{AD3365E1-D35C-FE4D-703E-BEE7333389C4}"/>
+                  </a:ext>
+                </a:extLst>
+              </p:cNvPr>
+              <p:cNvSpPr/>
+              <p:nvPr/>
+            </p:nvSpPr>
+            <p:spPr>
+              <a:xfrm>
+                <a:off x="1476471" y="4701475"/>
+                <a:ext cx="1733550" cy="952500"/>
+              </a:xfrm>
+              <a:prstGeom prst="ellipse">
+                <a:avLst/>
+              </a:prstGeom>
+              <a:solidFill>
+                <a:schemeClr val="accent4">
+                  <a:alpha val="50000"/>
+                </a:schemeClr>
+              </a:solidFill>
+              <a:ln>
+                <a:noFill/>
+              </a:ln>
+            </p:spPr>
+            <p:style>
+              <a:lnRef idx="0">
+                <a:scrgbClr r="0" g="0" b="0"/>
+              </a:lnRef>
+              <a:fillRef idx="0">
+                <a:scrgbClr r="0" g="0" b="0"/>
+              </a:fillRef>
+              <a:effectRef idx="0">
+                <a:scrgbClr r="0" g="0" b="0"/>
+              </a:effectRef>
+              <a:fontRef idx="minor">
+                <a:schemeClr val="lt1"/>
+              </a:fontRef>
+            </p:style>
+            <p:txBody>
+              <a:bodyPr rtlCol="0" anchor="ctr"/>
+              <a:lstStyle/>
+              <a:p>
+                <a:pPr algn="ctr"/>
+                <a:r>
+                  <a:rPr lang="en-US" altLang="ko-KR" dirty="0" err="1"/>
+                  <a:t>rbt</a:t>
+                </a:r>
+                <a:r>
+                  <a:rPr lang="en-US" altLang="ko-KR" dirty="0"/>
+                  <a:t> $Weld</a:t>
+                </a:r>
+                <a:endParaRPr lang="ko-KR" altLang="en-US" dirty="0"/>
+              </a:p>
+            </p:txBody>
+          </p:sp>
+        </p:grpSp>
+      </p:grpSp>
+      <p:sp>
+        <p:nvSpPr>
+          <p:cNvPr id="21" name="사각형: 모서리가 접힌 도형 20">
+            <a:extLst>
+              <a:ext uri="{FF2B5EF4-FFF2-40B4-BE49-F238E27FC236}">
+                <a16:creationId xmlns:a16="http://schemas.microsoft.com/office/drawing/2014/main" id="{DB926D2F-DFBD-8412-5ADF-EFF48CDDFE8A}"/>
+              </a:ext>
+            </a:extLst>
+          </p:cNvPr>
+          <p:cNvSpPr/>
+          <p:nvPr/>
+        </p:nvSpPr>
+        <p:spPr>
+          <a:xfrm>
+            <a:off x="9316310" y="2557743"/>
+            <a:ext cx="2437946" cy="1223682"/>
+          </a:xfrm>
+          <a:prstGeom prst="foldedCorner">
+            <a:avLst/>
+          </a:prstGeom>
+          <a:solidFill>
+            <a:schemeClr val="accent3">
+              <a:alpha val="50000"/>
+            </a:schemeClr>
+          </a:solidFill>
+          <a:ln>
+            <a:noFill/>
+          </a:ln>
+        </p:spPr>
+        <p:style>
+          <a:lnRef idx="0">
+            <a:scrgbClr r="0" g="0" b="0"/>
+          </a:lnRef>
+          <a:fillRef idx="0">
+            <a:scrgbClr r="0" g="0" b="0"/>
+          </a:fillRef>
+          <a:effectRef idx="0">
+            <a:scrgbClr r="0" g="0" b="0"/>
+          </a:effectRef>
+          <a:fontRef idx="minor">
+            <a:schemeClr val="lt1"/>
+          </a:fontRef>
+        </p:style>
+        <p:txBody>
+          <a:bodyPr rtlCol="0" anchor="ctr"/>
+          <a:lstStyle/>
+          <a:p>
+            <a:pPr algn="ctr"/>
+            <a:r>
+              <a:rPr lang="en-US" altLang="ko-KR" dirty="0"/>
+              <a:t>../sample/Lib/Robot/Weld</a:t>
+            </a:r>
+          </a:p>
+          <a:p>
+            <a:pPr algn="ctr"/>
+            <a:r>
+              <a:rPr lang="en-US" altLang="ko-KR" dirty="0"/>
+              <a:t>[</a:t>
+            </a:r>
+            <a:r>
+              <a:rPr lang="en-US" altLang="ko-KR" dirty="0" err="1"/>
+              <a:t>rbt</a:t>
+            </a:r>
+            <a:r>
+              <a:rPr lang="en-US" altLang="ko-KR" dirty="0"/>
+              <a:t>]</a:t>
+            </a:r>
+            <a:endParaRPr lang="ko-KR" altLang="en-US" dirty="0"/>
+          </a:p>
+        </p:txBody>
+      </p:sp>
+      <p:sp>
+        <p:nvSpPr>
+          <p:cNvPr id="22" name="TextBox 21">
+            <a:extLst>
+              <a:ext uri="{FF2B5EF4-FFF2-40B4-BE49-F238E27FC236}">
+                <a16:creationId xmlns:a16="http://schemas.microsoft.com/office/drawing/2014/main" id="{0772646A-C193-829E-B2AE-9749CB2CD9D4}"/>
+              </a:ext>
+            </a:extLst>
+          </p:cNvPr>
+          <p:cNvSpPr txBox="1"/>
+          <p:nvPr/>
+        </p:nvSpPr>
+        <p:spPr>
+          <a:xfrm>
+            <a:off x="6817869" y="1861486"/>
+            <a:ext cx="4996881" cy="646331"/>
+          </a:xfrm>
+          <a:prstGeom prst="rect">
+            <a:avLst/>
+          </a:prstGeom>
+          <a:noFill/>
+        </p:spPr>
+        <p:txBody>
+          <a:bodyPr wrap="none" rtlCol="0">
+            <a:spAutoFit/>
+          </a:bodyPr>
+          <a:lstStyle/>
+          <a:p>
+            <a:r>
+              <a:rPr lang="ko-KR" altLang="en-US" dirty="0"/>
+              <a:t>확장정의</a:t>
+            </a:r>
+            <a:r>
+              <a:rPr lang="en-US" altLang="ko-KR" dirty="0"/>
+              <a:t>2 : N </a:t>
+            </a:r>
+            <a:r>
+              <a:rPr lang="ko-KR" altLang="en-US" dirty="0"/>
+              <a:t>숫자 만큼 </a:t>
+            </a:r>
+            <a:endParaRPr lang="en-US" altLang="ko-KR" dirty="0"/>
+          </a:p>
+          <a:p>
+            <a:r>
+              <a:rPr lang="en-US" altLang="ko-KR" dirty="0"/>
+              <a:t>groupName1~ groupNameN Loading </a:t>
+            </a:r>
+            <a:r>
+              <a:rPr lang="ko-KR" altLang="en-US" dirty="0"/>
+              <a:t>한다</a:t>
+            </a:r>
+            <a:r>
+              <a:rPr lang="en-US" altLang="ko-KR" dirty="0"/>
+              <a:t>.</a:t>
+            </a:r>
+          </a:p>
+        </p:txBody>
+      </p:sp>
+    </p:spTree>
+    <p:extLst>
+      <p:ext uri="{BB962C8B-B14F-4D97-AF65-F5344CB8AC3E}">
+        <p14:creationId xmlns:p14="http://schemas.microsoft.com/office/powerpoint/2010/main" val="2615603508"/>
+      </p:ext>
+    </p:extLst>
+  </p:cSld>
+  <p:clrMapOvr>
+    <a:masterClrMapping/>
+  </p:clrMapOvr>
+</p:sld>
+</file>
+
+<file path=ppt/slides/slide12.xml><?xml version="1.0" encoding="utf-8"?>
 <p:sld xmlns:a="http://schemas.openxmlformats.org/drawingml/2006/main" xmlns:r="http://schemas.openxmlformats.org/officeDocument/2006/relationships" xmlns:p="http://schemas.openxmlformats.org/presentationml/2006/main" show="0">
   <p:cSld>
     <p:spTree>
@@ -14235,7 +14815,7 @@
 </p:sld>
 </file>
 
-<file path=ppt/slides/slide12.xml><?xml version="1.0" encoding="utf-8"?>
+<file path=ppt/slides/slide13.xml><?xml version="1.0" encoding="utf-8"?>
 <p:sld xmlns:a="http://schemas.openxmlformats.org/drawingml/2006/main" xmlns:r="http://schemas.openxmlformats.org/officeDocument/2006/relationships" xmlns:p="http://schemas.openxmlformats.org/presentationml/2006/main" show="0">
   <p:cSld>
     <p:spTree>
@@ -15282,8 +15862,8 @@
 </p:sld>
 </file>
 
-<file path=ppt/slides/slide13.xml><?xml version="1.0" encoding="utf-8"?>
-<p:sld xmlns:a="http://schemas.openxmlformats.org/drawingml/2006/main" xmlns:r="http://schemas.openxmlformats.org/officeDocument/2006/relationships" xmlns:p="http://schemas.openxmlformats.org/presentationml/2006/main">
+<file path=ppt/slides/slide14.xml><?xml version="1.0" encoding="utf-8"?>
+<p:sld xmlns:a="http://schemas.openxmlformats.org/drawingml/2006/main" xmlns:r="http://schemas.openxmlformats.org/officeDocument/2006/relationships" xmlns:p="http://schemas.openxmlformats.org/presentationml/2006/main" show="0">
   <p:cSld>
     <p:spTree>
       <p:nvGrpSpPr>
@@ -16161,8 +16741,8 @@
 </p:sld>
 </file>
 
-<file path=ppt/slides/slide14.xml><?xml version="1.0" encoding="utf-8"?>
-<p:sld xmlns:a="http://schemas.openxmlformats.org/drawingml/2006/main" xmlns:r="http://schemas.openxmlformats.org/officeDocument/2006/relationships" xmlns:p="http://schemas.openxmlformats.org/presentationml/2006/main">
+<file path=ppt/slides/slide15.xml><?xml version="1.0" encoding="utf-8"?>
+<p:sld xmlns:a="http://schemas.openxmlformats.org/drawingml/2006/main" xmlns:r="http://schemas.openxmlformats.org/officeDocument/2006/relationships" xmlns:p="http://schemas.openxmlformats.org/presentationml/2006/main" show="0">
   <p:cSld>
     <p:spTree>
       <p:nvGrpSpPr>
@@ -19723,7 +20303,7 @@
 </file>
 
 <file path=ppt/slides/slide8.xml><?xml version="1.0" encoding="utf-8"?>
-<p:sld xmlns:a="http://schemas.openxmlformats.org/drawingml/2006/main" xmlns:r="http://schemas.openxmlformats.org/officeDocument/2006/relationships" xmlns:p="http://schemas.openxmlformats.org/presentationml/2006/main">
+<p:sld xmlns:a="http://schemas.openxmlformats.org/drawingml/2006/main" xmlns:r="http://schemas.openxmlformats.org/officeDocument/2006/relationships" xmlns:p="http://schemas.openxmlformats.org/presentationml/2006/main" show="0">
   <p:cSld>
     <p:spTree>
       <p:nvGrpSpPr>

--- a/DsDotNet/src/UnitTest/UnitTest.Engine/ImportOffice/Sample/s.pptx
+++ b/DsDotNet/src/UnitTest/UnitTest.Engine/ImportOffice/Sample/s.pptx
@@ -229,7 +229,7 @@
           <a:p>
             <a:fld id="{DD503887-5801-43A0-AEF9-041E8DDC2558}" type="datetimeFigureOut">
               <a:rPr lang="ko-KR" altLang="en-US" smtClean="0"/>
-              <a:t>2023-01-09</a:t>
+              <a:t>2023-01-10</a:t>
             </a:fld>
             <a:endParaRPr lang="ko-KR" altLang="en-US" dirty="0"/>
           </a:p>
@@ -406,7 +406,7 @@
           <a:p>
             <a:fld id="{95336A0E-57B1-4D4C-BD9B-2F72B5943464}" type="datetimeFigureOut">
               <a:rPr lang="ko-KR" altLang="en-US" smtClean="0"/>
-              <a:t>2023-01-09</a:t>
+              <a:t>2023-01-10</a:t>
             </a:fld>
             <a:endParaRPr lang="ko-KR" altLang="en-US" dirty="0"/>
           </a:p>
@@ -904,7 +904,7 @@
           <a:p>
             <a:fld id="{229D12C7-0FF5-4972-A033-474EFFC79F40}" type="datetime1">
               <a:rPr lang="ko-KR" altLang="en-US" smtClean="0"/>
-              <a:t>2023-01-09</a:t>
+              <a:t>2023-01-10</a:t>
             </a:fld>
             <a:endParaRPr lang="ko-KR" altLang="en-US" dirty="0"/>
           </a:p>
@@ -1102,7 +1102,7 @@
           <a:p>
             <a:fld id="{5BA19FD4-B052-4F56-8FD8-EAFD078DEFB0}" type="datetime1">
               <a:rPr lang="ko-KR" altLang="en-US" smtClean="0"/>
-              <a:t>2023-01-09</a:t>
+              <a:t>2023-01-10</a:t>
             </a:fld>
             <a:endParaRPr lang="ko-KR" altLang="en-US" dirty="0"/>
           </a:p>
@@ -1310,7 +1310,7 @@
           <a:p>
             <a:fld id="{024994B9-23A6-4B0A-A038-AC140E83DAA3}" type="datetime1">
               <a:rPr lang="ko-KR" altLang="en-US" smtClean="0"/>
-              <a:t>2023-01-09</a:t>
+              <a:t>2023-01-10</a:t>
             </a:fld>
             <a:endParaRPr lang="ko-KR" altLang="en-US" dirty="0"/>
           </a:p>
@@ -1452,7 +1452,7 @@
           <a:p>
             <a:fld id="{B5B1BBC2-B738-4C35-AEE5-660EB2DEB482}" type="datetime1">
               <a:rPr lang="ko-KR" altLang="en-US" smtClean="0"/>
-              <a:t>2023-01-09</a:t>
+              <a:t>2023-01-10</a:t>
             </a:fld>
             <a:endParaRPr lang="ko-KR" altLang="en-US" dirty="0"/>
           </a:p>
@@ -6119,7 +6119,7 @@
           <a:p>
             <a:fld id="{70D0DAB2-87CB-4028-B965-3AA710ADF2CB}" type="datetime1">
               <a:rPr lang="ko-KR" altLang="en-US" smtClean="0"/>
-              <a:t>2023-01-09</a:t>
+              <a:t>2023-01-10</a:t>
             </a:fld>
             <a:endParaRPr lang="ko-KR" altLang="en-US" dirty="0"/>
           </a:p>
@@ -6394,7 +6394,7 @@
           <a:p>
             <a:fld id="{63FA3D71-FEA8-477F-9D1E-EA860F411BC7}" type="datetime1">
               <a:rPr lang="ko-KR" altLang="en-US" smtClean="0"/>
-              <a:t>2023-01-09</a:t>
+              <a:t>2023-01-10</a:t>
             </a:fld>
             <a:endParaRPr lang="ko-KR" altLang="en-US" dirty="0"/>
           </a:p>
@@ -6659,7 +6659,7 @@
           <a:p>
             <a:fld id="{F58E3EF4-7980-4C97-BA64-EC66995BB574}" type="datetime1">
               <a:rPr lang="ko-KR" altLang="en-US" smtClean="0"/>
-              <a:t>2023-01-09</a:t>
+              <a:t>2023-01-10</a:t>
             </a:fld>
             <a:endParaRPr lang="ko-KR" altLang="en-US" dirty="0"/>
           </a:p>
@@ -7071,7 +7071,7 @@
           <a:p>
             <a:fld id="{FC9BC1D0-7D6B-4634-9D19-644040D74EAE}" type="datetime1">
               <a:rPr lang="ko-KR" altLang="en-US" smtClean="0"/>
-              <a:t>2023-01-09</a:t>
+              <a:t>2023-01-10</a:t>
             </a:fld>
             <a:endParaRPr lang="ko-KR" altLang="en-US" dirty="0"/>
           </a:p>
@@ -7212,7 +7212,7 @@
           <a:p>
             <a:fld id="{B5B1BBC2-B738-4C35-AEE5-660EB2DEB482}" type="datetime1">
               <a:rPr lang="ko-KR" altLang="en-US" smtClean="0"/>
-              <a:t>2023-01-09</a:t>
+              <a:t>2023-01-10</a:t>
             </a:fld>
             <a:endParaRPr lang="ko-KR" altLang="en-US" dirty="0"/>
           </a:p>
@@ -11794,7 +11794,7 @@
           <a:p>
             <a:fld id="{C60E9F93-7E77-4F36-B88C-A425F00C8D91}" type="datetime1">
               <a:rPr lang="ko-KR" altLang="en-US" smtClean="0"/>
-              <a:t>2023-01-09</a:t>
+              <a:t>2023-01-10</a:t>
             </a:fld>
             <a:endParaRPr lang="ko-KR" altLang="en-US" dirty="0"/>
           </a:p>
@@ -12105,7 +12105,7 @@
           <a:p>
             <a:fld id="{36BCCD0E-2A54-4016-BFFC-FEAABCDA6915}" type="datetime1">
               <a:rPr lang="ko-KR" altLang="en-US" smtClean="0"/>
-              <a:t>2023-01-09</a:t>
+              <a:t>2023-01-10</a:t>
             </a:fld>
             <a:endParaRPr lang="ko-KR" altLang="en-US" dirty="0"/>
           </a:p>
@@ -12393,7 +12393,7 @@
           <a:p>
             <a:fld id="{C984B0C4-64BA-4E4C-B5E6-A51EE3F6ED95}" type="datetime1">
               <a:rPr lang="ko-KR" altLang="en-US" smtClean="0"/>
-              <a:t>2023-01-09</a:t>
+              <a:t>2023-01-10</a:t>
             </a:fld>
             <a:endParaRPr lang="ko-KR" altLang="en-US" dirty="0"/>
           </a:p>
@@ -12635,7 +12635,7 @@
           <a:p>
             <a:fld id="{C984B0C4-64BA-4E4C-B5E6-A51EE3F6ED95}" type="datetime1">
               <a:rPr lang="ko-KR" altLang="en-US" smtClean="0"/>
-              <a:t>2023-01-09</a:t>
+              <a:t>2023-01-10</a:t>
             </a:fld>
             <a:endParaRPr lang="ko-KR" altLang="en-US" dirty="0"/>
           </a:p>
@@ -17629,7 +17629,7 @@
 </file>
 
 <file path=ppt/slides/slide4.xml><?xml version="1.0" encoding="utf-8"?>
-<p:sld xmlns:a="http://schemas.openxmlformats.org/drawingml/2006/main" xmlns:r="http://schemas.openxmlformats.org/officeDocument/2006/relationships" xmlns:p="http://schemas.openxmlformats.org/presentationml/2006/main" show="0">
+<p:sld xmlns:a="http://schemas.openxmlformats.org/drawingml/2006/main" xmlns:r="http://schemas.openxmlformats.org/officeDocument/2006/relationships" xmlns:p="http://schemas.openxmlformats.org/presentationml/2006/main">
   <p:cSld>
     <p:spTree>
       <p:nvGrpSpPr>
@@ -17905,7 +17905,7 @@
         </p:nvGrpSpPr>
         <p:grpSpPr>
           <a:xfrm>
-            <a:off x="971018" y="4222092"/>
+            <a:off x="657046" y="4222092"/>
             <a:ext cx="4427269" cy="2126950"/>
             <a:chOff x="3001992" y="4222092"/>
             <a:chExt cx="4427269" cy="2126950"/>

--- a/DsDotNet/src/UnitTest/UnitTest.Engine/ImportOffice/Sample/s.pptx
+++ b/DsDotNet/src/UnitTest/UnitTest.Engine/ImportOffice/Sample/s.pptx
@@ -17676,62 +17676,6 @@
       </p:sp>
       <p:sp>
         <p:nvSpPr>
-          <p:cNvPr id="56" name="직사각형 55">
-            <a:extLst>
-              <a:ext uri="{FF2B5EF4-FFF2-40B4-BE49-F238E27FC236}">
-                <a16:creationId xmlns:a16="http://schemas.microsoft.com/office/drawing/2014/main" id="{B59930BF-EFE8-0861-D55E-FEAC7FD46A32}"/>
-              </a:ext>
-            </a:extLst>
-          </p:cNvPr>
-          <p:cNvSpPr/>
-          <p:nvPr/>
-        </p:nvSpPr>
-        <p:spPr>
-          <a:xfrm>
-            <a:off x="3367314" y="2622445"/>
-            <a:ext cx="1103086" cy="1066431"/>
-          </a:xfrm>
-          <a:prstGeom prst="rect">
-            <a:avLst/>
-          </a:prstGeom>
-          <a:solidFill>
-            <a:schemeClr val="accent4">
-              <a:alpha val="50000"/>
-            </a:schemeClr>
-          </a:solidFill>
-          <a:ln>
-            <a:noFill/>
-          </a:ln>
-        </p:spPr>
-        <p:style>
-          <a:lnRef idx="0">
-            <a:scrgbClr r="0" g="0" b="0"/>
-          </a:lnRef>
-          <a:fillRef idx="0">
-            <a:scrgbClr r="0" g="0" b="0"/>
-          </a:fillRef>
-          <a:effectRef idx="0">
-            <a:scrgbClr r="0" g="0" b="0"/>
-          </a:effectRef>
-          <a:fontRef idx="minor">
-            <a:schemeClr val="lt1"/>
-          </a:fontRef>
-        </p:style>
-        <p:txBody>
-          <a:bodyPr rtlCol="0" anchor="ctr"/>
-          <a:lstStyle/>
-          <a:p>
-            <a:pPr algn="ctr"/>
-            <a:r>
-              <a:rPr lang="en-US" altLang="ko-KR" sz="1200" dirty="0"/>
-              <a:t>R1</a:t>
-            </a:r>
-            <a:endParaRPr lang="ko-KR" altLang="en-US" sz="1200" dirty="0"/>
-          </a:p>
-        </p:txBody>
-      </p:sp>
-      <p:sp>
-        <p:nvSpPr>
           <p:cNvPr id="3" name="직사각형 2">
             <a:extLst>
               <a:ext uri="{FF2B5EF4-FFF2-40B4-BE49-F238E27FC236}">
@@ -17796,15 +17740,16 @@
             </a:extLst>
           </p:cNvPr>
           <p:cNvCxnSpPr>
-            <a:stCxn id="56" idx="3"/>
+            <a:cxnSpLocks/>
+            <a:stCxn id="15" idx="3"/>
             <a:endCxn id="3" idx="1"/>
           </p:cNvCxnSpPr>
           <p:nvPr/>
         </p:nvCxnSpPr>
         <p:spPr>
           <a:xfrm>
-            <a:off x="4470400" y="3155661"/>
-            <a:ext cx="1855775" cy="370936"/>
+            <a:off x="4974102" y="3004242"/>
+            <a:ext cx="1352073" cy="522355"/>
           </a:xfrm>
           <a:prstGeom prst="bentConnector3">
             <a:avLst/>
@@ -18181,6 +18126,526 @@
           </p:txBody>
         </p:sp>
       </p:grpSp>
+      <p:sp>
+        <p:nvSpPr>
+          <p:cNvPr id="10" name="사각형: 모서리가 접힌 도형 9">
+            <a:extLst>
+              <a:ext uri="{FF2B5EF4-FFF2-40B4-BE49-F238E27FC236}">
+                <a16:creationId xmlns:a16="http://schemas.microsoft.com/office/drawing/2014/main" id="{506F9700-7E22-265C-3A7E-6351A49C08CE}"/>
+              </a:ext>
+            </a:extLst>
+          </p:cNvPr>
+          <p:cNvSpPr/>
+          <p:nvPr/>
+        </p:nvSpPr>
+        <p:spPr>
+          <a:xfrm>
+            <a:off x="9316310" y="4222092"/>
+            <a:ext cx="2437946" cy="1223682"/>
+          </a:xfrm>
+          <a:prstGeom prst="foldedCorner">
+            <a:avLst/>
+          </a:prstGeom>
+          <a:solidFill>
+            <a:schemeClr val="accent3">
+              <a:alpha val="50000"/>
+            </a:schemeClr>
+          </a:solidFill>
+          <a:ln>
+            <a:noFill/>
+          </a:ln>
+        </p:spPr>
+        <p:style>
+          <a:lnRef idx="0">
+            <a:scrgbClr r="0" g="0" b="0"/>
+          </a:lnRef>
+          <a:fillRef idx="0">
+            <a:scrgbClr r="0" g="0" b="0"/>
+          </a:fillRef>
+          <a:effectRef idx="0">
+            <a:scrgbClr r="0" g="0" b="0"/>
+          </a:effectRef>
+          <a:fontRef idx="minor">
+            <a:schemeClr val="lt1"/>
+          </a:fontRef>
+        </p:style>
+        <p:txBody>
+          <a:bodyPr rtlCol="0" anchor="ctr"/>
+          <a:lstStyle/>
+          <a:p>
+            <a:pPr algn="ctr"/>
+            <a:r>
+              <a:rPr lang="en-US" altLang="ko-KR" dirty="0"/>
+              <a:t>../Sample/lib/Cylinder/Single </a:t>
+            </a:r>
+          </a:p>
+          <a:p>
+            <a:pPr algn="ctr"/>
+            <a:r>
+              <a:rPr lang="en-US" altLang="ko-KR" dirty="0"/>
+              <a:t>[Pin]5</a:t>
+            </a:r>
+            <a:endParaRPr lang="ko-KR" altLang="en-US" dirty="0"/>
+          </a:p>
+        </p:txBody>
+      </p:sp>
+      <p:grpSp>
+        <p:nvGrpSpPr>
+          <p:cNvPr id="13" name="그룹 12">
+            <a:extLst>
+              <a:ext uri="{FF2B5EF4-FFF2-40B4-BE49-F238E27FC236}">
+                <a16:creationId xmlns:a16="http://schemas.microsoft.com/office/drawing/2014/main" id="{195B5BE1-15C8-4C51-6305-FB64693439BC}"/>
+              </a:ext>
+            </a:extLst>
+          </p:cNvPr>
+          <p:cNvGrpSpPr/>
+          <p:nvPr/>
+        </p:nvGrpSpPr>
+        <p:grpSpPr>
+          <a:xfrm>
+            <a:off x="546833" y="1940767"/>
+            <a:ext cx="4427269" cy="2126950"/>
+            <a:chOff x="3001992" y="4222092"/>
+            <a:chExt cx="4427269" cy="2126950"/>
+          </a:xfrm>
+        </p:grpSpPr>
+        <p:sp>
+          <p:nvSpPr>
+            <p:cNvPr id="15" name="직사각형 14">
+              <a:extLst>
+                <a:ext uri="{FF2B5EF4-FFF2-40B4-BE49-F238E27FC236}">
+                  <a16:creationId xmlns:a16="http://schemas.microsoft.com/office/drawing/2014/main" id="{9AAA99B1-39AA-E637-6E2E-36AAA7408885}"/>
+                </a:ext>
+              </a:extLst>
+            </p:cNvPr>
+            <p:cNvSpPr/>
+            <p:nvPr/>
+          </p:nvSpPr>
+          <p:spPr>
+            <a:xfrm>
+              <a:off x="3001992" y="4222092"/>
+              <a:ext cx="4427269" cy="2126950"/>
+            </a:xfrm>
+            <a:prstGeom prst="rect">
+              <a:avLst/>
+            </a:prstGeom>
+            <a:solidFill>
+              <a:schemeClr val="accent4">
+                <a:alpha val="50000"/>
+              </a:schemeClr>
+            </a:solidFill>
+            <a:ln>
+              <a:noFill/>
+            </a:ln>
+          </p:spPr>
+          <p:style>
+            <a:lnRef idx="0">
+              <a:scrgbClr r="0" g="0" b="0"/>
+            </a:lnRef>
+            <a:fillRef idx="0">
+              <a:scrgbClr r="0" g="0" b="0"/>
+            </a:fillRef>
+            <a:effectRef idx="0">
+              <a:scrgbClr r="0" g="0" b="0"/>
+            </a:effectRef>
+            <a:fontRef idx="minor">
+              <a:schemeClr val="lt1"/>
+            </a:fontRef>
+          </p:style>
+          <p:txBody>
+            <a:bodyPr rtlCol="0" anchor="ctr"/>
+            <a:lstStyle/>
+            <a:p>
+              <a:pPr algn="ctr"/>
+              <a:r>
+                <a:rPr lang="en-US" altLang="ko-KR" sz="1200" dirty="0"/>
+                <a:t>R1</a:t>
+              </a:r>
+              <a:endParaRPr lang="ko-KR" altLang="en-US" sz="1200" dirty="0"/>
+            </a:p>
+          </p:txBody>
+        </p:sp>
+        <p:sp>
+          <p:nvSpPr>
+            <p:cNvPr id="16" name="타원 15">
+              <a:extLst>
+                <a:ext uri="{FF2B5EF4-FFF2-40B4-BE49-F238E27FC236}">
+                  <a16:creationId xmlns:a16="http://schemas.microsoft.com/office/drawing/2014/main" id="{C2E31DE0-D7E6-6EFF-621C-8F3377809418}"/>
+                </a:ext>
+              </a:extLst>
+            </p:cNvPr>
+            <p:cNvSpPr/>
+            <p:nvPr/>
+          </p:nvSpPr>
+          <p:spPr>
+            <a:xfrm>
+              <a:off x="3200400" y="5244860"/>
+              <a:ext cx="802257" cy="388189"/>
+            </a:xfrm>
+            <a:prstGeom prst="ellipse">
+              <a:avLst/>
+            </a:prstGeom>
+          </p:spPr>
+          <p:style>
+            <a:lnRef idx="2">
+              <a:schemeClr val="accent5">
+                <a:shade val="50000"/>
+              </a:schemeClr>
+            </a:lnRef>
+            <a:fillRef idx="1">
+              <a:schemeClr val="accent5"/>
+            </a:fillRef>
+            <a:effectRef idx="0">
+              <a:schemeClr val="accent5"/>
+            </a:effectRef>
+            <a:fontRef idx="minor">
+              <a:schemeClr val="lt1"/>
+            </a:fontRef>
+          </p:style>
+          <p:txBody>
+            <a:bodyPr rtlCol="0" anchor="ctr"/>
+            <a:lstStyle/>
+            <a:p>
+              <a:pPr algn="ctr"/>
+              <a:r>
+                <a:rPr lang="en-US" altLang="ko-KR" sz="1000" dirty="0"/>
+                <a:t>Pin</a:t>
+              </a:r>
+            </a:p>
+            <a:p>
+              <a:pPr algn="ctr"/>
+              <a:r>
+                <a:rPr lang="en-US" altLang="ko-KR" sz="1000" dirty="0"/>
+                <a:t>$ADV</a:t>
+              </a:r>
+              <a:endParaRPr lang="ko-KR" altLang="en-US" sz="1000" dirty="0"/>
+            </a:p>
+          </p:txBody>
+        </p:sp>
+        <p:sp>
+          <p:nvSpPr>
+            <p:cNvPr id="17" name="타원 16">
+              <a:extLst>
+                <a:ext uri="{FF2B5EF4-FFF2-40B4-BE49-F238E27FC236}">
+                  <a16:creationId xmlns:a16="http://schemas.microsoft.com/office/drawing/2014/main" id="{C1A102AA-BD6A-B7C8-F949-A28A9EA3A7ED}"/>
+                </a:ext>
+              </a:extLst>
+            </p:cNvPr>
+            <p:cNvSpPr/>
+            <p:nvPr/>
+          </p:nvSpPr>
+          <p:spPr>
+            <a:xfrm>
+              <a:off x="4814497" y="5669812"/>
+              <a:ext cx="802257" cy="388189"/>
+            </a:xfrm>
+            <a:prstGeom prst="ellipse">
+              <a:avLst/>
+            </a:prstGeom>
+          </p:spPr>
+          <p:style>
+            <a:lnRef idx="2">
+              <a:schemeClr val="accent5">
+                <a:shade val="50000"/>
+              </a:schemeClr>
+            </a:lnRef>
+            <a:fillRef idx="1">
+              <a:schemeClr val="accent5"/>
+            </a:fillRef>
+            <a:effectRef idx="0">
+              <a:schemeClr val="accent5"/>
+            </a:effectRef>
+            <a:fontRef idx="minor">
+              <a:schemeClr val="lt1"/>
+            </a:fontRef>
+          </p:style>
+          <p:txBody>
+            <a:bodyPr rtlCol="0" anchor="ctr"/>
+            <a:lstStyle/>
+            <a:p>
+              <a:pPr algn="ctr"/>
+              <a:r>
+                <a:rPr lang="en-US" altLang="ko-KR" sz="1000" dirty="0"/>
+                <a:t>Pin</a:t>
+              </a:r>
+            </a:p>
+            <a:p>
+              <a:pPr algn="ctr"/>
+              <a:r>
+                <a:rPr lang="en-US" altLang="ko-KR" sz="1000" dirty="0"/>
+                <a:t>$RET</a:t>
+              </a:r>
+              <a:endParaRPr lang="ko-KR" altLang="en-US" sz="1000" dirty="0"/>
+            </a:p>
+          </p:txBody>
+        </p:sp>
+        <p:cxnSp>
+          <p:nvCxnSpPr>
+            <p:cNvPr id="18" name="연결선: 꺾임 17">
+              <a:extLst>
+                <a:ext uri="{FF2B5EF4-FFF2-40B4-BE49-F238E27FC236}">
+                  <a16:creationId xmlns:a16="http://schemas.microsoft.com/office/drawing/2014/main" id="{38139240-D571-9FFA-C0C5-4D87BDB7B616}"/>
+                </a:ext>
+              </a:extLst>
+            </p:cNvPr>
+            <p:cNvCxnSpPr>
+              <a:stCxn id="16" idx="6"/>
+              <a:endCxn id="17" idx="2"/>
+            </p:cNvCxnSpPr>
+            <p:nvPr/>
+          </p:nvCxnSpPr>
+          <p:spPr>
+            <a:xfrm>
+              <a:off x="4002657" y="5438955"/>
+              <a:ext cx="811840" cy="424952"/>
+            </a:xfrm>
+            <a:prstGeom prst="bentConnector3">
+              <a:avLst/>
+            </a:prstGeom>
+            <a:ln>
+              <a:tailEnd type="triangle"/>
+            </a:ln>
+          </p:spPr>
+          <p:style>
+            <a:lnRef idx="1">
+              <a:schemeClr val="accent1"/>
+            </a:lnRef>
+            <a:fillRef idx="0">
+              <a:schemeClr val="accent1"/>
+            </a:fillRef>
+            <a:effectRef idx="0">
+              <a:schemeClr val="accent1"/>
+            </a:effectRef>
+            <a:fontRef idx="minor">
+              <a:schemeClr val="tx1"/>
+            </a:fontRef>
+          </p:style>
+        </p:cxnSp>
+      </p:grpSp>
+      <p:sp>
+        <p:nvSpPr>
+          <p:cNvPr id="21" name="사각형: 빗면 20">
+            <a:extLst>
+              <a:ext uri="{FF2B5EF4-FFF2-40B4-BE49-F238E27FC236}">
+                <a16:creationId xmlns:a16="http://schemas.microsoft.com/office/drawing/2014/main" id="{761369C6-4B3E-CA93-1C5A-595CA223C70C}"/>
+              </a:ext>
+            </a:extLst>
+          </p:cNvPr>
+          <p:cNvSpPr/>
+          <p:nvPr/>
+        </p:nvSpPr>
+        <p:spPr>
+          <a:xfrm>
+            <a:off x="8109908" y="4356847"/>
+            <a:ext cx="2695552" cy="1858681"/>
+          </a:xfrm>
+          <a:prstGeom prst="bevel">
+            <a:avLst>
+              <a:gd name="adj" fmla="val 0"/>
+            </a:avLst>
+          </a:prstGeom>
+          <a:ln>
+            <a:solidFill>
+              <a:schemeClr val="tx1"/>
+            </a:solidFill>
+          </a:ln>
+        </p:spPr>
+        <p:style>
+          <a:lnRef idx="2">
+            <a:schemeClr val="accent1">
+              <a:shade val="50000"/>
+            </a:schemeClr>
+          </a:lnRef>
+          <a:fillRef idx="1">
+            <a:schemeClr val="accent1"/>
+          </a:fillRef>
+          <a:effectRef idx="0">
+            <a:schemeClr val="accent1"/>
+          </a:effectRef>
+          <a:fontRef idx="minor">
+            <a:schemeClr val="lt1"/>
+          </a:fontRef>
+        </p:style>
+        <p:txBody>
+          <a:bodyPr rtlCol="0" anchor="ctr"/>
+          <a:lstStyle/>
+          <a:p>
+            <a:pPr algn="ctr"/>
+            <a:r>
+              <a:rPr lang="en-US" altLang="ko-KR" dirty="0">
+                <a:solidFill>
+                  <a:schemeClr val="bg2"/>
+                </a:solidFill>
+              </a:rPr>
+              <a:t>M[manualLamp2]</a:t>
+            </a:r>
+          </a:p>
+          <a:p>
+            <a:pPr algn="ctr"/>
+            <a:r>
+              <a:rPr lang="en-US" altLang="ko-KR" dirty="0">
+                <a:solidFill>
+                  <a:schemeClr val="bg2"/>
+                </a:solidFill>
+              </a:rPr>
+              <a:t>E[emgLamp2]</a:t>
+            </a:r>
+          </a:p>
+          <a:p>
+            <a:pPr algn="ctr"/>
+            <a:r>
+              <a:rPr lang="en-US" altLang="ko-KR" dirty="0">
+                <a:solidFill>
+                  <a:schemeClr val="bg2"/>
+                </a:solidFill>
+              </a:rPr>
+              <a:t>D[dryrunLamp2]</a:t>
+            </a:r>
+          </a:p>
+        </p:txBody>
+      </p:sp>
+      <p:sp>
+        <p:nvSpPr>
+          <p:cNvPr id="22" name="사각형: 빗면 21">
+            <a:extLst>
+              <a:ext uri="{FF2B5EF4-FFF2-40B4-BE49-F238E27FC236}">
+                <a16:creationId xmlns:a16="http://schemas.microsoft.com/office/drawing/2014/main" id="{33D1FF94-3006-61E4-0E45-D51CC70F55D6}"/>
+              </a:ext>
+            </a:extLst>
+          </p:cNvPr>
+          <p:cNvSpPr/>
+          <p:nvPr/>
+        </p:nvSpPr>
+        <p:spPr>
+          <a:xfrm>
+            <a:off x="8253696" y="478176"/>
+            <a:ext cx="3591555" cy="3534697"/>
+          </a:xfrm>
+          <a:prstGeom prst="bevel">
+            <a:avLst>
+              <a:gd name="adj" fmla="val 16754"/>
+            </a:avLst>
+          </a:prstGeom>
+          <a:ln>
+            <a:solidFill>
+              <a:schemeClr val="tx1"/>
+            </a:solidFill>
+          </a:ln>
+        </p:spPr>
+        <p:style>
+          <a:lnRef idx="2">
+            <a:schemeClr val="accent1">
+              <a:shade val="50000"/>
+            </a:schemeClr>
+          </a:lnRef>
+          <a:fillRef idx="1">
+            <a:schemeClr val="accent1"/>
+          </a:fillRef>
+          <a:effectRef idx="0">
+            <a:schemeClr val="accent1"/>
+          </a:effectRef>
+          <a:fontRef idx="minor">
+            <a:schemeClr val="lt1"/>
+          </a:fontRef>
+        </p:style>
+        <p:txBody>
+          <a:bodyPr rtlCol="0" anchor="ctr"/>
+          <a:lstStyle/>
+          <a:p>
+            <a:pPr algn="ctr"/>
+            <a:r>
+              <a:rPr lang="en-US" altLang="ko-KR" dirty="0">
+                <a:solidFill>
+                  <a:schemeClr val="bg2"/>
+                </a:solidFill>
+              </a:rPr>
+              <a:t>A[autoBtn1]</a:t>
+            </a:r>
+          </a:p>
+          <a:p>
+            <a:pPr algn="ctr"/>
+            <a:r>
+              <a:rPr lang="en-US" altLang="ko-KR" dirty="0">
+                <a:solidFill>
+                  <a:schemeClr val="bg2"/>
+                </a:solidFill>
+              </a:rPr>
+              <a:t>M[manualBtn1]</a:t>
+            </a:r>
+          </a:p>
+          <a:p>
+            <a:pPr algn="ctr"/>
+            <a:r>
+              <a:rPr lang="en-US" altLang="ko-KR" dirty="0">
+                <a:solidFill>
+                  <a:schemeClr val="bg2"/>
+                </a:solidFill>
+              </a:rPr>
+              <a:t>E[emgBtn1]</a:t>
+            </a:r>
+          </a:p>
+          <a:p>
+            <a:pPr algn="ctr"/>
+            <a:r>
+              <a:rPr lang="en-US" altLang="ko-KR" dirty="0">
+                <a:solidFill>
+                  <a:schemeClr val="bg2"/>
+                </a:solidFill>
+              </a:rPr>
+              <a:t>S[stopBtn1]</a:t>
+            </a:r>
+          </a:p>
+          <a:p>
+            <a:pPr algn="ctr"/>
+            <a:r>
+              <a:rPr lang="en-US" altLang="ko-KR" dirty="0">
+                <a:solidFill>
+                  <a:schemeClr val="bg2"/>
+                </a:solidFill>
+              </a:rPr>
+              <a:t>C[clearBtn1]</a:t>
+            </a:r>
+          </a:p>
+          <a:p>
+            <a:pPr algn="ctr"/>
+            <a:r>
+              <a:rPr lang="en-US" altLang="ko-KR" dirty="0">
+                <a:solidFill>
+                  <a:schemeClr val="bg2"/>
+                </a:solidFill>
+              </a:rPr>
+              <a:t>R[runBtn1]</a:t>
+            </a:r>
+          </a:p>
+          <a:p>
+            <a:pPr algn="ctr"/>
+            <a:r>
+              <a:rPr lang="en-US" altLang="ko-KR" dirty="0">
+                <a:solidFill>
+                  <a:schemeClr val="bg2"/>
+                </a:solidFill>
+              </a:rPr>
+              <a:t>D[dryrunBtn1]</a:t>
+            </a:r>
+          </a:p>
+          <a:p>
+            <a:pPr algn="ctr"/>
+            <a:r>
+              <a:rPr lang="en-US" altLang="ko-KR" dirty="0">
+                <a:solidFill>
+                  <a:schemeClr val="bg2"/>
+                </a:solidFill>
+              </a:rPr>
+              <a:t>H[homeBtn1]</a:t>
+            </a:r>
+            <a:endParaRPr lang="en-US" altLang="ko-KR" sz="1400" dirty="0">
+              <a:solidFill>
+                <a:schemeClr val="bg2"/>
+              </a:solidFill>
+            </a:endParaRPr>
+          </a:p>
+        </p:txBody>
+      </p:sp>
     </p:spTree>
     <p:extLst>
       <p:ext uri="{BB962C8B-B14F-4D97-AF65-F5344CB8AC3E}">

--- a/DsDotNet/src/UnitTest/UnitTest.Engine/ImportOffice/Sample/s.pptx
+++ b/DsDotNet/src/UnitTest/UnitTest.Engine/ImportOffice/Sample/s.pptx
@@ -229,7 +229,7 @@
           <a:p>
             <a:fld id="{DD503887-5801-43A0-AEF9-041E8DDC2558}" type="datetimeFigureOut">
               <a:rPr lang="ko-KR" altLang="en-US" smtClean="0"/>
-              <a:t>2023-01-10</a:t>
+              <a:t>2023-01-11</a:t>
             </a:fld>
             <a:endParaRPr lang="ko-KR" altLang="en-US" dirty="0"/>
           </a:p>
@@ -406,7 +406,7 @@
           <a:p>
             <a:fld id="{95336A0E-57B1-4D4C-BD9B-2F72B5943464}" type="datetimeFigureOut">
               <a:rPr lang="ko-KR" altLang="en-US" smtClean="0"/>
-              <a:t>2023-01-10</a:t>
+              <a:t>2023-01-11</a:t>
             </a:fld>
             <a:endParaRPr lang="ko-KR" altLang="en-US" dirty="0"/>
           </a:p>
@@ -904,7 +904,7 @@
           <a:p>
             <a:fld id="{229D12C7-0FF5-4972-A033-474EFFC79F40}" type="datetime1">
               <a:rPr lang="ko-KR" altLang="en-US" smtClean="0"/>
-              <a:t>2023-01-10</a:t>
+              <a:t>2023-01-11</a:t>
             </a:fld>
             <a:endParaRPr lang="ko-KR" altLang="en-US" dirty="0"/>
           </a:p>
@@ -1102,7 +1102,7 @@
           <a:p>
             <a:fld id="{5BA19FD4-B052-4F56-8FD8-EAFD078DEFB0}" type="datetime1">
               <a:rPr lang="ko-KR" altLang="en-US" smtClean="0"/>
-              <a:t>2023-01-10</a:t>
+              <a:t>2023-01-11</a:t>
             </a:fld>
             <a:endParaRPr lang="ko-KR" altLang="en-US" dirty="0"/>
           </a:p>
@@ -1310,7 +1310,7 @@
           <a:p>
             <a:fld id="{024994B9-23A6-4B0A-A038-AC140E83DAA3}" type="datetime1">
               <a:rPr lang="ko-KR" altLang="en-US" smtClean="0"/>
-              <a:t>2023-01-10</a:t>
+              <a:t>2023-01-11</a:t>
             </a:fld>
             <a:endParaRPr lang="ko-KR" altLang="en-US" dirty="0"/>
           </a:p>
@@ -1452,7 +1452,7 @@
           <a:p>
             <a:fld id="{B5B1BBC2-B738-4C35-AEE5-660EB2DEB482}" type="datetime1">
               <a:rPr lang="ko-KR" altLang="en-US" smtClean="0"/>
-              <a:t>2023-01-10</a:t>
+              <a:t>2023-01-11</a:t>
             </a:fld>
             <a:endParaRPr lang="ko-KR" altLang="en-US" dirty="0"/>
           </a:p>
@@ -6119,7 +6119,7 @@
           <a:p>
             <a:fld id="{70D0DAB2-87CB-4028-B965-3AA710ADF2CB}" type="datetime1">
               <a:rPr lang="ko-KR" altLang="en-US" smtClean="0"/>
-              <a:t>2023-01-10</a:t>
+              <a:t>2023-01-11</a:t>
             </a:fld>
             <a:endParaRPr lang="ko-KR" altLang="en-US" dirty="0"/>
           </a:p>
@@ -6394,7 +6394,7 @@
           <a:p>
             <a:fld id="{63FA3D71-FEA8-477F-9D1E-EA860F411BC7}" type="datetime1">
               <a:rPr lang="ko-KR" altLang="en-US" smtClean="0"/>
-              <a:t>2023-01-10</a:t>
+              <a:t>2023-01-11</a:t>
             </a:fld>
             <a:endParaRPr lang="ko-KR" altLang="en-US" dirty="0"/>
           </a:p>
@@ -6659,7 +6659,7 @@
           <a:p>
             <a:fld id="{F58E3EF4-7980-4C97-BA64-EC66995BB574}" type="datetime1">
               <a:rPr lang="ko-KR" altLang="en-US" smtClean="0"/>
-              <a:t>2023-01-10</a:t>
+              <a:t>2023-01-11</a:t>
             </a:fld>
             <a:endParaRPr lang="ko-KR" altLang="en-US" dirty="0"/>
           </a:p>
@@ -7071,7 +7071,7 @@
           <a:p>
             <a:fld id="{FC9BC1D0-7D6B-4634-9D19-644040D74EAE}" type="datetime1">
               <a:rPr lang="ko-KR" altLang="en-US" smtClean="0"/>
-              <a:t>2023-01-10</a:t>
+              <a:t>2023-01-11</a:t>
             </a:fld>
             <a:endParaRPr lang="ko-KR" altLang="en-US" dirty="0"/>
           </a:p>
@@ -7212,7 +7212,7 @@
           <a:p>
             <a:fld id="{B5B1BBC2-B738-4C35-AEE5-660EB2DEB482}" type="datetime1">
               <a:rPr lang="ko-KR" altLang="en-US" smtClean="0"/>
-              <a:t>2023-01-10</a:t>
+              <a:t>2023-01-11</a:t>
             </a:fld>
             <a:endParaRPr lang="ko-KR" altLang="en-US" dirty="0"/>
           </a:p>
@@ -11794,7 +11794,7 @@
           <a:p>
             <a:fld id="{C60E9F93-7E77-4F36-B88C-A425F00C8D91}" type="datetime1">
               <a:rPr lang="ko-KR" altLang="en-US" smtClean="0"/>
-              <a:t>2023-01-10</a:t>
+              <a:t>2023-01-11</a:t>
             </a:fld>
             <a:endParaRPr lang="ko-KR" altLang="en-US" dirty="0"/>
           </a:p>
@@ -12105,7 +12105,7 @@
           <a:p>
             <a:fld id="{36BCCD0E-2A54-4016-BFFC-FEAABCDA6915}" type="datetime1">
               <a:rPr lang="ko-KR" altLang="en-US" smtClean="0"/>
-              <a:t>2023-01-10</a:t>
+              <a:t>2023-01-11</a:t>
             </a:fld>
             <a:endParaRPr lang="ko-KR" altLang="en-US" dirty="0"/>
           </a:p>
@@ -12393,7 +12393,7 @@
           <a:p>
             <a:fld id="{C984B0C4-64BA-4E4C-B5E6-A51EE3F6ED95}" type="datetime1">
               <a:rPr lang="ko-KR" altLang="en-US" smtClean="0"/>
-              <a:t>2023-01-10</a:t>
+              <a:t>2023-01-11</a:t>
             </a:fld>
             <a:endParaRPr lang="ko-KR" altLang="en-US" dirty="0"/>
           </a:p>
@@ -12635,7 +12635,7 @@
           <a:p>
             <a:fld id="{C984B0C4-64BA-4E4C-B5E6-A51EE3F6ED95}" type="datetime1">
               <a:rPr lang="ko-KR" altLang="en-US" smtClean="0"/>
-              <a:t>2023-01-10</a:t>
+              <a:t>2023-01-11</a:t>
             </a:fld>
             <a:endParaRPr lang="ko-KR" altLang="en-US" dirty="0"/>
           </a:p>
@@ -13112,36 +13112,6 @@
           </a:p>
         </p:txBody>
       </p:sp>
-      <p:pic>
-        <p:nvPicPr>
-          <p:cNvPr id="5" name="그림 4">
-            <a:extLst>
-              <a:ext uri="{FF2B5EF4-FFF2-40B4-BE49-F238E27FC236}">
-                <a16:creationId xmlns:a16="http://schemas.microsoft.com/office/drawing/2014/main" id="{AD9D8D34-A0DA-8DB1-636C-B923E96D31E0}"/>
-              </a:ext>
-            </a:extLst>
-          </p:cNvPr>
-          <p:cNvPicPr>
-            <a:picLocks noChangeAspect="1"/>
-          </p:cNvPicPr>
-          <p:nvPr/>
-        </p:nvPicPr>
-        <p:blipFill>
-          <a:blip r:embed="rId3"/>
-          <a:stretch>
-            <a:fillRect/>
-          </a:stretch>
-        </p:blipFill>
-        <p:spPr>
-          <a:xfrm>
-            <a:off x="211781" y="0"/>
-            <a:ext cx="11768438" cy="6858000"/>
-          </a:xfrm>
-          <a:prstGeom prst="rect">
-            <a:avLst/>
-          </a:prstGeom>
-        </p:spPr>
-      </p:pic>
     </p:spTree>
     <p:extLst>
       <p:ext uri="{BB962C8B-B14F-4D97-AF65-F5344CB8AC3E}">
@@ -13701,7 +13671,7 @@
 </file>
 
 <file path=ppt/slides/slide11.xml><?xml version="1.0" encoding="utf-8"?>
-<p:sld xmlns:a="http://schemas.openxmlformats.org/drawingml/2006/main" xmlns:r="http://schemas.openxmlformats.org/officeDocument/2006/relationships" xmlns:p="http://schemas.openxmlformats.org/presentationml/2006/main">
+<p:sld xmlns:a="http://schemas.openxmlformats.org/drawingml/2006/main" xmlns:r="http://schemas.openxmlformats.org/officeDocument/2006/relationships" xmlns:p="http://schemas.openxmlformats.org/presentationml/2006/main" show="0">
   <p:cSld>
     <p:spTree>
       <p:nvGrpSpPr>
@@ -17668,7 +17638,7 @@
           <a:p>
             <a:r>
               <a:rPr lang="en-US" altLang="ko-KR" dirty="0"/>
-              <a:t>FEX</a:t>
+              <a:t>F</a:t>
             </a:r>
             <a:endParaRPr lang="ko-KR" altLang="en-US" dirty="0"/>
           </a:p>
@@ -17688,7 +17658,7 @@
         </p:nvSpPr>
         <p:spPr>
           <a:xfrm>
-            <a:off x="6326175" y="2993381"/>
+            <a:off x="6952260" y="3596318"/>
             <a:ext cx="1103086" cy="1066431"/>
           </a:xfrm>
           <a:prstGeom prst="rect">
@@ -17730,49 +17700,6 @@
           </a:p>
         </p:txBody>
       </p:sp>
-      <p:cxnSp>
-        <p:nvCxnSpPr>
-          <p:cNvPr id="5" name="연결선: 꺾임 4">
-            <a:extLst>
-              <a:ext uri="{FF2B5EF4-FFF2-40B4-BE49-F238E27FC236}">
-                <a16:creationId xmlns:a16="http://schemas.microsoft.com/office/drawing/2014/main" id="{A26142C6-04FA-DB58-2BDA-17C170B1E215}"/>
-              </a:ext>
-            </a:extLst>
-          </p:cNvPr>
-          <p:cNvCxnSpPr>
-            <a:cxnSpLocks/>
-            <a:stCxn id="15" idx="3"/>
-            <a:endCxn id="3" idx="1"/>
-          </p:cNvCxnSpPr>
-          <p:nvPr/>
-        </p:nvCxnSpPr>
-        <p:spPr>
-          <a:xfrm>
-            <a:off x="4974102" y="3004242"/>
-            <a:ext cx="1352073" cy="522355"/>
-          </a:xfrm>
-          <a:prstGeom prst="bentConnector3">
-            <a:avLst/>
-          </a:prstGeom>
-          <a:ln>
-            <a:tailEnd type="triangle"/>
-          </a:ln>
-        </p:spPr>
-        <p:style>
-          <a:lnRef idx="1">
-            <a:schemeClr val="accent1"/>
-          </a:lnRef>
-          <a:fillRef idx="0">
-            <a:schemeClr val="accent1"/>
-          </a:fillRef>
-          <a:effectRef idx="0">
-            <a:schemeClr val="accent1"/>
-          </a:effectRef>
-          <a:fontRef idx="minor">
-            <a:schemeClr val="tx1"/>
-          </a:fontRef>
-        </p:style>
-      </p:cxnSp>
       <p:sp>
         <p:nvSpPr>
           <p:cNvPr id="7" name="사각형: 모서리가 접힌 도형 6">
@@ -17836,296 +17763,6 @@
           </a:p>
         </p:txBody>
       </p:sp>
-      <p:grpSp>
-        <p:nvGrpSpPr>
-          <p:cNvPr id="12" name="그룹 11">
-            <a:extLst>
-              <a:ext uri="{FF2B5EF4-FFF2-40B4-BE49-F238E27FC236}">
-                <a16:creationId xmlns:a16="http://schemas.microsoft.com/office/drawing/2014/main" id="{8977801D-C97E-B5D8-BED1-D58B75959625}"/>
-              </a:ext>
-            </a:extLst>
-          </p:cNvPr>
-          <p:cNvGrpSpPr/>
-          <p:nvPr/>
-        </p:nvGrpSpPr>
-        <p:grpSpPr>
-          <a:xfrm>
-            <a:off x="657046" y="4222092"/>
-            <a:ext cx="4427269" cy="2126950"/>
-            <a:chOff x="3001992" y="4222092"/>
-            <a:chExt cx="4427269" cy="2126950"/>
-          </a:xfrm>
-        </p:grpSpPr>
-        <p:sp>
-          <p:nvSpPr>
-            <p:cNvPr id="6" name="직사각형 5">
-              <a:extLst>
-                <a:ext uri="{FF2B5EF4-FFF2-40B4-BE49-F238E27FC236}">
-                  <a16:creationId xmlns:a16="http://schemas.microsoft.com/office/drawing/2014/main" id="{217B25AD-148C-7929-3495-54B7F85C1125}"/>
-                </a:ext>
-              </a:extLst>
-            </p:cNvPr>
-            <p:cNvSpPr/>
-            <p:nvPr/>
-          </p:nvSpPr>
-          <p:spPr>
-            <a:xfrm>
-              <a:off x="3001992" y="4222092"/>
-              <a:ext cx="4427269" cy="2126950"/>
-            </a:xfrm>
-            <a:prstGeom prst="rect">
-              <a:avLst/>
-            </a:prstGeom>
-            <a:solidFill>
-              <a:schemeClr val="accent4">
-                <a:alpha val="50000"/>
-              </a:schemeClr>
-            </a:solidFill>
-            <a:ln>
-              <a:noFill/>
-            </a:ln>
-          </p:spPr>
-          <p:style>
-            <a:lnRef idx="0">
-              <a:scrgbClr r="0" g="0" b="0"/>
-            </a:lnRef>
-            <a:fillRef idx="0">
-              <a:scrgbClr r="0" g="0" b="0"/>
-            </a:fillRef>
-            <a:effectRef idx="0">
-              <a:scrgbClr r="0" g="0" b="0"/>
-            </a:effectRef>
-            <a:fontRef idx="minor">
-              <a:schemeClr val="lt1"/>
-            </a:fontRef>
-          </p:style>
-          <p:txBody>
-            <a:bodyPr rtlCol="0" anchor="ctr"/>
-            <a:lstStyle/>
-            <a:p>
-              <a:pPr algn="ctr"/>
-              <a:r>
-                <a:rPr lang="en-US" altLang="ko-KR" sz="1200" dirty="0"/>
-                <a:t>R2</a:t>
-              </a:r>
-              <a:endParaRPr lang="ko-KR" altLang="en-US" sz="1200" dirty="0"/>
-            </a:p>
-          </p:txBody>
-        </p:sp>
-        <p:sp>
-          <p:nvSpPr>
-            <p:cNvPr id="8" name="타원 7">
-              <a:extLst>
-                <a:ext uri="{FF2B5EF4-FFF2-40B4-BE49-F238E27FC236}">
-                  <a16:creationId xmlns:a16="http://schemas.microsoft.com/office/drawing/2014/main" id="{D59DEEE8-CD92-F7D6-18E7-C7B08806533D}"/>
-                </a:ext>
-              </a:extLst>
-            </p:cNvPr>
-            <p:cNvSpPr/>
-            <p:nvPr/>
-          </p:nvSpPr>
-          <p:spPr>
-            <a:xfrm>
-              <a:off x="3200400" y="5244860"/>
-              <a:ext cx="802257" cy="388189"/>
-            </a:xfrm>
-            <a:prstGeom prst="ellipse">
-              <a:avLst/>
-            </a:prstGeom>
-          </p:spPr>
-          <p:style>
-            <a:lnRef idx="2">
-              <a:schemeClr val="accent5">
-                <a:shade val="50000"/>
-              </a:schemeClr>
-            </a:lnRef>
-            <a:fillRef idx="1">
-              <a:schemeClr val="accent5"/>
-            </a:fillRef>
-            <a:effectRef idx="0">
-              <a:schemeClr val="accent5"/>
-            </a:effectRef>
-            <a:fontRef idx="minor">
-              <a:schemeClr val="lt1"/>
-            </a:fontRef>
-          </p:style>
-          <p:txBody>
-            <a:bodyPr rtlCol="0" anchor="ctr"/>
-            <a:lstStyle/>
-            <a:p>
-              <a:pPr algn="ctr"/>
-              <a:r>
-                <a:rPr lang="en-US" altLang="ko-KR" sz="1000" dirty="0"/>
-                <a:t>Pin</a:t>
-              </a:r>
-            </a:p>
-            <a:p>
-              <a:pPr algn="ctr"/>
-              <a:r>
-                <a:rPr lang="en-US" altLang="ko-KR" sz="1000" dirty="0"/>
-                <a:t>$ADV</a:t>
-              </a:r>
-              <a:endParaRPr lang="ko-KR" altLang="en-US" sz="1000" dirty="0"/>
-            </a:p>
-          </p:txBody>
-        </p:sp>
-        <p:sp>
-          <p:nvSpPr>
-            <p:cNvPr id="9" name="타원 8">
-              <a:extLst>
-                <a:ext uri="{FF2B5EF4-FFF2-40B4-BE49-F238E27FC236}">
-                  <a16:creationId xmlns:a16="http://schemas.microsoft.com/office/drawing/2014/main" id="{9D14CC64-D163-FFD9-E5DE-99B1C5BF5377}"/>
-                </a:ext>
-              </a:extLst>
-            </p:cNvPr>
-            <p:cNvSpPr/>
-            <p:nvPr/>
-          </p:nvSpPr>
-          <p:spPr>
-            <a:xfrm>
-              <a:off x="4814497" y="5669812"/>
-              <a:ext cx="802257" cy="388189"/>
-            </a:xfrm>
-            <a:prstGeom prst="ellipse">
-              <a:avLst/>
-            </a:prstGeom>
-          </p:spPr>
-          <p:style>
-            <a:lnRef idx="2">
-              <a:schemeClr val="accent5">
-                <a:shade val="50000"/>
-              </a:schemeClr>
-            </a:lnRef>
-            <a:fillRef idx="1">
-              <a:schemeClr val="accent5"/>
-            </a:fillRef>
-            <a:effectRef idx="0">
-              <a:schemeClr val="accent5"/>
-            </a:effectRef>
-            <a:fontRef idx="minor">
-              <a:schemeClr val="lt1"/>
-            </a:fontRef>
-          </p:style>
-          <p:txBody>
-            <a:bodyPr rtlCol="0" anchor="ctr"/>
-            <a:lstStyle/>
-            <a:p>
-              <a:pPr algn="ctr"/>
-              <a:r>
-                <a:rPr lang="en-US" altLang="ko-KR" sz="1000" dirty="0"/>
-                <a:t>Pin</a:t>
-              </a:r>
-            </a:p>
-            <a:p>
-              <a:pPr algn="ctr"/>
-              <a:r>
-                <a:rPr lang="en-US" altLang="ko-KR" sz="1000" dirty="0"/>
-                <a:t>$RET</a:t>
-              </a:r>
-              <a:endParaRPr lang="ko-KR" altLang="en-US" sz="1000" dirty="0"/>
-            </a:p>
-          </p:txBody>
-        </p:sp>
-        <p:cxnSp>
-          <p:nvCxnSpPr>
-            <p:cNvPr id="11" name="연결선: 꺾임 10">
-              <a:extLst>
-                <a:ext uri="{FF2B5EF4-FFF2-40B4-BE49-F238E27FC236}">
-                  <a16:creationId xmlns:a16="http://schemas.microsoft.com/office/drawing/2014/main" id="{1C61136D-C8E0-F297-C80B-11CADCED0521}"/>
-                </a:ext>
-              </a:extLst>
-            </p:cNvPr>
-            <p:cNvCxnSpPr>
-              <a:stCxn id="8" idx="6"/>
-              <a:endCxn id="9" idx="2"/>
-            </p:cNvCxnSpPr>
-            <p:nvPr/>
-          </p:nvCxnSpPr>
-          <p:spPr>
-            <a:xfrm>
-              <a:off x="4002657" y="5438955"/>
-              <a:ext cx="811840" cy="424952"/>
-            </a:xfrm>
-            <a:prstGeom prst="bentConnector3">
-              <a:avLst/>
-            </a:prstGeom>
-            <a:ln>
-              <a:tailEnd type="triangle"/>
-            </a:ln>
-          </p:spPr>
-          <p:style>
-            <a:lnRef idx="1">
-              <a:schemeClr val="accent1"/>
-            </a:lnRef>
-            <a:fillRef idx="0">
-              <a:schemeClr val="accent1"/>
-            </a:fillRef>
-            <a:effectRef idx="0">
-              <a:schemeClr val="accent1"/>
-            </a:effectRef>
-            <a:fontRef idx="minor">
-              <a:schemeClr val="tx1"/>
-            </a:fontRef>
-          </p:style>
-        </p:cxnSp>
-        <p:sp>
-          <p:nvSpPr>
-            <p:cNvPr id="14" name="타원 13">
-              <a:extLst>
-                <a:ext uri="{FF2B5EF4-FFF2-40B4-BE49-F238E27FC236}">
-                  <a16:creationId xmlns:a16="http://schemas.microsoft.com/office/drawing/2014/main" id="{35C93ED0-E814-09C5-00AB-F9992944072D}"/>
-                </a:ext>
-              </a:extLst>
-            </p:cNvPr>
-            <p:cNvSpPr/>
-            <p:nvPr/>
-          </p:nvSpPr>
-          <p:spPr>
-            <a:xfrm>
-              <a:off x="6096000" y="5281623"/>
-              <a:ext cx="802257" cy="388189"/>
-            </a:xfrm>
-            <a:prstGeom prst="ellipse">
-              <a:avLst/>
-            </a:prstGeom>
-          </p:spPr>
-          <p:style>
-            <a:lnRef idx="2">
-              <a:schemeClr val="accent5">
-                <a:shade val="50000"/>
-              </a:schemeClr>
-            </a:lnRef>
-            <a:fillRef idx="1">
-              <a:schemeClr val="accent5"/>
-            </a:fillRef>
-            <a:effectRef idx="0">
-              <a:schemeClr val="accent5"/>
-            </a:effectRef>
-            <a:fontRef idx="minor">
-              <a:schemeClr val="lt1"/>
-            </a:fontRef>
-          </p:style>
-          <p:txBody>
-            <a:bodyPr rtlCol="0" anchor="ctr"/>
-            <a:lstStyle/>
-            <a:p>
-              <a:pPr algn="ctr"/>
-              <a:r>
-                <a:rPr lang="en-US" altLang="ko-KR" sz="1000" dirty="0"/>
-                <a:t>Pin</a:t>
-              </a:r>
-            </a:p>
-            <a:p>
-              <a:pPr algn="ctr"/>
-              <a:r>
-                <a:rPr lang="en-US" altLang="ko-KR" sz="1000" dirty="0"/>
-                <a:t>$ADV</a:t>
-              </a:r>
-              <a:endParaRPr lang="ko-KR" altLang="en-US" sz="1000" dirty="0"/>
-            </a:p>
-          </p:txBody>
-        </p:sp>
-      </p:grpSp>
       <p:sp>
         <p:nvSpPr>
           <p:cNvPr id="10" name="사각형: 모서리가 접힌 도형 9">
@@ -18203,7 +17840,7 @@
         </p:nvGrpSpPr>
         <p:grpSpPr>
           <a:xfrm>
-            <a:off x="546833" y="1940767"/>
+            <a:off x="607218" y="2199559"/>
             <a:ext cx="4427269" cy="2126950"/>
             <a:chOff x="3001992" y="4222092"/>
             <a:chExt cx="4427269" cy="2126950"/>
@@ -18422,230 +18059,48 @@
           </p:style>
         </p:cxnSp>
       </p:grpSp>
-      <p:sp>
-        <p:nvSpPr>
-          <p:cNvPr id="21" name="사각형: 빗면 20">
-            <a:extLst>
-              <a:ext uri="{FF2B5EF4-FFF2-40B4-BE49-F238E27FC236}">
-                <a16:creationId xmlns:a16="http://schemas.microsoft.com/office/drawing/2014/main" id="{761369C6-4B3E-CA93-1C5A-595CA223C70C}"/>
-              </a:ext>
-            </a:extLst>
-          </p:cNvPr>
-          <p:cNvSpPr/>
+      <p:cxnSp>
+        <p:nvCxnSpPr>
+          <p:cNvPr id="5" name="연결선: 꺾임 4">
+            <a:extLst>
+              <a:ext uri="{FF2B5EF4-FFF2-40B4-BE49-F238E27FC236}">
+                <a16:creationId xmlns:a16="http://schemas.microsoft.com/office/drawing/2014/main" id="{BDCA6CCE-BB55-B883-F2D4-A59F6DE81122}"/>
+              </a:ext>
+            </a:extLst>
+          </p:cNvPr>
+          <p:cNvCxnSpPr>
+            <a:stCxn id="15" idx="3"/>
+            <a:endCxn id="3" idx="1"/>
+          </p:cNvCxnSpPr>
           <p:nvPr/>
-        </p:nvSpPr>
+        </p:nvCxnSpPr>
         <p:spPr>
           <a:xfrm>
-            <a:off x="8109908" y="4356847"/>
-            <a:ext cx="2695552" cy="1858681"/>
+            <a:off x="5034487" y="3263034"/>
+            <a:ext cx="1917773" cy="866500"/>
           </a:xfrm>
-          <a:prstGeom prst="bevel">
-            <a:avLst>
-              <a:gd name="adj" fmla="val 0"/>
-            </a:avLst>
+          <a:prstGeom prst="bentConnector3">
+            <a:avLst/>
           </a:prstGeom>
           <a:ln>
-            <a:solidFill>
-              <a:schemeClr val="tx1"/>
-            </a:solidFill>
+            <a:tailEnd type="triangle"/>
           </a:ln>
         </p:spPr>
         <p:style>
-          <a:lnRef idx="2">
-            <a:schemeClr val="accent1">
-              <a:shade val="50000"/>
-            </a:schemeClr>
+          <a:lnRef idx="1">
+            <a:schemeClr val="accent1"/>
           </a:lnRef>
-          <a:fillRef idx="1">
+          <a:fillRef idx="0">
             <a:schemeClr val="accent1"/>
           </a:fillRef>
           <a:effectRef idx="0">
             <a:schemeClr val="accent1"/>
           </a:effectRef>
           <a:fontRef idx="minor">
-            <a:schemeClr val="lt1"/>
+            <a:schemeClr val="tx1"/>
           </a:fontRef>
         </p:style>
-        <p:txBody>
-          <a:bodyPr rtlCol="0" anchor="ctr"/>
-          <a:lstStyle/>
-          <a:p>
-            <a:pPr algn="ctr"/>
-            <a:r>
-              <a:rPr lang="en-US" altLang="ko-KR" dirty="0">
-                <a:solidFill>
-                  <a:schemeClr val="bg2"/>
-                </a:solidFill>
-              </a:rPr>
-              <a:t>M[manualLamp2]</a:t>
-            </a:r>
-          </a:p>
-          <a:p>
-            <a:pPr algn="ctr"/>
-            <a:r>
-              <a:rPr lang="en-US" altLang="ko-KR" dirty="0">
-                <a:solidFill>
-                  <a:schemeClr val="bg2"/>
-                </a:solidFill>
-              </a:rPr>
-              <a:t>E[emgLamp2]</a:t>
-            </a:r>
-          </a:p>
-          <a:p>
-            <a:pPr algn="ctr"/>
-            <a:r>
-              <a:rPr lang="en-US" altLang="ko-KR" dirty="0">
-                <a:solidFill>
-                  <a:schemeClr val="bg2"/>
-                </a:solidFill>
-              </a:rPr>
-              <a:t>D[dryrunLamp2]</a:t>
-            </a:r>
-          </a:p>
-        </p:txBody>
-      </p:sp>
-      <p:sp>
-        <p:nvSpPr>
-          <p:cNvPr id="22" name="사각형: 빗면 21">
-            <a:extLst>
-              <a:ext uri="{FF2B5EF4-FFF2-40B4-BE49-F238E27FC236}">
-                <a16:creationId xmlns:a16="http://schemas.microsoft.com/office/drawing/2014/main" id="{33D1FF94-3006-61E4-0E45-D51CC70F55D6}"/>
-              </a:ext>
-            </a:extLst>
-          </p:cNvPr>
-          <p:cNvSpPr/>
-          <p:nvPr/>
-        </p:nvSpPr>
-        <p:spPr>
-          <a:xfrm>
-            <a:off x="8253696" y="478176"/>
-            <a:ext cx="3591555" cy="3534697"/>
-          </a:xfrm>
-          <a:prstGeom prst="bevel">
-            <a:avLst>
-              <a:gd name="adj" fmla="val 16754"/>
-            </a:avLst>
-          </a:prstGeom>
-          <a:ln>
-            <a:solidFill>
-              <a:schemeClr val="tx1"/>
-            </a:solidFill>
-          </a:ln>
-        </p:spPr>
-        <p:style>
-          <a:lnRef idx="2">
-            <a:schemeClr val="accent1">
-              <a:shade val="50000"/>
-            </a:schemeClr>
-          </a:lnRef>
-          <a:fillRef idx="1">
-            <a:schemeClr val="accent1"/>
-          </a:fillRef>
-          <a:effectRef idx="0">
-            <a:schemeClr val="accent1"/>
-          </a:effectRef>
-          <a:fontRef idx="minor">
-            <a:schemeClr val="lt1"/>
-          </a:fontRef>
-        </p:style>
-        <p:txBody>
-          <a:bodyPr rtlCol="0" anchor="ctr"/>
-          <a:lstStyle/>
-          <a:p>
-            <a:pPr algn="ctr"/>
-            <a:r>
-              <a:rPr lang="en-US" altLang="ko-KR" dirty="0">
-                <a:solidFill>
-                  <a:schemeClr val="bg2"/>
-                </a:solidFill>
-              </a:rPr>
-              <a:t>A[autoBtn1]</a:t>
-            </a:r>
-          </a:p>
-          <a:p>
-            <a:pPr algn="ctr"/>
-            <a:r>
-              <a:rPr lang="en-US" altLang="ko-KR" dirty="0">
-                <a:solidFill>
-                  <a:schemeClr val="bg2"/>
-                </a:solidFill>
-              </a:rPr>
-              <a:t>M[manualBtn1]</a:t>
-            </a:r>
-          </a:p>
-          <a:p>
-            <a:pPr algn="ctr"/>
-            <a:r>
-              <a:rPr lang="en-US" altLang="ko-KR" dirty="0">
-                <a:solidFill>
-                  <a:schemeClr val="bg2"/>
-                </a:solidFill>
-              </a:rPr>
-              <a:t>E[emgBtn1]</a:t>
-            </a:r>
-          </a:p>
-          <a:p>
-            <a:pPr algn="ctr"/>
-            <a:r>
-              <a:rPr lang="en-US" altLang="ko-KR" dirty="0">
-                <a:solidFill>
-                  <a:schemeClr val="bg2"/>
-                </a:solidFill>
-              </a:rPr>
-              <a:t>S[stopBtn1]</a:t>
-            </a:r>
-          </a:p>
-          <a:p>
-            <a:pPr algn="ctr"/>
-            <a:r>
-              <a:rPr lang="en-US" altLang="ko-KR" dirty="0">
-                <a:solidFill>
-                  <a:schemeClr val="bg2"/>
-                </a:solidFill>
-              </a:rPr>
-              <a:t>C[clearBtn1]</a:t>
-            </a:r>
-          </a:p>
-          <a:p>
-            <a:pPr algn="ctr"/>
-            <a:r>
-              <a:rPr lang="en-US" altLang="ko-KR" dirty="0">
-                <a:solidFill>
-                  <a:schemeClr val="bg2"/>
-                </a:solidFill>
-              </a:rPr>
-              <a:t>R[runBtn1]</a:t>
-            </a:r>
-          </a:p>
-          <a:p>
-            <a:pPr algn="ctr"/>
-            <a:r>
-              <a:rPr lang="en-US" altLang="ko-KR" dirty="0">
-                <a:solidFill>
-                  <a:schemeClr val="bg2"/>
-                </a:solidFill>
-              </a:rPr>
-              <a:t>D[dryrunBtn1]</a:t>
-            </a:r>
-          </a:p>
-          <a:p>
-            <a:pPr algn="ctr"/>
-            <a:r>
-              <a:rPr lang="en-US" altLang="ko-KR" dirty="0">
-                <a:solidFill>
-                  <a:schemeClr val="bg2"/>
-                </a:solidFill>
-              </a:rPr>
-              <a:t>H[homeBtn1]</a:t>
-            </a:r>
-            <a:endParaRPr lang="en-US" altLang="ko-KR" sz="1400" dirty="0">
-              <a:solidFill>
-                <a:schemeClr val="bg2"/>
-              </a:solidFill>
-            </a:endParaRPr>
-          </a:p>
-        </p:txBody>
-      </p:sp>
+      </p:cxnSp>
     </p:spTree>
     <p:extLst>
       <p:ext uri="{BB962C8B-B14F-4D97-AF65-F5344CB8AC3E}">

--- a/DsDotNet/src/UnitTest/UnitTest.Engine/ImportOffice/Sample/s.pptx
+++ b/DsDotNet/src/UnitTest/UnitTest.Engine/ImportOffice/Sample/s.pptx
@@ -229,7 +229,7 @@
           <a:p>
             <a:fld id="{DD503887-5801-43A0-AEF9-041E8DDC2558}" type="datetimeFigureOut">
               <a:rPr lang="ko-KR" altLang="en-US" smtClean="0"/>
-              <a:t>2023-01-11</a:t>
+              <a:t>2023-01-12</a:t>
             </a:fld>
             <a:endParaRPr lang="ko-KR" altLang="en-US" dirty="0"/>
           </a:p>
@@ -406,7 +406,7 @@
           <a:p>
             <a:fld id="{95336A0E-57B1-4D4C-BD9B-2F72B5943464}" type="datetimeFigureOut">
               <a:rPr lang="ko-KR" altLang="en-US" smtClean="0"/>
-              <a:t>2023-01-11</a:t>
+              <a:t>2023-01-12</a:t>
             </a:fld>
             <a:endParaRPr lang="ko-KR" altLang="en-US" dirty="0"/>
           </a:p>
@@ -904,7 +904,7 @@
           <a:p>
             <a:fld id="{229D12C7-0FF5-4972-A033-474EFFC79F40}" type="datetime1">
               <a:rPr lang="ko-KR" altLang="en-US" smtClean="0"/>
-              <a:t>2023-01-11</a:t>
+              <a:t>2023-01-12</a:t>
             </a:fld>
             <a:endParaRPr lang="ko-KR" altLang="en-US" dirty="0"/>
           </a:p>
@@ -1102,7 +1102,7 @@
           <a:p>
             <a:fld id="{5BA19FD4-B052-4F56-8FD8-EAFD078DEFB0}" type="datetime1">
               <a:rPr lang="ko-KR" altLang="en-US" smtClean="0"/>
-              <a:t>2023-01-11</a:t>
+              <a:t>2023-01-12</a:t>
             </a:fld>
             <a:endParaRPr lang="ko-KR" altLang="en-US" dirty="0"/>
           </a:p>
@@ -1310,7 +1310,7 @@
           <a:p>
             <a:fld id="{024994B9-23A6-4B0A-A038-AC140E83DAA3}" type="datetime1">
               <a:rPr lang="ko-KR" altLang="en-US" smtClean="0"/>
-              <a:t>2023-01-11</a:t>
+              <a:t>2023-01-12</a:t>
             </a:fld>
             <a:endParaRPr lang="ko-KR" altLang="en-US" dirty="0"/>
           </a:p>
@@ -1452,7 +1452,7 @@
           <a:p>
             <a:fld id="{B5B1BBC2-B738-4C35-AEE5-660EB2DEB482}" type="datetime1">
               <a:rPr lang="ko-KR" altLang="en-US" smtClean="0"/>
-              <a:t>2023-01-11</a:t>
+              <a:t>2023-01-12</a:t>
             </a:fld>
             <a:endParaRPr lang="ko-KR" altLang="en-US" dirty="0"/>
           </a:p>
@@ -6119,7 +6119,7 @@
           <a:p>
             <a:fld id="{70D0DAB2-87CB-4028-B965-3AA710ADF2CB}" type="datetime1">
               <a:rPr lang="ko-KR" altLang="en-US" smtClean="0"/>
-              <a:t>2023-01-11</a:t>
+              <a:t>2023-01-12</a:t>
             </a:fld>
             <a:endParaRPr lang="ko-KR" altLang="en-US" dirty="0"/>
           </a:p>
@@ -6394,7 +6394,7 @@
           <a:p>
             <a:fld id="{63FA3D71-FEA8-477F-9D1E-EA860F411BC7}" type="datetime1">
               <a:rPr lang="ko-KR" altLang="en-US" smtClean="0"/>
-              <a:t>2023-01-11</a:t>
+              <a:t>2023-01-12</a:t>
             </a:fld>
             <a:endParaRPr lang="ko-KR" altLang="en-US" dirty="0"/>
           </a:p>
@@ -6659,7 +6659,7 @@
           <a:p>
             <a:fld id="{F58E3EF4-7980-4C97-BA64-EC66995BB574}" type="datetime1">
               <a:rPr lang="ko-KR" altLang="en-US" smtClean="0"/>
-              <a:t>2023-01-11</a:t>
+              <a:t>2023-01-12</a:t>
             </a:fld>
             <a:endParaRPr lang="ko-KR" altLang="en-US" dirty="0"/>
           </a:p>
@@ -7071,7 +7071,7 @@
           <a:p>
             <a:fld id="{FC9BC1D0-7D6B-4634-9D19-644040D74EAE}" type="datetime1">
               <a:rPr lang="ko-KR" altLang="en-US" smtClean="0"/>
-              <a:t>2023-01-11</a:t>
+              <a:t>2023-01-12</a:t>
             </a:fld>
             <a:endParaRPr lang="ko-KR" altLang="en-US" dirty="0"/>
           </a:p>
@@ -7212,7 +7212,7 @@
           <a:p>
             <a:fld id="{B5B1BBC2-B738-4C35-AEE5-660EB2DEB482}" type="datetime1">
               <a:rPr lang="ko-KR" altLang="en-US" smtClean="0"/>
-              <a:t>2023-01-11</a:t>
+              <a:t>2023-01-12</a:t>
             </a:fld>
             <a:endParaRPr lang="ko-KR" altLang="en-US" dirty="0"/>
           </a:p>
@@ -11794,7 +11794,7 @@
           <a:p>
             <a:fld id="{C60E9F93-7E77-4F36-B88C-A425F00C8D91}" type="datetime1">
               <a:rPr lang="ko-KR" altLang="en-US" smtClean="0"/>
-              <a:t>2023-01-11</a:t>
+              <a:t>2023-01-12</a:t>
             </a:fld>
             <a:endParaRPr lang="ko-KR" altLang="en-US" dirty="0"/>
           </a:p>
@@ -12105,7 +12105,7 @@
           <a:p>
             <a:fld id="{36BCCD0E-2A54-4016-BFFC-FEAABCDA6915}" type="datetime1">
               <a:rPr lang="ko-KR" altLang="en-US" smtClean="0"/>
-              <a:t>2023-01-11</a:t>
+              <a:t>2023-01-12</a:t>
             </a:fld>
             <a:endParaRPr lang="ko-KR" altLang="en-US" dirty="0"/>
           </a:p>
@@ -12393,7 +12393,7 @@
           <a:p>
             <a:fld id="{C984B0C4-64BA-4E4C-B5E6-A51EE3F6ED95}" type="datetime1">
               <a:rPr lang="ko-KR" altLang="en-US" smtClean="0"/>
-              <a:t>2023-01-11</a:t>
+              <a:t>2023-01-12</a:t>
             </a:fld>
             <a:endParaRPr lang="ko-KR" altLang="en-US" dirty="0"/>
           </a:p>
@@ -12635,7 +12635,7 @@
           <a:p>
             <a:fld id="{C984B0C4-64BA-4E4C-B5E6-A51EE3F6ED95}" type="datetime1">
               <a:rPr lang="ko-KR" altLang="en-US" smtClean="0"/>
-              <a:t>2023-01-11</a:t>
+              <a:t>2023-01-12</a:t>
             </a:fld>
             <a:endParaRPr lang="ko-KR" altLang="en-US" dirty="0"/>
           </a:p>
@@ -17646,62 +17646,6 @@
       </p:sp>
       <p:sp>
         <p:nvSpPr>
-          <p:cNvPr id="3" name="직사각형 2">
-            <a:extLst>
-              <a:ext uri="{FF2B5EF4-FFF2-40B4-BE49-F238E27FC236}">
-                <a16:creationId xmlns:a16="http://schemas.microsoft.com/office/drawing/2014/main" id="{F7635A7D-094A-7E28-E7A6-0073FF8BBEC2}"/>
-              </a:ext>
-            </a:extLst>
-          </p:cNvPr>
-          <p:cNvSpPr/>
-          <p:nvPr/>
-        </p:nvSpPr>
-        <p:spPr>
-          <a:xfrm>
-            <a:off x="6952260" y="3596318"/>
-            <a:ext cx="1103086" cy="1066431"/>
-          </a:xfrm>
-          <a:prstGeom prst="rect">
-            <a:avLst/>
-          </a:prstGeom>
-          <a:solidFill>
-            <a:schemeClr val="accent4">
-              <a:alpha val="50000"/>
-            </a:schemeClr>
-          </a:solidFill>
-          <a:ln>
-            <a:noFill/>
-          </a:ln>
-        </p:spPr>
-        <p:style>
-          <a:lnRef idx="0">
-            <a:scrgbClr r="0" g="0" b="0"/>
-          </a:lnRef>
-          <a:fillRef idx="0">
-            <a:scrgbClr r="0" g="0" b="0"/>
-          </a:fillRef>
-          <a:effectRef idx="0">
-            <a:scrgbClr r="0" g="0" b="0"/>
-          </a:effectRef>
-          <a:fontRef idx="minor">
-            <a:schemeClr val="lt1"/>
-          </a:fontRef>
-        </p:style>
-        <p:txBody>
-          <a:bodyPr rtlCol="0" anchor="ctr"/>
-          <a:lstStyle/>
-          <a:p>
-            <a:pPr algn="ctr"/>
-            <a:r>
-              <a:rPr lang="en-US" altLang="ko-KR" sz="1200" dirty="0"/>
-              <a:t>R2</a:t>
-            </a:r>
-            <a:endParaRPr lang="ko-KR" altLang="en-US" sz="1200" dirty="0"/>
-          </a:p>
-        </p:txBody>
-      </p:sp>
-      <p:sp>
-        <p:nvSpPr>
           <p:cNvPr id="7" name="사각형: 모서리가 접힌 도형 6">
             <a:extLst>
               <a:ext uri="{FF2B5EF4-FFF2-40B4-BE49-F238E27FC236}">
@@ -17820,7 +17764,15 @@
             <a:pPr algn="ctr"/>
             <a:r>
               <a:rPr lang="en-US" altLang="ko-KR" dirty="0"/>
-              <a:t>[Pin]5</a:t>
+              <a:t>[</a:t>
+            </a:r>
+            <a:r>
+              <a:rPr lang="en-US" altLang="ko-KR" dirty="0" err="1"/>
+              <a:t>PinGroup</a:t>
+            </a:r>
+            <a:r>
+              <a:rPr lang="en-US" altLang="ko-KR" dirty="0"/>
+              <a:t>]5</a:t>
             </a:r>
             <a:endParaRPr lang="ko-KR" altLang="en-US" dirty="0"/>
           </a:p>
@@ -18059,48 +18011,6 @@
           </p:style>
         </p:cxnSp>
       </p:grpSp>
-      <p:cxnSp>
-        <p:nvCxnSpPr>
-          <p:cNvPr id="5" name="연결선: 꺾임 4">
-            <a:extLst>
-              <a:ext uri="{FF2B5EF4-FFF2-40B4-BE49-F238E27FC236}">
-                <a16:creationId xmlns:a16="http://schemas.microsoft.com/office/drawing/2014/main" id="{BDCA6CCE-BB55-B883-F2D4-A59F6DE81122}"/>
-              </a:ext>
-            </a:extLst>
-          </p:cNvPr>
-          <p:cNvCxnSpPr>
-            <a:stCxn id="15" idx="3"/>
-            <a:endCxn id="3" idx="1"/>
-          </p:cNvCxnSpPr>
-          <p:nvPr/>
-        </p:nvCxnSpPr>
-        <p:spPr>
-          <a:xfrm>
-            <a:off x="5034487" y="3263034"/>
-            <a:ext cx="1917773" cy="866500"/>
-          </a:xfrm>
-          <a:prstGeom prst="bentConnector3">
-            <a:avLst/>
-          </a:prstGeom>
-          <a:ln>
-            <a:tailEnd type="triangle"/>
-          </a:ln>
-        </p:spPr>
-        <p:style>
-          <a:lnRef idx="1">
-            <a:schemeClr val="accent1"/>
-          </a:lnRef>
-          <a:fillRef idx="0">
-            <a:schemeClr val="accent1"/>
-          </a:fillRef>
-          <a:effectRef idx="0">
-            <a:schemeClr val="accent1"/>
-          </a:effectRef>
-          <a:fontRef idx="minor">
-            <a:schemeClr val="tx1"/>
-          </a:fontRef>
-        </p:style>
-      </p:cxnSp>
     </p:spTree>
     <p:extLst>
       <p:ext uri="{BB962C8B-B14F-4D97-AF65-F5344CB8AC3E}">

--- a/DsDotNet/src/UnitTest/UnitTest.Engine/ImportOffice/Sample/s.pptx
+++ b/DsDotNet/src/UnitTest/UnitTest.Engine/ImportOffice/Sample/s.pptx
@@ -229,7 +229,7 @@
           <a:p>
             <a:fld id="{DD503887-5801-43A0-AEF9-041E8DDC2558}" type="datetimeFigureOut">
               <a:rPr lang="ko-KR" altLang="en-US" smtClean="0"/>
-              <a:t>2023-01-12</a:t>
+              <a:t>2023-01-13</a:t>
             </a:fld>
             <a:endParaRPr lang="ko-KR" altLang="en-US" dirty="0"/>
           </a:p>
@@ -406,7 +406,7 @@
           <a:p>
             <a:fld id="{95336A0E-57B1-4D4C-BD9B-2F72B5943464}" type="datetimeFigureOut">
               <a:rPr lang="ko-KR" altLang="en-US" smtClean="0"/>
-              <a:t>2023-01-12</a:t>
+              <a:t>2023-01-13</a:t>
             </a:fld>
             <a:endParaRPr lang="ko-KR" altLang="en-US" dirty="0"/>
           </a:p>
@@ -904,7 +904,7 @@
           <a:p>
             <a:fld id="{229D12C7-0FF5-4972-A033-474EFFC79F40}" type="datetime1">
               <a:rPr lang="ko-KR" altLang="en-US" smtClean="0"/>
-              <a:t>2023-01-12</a:t>
+              <a:t>2023-01-13</a:t>
             </a:fld>
             <a:endParaRPr lang="ko-KR" altLang="en-US" dirty="0"/>
           </a:p>
@@ -1102,7 +1102,7 @@
           <a:p>
             <a:fld id="{5BA19FD4-B052-4F56-8FD8-EAFD078DEFB0}" type="datetime1">
               <a:rPr lang="ko-KR" altLang="en-US" smtClean="0"/>
-              <a:t>2023-01-12</a:t>
+              <a:t>2023-01-13</a:t>
             </a:fld>
             <a:endParaRPr lang="ko-KR" altLang="en-US" dirty="0"/>
           </a:p>
@@ -1310,7 +1310,7 @@
           <a:p>
             <a:fld id="{024994B9-23A6-4B0A-A038-AC140E83DAA3}" type="datetime1">
               <a:rPr lang="ko-KR" altLang="en-US" smtClean="0"/>
-              <a:t>2023-01-12</a:t>
+              <a:t>2023-01-13</a:t>
             </a:fld>
             <a:endParaRPr lang="ko-KR" altLang="en-US" dirty="0"/>
           </a:p>
@@ -1452,7 +1452,7 @@
           <a:p>
             <a:fld id="{B5B1BBC2-B738-4C35-AEE5-660EB2DEB482}" type="datetime1">
               <a:rPr lang="ko-KR" altLang="en-US" smtClean="0"/>
-              <a:t>2023-01-12</a:t>
+              <a:t>2023-01-13</a:t>
             </a:fld>
             <a:endParaRPr lang="ko-KR" altLang="en-US" dirty="0"/>
           </a:p>
@@ -6119,7 +6119,7 @@
           <a:p>
             <a:fld id="{70D0DAB2-87CB-4028-B965-3AA710ADF2CB}" type="datetime1">
               <a:rPr lang="ko-KR" altLang="en-US" smtClean="0"/>
-              <a:t>2023-01-12</a:t>
+              <a:t>2023-01-13</a:t>
             </a:fld>
             <a:endParaRPr lang="ko-KR" altLang="en-US" dirty="0"/>
           </a:p>
@@ -6394,7 +6394,7 @@
           <a:p>
             <a:fld id="{63FA3D71-FEA8-477F-9D1E-EA860F411BC7}" type="datetime1">
               <a:rPr lang="ko-KR" altLang="en-US" smtClean="0"/>
-              <a:t>2023-01-12</a:t>
+              <a:t>2023-01-13</a:t>
             </a:fld>
             <a:endParaRPr lang="ko-KR" altLang="en-US" dirty="0"/>
           </a:p>
@@ -6659,7 +6659,7 @@
           <a:p>
             <a:fld id="{F58E3EF4-7980-4C97-BA64-EC66995BB574}" type="datetime1">
               <a:rPr lang="ko-KR" altLang="en-US" smtClean="0"/>
-              <a:t>2023-01-12</a:t>
+              <a:t>2023-01-13</a:t>
             </a:fld>
             <a:endParaRPr lang="ko-KR" altLang="en-US" dirty="0"/>
           </a:p>
@@ -7071,7 +7071,7 @@
           <a:p>
             <a:fld id="{FC9BC1D0-7D6B-4634-9D19-644040D74EAE}" type="datetime1">
               <a:rPr lang="ko-KR" altLang="en-US" smtClean="0"/>
-              <a:t>2023-01-12</a:t>
+              <a:t>2023-01-13</a:t>
             </a:fld>
             <a:endParaRPr lang="ko-KR" altLang="en-US" dirty="0"/>
           </a:p>
@@ -7212,7 +7212,7 @@
           <a:p>
             <a:fld id="{B5B1BBC2-B738-4C35-AEE5-660EB2DEB482}" type="datetime1">
               <a:rPr lang="ko-KR" altLang="en-US" smtClean="0"/>
-              <a:t>2023-01-12</a:t>
+              <a:t>2023-01-13</a:t>
             </a:fld>
             <a:endParaRPr lang="ko-KR" altLang="en-US" dirty="0"/>
           </a:p>
@@ -11794,7 +11794,7 @@
           <a:p>
             <a:fld id="{C60E9F93-7E77-4F36-B88C-A425F00C8D91}" type="datetime1">
               <a:rPr lang="ko-KR" altLang="en-US" smtClean="0"/>
-              <a:t>2023-01-12</a:t>
+              <a:t>2023-01-13</a:t>
             </a:fld>
             <a:endParaRPr lang="ko-KR" altLang="en-US" dirty="0"/>
           </a:p>
@@ -12105,7 +12105,7 @@
           <a:p>
             <a:fld id="{36BCCD0E-2A54-4016-BFFC-FEAABCDA6915}" type="datetime1">
               <a:rPr lang="ko-KR" altLang="en-US" smtClean="0"/>
-              <a:t>2023-01-12</a:t>
+              <a:t>2023-01-13</a:t>
             </a:fld>
             <a:endParaRPr lang="ko-KR" altLang="en-US" dirty="0"/>
           </a:p>
@@ -12393,7 +12393,7 @@
           <a:p>
             <a:fld id="{C984B0C4-64BA-4E4C-B5E6-A51EE3F6ED95}" type="datetime1">
               <a:rPr lang="ko-KR" altLang="en-US" smtClean="0"/>
-              <a:t>2023-01-12</a:t>
+              <a:t>2023-01-13</a:t>
             </a:fld>
             <a:endParaRPr lang="ko-KR" altLang="en-US" dirty="0"/>
           </a:p>
@@ -12635,7 +12635,7 @@
           <a:p>
             <a:fld id="{C984B0C4-64BA-4E4C-B5E6-A51EE3F6ED95}" type="datetime1">
               <a:rPr lang="ko-KR" altLang="en-US" smtClean="0"/>
-              <a:t>2023-01-12</a:t>
+              <a:t>2023-01-13</a:t>
             </a:fld>
             <a:endParaRPr lang="ko-KR" altLang="en-US" dirty="0"/>
           </a:p>
@@ -15833,7 +15833,7 @@
 </file>
 
 <file path=ppt/slides/slide14.xml><?xml version="1.0" encoding="utf-8"?>
-<p:sld xmlns:a="http://schemas.openxmlformats.org/drawingml/2006/main" xmlns:r="http://schemas.openxmlformats.org/officeDocument/2006/relationships" xmlns:p="http://schemas.openxmlformats.org/presentationml/2006/main" show="0">
+<p:sld xmlns:a="http://schemas.openxmlformats.org/drawingml/2006/main" xmlns:r="http://schemas.openxmlformats.org/officeDocument/2006/relationships" xmlns:p="http://schemas.openxmlformats.org/presentationml/2006/main">
   <p:cSld>
     <p:spTree>
       <p:nvGrpSpPr>
@@ -16476,10 +16476,10 @@
       </p:sp>
       <p:sp>
         <p:nvSpPr>
-          <p:cNvPr id="3" name="사각형: 빗면 2">
-            <a:extLst>
-              <a:ext uri="{FF2B5EF4-FFF2-40B4-BE49-F238E27FC236}">
-                <a16:creationId xmlns:a16="http://schemas.microsoft.com/office/drawing/2014/main" id="{EA0B0213-28F7-C9A6-DE4A-8FF0E176A7E2}"/>
+          <p:cNvPr id="13" name="사각형: 빗면 12">
+            <a:extLst>
+              <a:ext uri="{FF2B5EF4-FFF2-40B4-BE49-F238E27FC236}">
+                <a16:creationId xmlns:a16="http://schemas.microsoft.com/office/drawing/2014/main" id="{E6018F8E-B364-76CE-E38F-DC4E29FE5642}"/>
               </a:ext>
             </a:extLst>
           </p:cNvPr>
@@ -16488,89 +16488,7 @@
         </p:nvSpPr>
         <p:spPr>
           <a:xfrm>
-            <a:off x="8109908" y="4356847"/>
-            <a:ext cx="2695552" cy="1858681"/>
-          </a:xfrm>
-          <a:prstGeom prst="bevel">
-            <a:avLst>
-              <a:gd name="adj" fmla="val 0"/>
-            </a:avLst>
-          </a:prstGeom>
-          <a:ln>
-            <a:solidFill>
-              <a:schemeClr val="tx1"/>
-            </a:solidFill>
-          </a:ln>
-        </p:spPr>
-        <p:style>
-          <a:lnRef idx="2">
-            <a:schemeClr val="accent1">
-              <a:shade val="50000"/>
-            </a:schemeClr>
-          </a:lnRef>
-          <a:fillRef idx="1">
-            <a:schemeClr val="accent1"/>
-          </a:fillRef>
-          <a:effectRef idx="0">
-            <a:schemeClr val="accent1"/>
-          </a:effectRef>
-          <a:fontRef idx="minor">
-            <a:schemeClr val="lt1"/>
-          </a:fontRef>
-        </p:style>
-        <p:txBody>
-          <a:bodyPr rtlCol="0" anchor="ctr"/>
-          <a:lstStyle/>
-          <a:p>
-            <a:pPr algn="ctr"/>
-            <a:r>
-              <a:rPr lang="en-US" altLang="ko-KR" dirty="0">
-                <a:solidFill>
-                  <a:schemeClr val="bg2"/>
-                </a:solidFill>
-              </a:rPr>
-              <a:t>M[manualLamp2]</a:t>
-            </a:r>
-          </a:p>
-          <a:p>
-            <a:pPr algn="ctr"/>
-            <a:r>
-              <a:rPr lang="en-US" altLang="ko-KR" dirty="0">
-                <a:solidFill>
-                  <a:schemeClr val="bg2"/>
-                </a:solidFill>
-              </a:rPr>
-              <a:t>E[emgLamp2]</a:t>
-            </a:r>
-          </a:p>
-          <a:p>
-            <a:pPr algn="ctr"/>
-            <a:r>
-              <a:rPr lang="en-US" altLang="ko-KR" dirty="0">
-                <a:solidFill>
-                  <a:schemeClr val="bg2"/>
-                </a:solidFill>
-              </a:rPr>
-              <a:t>D[dryrunLamp2]</a:t>
-            </a:r>
-          </a:p>
-        </p:txBody>
-      </p:sp>
-      <p:sp>
-        <p:nvSpPr>
-          <p:cNvPr id="10" name="사각형: 빗면 9">
-            <a:extLst>
-              <a:ext uri="{FF2B5EF4-FFF2-40B4-BE49-F238E27FC236}">
-                <a16:creationId xmlns:a16="http://schemas.microsoft.com/office/drawing/2014/main" id="{24B8EA58-FC9B-F3F1-C35D-0F76F046E22A}"/>
-              </a:ext>
-            </a:extLst>
-          </p:cNvPr>
-          <p:cNvSpPr/>
-          <p:nvPr/>
-        </p:nvSpPr>
-        <p:spPr>
-          <a:xfrm>
-            <a:off x="8253696" y="478176"/>
+            <a:off x="6918967" y="122903"/>
             <a:ext cx="3591555" cy="3534697"/>
           </a:xfrm>
           <a:prstGeom prst="bevel">
@@ -16606,7 +16524,7 @@
           <a:p>
             <a:pPr algn="ctr"/>
             <a:r>
-              <a:rPr lang="en-US" altLang="ko-KR" dirty="0">
+              <a:rPr lang="en-US" altLang="ko-KR" sz="1400" dirty="0">
                 <a:solidFill>
                   <a:schemeClr val="bg2"/>
                 </a:solidFill>
@@ -16617,7 +16535,7 @@
           <a:p>
             <a:pPr algn="ctr"/>
             <a:r>
-              <a:rPr lang="en-US" altLang="ko-KR" dirty="0">
+              <a:rPr lang="en-US" altLang="ko-KR" sz="1400" dirty="0">
                 <a:solidFill>
                   <a:schemeClr val="bg2"/>
                 </a:solidFill>
@@ -16628,7 +16546,29 @@
           <a:p>
             <a:pPr algn="ctr"/>
             <a:r>
-              <a:rPr lang="en-US" altLang="ko-KR" dirty="0">
+              <a:rPr lang="en-US" altLang="ko-KR" sz="1400" dirty="0">
+                <a:solidFill>
+                  <a:schemeClr val="bg2"/>
+                </a:solidFill>
+              </a:rPr>
+              <a:t>D[driveBtn1]</a:t>
+            </a:r>
+          </a:p>
+          <a:p>
+            <a:pPr algn="ctr"/>
+            <a:r>
+              <a:rPr lang="en-US" altLang="ko-KR" sz="1400" dirty="0">
+                <a:solidFill>
+                  <a:schemeClr val="bg2"/>
+                </a:solidFill>
+              </a:rPr>
+              <a:t>S[stopBtn1]</a:t>
+            </a:r>
+          </a:p>
+          <a:p>
+            <a:pPr algn="ctr"/>
+            <a:r>
+              <a:rPr lang="en-US" altLang="ko-KR" sz="1400" dirty="0">
                 <a:solidFill>
                   <a:schemeClr val="bg2"/>
                 </a:solidFill>
@@ -16639,18 +16579,29 @@
           <a:p>
             <a:pPr algn="ctr"/>
             <a:r>
-              <a:rPr lang="en-US" altLang="ko-KR" dirty="0">
+              <a:rPr lang="en-US" altLang="ko-KR" sz="1400" dirty="0">
                 <a:solidFill>
                   <a:schemeClr val="bg2"/>
                 </a:solidFill>
               </a:rPr>
-              <a:t>S[stopBtn1]</a:t>
+              <a:t>T[testrunBtn1]</a:t>
             </a:r>
           </a:p>
           <a:p>
             <a:pPr algn="ctr"/>
             <a:r>
-              <a:rPr lang="en-US" altLang="ko-KR" dirty="0">
+              <a:rPr lang="en-US" altLang="ko-KR" sz="1400" dirty="0">
+                <a:solidFill>
+                  <a:schemeClr val="bg2"/>
+                </a:solidFill>
+              </a:rPr>
+              <a:t>R[readyBtn1]</a:t>
+            </a:r>
+          </a:p>
+          <a:p>
+            <a:pPr algn="ctr"/>
+            <a:r>
+              <a:rPr lang="en-US" altLang="ko-KR" sz="1400" dirty="0">
                 <a:solidFill>
                   <a:schemeClr val="bg2"/>
                 </a:solidFill>
@@ -16661,36 +16612,148 @@
           <a:p>
             <a:pPr algn="ctr"/>
             <a:r>
-              <a:rPr lang="en-US" altLang="ko-KR" dirty="0">
-                <a:solidFill>
-                  <a:schemeClr val="bg2"/>
-                </a:solidFill>
-              </a:rPr>
-              <a:t>R[runBtn1]</a:t>
-            </a:r>
-          </a:p>
-          <a:p>
-            <a:pPr algn="ctr"/>
-            <a:r>
-              <a:rPr lang="en-US" altLang="ko-KR" dirty="0">
-                <a:solidFill>
-                  <a:schemeClr val="bg2"/>
-                </a:solidFill>
-              </a:rPr>
-              <a:t>D[dryrunBtn1]</a:t>
-            </a:r>
-          </a:p>
-          <a:p>
-            <a:pPr algn="ctr"/>
-            <a:r>
-              <a:rPr lang="en-US" altLang="ko-KR" dirty="0">
+              <a:rPr lang="en-US" altLang="ko-KR" sz="1400" dirty="0">
                 <a:solidFill>
                   <a:schemeClr val="bg2"/>
                 </a:solidFill>
               </a:rPr>
               <a:t>H[homeBtn1]</a:t>
             </a:r>
-            <a:endParaRPr lang="en-US" altLang="ko-KR" sz="1400" dirty="0">
+            <a:endParaRPr lang="en-US" altLang="ko-KR" sz="1100" dirty="0">
+              <a:solidFill>
+                <a:schemeClr val="bg2"/>
+              </a:solidFill>
+            </a:endParaRPr>
+          </a:p>
+        </p:txBody>
+      </p:sp>
+      <p:sp>
+        <p:nvSpPr>
+          <p:cNvPr id="14" name="사각형: 빗면 13">
+            <a:extLst>
+              <a:ext uri="{FF2B5EF4-FFF2-40B4-BE49-F238E27FC236}">
+                <a16:creationId xmlns:a16="http://schemas.microsoft.com/office/drawing/2014/main" id="{6CB4F80D-DA90-58D7-3754-6DF08E23B623}"/>
+              </a:ext>
+            </a:extLst>
+          </p:cNvPr>
+          <p:cNvSpPr/>
+          <p:nvPr/>
+        </p:nvSpPr>
+        <p:spPr>
+          <a:xfrm>
+            <a:off x="7766281" y="2815763"/>
+            <a:ext cx="3591555" cy="3534697"/>
+          </a:xfrm>
+          <a:prstGeom prst="bevel">
+            <a:avLst>
+              <a:gd name="adj" fmla="val 0"/>
+            </a:avLst>
+          </a:prstGeom>
+          <a:ln>
+            <a:solidFill>
+              <a:schemeClr val="tx1"/>
+            </a:solidFill>
+          </a:ln>
+        </p:spPr>
+        <p:style>
+          <a:lnRef idx="2">
+            <a:schemeClr val="accent1">
+              <a:shade val="50000"/>
+            </a:schemeClr>
+          </a:lnRef>
+          <a:fillRef idx="1">
+            <a:schemeClr val="accent1"/>
+          </a:fillRef>
+          <a:effectRef idx="0">
+            <a:schemeClr val="accent1"/>
+          </a:effectRef>
+          <a:fontRef idx="minor">
+            <a:schemeClr val="lt1"/>
+          </a:fontRef>
+        </p:style>
+        <p:txBody>
+          <a:bodyPr rtlCol="0" anchor="ctr"/>
+          <a:lstStyle/>
+          <a:p>
+            <a:pPr algn="ctr"/>
+            <a:r>
+              <a:rPr lang="en-US" altLang="ko-KR" dirty="0">
+                <a:solidFill>
+                  <a:schemeClr val="bg2"/>
+                </a:solidFill>
+              </a:rPr>
+              <a:t>A[autoLamp1]</a:t>
+            </a:r>
+          </a:p>
+          <a:p>
+            <a:pPr algn="ctr"/>
+            <a:r>
+              <a:rPr lang="en-US" altLang="ko-KR" dirty="0">
+                <a:solidFill>
+                  <a:schemeClr val="bg2"/>
+                </a:solidFill>
+              </a:rPr>
+              <a:t>M[manualLamp1]</a:t>
+            </a:r>
+          </a:p>
+          <a:p>
+            <a:pPr algn="ctr"/>
+            <a:r>
+              <a:rPr lang="en-US" altLang="ko-KR" dirty="0">
+                <a:solidFill>
+                  <a:schemeClr val="bg2"/>
+                </a:solidFill>
+              </a:rPr>
+              <a:t>D[driveLamp1]</a:t>
+            </a:r>
+          </a:p>
+          <a:p>
+            <a:pPr algn="ctr"/>
+            <a:r>
+              <a:rPr lang="en-US" altLang="ko-KR" dirty="0">
+                <a:solidFill>
+                  <a:schemeClr val="bg2"/>
+                </a:solidFill>
+              </a:rPr>
+              <a:t>S[stopLamp1] </a:t>
+            </a:r>
+          </a:p>
+          <a:p>
+            <a:pPr algn="ctr"/>
+            <a:r>
+              <a:rPr lang="en-US" altLang="ko-KR" dirty="0">
+                <a:solidFill>
+                  <a:schemeClr val="bg2"/>
+                </a:solidFill>
+              </a:rPr>
+              <a:t>E[emgLamp1]</a:t>
+            </a:r>
+          </a:p>
+          <a:p>
+            <a:pPr algn="ctr"/>
+            <a:r>
+              <a:rPr lang="en-US" altLang="ko-KR" dirty="0">
+                <a:solidFill>
+                  <a:schemeClr val="bg2"/>
+                </a:solidFill>
+              </a:rPr>
+              <a:t>T[testrunLamp1]</a:t>
+            </a:r>
+          </a:p>
+          <a:p>
+            <a:pPr algn="ctr"/>
+            <a:r>
+              <a:rPr lang="en-US" altLang="ko-KR" dirty="0">
+                <a:solidFill>
+                  <a:schemeClr val="bg2"/>
+                </a:solidFill>
+              </a:rPr>
+              <a:t>R[readyLamp1]</a:t>
+            </a:r>
+          </a:p>
+          <a:p>
+            <a:pPr algn="ctr"/>
+            <a:endParaRPr lang="en-US" altLang="ko-KR" dirty="0">
               <a:solidFill>
                 <a:schemeClr val="bg2"/>
               </a:solidFill>
@@ -16712,7 +16775,7 @@
 </file>
 
 <file path=ppt/slides/slide15.xml><?xml version="1.0" encoding="utf-8"?>
-<p:sld xmlns:a="http://schemas.openxmlformats.org/drawingml/2006/main" xmlns:r="http://schemas.openxmlformats.org/officeDocument/2006/relationships" xmlns:p="http://schemas.openxmlformats.org/presentationml/2006/main" show="0">
+<p:sld xmlns:a="http://schemas.openxmlformats.org/drawingml/2006/main" xmlns:r="http://schemas.openxmlformats.org/officeDocument/2006/relationships" xmlns:p="http://schemas.openxmlformats.org/presentationml/2006/main">
   <p:cSld>
     <p:spTree>
       <p:nvGrpSpPr>
@@ -16759,10 +16822,10 @@
       </p:sp>
       <p:sp>
         <p:nvSpPr>
-          <p:cNvPr id="4" name="사각형: 빗면 3">
-            <a:extLst>
-              <a:ext uri="{FF2B5EF4-FFF2-40B4-BE49-F238E27FC236}">
-                <a16:creationId xmlns:a16="http://schemas.microsoft.com/office/drawing/2014/main" id="{46DE3FC5-F63B-4762-025F-E4864E3BE855}"/>
+          <p:cNvPr id="3" name="사각형: 빗면 2">
+            <a:extLst>
+              <a:ext uri="{FF2B5EF4-FFF2-40B4-BE49-F238E27FC236}">
+                <a16:creationId xmlns:a16="http://schemas.microsoft.com/office/drawing/2014/main" id="{BA76CFB2-F4A6-864A-5B86-8B733C0B4E6D}"/>
               </a:ext>
             </a:extLst>
           </p:cNvPr>
@@ -16840,58 +16903,17 @@
           <a:p>
             <a:pPr algn="ctr"/>
             <a:r>
-              <a:rPr lang="en-US" altLang="ko-KR" dirty="0">
+              <a:rPr lang="en-US" altLang="ko-KR" sz="1800" dirty="0">
                 <a:solidFill>
                   <a:schemeClr val="bg2"/>
                 </a:solidFill>
               </a:rPr>
-              <a:t>S[stopBtn1]</a:t>
+              <a:t>R[readyBtn1]</a:t>
             </a:r>
           </a:p>
           <a:p>
             <a:pPr algn="ctr"/>
-            <a:r>
-              <a:rPr lang="en-US" altLang="ko-KR" dirty="0">
-                <a:solidFill>
-                  <a:schemeClr val="bg2"/>
-                </a:solidFill>
-              </a:rPr>
-              <a:t>C[clearBtn1]</a:t>
-            </a:r>
-          </a:p>
-          <a:p>
-            <a:pPr algn="ctr"/>
-            <a:r>
-              <a:rPr lang="en-US" altLang="ko-KR" dirty="0">
-                <a:solidFill>
-                  <a:schemeClr val="bg2"/>
-                </a:solidFill>
-              </a:rPr>
-              <a:t>R[runBtn1]</a:t>
-            </a:r>
-          </a:p>
-          <a:p>
-            <a:pPr algn="ctr"/>
-            <a:r>
-              <a:rPr lang="en-US" altLang="ko-KR" dirty="0">
-                <a:solidFill>
-                  <a:schemeClr val="bg2"/>
-                </a:solidFill>
-              </a:rPr>
-              <a:t>D[dryrunBtn1]</a:t>
-            </a:r>
-          </a:p>
-          <a:p>
-            <a:pPr algn="ctr"/>
-            <a:r>
-              <a:rPr lang="en-US" altLang="ko-KR" dirty="0">
-                <a:solidFill>
-                  <a:schemeClr val="bg2"/>
-                </a:solidFill>
-              </a:rPr>
-              <a:t>H[homeBtn1]</a:t>
-            </a:r>
-            <a:endParaRPr lang="en-US" altLang="ko-KR" sz="1400" dirty="0">
+            <a:endParaRPr lang="en-US" altLang="ko-KR" dirty="0">
               <a:solidFill>
                 <a:schemeClr val="bg2"/>
               </a:solidFill>
@@ -16901,10 +16923,10 @@
       </p:sp>
       <p:sp>
         <p:nvSpPr>
-          <p:cNvPr id="5" name="사각형: 빗면 4">
-            <a:extLst>
-              <a:ext uri="{FF2B5EF4-FFF2-40B4-BE49-F238E27FC236}">
-                <a16:creationId xmlns:a16="http://schemas.microsoft.com/office/drawing/2014/main" id="{DB236E01-5964-6AEB-7B99-CC2A9EE7249D}"/>
+          <p:cNvPr id="6" name="사각형: 빗면 5">
+            <a:extLst>
+              <a:ext uri="{FF2B5EF4-FFF2-40B4-BE49-F238E27FC236}">
+                <a16:creationId xmlns:a16="http://schemas.microsoft.com/office/drawing/2014/main" id="{8A95F819-4979-CB68-9CE6-016454A6E94C}"/>
               </a:ext>
             </a:extLst>
           </p:cNvPr>
@@ -16954,7 +16976,29 @@
                   <a:schemeClr val="bg2"/>
                 </a:solidFill>
               </a:rPr>
-              <a:t>R[runLamp1]</a:t>
+              <a:t>A[autoLamp1]</a:t>
+            </a:r>
+          </a:p>
+          <a:p>
+            <a:pPr algn="ctr"/>
+            <a:r>
+              <a:rPr lang="en-US" altLang="ko-KR" dirty="0">
+                <a:solidFill>
+                  <a:schemeClr val="bg2"/>
+                </a:solidFill>
+              </a:rPr>
+              <a:t>M[manualLamp1]</a:t>
+            </a:r>
+          </a:p>
+          <a:p>
+            <a:pPr algn="ctr"/>
+            <a:r>
+              <a:rPr lang="en-US" altLang="ko-KR" dirty="0">
+                <a:solidFill>
+                  <a:schemeClr val="bg2"/>
+                </a:solidFill>
+              </a:rPr>
+              <a:t>E[emgLamp1]</a:t>
             </a:r>
           </a:p>
           <a:p>
@@ -16976,7 +17020,7 @@
                   <a:schemeClr val="bg2"/>
                 </a:solidFill>
               </a:rPr>
-              <a:t>M[manualLamp1]</a:t>
+              <a:t>D[driveLamp1]</a:t>
             </a:r>
           </a:p>
           <a:p>
@@ -16987,7 +17031,7 @@
                   <a:schemeClr val="bg2"/>
                 </a:solidFill>
               </a:rPr>
-              <a:t>E[emgLamp1]</a:t>
+              <a:t>T[testrunLamp1]</a:t>
             </a:r>
           </a:p>
           <a:p>
@@ -16998,8 +17042,16 @@
                   <a:schemeClr val="bg2"/>
                 </a:solidFill>
               </a:rPr>
-              <a:t>D[dryrunLamp1]</a:t>
-            </a:r>
+              <a:t>R[readyLamp1]</a:t>
+            </a:r>
+          </a:p>
+          <a:p>
+            <a:pPr algn="ctr"/>
+            <a:endParaRPr lang="en-US" altLang="ko-KR" dirty="0">
+              <a:solidFill>
+                <a:schemeClr val="bg2"/>
+              </a:solidFill>
+            </a:endParaRPr>
           </a:p>
         </p:txBody>
       </p:sp>

--- a/DsDotNet/src/UnitTest/UnitTest.Engine/ImportOffice/Sample/s.pptx
+++ b/DsDotNet/src/UnitTest/UnitTest.Engine/ImportOffice/Sample/s.pptx
@@ -229,7 +229,7 @@
           <a:p>
             <a:fld id="{DD503887-5801-43A0-AEF9-041E8DDC2558}" type="datetimeFigureOut">
               <a:rPr lang="ko-KR" altLang="en-US" smtClean="0"/>
-              <a:t>2023-01-13</a:t>
+              <a:t>2023-01-16</a:t>
             </a:fld>
             <a:endParaRPr lang="ko-KR" altLang="en-US" dirty="0"/>
           </a:p>
@@ -406,7 +406,7 @@
           <a:p>
             <a:fld id="{95336A0E-57B1-4D4C-BD9B-2F72B5943464}" type="datetimeFigureOut">
               <a:rPr lang="ko-KR" altLang="en-US" smtClean="0"/>
-              <a:t>2023-01-13</a:t>
+              <a:t>2023-01-16</a:t>
             </a:fld>
             <a:endParaRPr lang="ko-KR" altLang="en-US" dirty="0"/>
           </a:p>
@@ -904,7 +904,7 @@
           <a:p>
             <a:fld id="{229D12C7-0FF5-4972-A033-474EFFC79F40}" type="datetime1">
               <a:rPr lang="ko-KR" altLang="en-US" smtClean="0"/>
-              <a:t>2023-01-13</a:t>
+              <a:t>2023-01-16</a:t>
             </a:fld>
             <a:endParaRPr lang="ko-KR" altLang="en-US" dirty="0"/>
           </a:p>
@@ -1102,7 +1102,7 @@
           <a:p>
             <a:fld id="{5BA19FD4-B052-4F56-8FD8-EAFD078DEFB0}" type="datetime1">
               <a:rPr lang="ko-KR" altLang="en-US" smtClean="0"/>
-              <a:t>2023-01-13</a:t>
+              <a:t>2023-01-16</a:t>
             </a:fld>
             <a:endParaRPr lang="ko-KR" altLang="en-US" dirty="0"/>
           </a:p>
@@ -1310,7 +1310,7 @@
           <a:p>
             <a:fld id="{024994B9-23A6-4B0A-A038-AC140E83DAA3}" type="datetime1">
               <a:rPr lang="ko-KR" altLang="en-US" smtClean="0"/>
-              <a:t>2023-01-13</a:t>
+              <a:t>2023-01-16</a:t>
             </a:fld>
             <a:endParaRPr lang="ko-KR" altLang="en-US" dirty="0"/>
           </a:p>
@@ -1452,7 +1452,7 @@
           <a:p>
             <a:fld id="{B5B1BBC2-B738-4C35-AEE5-660EB2DEB482}" type="datetime1">
               <a:rPr lang="ko-KR" altLang="en-US" smtClean="0"/>
-              <a:t>2023-01-13</a:t>
+              <a:t>2023-01-16</a:t>
             </a:fld>
             <a:endParaRPr lang="ko-KR" altLang="en-US" dirty="0"/>
           </a:p>
@@ -6119,7 +6119,7 @@
           <a:p>
             <a:fld id="{70D0DAB2-87CB-4028-B965-3AA710ADF2CB}" type="datetime1">
               <a:rPr lang="ko-KR" altLang="en-US" smtClean="0"/>
-              <a:t>2023-01-13</a:t>
+              <a:t>2023-01-16</a:t>
             </a:fld>
             <a:endParaRPr lang="ko-KR" altLang="en-US" dirty="0"/>
           </a:p>
@@ -6394,7 +6394,7 @@
           <a:p>
             <a:fld id="{63FA3D71-FEA8-477F-9D1E-EA860F411BC7}" type="datetime1">
               <a:rPr lang="ko-KR" altLang="en-US" smtClean="0"/>
-              <a:t>2023-01-13</a:t>
+              <a:t>2023-01-16</a:t>
             </a:fld>
             <a:endParaRPr lang="ko-KR" altLang="en-US" dirty="0"/>
           </a:p>
@@ -6659,7 +6659,7 @@
           <a:p>
             <a:fld id="{F58E3EF4-7980-4C97-BA64-EC66995BB574}" type="datetime1">
               <a:rPr lang="ko-KR" altLang="en-US" smtClean="0"/>
-              <a:t>2023-01-13</a:t>
+              <a:t>2023-01-16</a:t>
             </a:fld>
             <a:endParaRPr lang="ko-KR" altLang="en-US" dirty="0"/>
           </a:p>
@@ -7071,7 +7071,7 @@
           <a:p>
             <a:fld id="{FC9BC1D0-7D6B-4634-9D19-644040D74EAE}" type="datetime1">
               <a:rPr lang="ko-KR" altLang="en-US" smtClean="0"/>
-              <a:t>2023-01-13</a:t>
+              <a:t>2023-01-16</a:t>
             </a:fld>
             <a:endParaRPr lang="ko-KR" altLang="en-US" dirty="0"/>
           </a:p>
@@ -7212,7 +7212,7 @@
           <a:p>
             <a:fld id="{B5B1BBC2-B738-4C35-AEE5-660EB2DEB482}" type="datetime1">
               <a:rPr lang="ko-KR" altLang="en-US" smtClean="0"/>
-              <a:t>2023-01-13</a:t>
+              <a:t>2023-01-16</a:t>
             </a:fld>
             <a:endParaRPr lang="ko-KR" altLang="en-US" dirty="0"/>
           </a:p>
@@ -11794,7 +11794,7 @@
           <a:p>
             <a:fld id="{C60E9F93-7E77-4F36-B88C-A425F00C8D91}" type="datetime1">
               <a:rPr lang="ko-KR" altLang="en-US" smtClean="0"/>
-              <a:t>2023-01-13</a:t>
+              <a:t>2023-01-16</a:t>
             </a:fld>
             <a:endParaRPr lang="ko-KR" altLang="en-US" dirty="0"/>
           </a:p>
@@ -12105,7 +12105,7 @@
           <a:p>
             <a:fld id="{36BCCD0E-2A54-4016-BFFC-FEAABCDA6915}" type="datetime1">
               <a:rPr lang="ko-KR" altLang="en-US" smtClean="0"/>
-              <a:t>2023-01-13</a:t>
+              <a:t>2023-01-16</a:t>
             </a:fld>
             <a:endParaRPr lang="ko-KR" altLang="en-US" dirty="0"/>
           </a:p>
@@ -12393,7 +12393,7 @@
           <a:p>
             <a:fld id="{C984B0C4-64BA-4E4C-B5E6-A51EE3F6ED95}" type="datetime1">
               <a:rPr lang="ko-KR" altLang="en-US" smtClean="0"/>
-              <a:t>2023-01-13</a:t>
+              <a:t>2023-01-16</a:t>
             </a:fld>
             <a:endParaRPr lang="ko-KR" altLang="en-US" dirty="0"/>
           </a:p>
@@ -12635,7 +12635,7 @@
           <a:p>
             <a:fld id="{C984B0C4-64BA-4E4C-B5E6-A51EE3F6ED95}" type="datetime1">
               <a:rPr lang="ko-KR" altLang="en-US" smtClean="0"/>
-              <a:t>2023-01-13</a:t>
+              <a:t>2023-01-16</a:t>
             </a:fld>
             <a:endParaRPr lang="ko-KR" altLang="en-US" dirty="0"/>
           </a:p>
@@ -15833,7 +15833,7 @@
 </file>
 
 <file path=ppt/slides/slide14.xml><?xml version="1.0" encoding="utf-8"?>
-<p:sld xmlns:a="http://schemas.openxmlformats.org/drawingml/2006/main" xmlns:r="http://schemas.openxmlformats.org/officeDocument/2006/relationships" xmlns:p="http://schemas.openxmlformats.org/presentationml/2006/main">
+<p:sld xmlns:a="http://schemas.openxmlformats.org/drawingml/2006/main" xmlns:r="http://schemas.openxmlformats.org/officeDocument/2006/relationships" xmlns:p="http://schemas.openxmlformats.org/presentationml/2006/main" show="0">
   <p:cSld>
     <p:spTree>
       <p:nvGrpSpPr>
@@ -16775,7 +16775,7 @@
 </file>
 
 <file path=ppt/slides/slide15.xml><?xml version="1.0" encoding="utf-8"?>
-<p:sld xmlns:a="http://schemas.openxmlformats.org/drawingml/2006/main" xmlns:r="http://schemas.openxmlformats.org/officeDocument/2006/relationships" xmlns:p="http://schemas.openxmlformats.org/presentationml/2006/main">
+<p:sld xmlns:a="http://schemas.openxmlformats.org/drawingml/2006/main" xmlns:r="http://schemas.openxmlformats.org/officeDocument/2006/relationships" xmlns:p="http://schemas.openxmlformats.org/presentationml/2006/main" show="0">
   <p:cSld>
     <p:spTree>
       <p:nvGrpSpPr>
@@ -17746,7 +17746,7 @@
             <a:pPr algn="ctr"/>
             <a:r>
               <a:rPr lang="en-US" altLang="ko-KR" dirty="0"/>
-              <a:t>../Sample/lib/Cylinder/Single </a:t>
+              <a:t>../Sample/lib/Cylinder/Double </a:t>
             </a:r>
           </a:p>
           <a:p>
@@ -17773,7 +17773,7 @@
         </p:nvSpPr>
         <p:spPr>
           <a:xfrm>
-            <a:off x="9316310" y="4222092"/>
+            <a:off x="9316310" y="5179624"/>
             <a:ext cx="2437946" cy="1223682"/>
           </a:xfrm>
           <a:prstGeom prst="foldedCorner">
@@ -17809,7 +17809,7 @@
             <a:pPr algn="ctr"/>
             <a:r>
               <a:rPr lang="en-US" altLang="ko-KR" dirty="0"/>
-              <a:t>../Sample/lib/Cylinder/Single </a:t>
+              <a:t>../Sample/lib/Cylinder/Double </a:t>
             </a:r>
           </a:p>
           <a:p>

--- a/DsDotNet/src/UnitTest/UnitTest.Engine/ImportOffice/Sample/s.pptx
+++ b/DsDotNet/src/UnitTest/UnitTest.Engine/ImportOffice/Sample/s.pptx
@@ -229,7 +229,7 @@
           <a:p>
             <a:fld id="{DD503887-5801-43A0-AEF9-041E8DDC2558}" type="datetimeFigureOut">
               <a:rPr lang="ko-KR" altLang="en-US" smtClean="0"/>
-              <a:t>2023-01-16</a:t>
+              <a:t>2023-01-17</a:t>
             </a:fld>
             <a:endParaRPr lang="ko-KR" altLang="en-US" dirty="0"/>
           </a:p>
@@ -406,7 +406,7 @@
           <a:p>
             <a:fld id="{95336A0E-57B1-4D4C-BD9B-2F72B5943464}" type="datetimeFigureOut">
               <a:rPr lang="ko-KR" altLang="en-US" smtClean="0"/>
-              <a:t>2023-01-16</a:t>
+              <a:t>2023-01-17</a:t>
             </a:fld>
             <a:endParaRPr lang="ko-KR" altLang="en-US" dirty="0"/>
           </a:p>
@@ -904,7 +904,7 @@
           <a:p>
             <a:fld id="{229D12C7-0FF5-4972-A033-474EFFC79F40}" type="datetime1">
               <a:rPr lang="ko-KR" altLang="en-US" smtClean="0"/>
-              <a:t>2023-01-16</a:t>
+              <a:t>2023-01-17</a:t>
             </a:fld>
             <a:endParaRPr lang="ko-KR" altLang="en-US" dirty="0"/>
           </a:p>
@@ -1102,7 +1102,7 @@
           <a:p>
             <a:fld id="{5BA19FD4-B052-4F56-8FD8-EAFD078DEFB0}" type="datetime1">
               <a:rPr lang="ko-KR" altLang="en-US" smtClean="0"/>
-              <a:t>2023-01-16</a:t>
+              <a:t>2023-01-17</a:t>
             </a:fld>
             <a:endParaRPr lang="ko-KR" altLang="en-US" dirty="0"/>
           </a:p>
@@ -1310,7 +1310,7 @@
           <a:p>
             <a:fld id="{024994B9-23A6-4B0A-A038-AC140E83DAA3}" type="datetime1">
               <a:rPr lang="ko-KR" altLang="en-US" smtClean="0"/>
-              <a:t>2023-01-16</a:t>
+              <a:t>2023-01-17</a:t>
             </a:fld>
             <a:endParaRPr lang="ko-KR" altLang="en-US" dirty="0"/>
           </a:p>
@@ -1452,7 +1452,7 @@
           <a:p>
             <a:fld id="{B5B1BBC2-B738-4C35-AEE5-660EB2DEB482}" type="datetime1">
               <a:rPr lang="ko-KR" altLang="en-US" smtClean="0"/>
-              <a:t>2023-01-16</a:t>
+              <a:t>2023-01-17</a:t>
             </a:fld>
             <a:endParaRPr lang="ko-KR" altLang="en-US" dirty="0"/>
           </a:p>
@@ -6119,7 +6119,7 @@
           <a:p>
             <a:fld id="{70D0DAB2-87CB-4028-B965-3AA710ADF2CB}" type="datetime1">
               <a:rPr lang="ko-KR" altLang="en-US" smtClean="0"/>
-              <a:t>2023-01-16</a:t>
+              <a:t>2023-01-17</a:t>
             </a:fld>
             <a:endParaRPr lang="ko-KR" altLang="en-US" dirty="0"/>
           </a:p>
@@ -6394,7 +6394,7 @@
           <a:p>
             <a:fld id="{63FA3D71-FEA8-477F-9D1E-EA860F411BC7}" type="datetime1">
               <a:rPr lang="ko-KR" altLang="en-US" smtClean="0"/>
-              <a:t>2023-01-16</a:t>
+              <a:t>2023-01-17</a:t>
             </a:fld>
             <a:endParaRPr lang="ko-KR" altLang="en-US" dirty="0"/>
           </a:p>
@@ -6659,7 +6659,7 @@
           <a:p>
             <a:fld id="{F58E3EF4-7980-4C97-BA64-EC66995BB574}" type="datetime1">
               <a:rPr lang="ko-KR" altLang="en-US" smtClean="0"/>
-              <a:t>2023-01-16</a:t>
+              <a:t>2023-01-17</a:t>
             </a:fld>
             <a:endParaRPr lang="ko-KR" altLang="en-US" dirty="0"/>
           </a:p>
@@ -7071,7 +7071,7 @@
           <a:p>
             <a:fld id="{FC9BC1D0-7D6B-4634-9D19-644040D74EAE}" type="datetime1">
               <a:rPr lang="ko-KR" altLang="en-US" smtClean="0"/>
-              <a:t>2023-01-16</a:t>
+              <a:t>2023-01-17</a:t>
             </a:fld>
             <a:endParaRPr lang="ko-KR" altLang="en-US" dirty="0"/>
           </a:p>
@@ -7212,7 +7212,7 @@
           <a:p>
             <a:fld id="{B5B1BBC2-B738-4C35-AEE5-660EB2DEB482}" type="datetime1">
               <a:rPr lang="ko-KR" altLang="en-US" smtClean="0"/>
-              <a:t>2023-01-16</a:t>
+              <a:t>2023-01-17</a:t>
             </a:fld>
             <a:endParaRPr lang="ko-KR" altLang="en-US" dirty="0"/>
           </a:p>
@@ -11794,7 +11794,7 @@
           <a:p>
             <a:fld id="{C60E9F93-7E77-4F36-B88C-A425F00C8D91}" type="datetime1">
               <a:rPr lang="ko-KR" altLang="en-US" smtClean="0"/>
-              <a:t>2023-01-16</a:t>
+              <a:t>2023-01-17</a:t>
             </a:fld>
             <a:endParaRPr lang="ko-KR" altLang="en-US" dirty="0"/>
           </a:p>
@@ -12105,7 +12105,7 @@
           <a:p>
             <a:fld id="{36BCCD0E-2A54-4016-BFFC-FEAABCDA6915}" type="datetime1">
               <a:rPr lang="ko-KR" altLang="en-US" smtClean="0"/>
-              <a:t>2023-01-16</a:t>
+              <a:t>2023-01-17</a:t>
             </a:fld>
             <a:endParaRPr lang="ko-KR" altLang="en-US" dirty="0"/>
           </a:p>
@@ -12393,7 +12393,7 @@
           <a:p>
             <a:fld id="{C984B0C4-64BA-4E4C-B5E6-A51EE3F6ED95}" type="datetime1">
               <a:rPr lang="ko-KR" altLang="en-US" smtClean="0"/>
-              <a:t>2023-01-16</a:t>
+              <a:t>2023-01-17</a:t>
             </a:fld>
             <a:endParaRPr lang="ko-KR" altLang="en-US" dirty="0"/>
           </a:p>
@@ -12635,7 +12635,7 @@
           <a:p>
             <a:fld id="{C984B0C4-64BA-4E4C-B5E6-A51EE3F6ED95}" type="datetime1">
               <a:rPr lang="ko-KR" altLang="en-US" smtClean="0"/>
-              <a:t>2023-01-16</a:t>
+              <a:t>2023-01-17</a:t>
             </a:fld>
             <a:endParaRPr lang="ko-KR" altLang="en-US" dirty="0"/>
           </a:p>

--- a/DsDotNet/src/UnitTest/UnitTest.Engine/ImportOffice/Sample/s.pptx
+++ b/DsDotNet/src/UnitTest/UnitTest.Engine/ImportOffice/Sample/s.pptx
@@ -229,7 +229,7 @@
           <a:p>
             <a:fld id="{DD503887-5801-43A0-AEF9-041E8DDC2558}" type="datetimeFigureOut">
               <a:rPr lang="ko-KR" altLang="en-US" smtClean="0"/>
-              <a:t>2023-01-17</a:t>
+              <a:t>2023-01-18</a:t>
             </a:fld>
             <a:endParaRPr lang="ko-KR" altLang="en-US" dirty="0"/>
           </a:p>
@@ -406,7 +406,7 @@
           <a:p>
             <a:fld id="{95336A0E-57B1-4D4C-BD9B-2F72B5943464}" type="datetimeFigureOut">
               <a:rPr lang="ko-KR" altLang="en-US" smtClean="0"/>
-              <a:t>2023-01-17</a:t>
+              <a:t>2023-01-18</a:t>
             </a:fld>
             <a:endParaRPr lang="ko-KR" altLang="en-US" dirty="0"/>
           </a:p>
@@ -904,7 +904,7 @@
           <a:p>
             <a:fld id="{229D12C7-0FF5-4972-A033-474EFFC79F40}" type="datetime1">
               <a:rPr lang="ko-KR" altLang="en-US" smtClean="0"/>
-              <a:t>2023-01-17</a:t>
+              <a:t>2023-01-18</a:t>
             </a:fld>
             <a:endParaRPr lang="ko-KR" altLang="en-US" dirty="0"/>
           </a:p>
@@ -1102,7 +1102,7 @@
           <a:p>
             <a:fld id="{5BA19FD4-B052-4F56-8FD8-EAFD078DEFB0}" type="datetime1">
               <a:rPr lang="ko-KR" altLang="en-US" smtClean="0"/>
-              <a:t>2023-01-17</a:t>
+              <a:t>2023-01-18</a:t>
             </a:fld>
             <a:endParaRPr lang="ko-KR" altLang="en-US" dirty="0"/>
           </a:p>
@@ -1310,7 +1310,7 @@
           <a:p>
             <a:fld id="{024994B9-23A6-4B0A-A038-AC140E83DAA3}" type="datetime1">
               <a:rPr lang="ko-KR" altLang="en-US" smtClean="0"/>
-              <a:t>2023-01-17</a:t>
+              <a:t>2023-01-18</a:t>
             </a:fld>
             <a:endParaRPr lang="ko-KR" altLang="en-US" dirty="0"/>
           </a:p>
@@ -1452,7 +1452,7 @@
           <a:p>
             <a:fld id="{B5B1BBC2-B738-4C35-AEE5-660EB2DEB482}" type="datetime1">
               <a:rPr lang="ko-KR" altLang="en-US" smtClean="0"/>
-              <a:t>2023-01-17</a:t>
+              <a:t>2023-01-18</a:t>
             </a:fld>
             <a:endParaRPr lang="ko-KR" altLang="en-US" dirty="0"/>
           </a:p>
@@ -6119,7 +6119,7 @@
           <a:p>
             <a:fld id="{70D0DAB2-87CB-4028-B965-3AA710ADF2CB}" type="datetime1">
               <a:rPr lang="ko-KR" altLang="en-US" smtClean="0"/>
-              <a:t>2023-01-17</a:t>
+              <a:t>2023-01-18</a:t>
             </a:fld>
             <a:endParaRPr lang="ko-KR" altLang="en-US" dirty="0"/>
           </a:p>
@@ -6394,7 +6394,7 @@
           <a:p>
             <a:fld id="{63FA3D71-FEA8-477F-9D1E-EA860F411BC7}" type="datetime1">
               <a:rPr lang="ko-KR" altLang="en-US" smtClean="0"/>
-              <a:t>2023-01-17</a:t>
+              <a:t>2023-01-18</a:t>
             </a:fld>
             <a:endParaRPr lang="ko-KR" altLang="en-US" dirty="0"/>
           </a:p>
@@ -6659,7 +6659,7 @@
           <a:p>
             <a:fld id="{F58E3EF4-7980-4C97-BA64-EC66995BB574}" type="datetime1">
               <a:rPr lang="ko-KR" altLang="en-US" smtClean="0"/>
-              <a:t>2023-01-17</a:t>
+              <a:t>2023-01-18</a:t>
             </a:fld>
             <a:endParaRPr lang="ko-KR" altLang="en-US" dirty="0"/>
           </a:p>
@@ -7071,7 +7071,7 @@
           <a:p>
             <a:fld id="{FC9BC1D0-7D6B-4634-9D19-644040D74EAE}" type="datetime1">
               <a:rPr lang="ko-KR" altLang="en-US" smtClean="0"/>
-              <a:t>2023-01-17</a:t>
+              <a:t>2023-01-18</a:t>
             </a:fld>
             <a:endParaRPr lang="ko-KR" altLang="en-US" dirty="0"/>
           </a:p>
@@ -7212,7 +7212,7 @@
           <a:p>
             <a:fld id="{B5B1BBC2-B738-4C35-AEE5-660EB2DEB482}" type="datetime1">
               <a:rPr lang="ko-KR" altLang="en-US" smtClean="0"/>
-              <a:t>2023-01-17</a:t>
+              <a:t>2023-01-18</a:t>
             </a:fld>
             <a:endParaRPr lang="ko-KR" altLang="en-US" dirty="0"/>
           </a:p>
@@ -11794,7 +11794,7 @@
           <a:p>
             <a:fld id="{C60E9F93-7E77-4F36-B88C-A425F00C8D91}" type="datetime1">
               <a:rPr lang="ko-KR" altLang="en-US" smtClean="0"/>
-              <a:t>2023-01-17</a:t>
+              <a:t>2023-01-18</a:t>
             </a:fld>
             <a:endParaRPr lang="ko-KR" altLang="en-US" dirty="0"/>
           </a:p>
@@ -12105,7 +12105,7 @@
           <a:p>
             <a:fld id="{36BCCD0E-2A54-4016-BFFC-FEAABCDA6915}" type="datetime1">
               <a:rPr lang="ko-KR" altLang="en-US" smtClean="0"/>
-              <a:t>2023-01-17</a:t>
+              <a:t>2023-01-18</a:t>
             </a:fld>
             <a:endParaRPr lang="ko-KR" altLang="en-US" dirty="0"/>
           </a:p>
@@ -12393,7 +12393,7 @@
           <a:p>
             <a:fld id="{C984B0C4-64BA-4E4C-B5E6-A51EE3F6ED95}" type="datetime1">
               <a:rPr lang="ko-KR" altLang="en-US" smtClean="0"/>
-              <a:t>2023-01-17</a:t>
+              <a:t>2023-01-18</a:t>
             </a:fld>
             <a:endParaRPr lang="ko-KR" altLang="en-US" dirty="0"/>
           </a:p>
@@ -12635,7 +12635,7 @@
           <a:p>
             <a:fld id="{C984B0C4-64BA-4E4C-B5E6-A51EE3F6ED95}" type="datetime1">
               <a:rPr lang="ko-KR" altLang="en-US" smtClean="0"/>
-              <a:t>2023-01-17</a:t>
+              <a:t>2023-01-18</a:t>
             </a:fld>
             <a:endParaRPr lang="ko-KR" altLang="en-US" dirty="0"/>
           </a:p>
@@ -13185,7 +13185,7 @@
         </p:nvSpPr>
         <p:spPr>
           <a:xfrm>
-            <a:off x="7988400" y="4158041"/>
+            <a:off x="7349499" y="4624766"/>
             <a:ext cx="2437946" cy="1223682"/>
           </a:xfrm>
           <a:prstGeom prst="rect">
@@ -13246,7 +13246,7 @@
         <p:spPr>
           <a:xfrm>
             <a:off x="6534526" y="4220068"/>
-            <a:ext cx="1453874" cy="549814"/>
+            <a:ext cx="814973" cy="1016539"/>
           </a:xfrm>
           <a:prstGeom prst="straightConnector1">
             <a:avLst/>
@@ -13550,7 +13550,7 @@
         </p:nvSpPr>
         <p:spPr>
           <a:xfrm>
-            <a:off x="9316310" y="2557743"/>
+            <a:off x="8545957" y="2675440"/>
             <a:ext cx="2437946" cy="1223682"/>
           </a:xfrm>
           <a:prstGeom prst="foldedCorner">
@@ -15833,7 +15833,7 @@
 </file>
 
 <file path=ppt/slides/slide14.xml><?xml version="1.0" encoding="utf-8"?>
-<p:sld xmlns:a="http://schemas.openxmlformats.org/drawingml/2006/main" xmlns:r="http://schemas.openxmlformats.org/officeDocument/2006/relationships" xmlns:p="http://schemas.openxmlformats.org/presentationml/2006/main" show="0">
+<p:sld xmlns:a="http://schemas.openxmlformats.org/drawingml/2006/main" xmlns:r="http://schemas.openxmlformats.org/officeDocument/2006/relationships" xmlns:p="http://schemas.openxmlformats.org/presentationml/2006/main">
   <p:cSld>
     <p:spTree>
       <p:nvGrpSpPr>
@@ -16488,12 +16488,12 @@
         </p:nvSpPr>
         <p:spPr>
           <a:xfrm>
-            <a:off x="6918967" y="122903"/>
+            <a:off x="4799148" y="103853"/>
             <a:ext cx="3591555" cy="3534697"/>
           </a:xfrm>
           <a:prstGeom prst="bevel">
             <a:avLst>
-              <a:gd name="adj" fmla="val 16754"/>
+              <a:gd name="adj" fmla="val 11343"/>
             </a:avLst>
           </a:prstGeom>
           <a:ln>
@@ -16641,7 +16641,7 @@
         </p:nvSpPr>
         <p:spPr>
           <a:xfrm>
-            <a:off x="7766281" y="2815763"/>
+            <a:off x="7574864" y="1848422"/>
             <a:ext cx="3591555" cy="3534697"/>
           </a:xfrm>
           <a:prstGeom prst="bevel">
@@ -16756,6 +16756,115 @@
             <a:endParaRPr lang="en-US" altLang="ko-KR" dirty="0">
               <a:solidFill>
                 <a:schemeClr val="bg2"/>
+              </a:solidFill>
+            </a:endParaRPr>
+          </a:p>
+        </p:txBody>
+      </p:sp>
+      <p:sp>
+        <p:nvSpPr>
+          <p:cNvPr id="16" name="액자 15">
+            <a:extLst>
+              <a:ext uri="{FF2B5EF4-FFF2-40B4-BE49-F238E27FC236}">
+                <a16:creationId xmlns:a16="http://schemas.microsoft.com/office/drawing/2014/main" id="{1610772C-96DB-6162-AD6C-5B8E4E49574B}"/>
+              </a:ext>
+            </a:extLst>
+          </p:cNvPr>
+          <p:cNvSpPr/>
+          <p:nvPr/>
+        </p:nvSpPr>
+        <p:spPr>
+          <a:xfrm>
+            <a:off x="2152650" y="726379"/>
+            <a:ext cx="1595718" cy="1760724"/>
+          </a:xfrm>
+          <a:prstGeom prst="frame">
+            <a:avLst>
+              <a:gd name="adj1" fmla="val 9738"/>
+            </a:avLst>
+          </a:prstGeom>
+        </p:spPr>
+        <p:style>
+          <a:lnRef idx="2">
+            <a:schemeClr val="accent1">
+              <a:shade val="50000"/>
+            </a:schemeClr>
+          </a:lnRef>
+          <a:fillRef idx="1">
+            <a:schemeClr val="accent1"/>
+          </a:fillRef>
+          <a:effectRef idx="0">
+            <a:schemeClr val="accent1"/>
+          </a:effectRef>
+          <a:fontRef idx="minor">
+            <a:schemeClr val="lt1"/>
+          </a:fontRef>
+        </p:style>
+        <p:txBody>
+          <a:bodyPr rtlCol="0" anchor="ctr"/>
+          <a:lstStyle/>
+          <a:p>
+            <a:pPr algn="ctr"/>
+            <a:r>
+              <a:rPr lang="en-US" altLang="ko-KR" sz="1100">
+                <a:solidFill>
+                  <a:schemeClr val="tx1"/>
+                </a:solidFill>
+              </a:rPr>
+              <a:t>R[airOn1]</a:t>
+            </a:r>
+          </a:p>
+          <a:p>
+            <a:pPr algn="ctr"/>
+            <a:r>
+              <a:rPr lang="en-US" altLang="ko-KR" sz="1100">
+                <a:solidFill>
+                  <a:schemeClr val="tx1"/>
+                </a:solidFill>
+              </a:rPr>
+              <a:t>R[airOn2]</a:t>
+            </a:r>
+          </a:p>
+          <a:p>
+            <a:pPr algn="ctr"/>
+            <a:endParaRPr lang="en-US" altLang="ko-KR" sz="1100">
+              <a:solidFill>
+                <a:schemeClr val="tx1"/>
+              </a:solidFill>
+            </a:endParaRPr>
+          </a:p>
+          <a:p>
+            <a:pPr algn="ctr"/>
+            <a:r>
+              <a:rPr lang="en-US" altLang="ko-KR" sz="1100">
+                <a:solidFill>
+                  <a:schemeClr val="tx1"/>
+                </a:solidFill>
+              </a:rPr>
+              <a:t>D[leakOn]</a:t>
+            </a:r>
+          </a:p>
+          <a:p>
+            <a:pPr algn="ctr"/>
+            <a:r>
+              <a:rPr lang="en-US" altLang="ko-KR" sz="1100">
+                <a:solidFill>
+                  <a:schemeClr val="tx1"/>
+                </a:solidFill>
+              </a:rPr>
+              <a:t>D[waterLowErr]</a:t>
+            </a:r>
+            <a:endParaRPr lang="ko-KR" altLang="en-US" sz="1100">
+              <a:solidFill>
+                <a:schemeClr val="tx1"/>
+              </a:solidFill>
+            </a:endParaRPr>
+          </a:p>
+          <a:p>
+            <a:pPr algn="ctr"/>
+            <a:endParaRPr lang="ko-KR" altLang="en-US" sz="1100" dirty="0">
+              <a:solidFill>
+                <a:schemeClr val="tx1"/>
               </a:solidFill>
             </a:endParaRPr>
           </a:p>

--- a/DsDotNet/src/UnitTest/UnitTest.Engine/ImportOffice/Sample/s.pptx
+++ b/DsDotNet/src/UnitTest/UnitTest.Engine/ImportOffice/Sample/s.pptx
@@ -229,7 +229,7 @@
           <a:p>
             <a:fld id="{DD503887-5801-43A0-AEF9-041E8DDC2558}" type="datetimeFigureOut">
               <a:rPr lang="ko-KR" altLang="en-US" smtClean="0"/>
-              <a:t>2023-01-18</a:t>
+              <a:t>2023-01-21</a:t>
             </a:fld>
             <a:endParaRPr lang="ko-KR" altLang="en-US" dirty="0"/>
           </a:p>
@@ -406,7 +406,7 @@
           <a:p>
             <a:fld id="{95336A0E-57B1-4D4C-BD9B-2F72B5943464}" type="datetimeFigureOut">
               <a:rPr lang="ko-KR" altLang="en-US" smtClean="0"/>
-              <a:t>2023-01-18</a:t>
+              <a:t>2023-01-21</a:t>
             </a:fld>
             <a:endParaRPr lang="ko-KR" altLang="en-US" dirty="0"/>
           </a:p>
@@ -904,7 +904,7 @@
           <a:p>
             <a:fld id="{229D12C7-0FF5-4972-A033-474EFFC79F40}" type="datetime1">
               <a:rPr lang="ko-KR" altLang="en-US" smtClean="0"/>
-              <a:t>2023-01-18</a:t>
+              <a:t>2023-01-21</a:t>
             </a:fld>
             <a:endParaRPr lang="ko-KR" altLang="en-US" dirty="0"/>
           </a:p>
@@ -1102,7 +1102,7 @@
           <a:p>
             <a:fld id="{5BA19FD4-B052-4F56-8FD8-EAFD078DEFB0}" type="datetime1">
               <a:rPr lang="ko-KR" altLang="en-US" smtClean="0"/>
-              <a:t>2023-01-18</a:t>
+              <a:t>2023-01-21</a:t>
             </a:fld>
             <a:endParaRPr lang="ko-KR" altLang="en-US" dirty="0"/>
           </a:p>
@@ -1310,7 +1310,7 @@
           <a:p>
             <a:fld id="{024994B9-23A6-4B0A-A038-AC140E83DAA3}" type="datetime1">
               <a:rPr lang="ko-KR" altLang="en-US" smtClean="0"/>
-              <a:t>2023-01-18</a:t>
+              <a:t>2023-01-21</a:t>
             </a:fld>
             <a:endParaRPr lang="ko-KR" altLang="en-US" dirty="0"/>
           </a:p>
@@ -1452,7 +1452,7 @@
           <a:p>
             <a:fld id="{B5B1BBC2-B738-4C35-AEE5-660EB2DEB482}" type="datetime1">
               <a:rPr lang="ko-KR" altLang="en-US" smtClean="0"/>
-              <a:t>2023-01-18</a:t>
+              <a:t>2023-01-21</a:t>
             </a:fld>
             <a:endParaRPr lang="ko-KR" altLang="en-US" dirty="0"/>
           </a:p>
@@ -6119,7 +6119,7 @@
           <a:p>
             <a:fld id="{70D0DAB2-87CB-4028-B965-3AA710ADF2CB}" type="datetime1">
               <a:rPr lang="ko-KR" altLang="en-US" smtClean="0"/>
-              <a:t>2023-01-18</a:t>
+              <a:t>2023-01-21</a:t>
             </a:fld>
             <a:endParaRPr lang="ko-KR" altLang="en-US" dirty="0"/>
           </a:p>
@@ -6394,7 +6394,7 @@
           <a:p>
             <a:fld id="{63FA3D71-FEA8-477F-9D1E-EA860F411BC7}" type="datetime1">
               <a:rPr lang="ko-KR" altLang="en-US" smtClean="0"/>
-              <a:t>2023-01-18</a:t>
+              <a:t>2023-01-21</a:t>
             </a:fld>
             <a:endParaRPr lang="ko-KR" altLang="en-US" dirty="0"/>
           </a:p>
@@ -6659,7 +6659,7 @@
           <a:p>
             <a:fld id="{F58E3EF4-7980-4C97-BA64-EC66995BB574}" type="datetime1">
               <a:rPr lang="ko-KR" altLang="en-US" smtClean="0"/>
-              <a:t>2023-01-18</a:t>
+              <a:t>2023-01-21</a:t>
             </a:fld>
             <a:endParaRPr lang="ko-KR" altLang="en-US" dirty="0"/>
           </a:p>
@@ -7071,7 +7071,7 @@
           <a:p>
             <a:fld id="{FC9BC1D0-7D6B-4634-9D19-644040D74EAE}" type="datetime1">
               <a:rPr lang="ko-KR" altLang="en-US" smtClean="0"/>
-              <a:t>2023-01-18</a:t>
+              <a:t>2023-01-21</a:t>
             </a:fld>
             <a:endParaRPr lang="ko-KR" altLang="en-US" dirty="0"/>
           </a:p>
@@ -7212,7 +7212,7 @@
           <a:p>
             <a:fld id="{B5B1BBC2-B738-4C35-AEE5-660EB2DEB482}" type="datetime1">
               <a:rPr lang="ko-KR" altLang="en-US" smtClean="0"/>
-              <a:t>2023-01-18</a:t>
+              <a:t>2023-01-21</a:t>
             </a:fld>
             <a:endParaRPr lang="ko-KR" altLang="en-US" dirty="0"/>
           </a:p>
@@ -11794,7 +11794,7 @@
           <a:p>
             <a:fld id="{C60E9F93-7E77-4F36-B88C-A425F00C8D91}" type="datetime1">
               <a:rPr lang="ko-KR" altLang="en-US" smtClean="0"/>
-              <a:t>2023-01-18</a:t>
+              <a:t>2023-01-21</a:t>
             </a:fld>
             <a:endParaRPr lang="ko-KR" altLang="en-US" dirty="0"/>
           </a:p>
@@ -12105,7 +12105,7 @@
           <a:p>
             <a:fld id="{36BCCD0E-2A54-4016-BFFC-FEAABCDA6915}" type="datetime1">
               <a:rPr lang="ko-KR" altLang="en-US" smtClean="0"/>
-              <a:t>2023-01-18</a:t>
+              <a:t>2023-01-21</a:t>
             </a:fld>
             <a:endParaRPr lang="ko-KR" altLang="en-US" dirty="0"/>
           </a:p>
@@ -12393,7 +12393,7 @@
           <a:p>
             <a:fld id="{C984B0C4-64BA-4E4C-B5E6-A51EE3F6ED95}" type="datetime1">
               <a:rPr lang="ko-KR" altLang="en-US" smtClean="0"/>
-              <a:t>2023-01-18</a:t>
+              <a:t>2023-01-21</a:t>
             </a:fld>
             <a:endParaRPr lang="ko-KR" altLang="en-US" dirty="0"/>
           </a:p>
@@ -12635,7 +12635,7 @@
           <a:p>
             <a:fld id="{C984B0C4-64BA-4E4C-B5E6-A51EE3F6ED95}" type="datetime1">
               <a:rPr lang="ko-KR" altLang="en-US" smtClean="0"/>
-              <a:t>2023-01-18</a:t>
+              <a:t>2023-01-21</a:t>
             </a:fld>
             <a:endParaRPr lang="ko-KR" altLang="en-US" dirty="0"/>
           </a:p>
@@ -17823,7 +17823,9 @@
             <a:ext cx="2437946" cy="1223682"/>
           </a:xfrm>
           <a:prstGeom prst="foldedCorner">
-            <a:avLst/>
+            <a:avLst>
+              <a:gd name="adj" fmla="val 0"/>
+            </a:avLst>
           </a:prstGeom>
           <a:solidFill>
             <a:schemeClr val="accent3">
@@ -17855,14 +17857,14 @@
             <a:pPr algn="ctr"/>
             <a:r>
               <a:rPr lang="en-US" altLang="ko-KR" dirty="0"/>
-              <a:t>../Sample/lib/Cylinder/Double </a:t>
+              <a:t>S1</a:t>
             </a:r>
           </a:p>
           <a:p>
             <a:pPr algn="ctr"/>
             <a:r>
               <a:rPr lang="en-US" altLang="ko-KR" dirty="0"/>
-              <a:t>[Pin]</a:t>
+              <a:t>[exSys]</a:t>
             </a:r>
             <a:endParaRPr lang="ko-KR" altLang="en-US" dirty="0"/>
           </a:p>
@@ -17953,7 +17955,7 @@
         </p:nvGrpSpPr>
         <p:grpSpPr>
           <a:xfrm>
-            <a:off x="607218" y="2199559"/>
+            <a:off x="437744" y="2371681"/>
             <a:ext cx="4427269" cy="2126950"/>
             <a:chOff x="3001992" y="4222092"/>
             <a:chExt cx="4427269" cy="2126950"/>
@@ -18172,6 +18174,173 @@
           </p:style>
         </p:cxnSp>
       </p:grpSp>
+      <p:sp>
+        <p:nvSpPr>
+          <p:cNvPr id="3" name="직사각형 2">
+            <a:extLst>
+              <a:ext uri="{FF2B5EF4-FFF2-40B4-BE49-F238E27FC236}">
+                <a16:creationId xmlns:a16="http://schemas.microsoft.com/office/drawing/2014/main" id="{343DFBB5-B115-F14A-A4E9-40C62B66F17A}"/>
+              </a:ext>
+            </a:extLst>
+          </p:cNvPr>
+          <p:cNvSpPr/>
+          <p:nvPr/>
+        </p:nvSpPr>
+        <p:spPr>
+          <a:xfrm>
+            <a:off x="5577462" y="2476493"/>
+            <a:ext cx="1437283" cy="1537002"/>
+          </a:xfrm>
+          <a:prstGeom prst="rect">
+            <a:avLst/>
+          </a:prstGeom>
+        </p:spPr>
+        <p:style>
+          <a:lnRef idx="2">
+            <a:schemeClr val="accent1">
+              <a:shade val="50000"/>
+            </a:schemeClr>
+          </a:lnRef>
+          <a:fillRef idx="1">
+            <a:schemeClr val="accent1"/>
+          </a:fillRef>
+          <a:effectRef idx="0">
+            <a:schemeClr val="accent1"/>
+          </a:effectRef>
+          <a:fontRef idx="minor">
+            <a:schemeClr val="lt1"/>
+          </a:fontRef>
+        </p:style>
+        <p:txBody>
+          <a:bodyPr rtlCol="0" anchor="ctr"/>
+          <a:lstStyle/>
+          <a:p>
+            <a:pPr algn="ctr"/>
+            <a:r>
+              <a:rPr lang="en-US" altLang="ko-KR" dirty="0"/>
+              <a:t>exSys</a:t>
+            </a:r>
+          </a:p>
+          <a:p>
+            <a:pPr algn="ctr"/>
+            <a:r>
+              <a:rPr lang="en-US" altLang="ko-KR" dirty="0"/>
+              <a:t>$</a:t>
+            </a:r>
+            <a:r>
+              <a:rPr lang="en-US" altLang="ko-KR" dirty="0" err="1"/>
+              <a:t>API1</a:t>
+            </a:r>
+            <a:endParaRPr lang="ko-KR" altLang="en-US" dirty="0"/>
+          </a:p>
+        </p:txBody>
+      </p:sp>
+      <p:cxnSp>
+        <p:nvCxnSpPr>
+          <p:cNvPr id="5" name="연결선: 꺾임 4">
+            <a:extLst>
+              <a:ext uri="{FF2B5EF4-FFF2-40B4-BE49-F238E27FC236}">
+                <a16:creationId xmlns:a16="http://schemas.microsoft.com/office/drawing/2014/main" id="{274DEE56-D845-E279-97E1-5399D5C46752}"/>
+              </a:ext>
+            </a:extLst>
+          </p:cNvPr>
+          <p:cNvCxnSpPr>
+            <a:cxnSpLocks/>
+            <a:stCxn id="15" idx="3"/>
+            <a:endCxn id="3" idx="1"/>
+          </p:cNvCxnSpPr>
+          <p:nvPr/>
+        </p:nvCxnSpPr>
+        <p:spPr>
+          <a:xfrm flipV="1">
+            <a:off x="4865013" y="3244994"/>
+            <a:ext cx="712449" cy="190162"/>
+          </a:xfrm>
+          <a:prstGeom prst="bentConnector3">
+            <a:avLst/>
+          </a:prstGeom>
+          <a:ln>
+            <a:tailEnd type="triangle"/>
+          </a:ln>
+        </p:spPr>
+        <p:style>
+          <a:lnRef idx="1">
+            <a:schemeClr val="accent1"/>
+          </a:lnRef>
+          <a:fillRef idx="0">
+            <a:schemeClr val="accent1"/>
+          </a:fillRef>
+          <a:effectRef idx="0">
+            <a:schemeClr val="accent1"/>
+          </a:effectRef>
+          <a:fontRef idx="minor">
+            <a:schemeClr val="tx1"/>
+          </a:fontRef>
+        </p:style>
+      </p:cxnSp>
+      <p:sp>
+        <p:nvSpPr>
+          <p:cNvPr id="23" name="사각형: 모서리가 접힌 도형 22">
+            <a:extLst>
+              <a:ext uri="{FF2B5EF4-FFF2-40B4-BE49-F238E27FC236}">
+                <a16:creationId xmlns:a16="http://schemas.microsoft.com/office/drawing/2014/main" id="{8BF2D7F7-9923-1433-47F8-87D4ECE91657}"/>
+              </a:ext>
+            </a:extLst>
+          </p:cNvPr>
+          <p:cNvSpPr/>
+          <p:nvPr/>
+        </p:nvSpPr>
+        <p:spPr>
+          <a:xfrm>
+            <a:off x="9316310" y="3819401"/>
+            <a:ext cx="2437946" cy="1223682"/>
+          </a:xfrm>
+          <a:prstGeom prst="foldedCorner">
+            <a:avLst/>
+          </a:prstGeom>
+          <a:solidFill>
+            <a:schemeClr val="accent3">
+              <a:alpha val="50000"/>
+            </a:schemeClr>
+          </a:solidFill>
+          <a:ln>
+            <a:noFill/>
+          </a:ln>
+        </p:spPr>
+        <p:style>
+          <a:lnRef idx="0">
+            <a:scrgbClr r="0" g="0" b="0"/>
+          </a:lnRef>
+          <a:fillRef idx="0">
+            <a:scrgbClr r="0" g="0" b="0"/>
+          </a:fillRef>
+          <a:effectRef idx="0">
+            <a:scrgbClr r="0" g="0" b="0"/>
+          </a:effectRef>
+          <a:fontRef idx="minor">
+            <a:schemeClr val="lt1"/>
+          </a:fontRef>
+        </p:style>
+        <p:txBody>
+          <a:bodyPr rtlCol="0" anchor="ctr"/>
+          <a:lstStyle/>
+          <a:p>
+            <a:pPr algn="ctr"/>
+            <a:r>
+              <a:rPr lang="en-US" altLang="ko-KR" dirty="0"/>
+              <a:t>../Sample/lib/Cylinder/Double </a:t>
+            </a:r>
+          </a:p>
+          <a:p>
+            <a:pPr algn="ctr"/>
+            <a:r>
+              <a:rPr lang="en-US" altLang="ko-KR" dirty="0"/>
+              <a:t>[Pin]</a:t>
+            </a:r>
+            <a:endParaRPr lang="ko-KR" altLang="en-US" dirty="0"/>
+          </a:p>
+        </p:txBody>
+      </p:sp>
     </p:spTree>
     <p:extLst>
       <p:ext uri="{BB962C8B-B14F-4D97-AF65-F5344CB8AC3E}">

--- a/DsDotNet/src/UnitTest/UnitTest.Engine/ImportOffice/Sample/s.pptx
+++ b/DsDotNet/src/UnitTest/UnitTest.Engine/ImportOffice/Sample/s.pptx
@@ -14,18 +14,18 @@
     <p:sldId id="614" r:id="rId2"/>
     <p:sldId id="258" r:id="rId3"/>
     <p:sldId id="259" r:id="rId4"/>
-    <p:sldId id="607" r:id="rId5"/>
-    <p:sldId id="630" r:id="rId6"/>
-    <p:sldId id="629" r:id="rId7"/>
-    <p:sldId id="625" r:id="rId8"/>
-    <p:sldId id="627" r:id="rId9"/>
-    <p:sldId id="628" r:id="rId10"/>
-    <p:sldId id="631" r:id="rId11"/>
-    <p:sldId id="632" r:id="rId12"/>
-    <p:sldId id="618" r:id="rId13"/>
-    <p:sldId id="615" r:id="rId14"/>
-    <p:sldId id="621" r:id="rId15"/>
-    <p:sldId id="624" r:id="rId16"/>
+    <p:sldId id="630" r:id="rId5"/>
+    <p:sldId id="629" r:id="rId6"/>
+    <p:sldId id="625" r:id="rId7"/>
+    <p:sldId id="627" r:id="rId8"/>
+    <p:sldId id="628" r:id="rId9"/>
+    <p:sldId id="631" r:id="rId10"/>
+    <p:sldId id="632" r:id="rId11"/>
+    <p:sldId id="618" r:id="rId12"/>
+    <p:sldId id="615" r:id="rId13"/>
+    <p:sldId id="621" r:id="rId14"/>
+    <p:sldId id="624" r:id="rId15"/>
+    <p:sldId id="607" r:id="rId16"/>
   </p:sldIdLst>
   <p:sldSz cx="12192000" cy="6858000"/>
   <p:notesSz cx="6797675" cy="9926638"/>
@@ -229,7 +229,7 @@
           <a:p>
             <a:fld id="{DD503887-5801-43A0-AEF9-041E8DDC2558}" type="datetimeFigureOut">
               <a:rPr lang="ko-KR" altLang="en-US" smtClean="0"/>
-              <a:t>2023-01-21</a:t>
+              <a:t>2023-01-22</a:t>
             </a:fld>
             <a:endParaRPr lang="ko-KR" altLang="en-US" dirty="0"/>
           </a:p>
@@ -406,7 +406,7 @@
           <a:p>
             <a:fld id="{95336A0E-57B1-4D4C-BD9B-2F72B5943464}" type="datetimeFigureOut">
               <a:rPr lang="ko-KR" altLang="en-US" smtClean="0"/>
-              <a:t>2023-01-21</a:t>
+              <a:t>2023-01-22</a:t>
             </a:fld>
             <a:endParaRPr lang="ko-KR" altLang="en-US" dirty="0"/>
           </a:p>
@@ -904,7 +904,7 @@
           <a:p>
             <a:fld id="{229D12C7-0FF5-4972-A033-474EFFC79F40}" type="datetime1">
               <a:rPr lang="ko-KR" altLang="en-US" smtClean="0"/>
-              <a:t>2023-01-21</a:t>
+              <a:t>2023-01-22</a:t>
             </a:fld>
             <a:endParaRPr lang="ko-KR" altLang="en-US" dirty="0"/>
           </a:p>
@@ -1102,7 +1102,7 @@
           <a:p>
             <a:fld id="{5BA19FD4-B052-4F56-8FD8-EAFD078DEFB0}" type="datetime1">
               <a:rPr lang="ko-KR" altLang="en-US" smtClean="0"/>
-              <a:t>2023-01-21</a:t>
+              <a:t>2023-01-22</a:t>
             </a:fld>
             <a:endParaRPr lang="ko-KR" altLang="en-US" dirty="0"/>
           </a:p>
@@ -1310,7 +1310,7 @@
           <a:p>
             <a:fld id="{024994B9-23A6-4B0A-A038-AC140E83DAA3}" type="datetime1">
               <a:rPr lang="ko-KR" altLang="en-US" smtClean="0"/>
-              <a:t>2023-01-21</a:t>
+              <a:t>2023-01-22</a:t>
             </a:fld>
             <a:endParaRPr lang="ko-KR" altLang="en-US" dirty="0"/>
           </a:p>
@@ -1452,7 +1452,7 @@
           <a:p>
             <a:fld id="{B5B1BBC2-B738-4C35-AEE5-660EB2DEB482}" type="datetime1">
               <a:rPr lang="ko-KR" altLang="en-US" smtClean="0"/>
-              <a:t>2023-01-21</a:t>
+              <a:t>2023-01-22</a:t>
             </a:fld>
             <a:endParaRPr lang="ko-KR" altLang="en-US" dirty="0"/>
           </a:p>
@@ -6119,7 +6119,7 @@
           <a:p>
             <a:fld id="{70D0DAB2-87CB-4028-B965-3AA710ADF2CB}" type="datetime1">
               <a:rPr lang="ko-KR" altLang="en-US" smtClean="0"/>
-              <a:t>2023-01-21</a:t>
+              <a:t>2023-01-22</a:t>
             </a:fld>
             <a:endParaRPr lang="ko-KR" altLang="en-US" dirty="0"/>
           </a:p>
@@ -6394,7 +6394,7 @@
           <a:p>
             <a:fld id="{63FA3D71-FEA8-477F-9D1E-EA860F411BC7}" type="datetime1">
               <a:rPr lang="ko-KR" altLang="en-US" smtClean="0"/>
-              <a:t>2023-01-21</a:t>
+              <a:t>2023-01-22</a:t>
             </a:fld>
             <a:endParaRPr lang="ko-KR" altLang="en-US" dirty="0"/>
           </a:p>
@@ -6659,7 +6659,7 @@
           <a:p>
             <a:fld id="{F58E3EF4-7980-4C97-BA64-EC66995BB574}" type="datetime1">
               <a:rPr lang="ko-KR" altLang="en-US" smtClean="0"/>
-              <a:t>2023-01-21</a:t>
+              <a:t>2023-01-22</a:t>
             </a:fld>
             <a:endParaRPr lang="ko-KR" altLang="en-US" dirty="0"/>
           </a:p>
@@ -7071,7 +7071,7 @@
           <a:p>
             <a:fld id="{FC9BC1D0-7D6B-4634-9D19-644040D74EAE}" type="datetime1">
               <a:rPr lang="ko-KR" altLang="en-US" smtClean="0"/>
-              <a:t>2023-01-21</a:t>
+              <a:t>2023-01-22</a:t>
             </a:fld>
             <a:endParaRPr lang="ko-KR" altLang="en-US" dirty="0"/>
           </a:p>
@@ -7212,7 +7212,7 @@
           <a:p>
             <a:fld id="{B5B1BBC2-B738-4C35-AEE5-660EB2DEB482}" type="datetime1">
               <a:rPr lang="ko-KR" altLang="en-US" smtClean="0"/>
-              <a:t>2023-01-21</a:t>
+              <a:t>2023-01-22</a:t>
             </a:fld>
             <a:endParaRPr lang="ko-KR" altLang="en-US" dirty="0"/>
           </a:p>
@@ -11794,7 +11794,7 @@
           <a:p>
             <a:fld id="{C60E9F93-7E77-4F36-B88C-A425F00C8D91}" type="datetime1">
               <a:rPr lang="ko-KR" altLang="en-US" smtClean="0"/>
-              <a:t>2023-01-21</a:t>
+              <a:t>2023-01-22</a:t>
             </a:fld>
             <a:endParaRPr lang="ko-KR" altLang="en-US" dirty="0"/>
           </a:p>
@@ -12105,7 +12105,7 @@
           <a:p>
             <a:fld id="{36BCCD0E-2A54-4016-BFFC-FEAABCDA6915}" type="datetime1">
               <a:rPr lang="ko-KR" altLang="en-US" smtClean="0"/>
-              <a:t>2023-01-21</a:t>
+              <a:t>2023-01-22</a:t>
             </a:fld>
             <a:endParaRPr lang="ko-KR" altLang="en-US" dirty="0"/>
           </a:p>
@@ -12393,7 +12393,7 @@
           <a:p>
             <a:fld id="{C984B0C4-64BA-4E4C-B5E6-A51EE3F6ED95}" type="datetime1">
               <a:rPr lang="ko-KR" altLang="en-US" smtClean="0"/>
-              <a:t>2023-01-21</a:t>
+              <a:t>2023-01-22</a:t>
             </a:fld>
             <a:endParaRPr lang="ko-KR" altLang="en-US" dirty="0"/>
           </a:p>
@@ -12635,7 +12635,7 @@
           <a:p>
             <a:fld id="{C984B0C4-64BA-4E4C-B5E6-A51EE3F6ED95}" type="datetime1">
               <a:rPr lang="ko-KR" altLang="en-US" smtClean="0"/>
-              <a:t>2023-01-21</a:t>
+              <a:t>2023-01-22</a:t>
             </a:fld>
             <a:endParaRPr lang="ko-KR" altLang="en-US" dirty="0"/>
           </a:p>
@@ -13164,551 +13164,6 @@
           <a:lstStyle/>
           <a:p>
             <a:r>
-              <a:rPr lang="en-US" altLang="ko-KR" dirty="0"/>
-              <a:t>S3</a:t>
-            </a:r>
-            <a:endParaRPr lang="ko-KR" altLang="en-US" dirty="0"/>
-          </a:p>
-        </p:txBody>
-      </p:sp>
-      <p:sp>
-        <p:nvSpPr>
-          <p:cNvPr id="10" name="직사각형 9">
-            <a:extLst>
-              <a:ext uri="{FF2B5EF4-FFF2-40B4-BE49-F238E27FC236}">
-                <a16:creationId xmlns:a16="http://schemas.microsoft.com/office/drawing/2014/main" id="{F318C6E2-FDDA-8B00-0783-15AA765D0AA6}"/>
-              </a:ext>
-            </a:extLst>
-          </p:cNvPr>
-          <p:cNvSpPr/>
-          <p:nvPr/>
-        </p:nvSpPr>
-        <p:spPr>
-          <a:xfrm>
-            <a:off x="7349499" y="4624766"/>
-            <a:ext cx="2437946" cy="1223682"/>
-          </a:xfrm>
-          <a:prstGeom prst="rect">
-            <a:avLst/>
-          </a:prstGeom>
-          <a:solidFill>
-            <a:schemeClr val="accent4">
-              <a:alpha val="50000"/>
-            </a:schemeClr>
-          </a:solidFill>
-          <a:ln>
-            <a:noFill/>
-          </a:ln>
-        </p:spPr>
-        <p:style>
-          <a:lnRef idx="0">
-            <a:scrgbClr r="0" g="0" b="0"/>
-          </a:lnRef>
-          <a:fillRef idx="0">
-            <a:scrgbClr r="0" g="0" b="0"/>
-          </a:fillRef>
-          <a:effectRef idx="0">
-            <a:scrgbClr r="0" g="0" b="0"/>
-          </a:effectRef>
-          <a:fontRef idx="minor">
-            <a:schemeClr val="lt1"/>
-          </a:fontRef>
-        </p:style>
-        <p:txBody>
-          <a:bodyPr rtlCol="0" anchor="ctr"/>
-          <a:lstStyle/>
-          <a:p>
-            <a:pPr algn="ctr"/>
-            <a:r>
-              <a:rPr lang="en-US" altLang="ko-KR" sz="1200" dirty="0"/>
-              <a:t>R2</a:t>
-            </a:r>
-            <a:endParaRPr lang="ko-KR" altLang="en-US" sz="1200" dirty="0"/>
-          </a:p>
-        </p:txBody>
-      </p:sp>
-      <p:cxnSp>
-        <p:nvCxnSpPr>
-          <p:cNvPr id="13" name="직선 화살표 연결선 12">
-            <a:extLst>
-              <a:ext uri="{FF2B5EF4-FFF2-40B4-BE49-F238E27FC236}">
-                <a16:creationId xmlns:a16="http://schemas.microsoft.com/office/drawing/2014/main" id="{DF6B060D-6633-DD91-FDA7-49A882D2EBE8}"/>
-              </a:ext>
-            </a:extLst>
-          </p:cNvPr>
-          <p:cNvCxnSpPr>
-            <a:cxnSpLocks/>
-            <a:stCxn id="16" idx="3"/>
-            <a:endCxn id="10" idx="1"/>
-          </p:cNvCxnSpPr>
-          <p:nvPr/>
-        </p:nvCxnSpPr>
-        <p:spPr>
-          <a:xfrm>
-            <a:off x="6534526" y="4220068"/>
-            <a:ext cx="814973" cy="1016539"/>
-          </a:xfrm>
-          <a:prstGeom prst="straightConnector1">
-            <a:avLst/>
-          </a:prstGeom>
-          <a:ln w="28575">
-            <a:solidFill>
-              <a:schemeClr val="tx1">
-                <a:lumMod val="75000"/>
-                <a:lumOff val="25000"/>
-              </a:schemeClr>
-            </a:solidFill>
-            <a:tailEnd type="triangle"/>
-          </a:ln>
-        </p:spPr>
-        <p:style>
-          <a:lnRef idx="1">
-            <a:schemeClr val="dk1"/>
-          </a:lnRef>
-          <a:fillRef idx="3">
-            <a:schemeClr val="dk1"/>
-          </a:fillRef>
-          <a:effectRef idx="2">
-            <a:schemeClr val="dk1"/>
-          </a:effectRef>
-          <a:fontRef idx="minor">
-            <a:schemeClr val="lt1"/>
-          </a:fontRef>
-        </p:style>
-      </p:cxnSp>
-      <p:grpSp>
-        <p:nvGrpSpPr>
-          <p:cNvPr id="15" name="그룹 14">
-            <a:extLst>
-              <a:ext uri="{FF2B5EF4-FFF2-40B4-BE49-F238E27FC236}">
-                <a16:creationId xmlns:a16="http://schemas.microsoft.com/office/drawing/2014/main" id="{EEAD2CC3-3FF9-E574-DCC0-CFF9A0A99A95}"/>
-              </a:ext>
-            </a:extLst>
-          </p:cNvPr>
-          <p:cNvGrpSpPr/>
-          <p:nvPr/>
-        </p:nvGrpSpPr>
-        <p:grpSpPr>
-          <a:xfrm>
-            <a:off x="810000" y="2424605"/>
-            <a:ext cx="5724526" cy="3590925"/>
-            <a:chOff x="848416" y="1962150"/>
-            <a:chExt cx="5724526" cy="3590925"/>
-          </a:xfrm>
-        </p:grpSpPr>
-        <p:sp>
-          <p:nvSpPr>
-            <p:cNvPr id="16" name="직사각형 15">
-              <a:extLst>
-                <a:ext uri="{FF2B5EF4-FFF2-40B4-BE49-F238E27FC236}">
-                  <a16:creationId xmlns:a16="http://schemas.microsoft.com/office/drawing/2014/main" id="{B33EEBEF-13AF-E7A3-33A7-C063A7A9FF05}"/>
-                </a:ext>
-              </a:extLst>
-            </p:cNvPr>
-            <p:cNvSpPr/>
-            <p:nvPr/>
-          </p:nvSpPr>
-          <p:spPr>
-            <a:xfrm>
-              <a:off x="848416" y="1962150"/>
-              <a:ext cx="5724526" cy="3590925"/>
-            </a:xfrm>
-            <a:prstGeom prst="rect">
-              <a:avLst/>
-            </a:prstGeom>
-            <a:solidFill>
-              <a:schemeClr val="accent4">
-                <a:alpha val="50000"/>
-              </a:schemeClr>
-            </a:solidFill>
-            <a:ln>
-              <a:noFill/>
-            </a:ln>
-          </p:spPr>
-          <p:style>
-            <a:lnRef idx="0">
-              <a:scrgbClr r="0" g="0" b="0"/>
-            </a:lnRef>
-            <a:fillRef idx="0">
-              <a:scrgbClr r="0" g="0" b="0"/>
-            </a:fillRef>
-            <a:effectRef idx="0">
-              <a:scrgbClr r="0" g="0" b="0"/>
-            </a:effectRef>
-            <a:fontRef idx="minor">
-              <a:schemeClr val="lt1"/>
-            </a:fontRef>
-          </p:style>
-          <p:txBody>
-            <a:bodyPr rtlCol="0" anchor="t"/>
-            <a:lstStyle/>
-            <a:p>
-              <a:pPr algn="ctr"/>
-              <a:r>
-                <a:rPr lang="en-US" altLang="ko-KR" sz="2800" dirty="0">
-                  <a:solidFill>
-                    <a:schemeClr val="tx1"/>
-                  </a:solidFill>
-                </a:rPr>
-                <a:t>R1</a:t>
-              </a:r>
-              <a:endParaRPr lang="ko-KR" altLang="en-US" sz="1200" dirty="0">
-                <a:solidFill>
-                  <a:schemeClr val="tx1"/>
-                </a:solidFill>
-              </a:endParaRPr>
-            </a:p>
-          </p:txBody>
-        </p:sp>
-        <p:grpSp>
-          <p:nvGrpSpPr>
-            <p:cNvPr id="17" name="그룹 16">
-              <a:extLst>
-                <a:ext uri="{FF2B5EF4-FFF2-40B4-BE49-F238E27FC236}">
-                  <a16:creationId xmlns:a16="http://schemas.microsoft.com/office/drawing/2014/main" id="{1032C5B6-6F15-0B71-31AC-6A846F1ABAF9}"/>
-                </a:ext>
-              </a:extLst>
-            </p:cNvPr>
-            <p:cNvGrpSpPr/>
-            <p:nvPr/>
-          </p:nvGrpSpPr>
-          <p:grpSpPr>
-            <a:xfrm>
-              <a:off x="1405973" y="2441441"/>
-              <a:ext cx="4398681" cy="2052964"/>
-              <a:chOff x="1314450" y="2476500"/>
-              <a:chExt cx="4476750" cy="2447925"/>
-            </a:xfrm>
-          </p:grpSpPr>
-          <p:sp>
-            <p:nvSpPr>
-              <p:cNvPr id="18" name="타원 17">
-                <a:extLst>
-                  <a:ext uri="{FF2B5EF4-FFF2-40B4-BE49-F238E27FC236}">
-                    <a16:creationId xmlns:a16="http://schemas.microsoft.com/office/drawing/2014/main" id="{4799297C-C1B1-B459-CA8E-C18F6B037C8E}"/>
-                  </a:ext>
-                </a:extLst>
-              </p:cNvPr>
-              <p:cNvSpPr/>
-              <p:nvPr/>
-            </p:nvSpPr>
-            <p:spPr>
-              <a:xfrm>
-                <a:off x="1314450" y="2476500"/>
-                <a:ext cx="1733550" cy="952500"/>
-              </a:xfrm>
-              <a:prstGeom prst="ellipse">
-                <a:avLst/>
-              </a:prstGeom>
-              <a:solidFill>
-                <a:schemeClr val="accent4">
-                  <a:alpha val="50000"/>
-                </a:schemeClr>
-              </a:solidFill>
-              <a:ln>
-                <a:noFill/>
-              </a:ln>
-            </p:spPr>
-            <p:style>
-              <a:lnRef idx="0">
-                <a:scrgbClr r="0" g="0" b="0"/>
-              </a:lnRef>
-              <a:fillRef idx="0">
-                <a:scrgbClr r="0" g="0" b="0"/>
-              </a:fillRef>
-              <a:effectRef idx="0">
-                <a:scrgbClr r="0" g="0" b="0"/>
-              </a:effectRef>
-              <a:fontRef idx="minor">
-                <a:schemeClr val="lt1"/>
-              </a:fontRef>
-            </p:style>
-            <p:txBody>
-              <a:bodyPr rtlCol="0" anchor="ctr"/>
-              <a:lstStyle/>
-              <a:p>
-                <a:pPr algn="ctr"/>
-                <a:r>
-                  <a:rPr lang="en-US" altLang="ko-KR" dirty="0"/>
-                  <a:t>Job $Func1</a:t>
-                </a:r>
-                <a:endParaRPr lang="ko-KR" altLang="en-US" dirty="0"/>
-              </a:p>
-            </p:txBody>
-          </p:sp>
-          <p:sp>
-            <p:nvSpPr>
-              <p:cNvPr id="19" name="타원 18">
-                <a:extLst>
-                  <a:ext uri="{FF2B5EF4-FFF2-40B4-BE49-F238E27FC236}">
-                    <a16:creationId xmlns:a16="http://schemas.microsoft.com/office/drawing/2014/main" id="{BC1C2AB1-53C2-3134-39D7-821DDE64FCA6}"/>
-                  </a:ext>
-                </a:extLst>
-              </p:cNvPr>
-              <p:cNvSpPr/>
-              <p:nvPr/>
-            </p:nvSpPr>
-            <p:spPr>
-              <a:xfrm>
-                <a:off x="4057650" y="3971925"/>
-                <a:ext cx="1733550" cy="952500"/>
-              </a:xfrm>
-              <a:prstGeom prst="ellipse">
-                <a:avLst/>
-              </a:prstGeom>
-              <a:solidFill>
-                <a:schemeClr val="accent4">
-                  <a:alpha val="50000"/>
-                </a:schemeClr>
-              </a:solidFill>
-              <a:ln>
-                <a:noFill/>
-              </a:ln>
-            </p:spPr>
-            <p:style>
-              <a:lnRef idx="0">
-                <a:scrgbClr r="0" g="0" b="0"/>
-              </a:lnRef>
-              <a:fillRef idx="0">
-                <a:scrgbClr r="0" g="0" b="0"/>
-              </a:fillRef>
-              <a:effectRef idx="0">
-                <a:scrgbClr r="0" g="0" b="0"/>
-              </a:effectRef>
-              <a:fontRef idx="minor">
-                <a:schemeClr val="lt1"/>
-              </a:fontRef>
-            </p:style>
-            <p:txBody>
-              <a:bodyPr rtlCol="0" anchor="ctr"/>
-              <a:lstStyle/>
-              <a:p>
-                <a:pPr algn="ctr"/>
-                <a:r>
-                  <a:rPr lang="en-US" altLang="ko-KR" dirty="0"/>
-                  <a:t>Job $Func2</a:t>
-                </a:r>
-                <a:endParaRPr lang="ko-KR" altLang="en-US" dirty="0"/>
-              </a:p>
-            </p:txBody>
-          </p:sp>
-          <p:cxnSp>
-            <p:nvCxnSpPr>
-              <p:cNvPr id="20" name="연결선: 꺾임 19">
-                <a:extLst>
-                  <a:ext uri="{FF2B5EF4-FFF2-40B4-BE49-F238E27FC236}">
-                    <a16:creationId xmlns:a16="http://schemas.microsoft.com/office/drawing/2014/main" id="{58E16926-A46B-1D84-E0E7-FF453F933C82}"/>
-                  </a:ext>
-                </a:extLst>
-              </p:cNvPr>
-              <p:cNvCxnSpPr>
-                <a:stCxn id="18" idx="5"/>
-                <a:endCxn id="19" idx="1"/>
-              </p:cNvCxnSpPr>
-              <p:nvPr/>
-            </p:nvCxnSpPr>
-            <p:spPr>
-              <a:xfrm rot="16200000" flipH="1">
-                <a:off x="3141873" y="2941764"/>
-                <a:ext cx="821905" cy="1517396"/>
-              </a:xfrm>
-              <a:prstGeom prst="bentConnector3">
-                <a:avLst/>
-              </a:prstGeom>
-              <a:ln>
-                <a:tailEnd type="triangle"/>
-              </a:ln>
-            </p:spPr>
-            <p:style>
-              <a:lnRef idx="1">
-                <a:schemeClr val="accent4"/>
-              </a:lnRef>
-              <a:fillRef idx="0">
-                <a:schemeClr val="accent4"/>
-              </a:fillRef>
-              <a:effectRef idx="0">
-                <a:schemeClr val="accent4"/>
-              </a:effectRef>
-              <a:fontRef idx="minor">
-                <a:schemeClr val="tx1"/>
-              </a:fontRef>
-            </p:style>
-          </p:cxnSp>
-        </p:grpSp>
-      </p:grpSp>
-      <p:sp>
-        <p:nvSpPr>
-          <p:cNvPr id="21" name="사각형: 모서리가 접힌 도형 20">
-            <a:extLst>
-              <a:ext uri="{FF2B5EF4-FFF2-40B4-BE49-F238E27FC236}">
-                <a16:creationId xmlns:a16="http://schemas.microsoft.com/office/drawing/2014/main" id="{DB926D2F-DFBD-8412-5ADF-EFF48CDDFE8A}"/>
-              </a:ext>
-            </a:extLst>
-          </p:cNvPr>
-          <p:cNvSpPr/>
-          <p:nvPr/>
-        </p:nvSpPr>
-        <p:spPr>
-          <a:xfrm>
-            <a:off x="8545957" y="2675440"/>
-            <a:ext cx="2437946" cy="1223682"/>
-          </a:xfrm>
-          <a:prstGeom prst="foldedCorner">
-            <a:avLst/>
-          </a:prstGeom>
-          <a:solidFill>
-            <a:schemeClr val="accent3">
-              <a:alpha val="50000"/>
-            </a:schemeClr>
-          </a:solidFill>
-          <a:ln>
-            <a:noFill/>
-          </a:ln>
-        </p:spPr>
-        <p:style>
-          <a:lnRef idx="0">
-            <a:scrgbClr r="0" g="0" b="0"/>
-          </a:lnRef>
-          <a:fillRef idx="0">
-            <a:scrgbClr r="0" g="0" b="0"/>
-          </a:fillRef>
-          <a:effectRef idx="0">
-            <a:scrgbClr r="0" g="0" b="0"/>
-          </a:effectRef>
-          <a:fontRef idx="minor">
-            <a:schemeClr val="lt1"/>
-          </a:fontRef>
-        </p:style>
-        <p:txBody>
-          <a:bodyPr rtlCol="0" anchor="ctr"/>
-          <a:lstStyle/>
-          <a:p>
-            <a:pPr algn="ctr"/>
-            <a:r>
-              <a:rPr lang="en-US" altLang="ko-KR" dirty="0"/>
-              <a:t>../sample/Lib/test </a:t>
-            </a:r>
-          </a:p>
-          <a:p>
-            <a:pPr algn="ctr"/>
-            <a:r>
-              <a:rPr lang="en-US" altLang="ko-KR" dirty="0"/>
-              <a:t>[Job]5</a:t>
-            </a:r>
-            <a:endParaRPr lang="ko-KR" altLang="en-US" dirty="0"/>
-          </a:p>
-        </p:txBody>
-      </p:sp>
-      <p:sp>
-        <p:nvSpPr>
-          <p:cNvPr id="22" name="TextBox 21">
-            <a:extLst>
-              <a:ext uri="{FF2B5EF4-FFF2-40B4-BE49-F238E27FC236}">
-                <a16:creationId xmlns:a16="http://schemas.microsoft.com/office/drawing/2014/main" id="{0772646A-C193-829E-B2AE-9749CB2CD9D4}"/>
-              </a:ext>
-            </a:extLst>
-          </p:cNvPr>
-          <p:cNvSpPr txBox="1"/>
-          <p:nvPr/>
-        </p:nvSpPr>
-        <p:spPr>
-          <a:xfrm>
-            <a:off x="6817869" y="1861486"/>
-            <a:ext cx="4996881" cy="646331"/>
-          </a:xfrm>
-          <a:prstGeom prst="rect">
-            <a:avLst/>
-          </a:prstGeom>
-          <a:noFill/>
-        </p:spPr>
-        <p:txBody>
-          <a:bodyPr wrap="none" rtlCol="0">
-            <a:spAutoFit/>
-          </a:bodyPr>
-          <a:lstStyle/>
-          <a:p>
-            <a:r>
-              <a:rPr lang="ko-KR" altLang="en-US" dirty="0"/>
-              <a:t>확장정의</a:t>
-            </a:r>
-            <a:r>
-              <a:rPr lang="en-US" altLang="ko-KR" dirty="0"/>
-              <a:t>2 : N </a:t>
-            </a:r>
-            <a:r>
-              <a:rPr lang="ko-KR" altLang="en-US" dirty="0"/>
-              <a:t>숫자 만큼 </a:t>
-            </a:r>
-            <a:endParaRPr lang="en-US" altLang="ko-KR" dirty="0"/>
-          </a:p>
-          <a:p>
-            <a:r>
-              <a:rPr lang="en-US" altLang="ko-KR" dirty="0"/>
-              <a:t>groupName1~ groupNameN Loading </a:t>
-            </a:r>
-            <a:r>
-              <a:rPr lang="ko-KR" altLang="en-US" dirty="0"/>
-              <a:t>한다</a:t>
-            </a:r>
-            <a:r>
-              <a:rPr lang="en-US" altLang="ko-KR" dirty="0"/>
-              <a:t>.</a:t>
-            </a:r>
-          </a:p>
-        </p:txBody>
-      </p:sp>
-    </p:spTree>
-    <p:extLst>
-      <p:ext uri="{BB962C8B-B14F-4D97-AF65-F5344CB8AC3E}">
-        <p14:creationId xmlns:p14="http://schemas.microsoft.com/office/powerpoint/2010/main" val="3764349495"/>
-      </p:ext>
-    </p:extLst>
-  </p:cSld>
-  <p:clrMapOvr>
-    <a:masterClrMapping/>
-  </p:clrMapOvr>
-</p:sld>
-</file>
-
-<file path=ppt/slides/slide11.xml><?xml version="1.0" encoding="utf-8"?>
-<p:sld xmlns:a="http://schemas.openxmlformats.org/drawingml/2006/main" xmlns:r="http://schemas.openxmlformats.org/officeDocument/2006/relationships" xmlns:p="http://schemas.openxmlformats.org/presentationml/2006/main" show="0">
-  <p:cSld>
-    <p:spTree>
-      <p:nvGrpSpPr>
-        <p:cNvPr id="1" name=""/>
-        <p:cNvGrpSpPr/>
-        <p:nvPr/>
-      </p:nvGrpSpPr>
-      <p:grpSpPr>
-        <a:xfrm>
-          <a:off x="0" y="0"/>
-          <a:ext cx="0" cy="0"/>
-          <a:chOff x="0" y="0"/>
-          <a:chExt cx="0" cy="0"/>
-        </a:xfrm>
-      </p:grpSpPr>
-      <p:sp>
-        <p:nvSpPr>
-          <p:cNvPr id="2" name="제목 1">
-            <a:extLst>
-              <a:ext uri="{FF2B5EF4-FFF2-40B4-BE49-F238E27FC236}">
-                <a16:creationId xmlns:a16="http://schemas.microsoft.com/office/drawing/2014/main" id="{E35BEC89-0CFB-7F29-D8C7-71B3E64B4D66}"/>
-              </a:ext>
-            </a:extLst>
-          </p:cNvPr>
-          <p:cNvSpPr>
-            <a:spLocks noGrp="1"/>
-          </p:cNvSpPr>
-          <p:nvPr>
-            <p:ph type="title"/>
-          </p:nvPr>
-        </p:nvSpPr>
-        <p:spPr/>
-        <p:txBody>
-          <a:bodyPr/>
-          <a:lstStyle/>
-          <a:p>
-            <a:r>
               <a:rPr lang="en-US" altLang="ko-KR" dirty="0" err="1"/>
               <a:t>S4</a:t>
             </a:r>
@@ -14249,7 +13704,7 @@
 </p:sld>
 </file>
 
-<file path=ppt/slides/slide12.xml><?xml version="1.0" encoding="utf-8"?>
+<file path=ppt/slides/slide11.xml><?xml version="1.0" encoding="utf-8"?>
 <p:sld xmlns:a="http://schemas.openxmlformats.org/drawingml/2006/main" xmlns:r="http://schemas.openxmlformats.org/officeDocument/2006/relationships" xmlns:p="http://schemas.openxmlformats.org/presentationml/2006/main" show="0">
   <p:cSld>
     <p:spTree>
@@ -14785,7 +14240,7 @@
 </p:sld>
 </file>
 
-<file path=ppt/slides/slide13.xml><?xml version="1.0" encoding="utf-8"?>
+<file path=ppt/slides/slide12.xml><?xml version="1.0" encoding="utf-8"?>
 <p:sld xmlns:a="http://schemas.openxmlformats.org/drawingml/2006/main" xmlns:r="http://schemas.openxmlformats.org/officeDocument/2006/relationships" xmlns:p="http://schemas.openxmlformats.org/presentationml/2006/main" show="0">
   <p:cSld>
     <p:spTree>
@@ -15832,7 +15287,7 @@
 </p:sld>
 </file>
 
-<file path=ppt/slides/slide14.xml><?xml version="1.0" encoding="utf-8"?>
+<file path=ppt/slides/slide13.xml><?xml version="1.0" encoding="utf-8"?>
 <p:sld xmlns:a="http://schemas.openxmlformats.org/drawingml/2006/main" xmlns:r="http://schemas.openxmlformats.org/officeDocument/2006/relationships" xmlns:p="http://schemas.openxmlformats.org/presentationml/2006/main">
   <p:cSld>
     <p:spTree>
@@ -16883,7 +16338,7 @@
 </p:sld>
 </file>
 
-<file path=ppt/slides/slide15.xml><?xml version="1.0" encoding="utf-8"?>
+<file path=ppt/slides/slide14.xml><?xml version="1.0" encoding="utf-8"?>
 <p:sld xmlns:a="http://schemas.openxmlformats.org/drawingml/2006/main" xmlns:r="http://schemas.openxmlformats.org/officeDocument/2006/relationships" xmlns:p="http://schemas.openxmlformats.org/presentationml/2006/main" show="0">
   <p:cSld>
     <p:spTree>
@@ -17177,589 +16632,7 @@
 </p:sld>
 </file>
 
-<file path=ppt/slides/slide2.xml><?xml version="1.0" encoding="utf-8"?>
-<p:sld xmlns:a="http://schemas.openxmlformats.org/drawingml/2006/main" xmlns:r="http://schemas.openxmlformats.org/officeDocument/2006/relationships" xmlns:p="http://schemas.openxmlformats.org/presentationml/2006/main" show="0">
-  <p:cSld>
-    <p:spTree>
-      <p:nvGrpSpPr>
-        <p:cNvPr id="1" name=""/>
-        <p:cNvGrpSpPr/>
-        <p:nvPr/>
-      </p:nvGrpSpPr>
-      <p:grpSpPr>
-        <a:xfrm>
-          <a:off x="0" y="0"/>
-          <a:ext cx="0" cy="0"/>
-          <a:chOff x="0" y="0"/>
-          <a:chExt cx="0" cy="0"/>
-        </a:xfrm>
-      </p:grpSpPr>
-      <p:sp>
-        <p:nvSpPr>
-          <p:cNvPr id="2" name="제목 1">
-            <a:extLst>
-              <a:ext uri="{FF2B5EF4-FFF2-40B4-BE49-F238E27FC236}">
-                <a16:creationId xmlns:a16="http://schemas.microsoft.com/office/drawing/2014/main" id="{0E7EE7A1-7B14-06A7-414F-ACB9F852EA89}"/>
-              </a:ext>
-            </a:extLst>
-          </p:cNvPr>
-          <p:cNvSpPr>
-            <a:spLocks noGrp="1"/>
-          </p:cNvSpPr>
-          <p:nvPr>
-            <p:ph type="title"/>
-          </p:nvPr>
-        </p:nvSpPr>
-        <p:spPr/>
-        <p:txBody>
-          <a:bodyPr/>
-          <a:lstStyle/>
-          <a:p>
-            <a:r>
-              <a:rPr lang="en-US" altLang="ko-KR" dirty="0"/>
-              <a:t>S101</a:t>
-            </a:r>
-            <a:endParaRPr lang="ko-KR" altLang="en-US" dirty="0"/>
-          </a:p>
-        </p:txBody>
-      </p:sp>
-      <p:sp>
-        <p:nvSpPr>
-          <p:cNvPr id="8" name="TextBox 7">
-            <a:extLst>
-              <a:ext uri="{FF2B5EF4-FFF2-40B4-BE49-F238E27FC236}">
-                <a16:creationId xmlns:a16="http://schemas.microsoft.com/office/drawing/2014/main" id="{3B6BBB1D-8F33-F2F4-5E18-D4FAFA795448}"/>
-              </a:ext>
-            </a:extLst>
-          </p:cNvPr>
-          <p:cNvSpPr txBox="1"/>
-          <p:nvPr/>
-        </p:nvSpPr>
-        <p:spPr>
-          <a:xfrm>
-            <a:off x="3985297" y="4008142"/>
-            <a:ext cx="3917732" cy="646331"/>
-          </a:xfrm>
-          <a:prstGeom prst="rect">
-            <a:avLst/>
-          </a:prstGeom>
-          <a:noFill/>
-        </p:spPr>
-        <p:txBody>
-          <a:bodyPr wrap="square" rtlCol="0">
-            <a:spAutoFit/>
-          </a:bodyPr>
-          <a:lstStyle/>
-          <a:p>
-            <a:r>
-              <a:rPr lang="en-US" altLang="ko-KR" dirty="0"/>
-              <a:t>Loading </a:t>
-            </a:r>
-            <a:r>
-              <a:rPr lang="ko-KR" altLang="en-US" dirty="0"/>
-              <a:t>시스템 경로   →</a:t>
-            </a:r>
-            <a:endParaRPr lang="en-US" altLang="ko-KR" dirty="0"/>
-          </a:p>
-          <a:p>
-            <a:r>
-              <a:rPr lang="en-US" altLang="ko-KR" dirty="0"/>
-              <a:t>[</a:t>
-            </a:r>
-            <a:r>
-              <a:rPr lang="ko-KR" altLang="en-US" dirty="0"/>
-              <a:t>이름지정</a:t>
-            </a:r>
-            <a:r>
-              <a:rPr lang="en-US" altLang="ko-KR" dirty="0"/>
-              <a:t>]   	        </a:t>
-            </a:r>
-            <a:r>
-              <a:rPr lang="ko-KR" altLang="en-US" dirty="0"/>
-              <a:t>→</a:t>
-            </a:r>
-          </a:p>
-        </p:txBody>
-      </p:sp>
-      <p:sp>
-        <p:nvSpPr>
-          <p:cNvPr id="9" name="TextBox 8">
-            <a:extLst>
-              <a:ext uri="{FF2B5EF4-FFF2-40B4-BE49-F238E27FC236}">
-                <a16:creationId xmlns:a16="http://schemas.microsoft.com/office/drawing/2014/main" id="{DEBCA628-F50A-2352-F68D-0EA3A5DEBE9B}"/>
-              </a:ext>
-            </a:extLst>
-          </p:cNvPr>
-          <p:cNvSpPr txBox="1"/>
-          <p:nvPr/>
-        </p:nvSpPr>
-        <p:spPr>
-          <a:xfrm>
-            <a:off x="652831" y="2904181"/>
-            <a:ext cx="9676274" cy="646331"/>
-          </a:xfrm>
-          <a:prstGeom prst="rect">
-            <a:avLst/>
-          </a:prstGeom>
-          <a:noFill/>
-        </p:spPr>
-        <p:txBody>
-          <a:bodyPr wrap="square" rtlCol="0">
-            <a:spAutoFit/>
-          </a:bodyPr>
-          <a:lstStyle/>
-          <a:p>
-            <a:r>
-              <a:rPr lang="ko-KR" altLang="en-US" dirty="0"/>
-              <a:t>외부 시스템 </a:t>
-            </a:r>
-            <a:r>
-              <a:rPr lang="en-US" altLang="ko-KR" dirty="0"/>
-              <a:t>Call </a:t>
-            </a:r>
-            <a:r>
-              <a:rPr lang="ko-KR" altLang="en-US" dirty="0"/>
-              <a:t>경우에는 시스템을 </a:t>
-            </a:r>
-            <a:r>
-              <a:rPr lang="en-US" altLang="ko-KR" dirty="0"/>
-              <a:t>Loading </a:t>
-            </a:r>
-            <a:r>
-              <a:rPr lang="ko-KR" altLang="en-US" dirty="0"/>
-              <a:t>해야 한다</a:t>
-            </a:r>
-            <a:r>
-              <a:rPr lang="en-US" altLang="ko-KR" dirty="0"/>
-              <a:t>.</a:t>
-            </a:r>
-          </a:p>
-          <a:p>
-            <a:r>
-              <a:rPr lang="en-US" altLang="ko-KR" dirty="0"/>
-              <a:t>Loading </a:t>
-            </a:r>
-            <a:r>
-              <a:rPr lang="ko-KR" altLang="en-US" dirty="0"/>
-              <a:t>도형 </a:t>
-            </a:r>
-            <a:r>
-              <a:rPr lang="en-US" altLang="ko-KR" dirty="0"/>
-              <a:t>: </a:t>
-            </a:r>
-            <a:r>
-              <a:rPr lang="ko-KR" altLang="en-US" dirty="0"/>
-              <a:t>모서리가 접힌 사각형  사용</a:t>
-            </a:r>
-          </a:p>
-        </p:txBody>
-      </p:sp>
-      <p:sp>
-        <p:nvSpPr>
-          <p:cNvPr id="11" name="사각형: 모서리가 접힌 도형 10">
-            <a:extLst>
-              <a:ext uri="{FF2B5EF4-FFF2-40B4-BE49-F238E27FC236}">
-                <a16:creationId xmlns:a16="http://schemas.microsoft.com/office/drawing/2014/main" id="{315E1109-CE1F-AED5-1B4F-B96C02A1EF9A}"/>
-              </a:ext>
-            </a:extLst>
-          </p:cNvPr>
-          <p:cNvSpPr/>
-          <p:nvPr/>
-        </p:nvSpPr>
-        <p:spPr>
-          <a:xfrm>
-            <a:off x="6846575" y="3930359"/>
-            <a:ext cx="2265308" cy="927391"/>
-          </a:xfrm>
-          <a:prstGeom prst="foldedCorner">
-            <a:avLst>
-              <a:gd name="adj" fmla="val 27487"/>
-            </a:avLst>
-          </a:prstGeom>
-          <a:solidFill>
-            <a:schemeClr val="accent3">
-              <a:alpha val="50000"/>
-            </a:schemeClr>
-          </a:solidFill>
-          <a:ln>
-            <a:noFill/>
-          </a:ln>
-        </p:spPr>
-        <p:style>
-          <a:lnRef idx="0">
-            <a:scrgbClr r="0" g="0" b="0"/>
-          </a:lnRef>
-          <a:fillRef idx="0">
-            <a:scrgbClr r="0" g="0" b="0"/>
-          </a:fillRef>
-          <a:effectRef idx="0">
-            <a:scrgbClr r="0" g="0" b="0"/>
-          </a:effectRef>
-          <a:fontRef idx="minor">
-            <a:schemeClr val="lt1"/>
-          </a:fontRef>
-        </p:style>
-        <p:txBody>
-          <a:bodyPr rtlCol="0" anchor="ctr"/>
-          <a:lstStyle/>
-          <a:p>
-            <a:pPr algn="ctr"/>
-            <a:r>
-              <a:rPr lang="en-US" altLang="ko-KR" sz="1600" dirty="0"/>
-              <a:t>../Sample/lib/Cylinder/Double</a:t>
-            </a:r>
-          </a:p>
-          <a:p>
-            <a:pPr algn="ctr"/>
-            <a:r>
-              <a:rPr lang="en-US" altLang="ko-KR" sz="1600" dirty="0"/>
-              <a:t>[Pin]</a:t>
-            </a:r>
-            <a:endParaRPr lang="ko-KR" altLang="en-US" sz="1600" dirty="0"/>
-          </a:p>
-        </p:txBody>
-      </p:sp>
-      <p:sp>
-        <p:nvSpPr>
-          <p:cNvPr id="3" name="사각형: 모서리가 접힌 도형 2">
-            <a:extLst>
-              <a:ext uri="{FF2B5EF4-FFF2-40B4-BE49-F238E27FC236}">
-                <a16:creationId xmlns:a16="http://schemas.microsoft.com/office/drawing/2014/main" id="{03FFF656-9483-33FC-B597-3A02BDD38418}"/>
-              </a:ext>
-            </a:extLst>
-          </p:cNvPr>
-          <p:cNvSpPr/>
-          <p:nvPr/>
-        </p:nvSpPr>
-        <p:spPr>
-          <a:xfrm>
-            <a:off x="6846575" y="5237597"/>
-            <a:ext cx="2265308" cy="927391"/>
-          </a:xfrm>
-          <a:prstGeom prst="foldedCorner">
-            <a:avLst>
-              <a:gd name="adj" fmla="val 27487"/>
-            </a:avLst>
-          </a:prstGeom>
-          <a:solidFill>
-            <a:schemeClr val="accent3">
-              <a:alpha val="50000"/>
-            </a:schemeClr>
-          </a:solidFill>
-          <a:ln>
-            <a:noFill/>
-          </a:ln>
-        </p:spPr>
-        <p:style>
-          <a:lnRef idx="0">
-            <a:scrgbClr r="0" g="0" b="0"/>
-          </a:lnRef>
-          <a:fillRef idx="0">
-            <a:scrgbClr r="0" g="0" b="0"/>
-          </a:fillRef>
-          <a:effectRef idx="0">
-            <a:scrgbClr r="0" g="0" b="0"/>
-          </a:effectRef>
-          <a:fontRef idx="minor">
-            <a:schemeClr val="lt1"/>
-          </a:fontRef>
-        </p:style>
-        <p:txBody>
-          <a:bodyPr rtlCol="0" anchor="ctr"/>
-          <a:lstStyle/>
-          <a:p>
-            <a:pPr algn="ctr"/>
-            <a:r>
-              <a:rPr lang="en-US" altLang="ko-KR" sz="1600" dirty="0"/>
-              <a:t>../Sample/lib/Robot/Weld</a:t>
-            </a:r>
-          </a:p>
-          <a:p>
-            <a:pPr algn="ctr"/>
-            <a:r>
-              <a:rPr lang="en-US" altLang="ko-KR" sz="1600" dirty="0"/>
-              <a:t>[Rbt1]</a:t>
-            </a:r>
-            <a:endParaRPr lang="ko-KR" altLang="en-US" sz="1600" dirty="0"/>
-          </a:p>
-        </p:txBody>
-      </p:sp>
-      <p:sp>
-        <p:nvSpPr>
-          <p:cNvPr id="4" name="사각형: 모서리가 접힌 도형 3">
-            <a:extLst>
-              <a:ext uri="{FF2B5EF4-FFF2-40B4-BE49-F238E27FC236}">
-                <a16:creationId xmlns:a16="http://schemas.microsoft.com/office/drawing/2014/main" id="{479D59D1-5025-C5B1-ED3B-A0ECB4F8AAB2}"/>
-              </a:ext>
-            </a:extLst>
-          </p:cNvPr>
-          <p:cNvSpPr/>
-          <p:nvPr/>
-        </p:nvSpPr>
-        <p:spPr>
-          <a:xfrm>
-            <a:off x="7579820" y="2213702"/>
-            <a:ext cx="2265308" cy="927391"/>
-          </a:xfrm>
-          <a:prstGeom prst="foldedCorner">
-            <a:avLst>
-              <a:gd name="adj" fmla="val 27487"/>
-            </a:avLst>
-          </a:prstGeom>
-          <a:solidFill>
-            <a:schemeClr val="accent3">
-              <a:alpha val="50000"/>
-            </a:schemeClr>
-          </a:solidFill>
-          <a:ln>
-            <a:noFill/>
-          </a:ln>
-        </p:spPr>
-        <p:style>
-          <a:lnRef idx="0">
-            <a:scrgbClr r="0" g="0" b="0"/>
-          </a:lnRef>
-          <a:fillRef idx="0">
-            <a:scrgbClr r="0" g="0" b="0"/>
-          </a:fillRef>
-          <a:effectRef idx="0">
-            <a:scrgbClr r="0" g="0" b="0"/>
-          </a:effectRef>
-          <a:fontRef idx="minor">
-            <a:schemeClr val="lt1"/>
-          </a:fontRef>
-        </p:style>
-        <p:txBody>
-          <a:bodyPr rtlCol="0" anchor="ctr"/>
-          <a:lstStyle/>
-          <a:p>
-            <a:pPr algn="ctr"/>
-            <a:r>
-              <a:rPr lang="en-US" altLang="ko-KR" sz="1600" dirty="0"/>
-              <a:t>../Sample/lib/Cylinder/Double</a:t>
-            </a:r>
-          </a:p>
-          <a:p>
-            <a:pPr algn="ctr"/>
-            <a:r>
-              <a:rPr lang="en-US" altLang="ko-KR" sz="1600" dirty="0"/>
-              <a:t>[</a:t>
-            </a:r>
-            <a:r>
-              <a:rPr lang="en-US" altLang="ko-KR" sz="1600" dirty="0" err="1"/>
-              <a:t>Pin2</a:t>
-            </a:r>
-            <a:r>
-              <a:rPr lang="en-US" altLang="ko-KR" sz="1600" dirty="0"/>
-              <a:t>]</a:t>
-            </a:r>
-            <a:endParaRPr lang="ko-KR" altLang="en-US" sz="1600" dirty="0"/>
-          </a:p>
-        </p:txBody>
-      </p:sp>
-    </p:spTree>
-    <p:extLst>
-      <p:ext uri="{BB962C8B-B14F-4D97-AF65-F5344CB8AC3E}">
-        <p14:creationId xmlns:p14="http://schemas.microsoft.com/office/powerpoint/2010/main" val="2346780900"/>
-      </p:ext>
-    </p:extLst>
-  </p:cSld>
-  <p:clrMapOvr>
-    <a:masterClrMapping/>
-  </p:clrMapOvr>
-</p:sld>
-</file>
-
-<file path=ppt/slides/slide3.xml><?xml version="1.0" encoding="utf-8"?>
-<p:sld xmlns:a="http://schemas.openxmlformats.org/drawingml/2006/main" xmlns:r="http://schemas.openxmlformats.org/officeDocument/2006/relationships" xmlns:p="http://schemas.openxmlformats.org/presentationml/2006/main" show="0">
-  <p:cSld>
-    <p:spTree>
-      <p:nvGrpSpPr>
-        <p:cNvPr id="1" name=""/>
-        <p:cNvGrpSpPr/>
-        <p:nvPr/>
-      </p:nvGrpSpPr>
-      <p:grpSpPr>
-        <a:xfrm>
-          <a:off x="0" y="0"/>
-          <a:ext cx="0" cy="0"/>
-          <a:chOff x="0" y="0"/>
-          <a:chExt cx="0" cy="0"/>
-        </a:xfrm>
-      </p:grpSpPr>
-      <p:sp>
-        <p:nvSpPr>
-          <p:cNvPr id="2" name="제목 1">
-            <a:extLst>
-              <a:ext uri="{FF2B5EF4-FFF2-40B4-BE49-F238E27FC236}">
-                <a16:creationId xmlns:a16="http://schemas.microsoft.com/office/drawing/2014/main" id="{0E7EE7A1-7B14-06A7-414F-ACB9F852EA89}"/>
-              </a:ext>
-            </a:extLst>
-          </p:cNvPr>
-          <p:cNvSpPr>
-            <a:spLocks noGrp="1"/>
-          </p:cNvSpPr>
-          <p:nvPr>
-            <p:ph type="title"/>
-          </p:nvPr>
-        </p:nvSpPr>
-        <p:spPr/>
-        <p:txBody>
-          <a:bodyPr/>
-          <a:lstStyle/>
-          <a:p>
-            <a:r>
-              <a:rPr lang="en-US" altLang="ko-KR" dirty="0"/>
-              <a:t>S102</a:t>
-            </a:r>
-            <a:endParaRPr lang="ko-KR" altLang="en-US" dirty="0"/>
-          </a:p>
-        </p:txBody>
-      </p:sp>
-      <p:sp>
-        <p:nvSpPr>
-          <p:cNvPr id="11" name="사각형: 모서리가 접힌 도형 10">
-            <a:extLst>
-              <a:ext uri="{FF2B5EF4-FFF2-40B4-BE49-F238E27FC236}">
-                <a16:creationId xmlns:a16="http://schemas.microsoft.com/office/drawing/2014/main" id="{315E1109-CE1F-AED5-1B4F-B96C02A1EF9A}"/>
-              </a:ext>
-            </a:extLst>
-          </p:cNvPr>
-          <p:cNvSpPr/>
-          <p:nvPr/>
-        </p:nvSpPr>
-        <p:spPr>
-          <a:xfrm>
-            <a:off x="6846575" y="3930359"/>
-            <a:ext cx="2265308" cy="927391"/>
-          </a:xfrm>
-          <a:prstGeom prst="foldedCorner">
-            <a:avLst>
-              <a:gd name="adj" fmla="val 27487"/>
-            </a:avLst>
-          </a:prstGeom>
-          <a:solidFill>
-            <a:schemeClr val="accent3">
-              <a:alpha val="50000"/>
-            </a:schemeClr>
-          </a:solidFill>
-          <a:ln>
-            <a:noFill/>
-          </a:ln>
-        </p:spPr>
-        <p:style>
-          <a:lnRef idx="0">
-            <a:scrgbClr r="0" g="0" b="0"/>
-          </a:lnRef>
-          <a:fillRef idx="0">
-            <a:scrgbClr r="0" g="0" b="0"/>
-          </a:fillRef>
-          <a:effectRef idx="0">
-            <a:scrgbClr r="0" g="0" b="0"/>
-          </a:effectRef>
-          <a:fontRef idx="minor">
-            <a:schemeClr val="lt1"/>
-          </a:fontRef>
-        </p:style>
-        <p:txBody>
-          <a:bodyPr rtlCol="0" anchor="ctr"/>
-          <a:lstStyle/>
-          <a:p>
-            <a:pPr algn="ctr"/>
-            <a:r>
-              <a:rPr lang="en-US" altLang="ko-KR" sz="1600" dirty="0"/>
-              <a:t>../Sample/lib/Cylinder/Double</a:t>
-            </a:r>
-          </a:p>
-          <a:p>
-            <a:pPr algn="ctr"/>
-            <a:r>
-              <a:rPr lang="en-US" altLang="ko-KR" sz="1600" dirty="0"/>
-              <a:t>[Pin]</a:t>
-            </a:r>
-            <a:endParaRPr lang="ko-KR" altLang="en-US" sz="1600" dirty="0"/>
-          </a:p>
-        </p:txBody>
-      </p:sp>
-      <p:sp>
-        <p:nvSpPr>
-          <p:cNvPr id="3" name="사각형: 모서리가 접힌 도형 2">
-            <a:extLst>
-              <a:ext uri="{FF2B5EF4-FFF2-40B4-BE49-F238E27FC236}">
-                <a16:creationId xmlns:a16="http://schemas.microsoft.com/office/drawing/2014/main" id="{03FFF656-9483-33FC-B597-3A02BDD38418}"/>
-              </a:ext>
-            </a:extLst>
-          </p:cNvPr>
-          <p:cNvSpPr/>
-          <p:nvPr/>
-        </p:nvSpPr>
-        <p:spPr>
-          <a:xfrm>
-            <a:off x="6846575" y="5237597"/>
-            <a:ext cx="2265308" cy="927391"/>
-          </a:xfrm>
-          <a:prstGeom prst="foldedCorner">
-            <a:avLst>
-              <a:gd name="adj" fmla="val 27487"/>
-            </a:avLst>
-          </a:prstGeom>
-          <a:solidFill>
-            <a:schemeClr val="accent3">
-              <a:alpha val="50000"/>
-            </a:schemeClr>
-          </a:solidFill>
-          <a:ln>
-            <a:noFill/>
-          </a:ln>
-        </p:spPr>
-        <p:style>
-          <a:lnRef idx="0">
-            <a:scrgbClr r="0" g="0" b="0"/>
-          </a:lnRef>
-          <a:fillRef idx="0">
-            <a:scrgbClr r="0" g="0" b="0"/>
-          </a:fillRef>
-          <a:effectRef idx="0">
-            <a:scrgbClr r="0" g="0" b="0"/>
-          </a:effectRef>
-          <a:fontRef idx="minor">
-            <a:schemeClr val="lt1"/>
-          </a:fontRef>
-        </p:style>
-        <p:txBody>
-          <a:bodyPr rtlCol="0" anchor="ctr"/>
-          <a:lstStyle/>
-          <a:p>
-            <a:pPr algn="ctr"/>
-            <a:r>
-              <a:rPr lang="en-US" altLang="ko-KR" sz="1600" dirty="0"/>
-              <a:t>../Sample/lib/Robot/Weld</a:t>
-            </a:r>
-          </a:p>
-          <a:p>
-            <a:pPr algn="ctr"/>
-            <a:r>
-              <a:rPr lang="en-US" altLang="ko-KR" sz="1600" dirty="0"/>
-              <a:t>[Rbt1]</a:t>
-            </a:r>
-            <a:endParaRPr lang="ko-KR" altLang="en-US" sz="1600" dirty="0"/>
-          </a:p>
-        </p:txBody>
-      </p:sp>
-    </p:spTree>
-    <p:extLst>
-      <p:ext uri="{BB962C8B-B14F-4D97-AF65-F5344CB8AC3E}">
-        <p14:creationId xmlns:p14="http://schemas.microsoft.com/office/powerpoint/2010/main" val="799963828"/>
-      </p:ext>
-    </p:extLst>
-  </p:cSld>
-  <p:clrMapOvr>
-    <a:masterClrMapping/>
-  </p:clrMapOvr>
-</p:sld>
-</file>
-
-<file path=ppt/slides/slide4.xml><?xml version="1.0" encoding="utf-8"?>
+<file path=ppt/slides/slide15.xml><?xml version="1.0" encoding="utf-8"?>
 <p:sld xmlns:a="http://schemas.openxmlformats.org/drawingml/2006/main" xmlns:r="http://schemas.openxmlformats.org/officeDocument/2006/relationships" xmlns:p="http://schemas.openxmlformats.org/presentationml/2006/main">
   <p:cSld>
     <p:spTree>
@@ -17935,7 +16808,7 @@
             </a:r>
             <a:r>
               <a:rPr lang="en-US" altLang="ko-KR" dirty="0"/>
-              <a:t>]5</a:t>
+              <a:t>]2</a:t>
             </a:r>
             <a:endParaRPr lang="ko-KR" altLang="en-US" dirty="0"/>
           </a:p>
@@ -18354,7 +17227,589 @@
 </p:sld>
 </file>
 
-<file path=ppt/slides/slide5.xml><?xml version="1.0" encoding="utf-8"?>
+<file path=ppt/slides/slide2.xml><?xml version="1.0" encoding="utf-8"?>
+<p:sld xmlns:a="http://schemas.openxmlformats.org/drawingml/2006/main" xmlns:r="http://schemas.openxmlformats.org/officeDocument/2006/relationships" xmlns:p="http://schemas.openxmlformats.org/presentationml/2006/main" show="0">
+  <p:cSld>
+    <p:spTree>
+      <p:nvGrpSpPr>
+        <p:cNvPr id="1" name=""/>
+        <p:cNvGrpSpPr/>
+        <p:nvPr/>
+      </p:nvGrpSpPr>
+      <p:grpSpPr>
+        <a:xfrm>
+          <a:off x="0" y="0"/>
+          <a:ext cx="0" cy="0"/>
+          <a:chOff x="0" y="0"/>
+          <a:chExt cx="0" cy="0"/>
+        </a:xfrm>
+      </p:grpSpPr>
+      <p:sp>
+        <p:nvSpPr>
+          <p:cNvPr id="2" name="제목 1">
+            <a:extLst>
+              <a:ext uri="{FF2B5EF4-FFF2-40B4-BE49-F238E27FC236}">
+                <a16:creationId xmlns:a16="http://schemas.microsoft.com/office/drawing/2014/main" id="{0E7EE7A1-7B14-06A7-414F-ACB9F852EA89}"/>
+              </a:ext>
+            </a:extLst>
+          </p:cNvPr>
+          <p:cNvSpPr>
+            <a:spLocks noGrp="1"/>
+          </p:cNvSpPr>
+          <p:nvPr>
+            <p:ph type="title"/>
+          </p:nvPr>
+        </p:nvSpPr>
+        <p:spPr/>
+        <p:txBody>
+          <a:bodyPr/>
+          <a:lstStyle/>
+          <a:p>
+            <a:r>
+              <a:rPr lang="en-US" altLang="ko-KR" dirty="0"/>
+              <a:t>S101</a:t>
+            </a:r>
+            <a:endParaRPr lang="ko-KR" altLang="en-US" dirty="0"/>
+          </a:p>
+        </p:txBody>
+      </p:sp>
+      <p:sp>
+        <p:nvSpPr>
+          <p:cNvPr id="8" name="TextBox 7">
+            <a:extLst>
+              <a:ext uri="{FF2B5EF4-FFF2-40B4-BE49-F238E27FC236}">
+                <a16:creationId xmlns:a16="http://schemas.microsoft.com/office/drawing/2014/main" id="{3B6BBB1D-8F33-F2F4-5E18-D4FAFA795448}"/>
+              </a:ext>
+            </a:extLst>
+          </p:cNvPr>
+          <p:cNvSpPr txBox="1"/>
+          <p:nvPr/>
+        </p:nvSpPr>
+        <p:spPr>
+          <a:xfrm>
+            <a:off x="3985297" y="4008142"/>
+            <a:ext cx="3917732" cy="646331"/>
+          </a:xfrm>
+          <a:prstGeom prst="rect">
+            <a:avLst/>
+          </a:prstGeom>
+          <a:noFill/>
+        </p:spPr>
+        <p:txBody>
+          <a:bodyPr wrap="square" rtlCol="0">
+            <a:spAutoFit/>
+          </a:bodyPr>
+          <a:lstStyle/>
+          <a:p>
+            <a:r>
+              <a:rPr lang="en-US" altLang="ko-KR" dirty="0"/>
+              <a:t>Loading </a:t>
+            </a:r>
+            <a:r>
+              <a:rPr lang="ko-KR" altLang="en-US" dirty="0"/>
+              <a:t>시스템 경로   →</a:t>
+            </a:r>
+            <a:endParaRPr lang="en-US" altLang="ko-KR" dirty="0"/>
+          </a:p>
+          <a:p>
+            <a:r>
+              <a:rPr lang="en-US" altLang="ko-KR" dirty="0"/>
+              <a:t>[</a:t>
+            </a:r>
+            <a:r>
+              <a:rPr lang="ko-KR" altLang="en-US" dirty="0"/>
+              <a:t>이름지정</a:t>
+            </a:r>
+            <a:r>
+              <a:rPr lang="en-US" altLang="ko-KR" dirty="0"/>
+              <a:t>]   	        </a:t>
+            </a:r>
+            <a:r>
+              <a:rPr lang="ko-KR" altLang="en-US" dirty="0"/>
+              <a:t>→</a:t>
+            </a:r>
+          </a:p>
+        </p:txBody>
+      </p:sp>
+      <p:sp>
+        <p:nvSpPr>
+          <p:cNvPr id="9" name="TextBox 8">
+            <a:extLst>
+              <a:ext uri="{FF2B5EF4-FFF2-40B4-BE49-F238E27FC236}">
+                <a16:creationId xmlns:a16="http://schemas.microsoft.com/office/drawing/2014/main" id="{DEBCA628-F50A-2352-F68D-0EA3A5DEBE9B}"/>
+              </a:ext>
+            </a:extLst>
+          </p:cNvPr>
+          <p:cNvSpPr txBox="1"/>
+          <p:nvPr/>
+        </p:nvSpPr>
+        <p:spPr>
+          <a:xfrm>
+            <a:off x="652831" y="2904181"/>
+            <a:ext cx="9676274" cy="646331"/>
+          </a:xfrm>
+          <a:prstGeom prst="rect">
+            <a:avLst/>
+          </a:prstGeom>
+          <a:noFill/>
+        </p:spPr>
+        <p:txBody>
+          <a:bodyPr wrap="square" rtlCol="0">
+            <a:spAutoFit/>
+          </a:bodyPr>
+          <a:lstStyle/>
+          <a:p>
+            <a:r>
+              <a:rPr lang="ko-KR" altLang="en-US" dirty="0"/>
+              <a:t>외부 시스템 </a:t>
+            </a:r>
+            <a:r>
+              <a:rPr lang="en-US" altLang="ko-KR" dirty="0"/>
+              <a:t>Call </a:t>
+            </a:r>
+            <a:r>
+              <a:rPr lang="ko-KR" altLang="en-US" dirty="0"/>
+              <a:t>경우에는 시스템을 </a:t>
+            </a:r>
+            <a:r>
+              <a:rPr lang="en-US" altLang="ko-KR" dirty="0"/>
+              <a:t>Loading </a:t>
+            </a:r>
+            <a:r>
+              <a:rPr lang="ko-KR" altLang="en-US" dirty="0"/>
+              <a:t>해야 한다</a:t>
+            </a:r>
+            <a:r>
+              <a:rPr lang="en-US" altLang="ko-KR" dirty="0"/>
+              <a:t>.</a:t>
+            </a:r>
+          </a:p>
+          <a:p>
+            <a:r>
+              <a:rPr lang="en-US" altLang="ko-KR" dirty="0"/>
+              <a:t>Loading </a:t>
+            </a:r>
+            <a:r>
+              <a:rPr lang="ko-KR" altLang="en-US" dirty="0"/>
+              <a:t>도형 </a:t>
+            </a:r>
+            <a:r>
+              <a:rPr lang="en-US" altLang="ko-KR" dirty="0"/>
+              <a:t>: </a:t>
+            </a:r>
+            <a:r>
+              <a:rPr lang="ko-KR" altLang="en-US" dirty="0"/>
+              <a:t>모서리가 접힌 사각형  사용</a:t>
+            </a:r>
+          </a:p>
+        </p:txBody>
+      </p:sp>
+      <p:sp>
+        <p:nvSpPr>
+          <p:cNvPr id="11" name="사각형: 모서리가 접힌 도형 10">
+            <a:extLst>
+              <a:ext uri="{FF2B5EF4-FFF2-40B4-BE49-F238E27FC236}">
+                <a16:creationId xmlns:a16="http://schemas.microsoft.com/office/drawing/2014/main" id="{315E1109-CE1F-AED5-1B4F-B96C02A1EF9A}"/>
+              </a:ext>
+            </a:extLst>
+          </p:cNvPr>
+          <p:cNvSpPr/>
+          <p:nvPr/>
+        </p:nvSpPr>
+        <p:spPr>
+          <a:xfrm>
+            <a:off x="6846575" y="3930359"/>
+            <a:ext cx="2265308" cy="927391"/>
+          </a:xfrm>
+          <a:prstGeom prst="foldedCorner">
+            <a:avLst>
+              <a:gd name="adj" fmla="val 27487"/>
+            </a:avLst>
+          </a:prstGeom>
+          <a:solidFill>
+            <a:schemeClr val="accent3">
+              <a:alpha val="50000"/>
+            </a:schemeClr>
+          </a:solidFill>
+          <a:ln>
+            <a:noFill/>
+          </a:ln>
+        </p:spPr>
+        <p:style>
+          <a:lnRef idx="0">
+            <a:scrgbClr r="0" g="0" b="0"/>
+          </a:lnRef>
+          <a:fillRef idx="0">
+            <a:scrgbClr r="0" g="0" b="0"/>
+          </a:fillRef>
+          <a:effectRef idx="0">
+            <a:scrgbClr r="0" g="0" b="0"/>
+          </a:effectRef>
+          <a:fontRef idx="minor">
+            <a:schemeClr val="lt1"/>
+          </a:fontRef>
+        </p:style>
+        <p:txBody>
+          <a:bodyPr rtlCol="0" anchor="ctr"/>
+          <a:lstStyle/>
+          <a:p>
+            <a:pPr algn="ctr"/>
+            <a:r>
+              <a:rPr lang="en-US" altLang="ko-KR" sz="1600" dirty="0"/>
+              <a:t>../Sample/lib/Cylinder/Double</a:t>
+            </a:r>
+          </a:p>
+          <a:p>
+            <a:pPr algn="ctr"/>
+            <a:r>
+              <a:rPr lang="en-US" altLang="ko-KR" sz="1600" dirty="0"/>
+              <a:t>[Pin]</a:t>
+            </a:r>
+            <a:endParaRPr lang="ko-KR" altLang="en-US" sz="1600" dirty="0"/>
+          </a:p>
+        </p:txBody>
+      </p:sp>
+      <p:sp>
+        <p:nvSpPr>
+          <p:cNvPr id="3" name="사각형: 모서리가 접힌 도형 2">
+            <a:extLst>
+              <a:ext uri="{FF2B5EF4-FFF2-40B4-BE49-F238E27FC236}">
+                <a16:creationId xmlns:a16="http://schemas.microsoft.com/office/drawing/2014/main" id="{03FFF656-9483-33FC-B597-3A02BDD38418}"/>
+              </a:ext>
+            </a:extLst>
+          </p:cNvPr>
+          <p:cNvSpPr/>
+          <p:nvPr/>
+        </p:nvSpPr>
+        <p:spPr>
+          <a:xfrm>
+            <a:off x="6846575" y="5237597"/>
+            <a:ext cx="2265308" cy="927391"/>
+          </a:xfrm>
+          <a:prstGeom prst="foldedCorner">
+            <a:avLst>
+              <a:gd name="adj" fmla="val 27487"/>
+            </a:avLst>
+          </a:prstGeom>
+          <a:solidFill>
+            <a:schemeClr val="accent3">
+              <a:alpha val="50000"/>
+            </a:schemeClr>
+          </a:solidFill>
+          <a:ln>
+            <a:noFill/>
+          </a:ln>
+        </p:spPr>
+        <p:style>
+          <a:lnRef idx="0">
+            <a:scrgbClr r="0" g="0" b="0"/>
+          </a:lnRef>
+          <a:fillRef idx="0">
+            <a:scrgbClr r="0" g="0" b="0"/>
+          </a:fillRef>
+          <a:effectRef idx="0">
+            <a:scrgbClr r="0" g="0" b="0"/>
+          </a:effectRef>
+          <a:fontRef idx="minor">
+            <a:schemeClr val="lt1"/>
+          </a:fontRef>
+        </p:style>
+        <p:txBody>
+          <a:bodyPr rtlCol="0" anchor="ctr"/>
+          <a:lstStyle/>
+          <a:p>
+            <a:pPr algn="ctr"/>
+            <a:r>
+              <a:rPr lang="en-US" altLang="ko-KR" sz="1600" dirty="0"/>
+              <a:t>../Sample/lib/Robot/Weld</a:t>
+            </a:r>
+          </a:p>
+          <a:p>
+            <a:pPr algn="ctr"/>
+            <a:r>
+              <a:rPr lang="en-US" altLang="ko-KR" sz="1600" dirty="0"/>
+              <a:t>[Rbt1]</a:t>
+            </a:r>
+            <a:endParaRPr lang="ko-KR" altLang="en-US" sz="1600" dirty="0"/>
+          </a:p>
+        </p:txBody>
+      </p:sp>
+      <p:sp>
+        <p:nvSpPr>
+          <p:cNvPr id="4" name="사각형: 모서리가 접힌 도형 3">
+            <a:extLst>
+              <a:ext uri="{FF2B5EF4-FFF2-40B4-BE49-F238E27FC236}">
+                <a16:creationId xmlns:a16="http://schemas.microsoft.com/office/drawing/2014/main" id="{479D59D1-5025-C5B1-ED3B-A0ECB4F8AAB2}"/>
+              </a:ext>
+            </a:extLst>
+          </p:cNvPr>
+          <p:cNvSpPr/>
+          <p:nvPr/>
+        </p:nvSpPr>
+        <p:spPr>
+          <a:xfrm>
+            <a:off x="7579820" y="2213702"/>
+            <a:ext cx="2265308" cy="927391"/>
+          </a:xfrm>
+          <a:prstGeom prst="foldedCorner">
+            <a:avLst>
+              <a:gd name="adj" fmla="val 27487"/>
+            </a:avLst>
+          </a:prstGeom>
+          <a:solidFill>
+            <a:schemeClr val="accent3">
+              <a:alpha val="50000"/>
+            </a:schemeClr>
+          </a:solidFill>
+          <a:ln>
+            <a:noFill/>
+          </a:ln>
+        </p:spPr>
+        <p:style>
+          <a:lnRef idx="0">
+            <a:scrgbClr r="0" g="0" b="0"/>
+          </a:lnRef>
+          <a:fillRef idx="0">
+            <a:scrgbClr r="0" g="0" b="0"/>
+          </a:fillRef>
+          <a:effectRef idx="0">
+            <a:scrgbClr r="0" g="0" b="0"/>
+          </a:effectRef>
+          <a:fontRef idx="minor">
+            <a:schemeClr val="lt1"/>
+          </a:fontRef>
+        </p:style>
+        <p:txBody>
+          <a:bodyPr rtlCol="0" anchor="ctr"/>
+          <a:lstStyle/>
+          <a:p>
+            <a:pPr algn="ctr"/>
+            <a:r>
+              <a:rPr lang="en-US" altLang="ko-KR" sz="1600" dirty="0"/>
+              <a:t>../Sample/lib/Cylinder/Double</a:t>
+            </a:r>
+          </a:p>
+          <a:p>
+            <a:pPr algn="ctr"/>
+            <a:r>
+              <a:rPr lang="en-US" altLang="ko-KR" sz="1600" dirty="0"/>
+              <a:t>[</a:t>
+            </a:r>
+            <a:r>
+              <a:rPr lang="en-US" altLang="ko-KR" sz="1600" dirty="0" err="1"/>
+              <a:t>Pin2</a:t>
+            </a:r>
+            <a:r>
+              <a:rPr lang="en-US" altLang="ko-KR" sz="1600" dirty="0"/>
+              <a:t>]</a:t>
+            </a:r>
+            <a:endParaRPr lang="ko-KR" altLang="en-US" sz="1600" dirty="0"/>
+          </a:p>
+        </p:txBody>
+      </p:sp>
+    </p:spTree>
+    <p:extLst>
+      <p:ext uri="{BB962C8B-B14F-4D97-AF65-F5344CB8AC3E}">
+        <p14:creationId xmlns:p14="http://schemas.microsoft.com/office/powerpoint/2010/main" val="2346780900"/>
+      </p:ext>
+    </p:extLst>
+  </p:cSld>
+  <p:clrMapOvr>
+    <a:masterClrMapping/>
+  </p:clrMapOvr>
+</p:sld>
+</file>
+
+<file path=ppt/slides/slide3.xml><?xml version="1.0" encoding="utf-8"?>
+<p:sld xmlns:a="http://schemas.openxmlformats.org/drawingml/2006/main" xmlns:r="http://schemas.openxmlformats.org/officeDocument/2006/relationships" xmlns:p="http://schemas.openxmlformats.org/presentationml/2006/main" show="0">
+  <p:cSld>
+    <p:spTree>
+      <p:nvGrpSpPr>
+        <p:cNvPr id="1" name=""/>
+        <p:cNvGrpSpPr/>
+        <p:nvPr/>
+      </p:nvGrpSpPr>
+      <p:grpSpPr>
+        <a:xfrm>
+          <a:off x="0" y="0"/>
+          <a:ext cx="0" cy="0"/>
+          <a:chOff x="0" y="0"/>
+          <a:chExt cx="0" cy="0"/>
+        </a:xfrm>
+      </p:grpSpPr>
+      <p:sp>
+        <p:nvSpPr>
+          <p:cNvPr id="2" name="제목 1">
+            <a:extLst>
+              <a:ext uri="{FF2B5EF4-FFF2-40B4-BE49-F238E27FC236}">
+                <a16:creationId xmlns:a16="http://schemas.microsoft.com/office/drawing/2014/main" id="{0E7EE7A1-7B14-06A7-414F-ACB9F852EA89}"/>
+              </a:ext>
+            </a:extLst>
+          </p:cNvPr>
+          <p:cNvSpPr>
+            <a:spLocks noGrp="1"/>
+          </p:cNvSpPr>
+          <p:nvPr>
+            <p:ph type="title"/>
+          </p:nvPr>
+        </p:nvSpPr>
+        <p:spPr/>
+        <p:txBody>
+          <a:bodyPr/>
+          <a:lstStyle/>
+          <a:p>
+            <a:r>
+              <a:rPr lang="en-US" altLang="ko-KR" dirty="0"/>
+              <a:t>S102</a:t>
+            </a:r>
+            <a:endParaRPr lang="ko-KR" altLang="en-US" dirty="0"/>
+          </a:p>
+        </p:txBody>
+      </p:sp>
+      <p:sp>
+        <p:nvSpPr>
+          <p:cNvPr id="11" name="사각형: 모서리가 접힌 도형 10">
+            <a:extLst>
+              <a:ext uri="{FF2B5EF4-FFF2-40B4-BE49-F238E27FC236}">
+                <a16:creationId xmlns:a16="http://schemas.microsoft.com/office/drawing/2014/main" id="{315E1109-CE1F-AED5-1B4F-B96C02A1EF9A}"/>
+              </a:ext>
+            </a:extLst>
+          </p:cNvPr>
+          <p:cNvSpPr/>
+          <p:nvPr/>
+        </p:nvSpPr>
+        <p:spPr>
+          <a:xfrm>
+            <a:off x="6846575" y="3930359"/>
+            <a:ext cx="2265308" cy="927391"/>
+          </a:xfrm>
+          <a:prstGeom prst="foldedCorner">
+            <a:avLst>
+              <a:gd name="adj" fmla="val 27487"/>
+            </a:avLst>
+          </a:prstGeom>
+          <a:solidFill>
+            <a:schemeClr val="accent3">
+              <a:alpha val="50000"/>
+            </a:schemeClr>
+          </a:solidFill>
+          <a:ln>
+            <a:noFill/>
+          </a:ln>
+        </p:spPr>
+        <p:style>
+          <a:lnRef idx="0">
+            <a:scrgbClr r="0" g="0" b="0"/>
+          </a:lnRef>
+          <a:fillRef idx="0">
+            <a:scrgbClr r="0" g="0" b="0"/>
+          </a:fillRef>
+          <a:effectRef idx="0">
+            <a:scrgbClr r="0" g="0" b="0"/>
+          </a:effectRef>
+          <a:fontRef idx="minor">
+            <a:schemeClr val="lt1"/>
+          </a:fontRef>
+        </p:style>
+        <p:txBody>
+          <a:bodyPr rtlCol="0" anchor="ctr"/>
+          <a:lstStyle/>
+          <a:p>
+            <a:pPr algn="ctr"/>
+            <a:r>
+              <a:rPr lang="en-US" altLang="ko-KR" sz="1600" dirty="0"/>
+              <a:t>../Sample/lib/Cylinder/Double</a:t>
+            </a:r>
+          </a:p>
+          <a:p>
+            <a:pPr algn="ctr"/>
+            <a:r>
+              <a:rPr lang="en-US" altLang="ko-KR" sz="1600" dirty="0"/>
+              <a:t>[Pin]</a:t>
+            </a:r>
+            <a:endParaRPr lang="ko-KR" altLang="en-US" sz="1600" dirty="0"/>
+          </a:p>
+        </p:txBody>
+      </p:sp>
+      <p:sp>
+        <p:nvSpPr>
+          <p:cNvPr id="3" name="사각형: 모서리가 접힌 도형 2">
+            <a:extLst>
+              <a:ext uri="{FF2B5EF4-FFF2-40B4-BE49-F238E27FC236}">
+                <a16:creationId xmlns:a16="http://schemas.microsoft.com/office/drawing/2014/main" id="{03FFF656-9483-33FC-B597-3A02BDD38418}"/>
+              </a:ext>
+            </a:extLst>
+          </p:cNvPr>
+          <p:cNvSpPr/>
+          <p:nvPr/>
+        </p:nvSpPr>
+        <p:spPr>
+          <a:xfrm>
+            <a:off x="6846575" y="5237597"/>
+            <a:ext cx="2265308" cy="927391"/>
+          </a:xfrm>
+          <a:prstGeom prst="foldedCorner">
+            <a:avLst>
+              <a:gd name="adj" fmla="val 27487"/>
+            </a:avLst>
+          </a:prstGeom>
+          <a:solidFill>
+            <a:schemeClr val="accent3">
+              <a:alpha val="50000"/>
+            </a:schemeClr>
+          </a:solidFill>
+          <a:ln>
+            <a:noFill/>
+          </a:ln>
+        </p:spPr>
+        <p:style>
+          <a:lnRef idx="0">
+            <a:scrgbClr r="0" g="0" b="0"/>
+          </a:lnRef>
+          <a:fillRef idx="0">
+            <a:scrgbClr r="0" g="0" b="0"/>
+          </a:fillRef>
+          <a:effectRef idx="0">
+            <a:scrgbClr r="0" g="0" b="0"/>
+          </a:effectRef>
+          <a:fontRef idx="minor">
+            <a:schemeClr val="lt1"/>
+          </a:fontRef>
+        </p:style>
+        <p:txBody>
+          <a:bodyPr rtlCol="0" anchor="ctr"/>
+          <a:lstStyle/>
+          <a:p>
+            <a:pPr algn="ctr"/>
+            <a:r>
+              <a:rPr lang="en-US" altLang="ko-KR" sz="1600" dirty="0"/>
+              <a:t>../Sample/lib/Robot/Weld</a:t>
+            </a:r>
+          </a:p>
+          <a:p>
+            <a:pPr algn="ctr"/>
+            <a:r>
+              <a:rPr lang="en-US" altLang="ko-KR" sz="1600" dirty="0"/>
+              <a:t>[Rbt1]</a:t>
+            </a:r>
+            <a:endParaRPr lang="ko-KR" altLang="en-US" sz="1600" dirty="0"/>
+          </a:p>
+        </p:txBody>
+      </p:sp>
+    </p:spTree>
+    <p:extLst>
+      <p:ext uri="{BB962C8B-B14F-4D97-AF65-F5344CB8AC3E}">
+        <p14:creationId xmlns:p14="http://schemas.microsoft.com/office/powerpoint/2010/main" val="799963828"/>
+      </p:ext>
+    </p:extLst>
+  </p:cSld>
+  <p:clrMapOvr>
+    <a:masterClrMapping/>
+  </p:clrMapOvr>
+</p:sld>
+</file>
+
+<file path=ppt/slides/slide4.xml><?xml version="1.0" encoding="utf-8"?>
 <p:sld xmlns:a="http://schemas.openxmlformats.org/drawingml/2006/main" xmlns:r="http://schemas.openxmlformats.org/officeDocument/2006/relationships" xmlns:p="http://schemas.openxmlformats.org/presentationml/2006/main" show="0">
   <p:cSld>
     <p:spTree>
@@ -18787,7 +18242,7 @@
 </p:sld>
 </file>
 
-<file path=ppt/slides/slide6.xml><?xml version="1.0" encoding="utf-8"?>
+<file path=ppt/slides/slide5.xml><?xml version="1.0" encoding="utf-8"?>
 <p:sld xmlns:a="http://schemas.openxmlformats.org/drawingml/2006/main" xmlns:r="http://schemas.openxmlformats.org/officeDocument/2006/relationships" xmlns:p="http://schemas.openxmlformats.org/presentationml/2006/main" show="0">
   <p:cSld>
     <p:spTree>
@@ -19978,7 +19433,7 @@
 </p:sld>
 </file>
 
-<file path=ppt/slides/slide7.xml><?xml version="1.0" encoding="utf-8"?>
+<file path=ppt/slides/slide6.xml><?xml version="1.0" encoding="utf-8"?>
 <p:sld xmlns:a="http://schemas.openxmlformats.org/drawingml/2006/main" xmlns:r="http://schemas.openxmlformats.org/officeDocument/2006/relationships" xmlns:p="http://schemas.openxmlformats.org/presentationml/2006/main" show="0">
   <p:cSld>
     <p:spTree>
@@ -20462,7 +19917,7 @@
 </p:sld>
 </file>
 
-<file path=ppt/slides/slide8.xml><?xml version="1.0" encoding="utf-8"?>
+<file path=ppt/slides/slide7.xml><?xml version="1.0" encoding="utf-8"?>
 <p:sld xmlns:a="http://schemas.openxmlformats.org/drawingml/2006/main" xmlns:r="http://schemas.openxmlformats.org/officeDocument/2006/relationships" xmlns:p="http://schemas.openxmlformats.org/presentationml/2006/main" show="0">
   <p:cSld>
     <p:spTree>
@@ -21011,7 +20466,7 @@
 </p:sld>
 </file>
 
-<file path=ppt/slides/slide9.xml><?xml version="1.0" encoding="utf-8"?>
+<file path=ppt/slides/slide8.xml><?xml version="1.0" encoding="utf-8"?>
 <p:sld xmlns:a="http://schemas.openxmlformats.org/drawingml/2006/main" xmlns:r="http://schemas.openxmlformats.org/officeDocument/2006/relationships" xmlns:p="http://schemas.openxmlformats.org/presentationml/2006/main" show="0">
   <p:cSld>
     <p:spTree>
@@ -21575,6 +21030,551 @@
     <p:extLst>
       <p:ext uri="{BB962C8B-B14F-4D97-AF65-F5344CB8AC3E}">
         <p14:creationId xmlns:p14="http://schemas.microsoft.com/office/powerpoint/2010/main" val="2157853785"/>
+      </p:ext>
+    </p:extLst>
+  </p:cSld>
+  <p:clrMapOvr>
+    <a:masterClrMapping/>
+  </p:clrMapOvr>
+</p:sld>
+</file>
+
+<file path=ppt/slides/slide9.xml><?xml version="1.0" encoding="utf-8"?>
+<p:sld xmlns:a="http://schemas.openxmlformats.org/drawingml/2006/main" xmlns:r="http://schemas.openxmlformats.org/officeDocument/2006/relationships" xmlns:p="http://schemas.openxmlformats.org/presentationml/2006/main" show="0">
+  <p:cSld>
+    <p:spTree>
+      <p:nvGrpSpPr>
+        <p:cNvPr id="1" name=""/>
+        <p:cNvGrpSpPr/>
+        <p:nvPr/>
+      </p:nvGrpSpPr>
+      <p:grpSpPr>
+        <a:xfrm>
+          <a:off x="0" y="0"/>
+          <a:ext cx="0" cy="0"/>
+          <a:chOff x="0" y="0"/>
+          <a:chExt cx="0" cy="0"/>
+        </a:xfrm>
+      </p:grpSpPr>
+      <p:sp>
+        <p:nvSpPr>
+          <p:cNvPr id="2" name="제목 1">
+            <a:extLst>
+              <a:ext uri="{FF2B5EF4-FFF2-40B4-BE49-F238E27FC236}">
+                <a16:creationId xmlns:a16="http://schemas.microsoft.com/office/drawing/2014/main" id="{E35BEC89-0CFB-7F29-D8C7-71B3E64B4D66}"/>
+              </a:ext>
+            </a:extLst>
+          </p:cNvPr>
+          <p:cNvSpPr>
+            <a:spLocks noGrp="1"/>
+          </p:cNvSpPr>
+          <p:nvPr>
+            <p:ph type="title"/>
+          </p:nvPr>
+        </p:nvSpPr>
+        <p:spPr/>
+        <p:txBody>
+          <a:bodyPr/>
+          <a:lstStyle/>
+          <a:p>
+            <a:r>
+              <a:rPr lang="en-US" altLang="ko-KR" dirty="0"/>
+              <a:t>S3</a:t>
+            </a:r>
+            <a:endParaRPr lang="ko-KR" altLang="en-US" dirty="0"/>
+          </a:p>
+        </p:txBody>
+      </p:sp>
+      <p:sp>
+        <p:nvSpPr>
+          <p:cNvPr id="10" name="직사각형 9">
+            <a:extLst>
+              <a:ext uri="{FF2B5EF4-FFF2-40B4-BE49-F238E27FC236}">
+                <a16:creationId xmlns:a16="http://schemas.microsoft.com/office/drawing/2014/main" id="{F318C6E2-FDDA-8B00-0783-15AA765D0AA6}"/>
+              </a:ext>
+            </a:extLst>
+          </p:cNvPr>
+          <p:cNvSpPr/>
+          <p:nvPr/>
+        </p:nvSpPr>
+        <p:spPr>
+          <a:xfrm>
+            <a:off x="7349499" y="4624766"/>
+            <a:ext cx="2437946" cy="1223682"/>
+          </a:xfrm>
+          <a:prstGeom prst="rect">
+            <a:avLst/>
+          </a:prstGeom>
+          <a:solidFill>
+            <a:schemeClr val="accent4">
+              <a:alpha val="50000"/>
+            </a:schemeClr>
+          </a:solidFill>
+          <a:ln>
+            <a:noFill/>
+          </a:ln>
+        </p:spPr>
+        <p:style>
+          <a:lnRef idx="0">
+            <a:scrgbClr r="0" g="0" b="0"/>
+          </a:lnRef>
+          <a:fillRef idx="0">
+            <a:scrgbClr r="0" g="0" b="0"/>
+          </a:fillRef>
+          <a:effectRef idx="0">
+            <a:scrgbClr r="0" g="0" b="0"/>
+          </a:effectRef>
+          <a:fontRef idx="minor">
+            <a:schemeClr val="lt1"/>
+          </a:fontRef>
+        </p:style>
+        <p:txBody>
+          <a:bodyPr rtlCol="0" anchor="ctr"/>
+          <a:lstStyle/>
+          <a:p>
+            <a:pPr algn="ctr"/>
+            <a:r>
+              <a:rPr lang="en-US" altLang="ko-KR" sz="1200" dirty="0"/>
+              <a:t>R2</a:t>
+            </a:r>
+            <a:endParaRPr lang="ko-KR" altLang="en-US" sz="1200" dirty="0"/>
+          </a:p>
+        </p:txBody>
+      </p:sp>
+      <p:cxnSp>
+        <p:nvCxnSpPr>
+          <p:cNvPr id="13" name="직선 화살표 연결선 12">
+            <a:extLst>
+              <a:ext uri="{FF2B5EF4-FFF2-40B4-BE49-F238E27FC236}">
+                <a16:creationId xmlns:a16="http://schemas.microsoft.com/office/drawing/2014/main" id="{DF6B060D-6633-DD91-FDA7-49A882D2EBE8}"/>
+              </a:ext>
+            </a:extLst>
+          </p:cNvPr>
+          <p:cNvCxnSpPr>
+            <a:cxnSpLocks/>
+            <a:stCxn id="16" idx="3"/>
+            <a:endCxn id="10" idx="1"/>
+          </p:cNvCxnSpPr>
+          <p:nvPr/>
+        </p:nvCxnSpPr>
+        <p:spPr>
+          <a:xfrm>
+            <a:off x="6534526" y="4220068"/>
+            <a:ext cx="814973" cy="1016539"/>
+          </a:xfrm>
+          <a:prstGeom prst="straightConnector1">
+            <a:avLst/>
+          </a:prstGeom>
+          <a:ln w="28575">
+            <a:solidFill>
+              <a:schemeClr val="tx1">
+                <a:lumMod val="75000"/>
+                <a:lumOff val="25000"/>
+              </a:schemeClr>
+            </a:solidFill>
+            <a:tailEnd type="triangle"/>
+          </a:ln>
+        </p:spPr>
+        <p:style>
+          <a:lnRef idx="1">
+            <a:schemeClr val="dk1"/>
+          </a:lnRef>
+          <a:fillRef idx="3">
+            <a:schemeClr val="dk1"/>
+          </a:fillRef>
+          <a:effectRef idx="2">
+            <a:schemeClr val="dk1"/>
+          </a:effectRef>
+          <a:fontRef idx="minor">
+            <a:schemeClr val="lt1"/>
+          </a:fontRef>
+        </p:style>
+      </p:cxnSp>
+      <p:grpSp>
+        <p:nvGrpSpPr>
+          <p:cNvPr id="15" name="그룹 14">
+            <a:extLst>
+              <a:ext uri="{FF2B5EF4-FFF2-40B4-BE49-F238E27FC236}">
+                <a16:creationId xmlns:a16="http://schemas.microsoft.com/office/drawing/2014/main" id="{EEAD2CC3-3FF9-E574-DCC0-CFF9A0A99A95}"/>
+              </a:ext>
+            </a:extLst>
+          </p:cNvPr>
+          <p:cNvGrpSpPr/>
+          <p:nvPr/>
+        </p:nvGrpSpPr>
+        <p:grpSpPr>
+          <a:xfrm>
+            <a:off x="810000" y="2424605"/>
+            <a:ext cx="5724526" cy="3590925"/>
+            <a:chOff x="848416" y="1962150"/>
+            <a:chExt cx="5724526" cy="3590925"/>
+          </a:xfrm>
+        </p:grpSpPr>
+        <p:sp>
+          <p:nvSpPr>
+            <p:cNvPr id="16" name="직사각형 15">
+              <a:extLst>
+                <a:ext uri="{FF2B5EF4-FFF2-40B4-BE49-F238E27FC236}">
+                  <a16:creationId xmlns:a16="http://schemas.microsoft.com/office/drawing/2014/main" id="{B33EEBEF-13AF-E7A3-33A7-C063A7A9FF05}"/>
+                </a:ext>
+              </a:extLst>
+            </p:cNvPr>
+            <p:cNvSpPr/>
+            <p:nvPr/>
+          </p:nvSpPr>
+          <p:spPr>
+            <a:xfrm>
+              <a:off x="848416" y="1962150"/>
+              <a:ext cx="5724526" cy="3590925"/>
+            </a:xfrm>
+            <a:prstGeom prst="rect">
+              <a:avLst/>
+            </a:prstGeom>
+            <a:solidFill>
+              <a:schemeClr val="accent4">
+                <a:alpha val="50000"/>
+              </a:schemeClr>
+            </a:solidFill>
+            <a:ln>
+              <a:noFill/>
+            </a:ln>
+          </p:spPr>
+          <p:style>
+            <a:lnRef idx="0">
+              <a:scrgbClr r="0" g="0" b="0"/>
+            </a:lnRef>
+            <a:fillRef idx="0">
+              <a:scrgbClr r="0" g="0" b="0"/>
+            </a:fillRef>
+            <a:effectRef idx="0">
+              <a:scrgbClr r="0" g="0" b="0"/>
+            </a:effectRef>
+            <a:fontRef idx="minor">
+              <a:schemeClr val="lt1"/>
+            </a:fontRef>
+          </p:style>
+          <p:txBody>
+            <a:bodyPr rtlCol="0" anchor="t"/>
+            <a:lstStyle/>
+            <a:p>
+              <a:pPr algn="ctr"/>
+              <a:r>
+                <a:rPr lang="en-US" altLang="ko-KR" sz="2800" dirty="0">
+                  <a:solidFill>
+                    <a:schemeClr val="tx1"/>
+                  </a:solidFill>
+                </a:rPr>
+                <a:t>R1</a:t>
+              </a:r>
+              <a:endParaRPr lang="ko-KR" altLang="en-US" sz="1200" dirty="0">
+                <a:solidFill>
+                  <a:schemeClr val="tx1"/>
+                </a:solidFill>
+              </a:endParaRPr>
+            </a:p>
+          </p:txBody>
+        </p:sp>
+        <p:grpSp>
+          <p:nvGrpSpPr>
+            <p:cNvPr id="17" name="그룹 16">
+              <a:extLst>
+                <a:ext uri="{FF2B5EF4-FFF2-40B4-BE49-F238E27FC236}">
+                  <a16:creationId xmlns:a16="http://schemas.microsoft.com/office/drawing/2014/main" id="{1032C5B6-6F15-0B71-31AC-6A846F1ABAF9}"/>
+                </a:ext>
+              </a:extLst>
+            </p:cNvPr>
+            <p:cNvGrpSpPr/>
+            <p:nvPr/>
+          </p:nvGrpSpPr>
+          <p:grpSpPr>
+            <a:xfrm>
+              <a:off x="1405973" y="2441441"/>
+              <a:ext cx="4398681" cy="2052964"/>
+              <a:chOff x="1314450" y="2476500"/>
+              <a:chExt cx="4476750" cy="2447925"/>
+            </a:xfrm>
+          </p:grpSpPr>
+          <p:sp>
+            <p:nvSpPr>
+              <p:cNvPr id="18" name="타원 17">
+                <a:extLst>
+                  <a:ext uri="{FF2B5EF4-FFF2-40B4-BE49-F238E27FC236}">
+                    <a16:creationId xmlns:a16="http://schemas.microsoft.com/office/drawing/2014/main" id="{4799297C-C1B1-B459-CA8E-C18F6B037C8E}"/>
+                  </a:ext>
+                </a:extLst>
+              </p:cNvPr>
+              <p:cNvSpPr/>
+              <p:nvPr/>
+            </p:nvSpPr>
+            <p:spPr>
+              <a:xfrm>
+                <a:off x="1314450" y="2476500"/>
+                <a:ext cx="1733550" cy="952500"/>
+              </a:xfrm>
+              <a:prstGeom prst="ellipse">
+                <a:avLst/>
+              </a:prstGeom>
+              <a:solidFill>
+                <a:schemeClr val="accent4">
+                  <a:alpha val="50000"/>
+                </a:schemeClr>
+              </a:solidFill>
+              <a:ln>
+                <a:noFill/>
+              </a:ln>
+            </p:spPr>
+            <p:style>
+              <a:lnRef idx="0">
+                <a:scrgbClr r="0" g="0" b="0"/>
+              </a:lnRef>
+              <a:fillRef idx="0">
+                <a:scrgbClr r="0" g="0" b="0"/>
+              </a:fillRef>
+              <a:effectRef idx="0">
+                <a:scrgbClr r="0" g="0" b="0"/>
+              </a:effectRef>
+              <a:fontRef idx="minor">
+                <a:schemeClr val="lt1"/>
+              </a:fontRef>
+            </p:style>
+            <p:txBody>
+              <a:bodyPr rtlCol="0" anchor="ctr"/>
+              <a:lstStyle/>
+              <a:p>
+                <a:pPr algn="ctr"/>
+                <a:r>
+                  <a:rPr lang="en-US" altLang="ko-KR" dirty="0"/>
+                  <a:t>Job $Func1</a:t>
+                </a:r>
+                <a:endParaRPr lang="ko-KR" altLang="en-US" dirty="0"/>
+              </a:p>
+            </p:txBody>
+          </p:sp>
+          <p:sp>
+            <p:nvSpPr>
+              <p:cNvPr id="19" name="타원 18">
+                <a:extLst>
+                  <a:ext uri="{FF2B5EF4-FFF2-40B4-BE49-F238E27FC236}">
+                    <a16:creationId xmlns:a16="http://schemas.microsoft.com/office/drawing/2014/main" id="{BC1C2AB1-53C2-3134-39D7-821DDE64FCA6}"/>
+                  </a:ext>
+                </a:extLst>
+              </p:cNvPr>
+              <p:cNvSpPr/>
+              <p:nvPr/>
+            </p:nvSpPr>
+            <p:spPr>
+              <a:xfrm>
+                <a:off x="4057650" y="3971925"/>
+                <a:ext cx="1733550" cy="952500"/>
+              </a:xfrm>
+              <a:prstGeom prst="ellipse">
+                <a:avLst/>
+              </a:prstGeom>
+              <a:solidFill>
+                <a:schemeClr val="accent4">
+                  <a:alpha val="50000"/>
+                </a:schemeClr>
+              </a:solidFill>
+              <a:ln>
+                <a:noFill/>
+              </a:ln>
+            </p:spPr>
+            <p:style>
+              <a:lnRef idx="0">
+                <a:scrgbClr r="0" g="0" b="0"/>
+              </a:lnRef>
+              <a:fillRef idx="0">
+                <a:scrgbClr r="0" g="0" b="0"/>
+              </a:fillRef>
+              <a:effectRef idx="0">
+                <a:scrgbClr r="0" g="0" b="0"/>
+              </a:effectRef>
+              <a:fontRef idx="minor">
+                <a:schemeClr val="lt1"/>
+              </a:fontRef>
+            </p:style>
+            <p:txBody>
+              <a:bodyPr rtlCol="0" anchor="ctr"/>
+              <a:lstStyle/>
+              <a:p>
+                <a:pPr algn="ctr"/>
+                <a:r>
+                  <a:rPr lang="en-US" altLang="ko-KR" dirty="0"/>
+                  <a:t>Job $Func2</a:t>
+                </a:r>
+                <a:endParaRPr lang="ko-KR" altLang="en-US" dirty="0"/>
+              </a:p>
+            </p:txBody>
+          </p:sp>
+          <p:cxnSp>
+            <p:nvCxnSpPr>
+              <p:cNvPr id="20" name="연결선: 꺾임 19">
+                <a:extLst>
+                  <a:ext uri="{FF2B5EF4-FFF2-40B4-BE49-F238E27FC236}">
+                    <a16:creationId xmlns:a16="http://schemas.microsoft.com/office/drawing/2014/main" id="{58E16926-A46B-1D84-E0E7-FF453F933C82}"/>
+                  </a:ext>
+                </a:extLst>
+              </p:cNvPr>
+              <p:cNvCxnSpPr>
+                <a:stCxn id="18" idx="5"/>
+                <a:endCxn id="19" idx="1"/>
+              </p:cNvCxnSpPr>
+              <p:nvPr/>
+            </p:nvCxnSpPr>
+            <p:spPr>
+              <a:xfrm rot="16200000" flipH="1">
+                <a:off x="3141873" y="2941764"/>
+                <a:ext cx="821905" cy="1517396"/>
+              </a:xfrm>
+              <a:prstGeom prst="bentConnector3">
+                <a:avLst/>
+              </a:prstGeom>
+              <a:ln>
+                <a:tailEnd type="triangle"/>
+              </a:ln>
+            </p:spPr>
+            <p:style>
+              <a:lnRef idx="1">
+                <a:schemeClr val="accent4"/>
+              </a:lnRef>
+              <a:fillRef idx="0">
+                <a:schemeClr val="accent4"/>
+              </a:fillRef>
+              <a:effectRef idx="0">
+                <a:schemeClr val="accent4"/>
+              </a:effectRef>
+              <a:fontRef idx="minor">
+                <a:schemeClr val="tx1"/>
+              </a:fontRef>
+            </p:style>
+          </p:cxnSp>
+        </p:grpSp>
+      </p:grpSp>
+      <p:sp>
+        <p:nvSpPr>
+          <p:cNvPr id="21" name="사각형: 모서리가 접힌 도형 20">
+            <a:extLst>
+              <a:ext uri="{FF2B5EF4-FFF2-40B4-BE49-F238E27FC236}">
+                <a16:creationId xmlns:a16="http://schemas.microsoft.com/office/drawing/2014/main" id="{DB926D2F-DFBD-8412-5ADF-EFF48CDDFE8A}"/>
+              </a:ext>
+            </a:extLst>
+          </p:cNvPr>
+          <p:cNvSpPr/>
+          <p:nvPr/>
+        </p:nvSpPr>
+        <p:spPr>
+          <a:xfrm>
+            <a:off x="8545957" y="2675440"/>
+            <a:ext cx="2437946" cy="1223682"/>
+          </a:xfrm>
+          <a:prstGeom prst="foldedCorner">
+            <a:avLst/>
+          </a:prstGeom>
+          <a:solidFill>
+            <a:schemeClr val="accent3">
+              <a:alpha val="50000"/>
+            </a:schemeClr>
+          </a:solidFill>
+          <a:ln>
+            <a:noFill/>
+          </a:ln>
+        </p:spPr>
+        <p:style>
+          <a:lnRef idx="0">
+            <a:scrgbClr r="0" g="0" b="0"/>
+          </a:lnRef>
+          <a:fillRef idx="0">
+            <a:scrgbClr r="0" g="0" b="0"/>
+          </a:fillRef>
+          <a:effectRef idx="0">
+            <a:scrgbClr r="0" g="0" b="0"/>
+          </a:effectRef>
+          <a:fontRef idx="minor">
+            <a:schemeClr val="lt1"/>
+          </a:fontRef>
+        </p:style>
+        <p:txBody>
+          <a:bodyPr rtlCol="0" anchor="ctr"/>
+          <a:lstStyle/>
+          <a:p>
+            <a:pPr algn="ctr"/>
+            <a:r>
+              <a:rPr lang="en-US" altLang="ko-KR" dirty="0"/>
+              <a:t>../sample/Lib/test </a:t>
+            </a:r>
+          </a:p>
+          <a:p>
+            <a:pPr algn="ctr"/>
+            <a:r>
+              <a:rPr lang="en-US" altLang="ko-KR" dirty="0"/>
+              <a:t>[Job]5</a:t>
+            </a:r>
+            <a:endParaRPr lang="ko-KR" altLang="en-US" dirty="0"/>
+          </a:p>
+        </p:txBody>
+      </p:sp>
+      <p:sp>
+        <p:nvSpPr>
+          <p:cNvPr id="22" name="TextBox 21">
+            <a:extLst>
+              <a:ext uri="{FF2B5EF4-FFF2-40B4-BE49-F238E27FC236}">
+                <a16:creationId xmlns:a16="http://schemas.microsoft.com/office/drawing/2014/main" id="{0772646A-C193-829E-B2AE-9749CB2CD9D4}"/>
+              </a:ext>
+            </a:extLst>
+          </p:cNvPr>
+          <p:cNvSpPr txBox="1"/>
+          <p:nvPr/>
+        </p:nvSpPr>
+        <p:spPr>
+          <a:xfrm>
+            <a:off x="6817869" y="1861486"/>
+            <a:ext cx="4996881" cy="646331"/>
+          </a:xfrm>
+          <a:prstGeom prst="rect">
+            <a:avLst/>
+          </a:prstGeom>
+          <a:noFill/>
+        </p:spPr>
+        <p:txBody>
+          <a:bodyPr wrap="none" rtlCol="0">
+            <a:spAutoFit/>
+          </a:bodyPr>
+          <a:lstStyle/>
+          <a:p>
+            <a:r>
+              <a:rPr lang="ko-KR" altLang="en-US" dirty="0"/>
+              <a:t>확장정의</a:t>
+            </a:r>
+            <a:r>
+              <a:rPr lang="en-US" altLang="ko-KR" dirty="0"/>
+              <a:t>2 : N </a:t>
+            </a:r>
+            <a:r>
+              <a:rPr lang="ko-KR" altLang="en-US" dirty="0"/>
+              <a:t>숫자 만큼 </a:t>
+            </a:r>
+            <a:endParaRPr lang="en-US" altLang="ko-KR" dirty="0"/>
+          </a:p>
+          <a:p>
+            <a:r>
+              <a:rPr lang="en-US" altLang="ko-KR" dirty="0"/>
+              <a:t>groupName1~ groupNameN Loading </a:t>
+            </a:r>
+            <a:r>
+              <a:rPr lang="ko-KR" altLang="en-US" dirty="0"/>
+              <a:t>한다</a:t>
+            </a:r>
+            <a:r>
+              <a:rPr lang="en-US" altLang="ko-KR" dirty="0"/>
+              <a:t>.</a:t>
+            </a:r>
+          </a:p>
+        </p:txBody>
+      </p:sp>
+    </p:spTree>
+    <p:extLst>
+      <p:ext uri="{BB962C8B-B14F-4D97-AF65-F5344CB8AC3E}">
+        <p14:creationId xmlns:p14="http://schemas.microsoft.com/office/powerpoint/2010/main" val="3764349495"/>
       </p:ext>
     </p:extLst>
   </p:cSld>

--- a/DsDotNet/src/UnitTest/UnitTest.Engine/ImportOffice/Sample/s.pptx
+++ b/DsDotNet/src/UnitTest/UnitTest.Engine/ImportOffice/Sample/s.pptx
@@ -229,7 +229,7 @@
           <a:p>
             <a:fld id="{DD503887-5801-43A0-AEF9-041E8DDC2558}" type="datetimeFigureOut">
               <a:rPr lang="ko-KR" altLang="en-US" smtClean="0"/>
-              <a:t>2023-01-22</a:t>
+              <a:t>2023-01-23</a:t>
             </a:fld>
             <a:endParaRPr lang="ko-KR" altLang="en-US" dirty="0"/>
           </a:p>
@@ -406,7 +406,7 @@
           <a:p>
             <a:fld id="{95336A0E-57B1-4D4C-BD9B-2F72B5943464}" type="datetimeFigureOut">
               <a:rPr lang="ko-KR" altLang="en-US" smtClean="0"/>
-              <a:t>2023-01-22</a:t>
+              <a:t>2023-01-23</a:t>
             </a:fld>
             <a:endParaRPr lang="ko-KR" altLang="en-US" dirty="0"/>
           </a:p>
@@ -904,7 +904,7 @@
           <a:p>
             <a:fld id="{229D12C7-0FF5-4972-A033-474EFFC79F40}" type="datetime1">
               <a:rPr lang="ko-KR" altLang="en-US" smtClean="0"/>
-              <a:t>2023-01-22</a:t>
+              <a:t>2023-01-23</a:t>
             </a:fld>
             <a:endParaRPr lang="ko-KR" altLang="en-US" dirty="0"/>
           </a:p>
@@ -1102,7 +1102,7 @@
           <a:p>
             <a:fld id="{5BA19FD4-B052-4F56-8FD8-EAFD078DEFB0}" type="datetime1">
               <a:rPr lang="ko-KR" altLang="en-US" smtClean="0"/>
-              <a:t>2023-01-22</a:t>
+              <a:t>2023-01-23</a:t>
             </a:fld>
             <a:endParaRPr lang="ko-KR" altLang="en-US" dirty="0"/>
           </a:p>
@@ -1310,7 +1310,7 @@
           <a:p>
             <a:fld id="{024994B9-23A6-4B0A-A038-AC140E83DAA3}" type="datetime1">
               <a:rPr lang="ko-KR" altLang="en-US" smtClean="0"/>
-              <a:t>2023-01-22</a:t>
+              <a:t>2023-01-23</a:t>
             </a:fld>
             <a:endParaRPr lang="ko-KR" altLang="en-US" dirty="0"/>
           </a:p>
@@ -1452,7 +1452,7 @@
           <a:p>
             <a:fld id="{B5B1BBC2-B738-4C35-AEE5-660EB2DEB482}" type="datetime1">
               <a:rPr lang="ko-KR" altLang="en-US" smtClean="0"/>
-              <a:t>2023-01-22</a:t>
+              <a:t>2023-01-23</a:t>
             </a:fld>
             <a:endParaRPr lang="ko-KR" altLang="en-US" dirty="0"/>
           </a:p>
@@ -6119,7 +6119,7 @@
           <a:p>
             <a:fld id="{70D0DAB2-87CB-4028-B965-3AA710ADF2CB}" type="datetime1">
               <a:rPr lang="ko-KR" altLang="en-US" smtClean="0"/>
-              <a:t>2023-01-22</a:t>
+              <a:t>2023-01-23</a:t>
             </a:fld>
             <a:endParaRPr lang="ko-KR" altLang="en-US" dirty="0"/>
           </a:p>
@@ -6394,7 +6394,7 @@
           <a:p>
             <a:fld id="{63FA3D71-FEA8-477F-9D1E-EA860F411BC7}" type="datetime1">
               <a:rPr lang="ko-KR" altLang="en-US" smtClean="0"/>
-              <a:t>2023-01-22</a:t>
+              <a:t>2023-01-23</a:t>
             </a:fld>
             <a:endParaRPr lang="ko-KR" altLang="en-US" dirty="0"/>
           </a:p>
@@ -6659,7 +6659,7 @@
           <a:p>
             <a:fld id="{F58E3EF4-7980-4C97-BA64-EC66995BB574}" type="datetime1">
               <a:rPr lang="ko-KR" altLang="en-US" smtClean="0"/>
-              <a:t>2023-01-22</a:t>
+              <a:t>2023-01-23</a:t>
             </a:fld>
             <a:endParaRPr lang="ko-KR" altLang="en-US" dirty="0"/>
           </a:p>
@@ -7071,7 +7071,7 @@
           <a:p>
             <a:fld id="{FC9BC1D0-7D6B-4634-9D19-644040D74EAE}" type="datetime1">
               <a:rPr lang="ko-KR" altLang="en-US" smtClean="0"/>
-              <a:t>2023-01-22</a:t>
+              <a:t>2023-01-23</a:t>
             </a:fld>
             <a:endParaRPr lang="ko-KR" altLang="en-US" dirty="0"/>
           </a:p>
@@ -7212,7 +7212,7 @@
           <a:p>
             <a:fld id="{B5B1BBC2-B738-4C35-AEE5-660EB2DEB482}" type="datetime1">
               <a:rPr lang="ko-KR" altLang="en-US" smtClean="0"/>
-              <a:t>2023-01-22</a:t>
+              <a:t>2023-01-23</a:t>
             </a:fld>
             <a:endParaRPr lang="ko-KR" altLang="en-US" dirty="0"/>
           </a:p>
@@ -11794,7 +11794,7 @@
           <a:p>
             <a:fld id="{C60E9F93-7E77-4F36-B88C-A425F00C8D91}" type="datetime1">
               <a:rPr lang="ko-KR" altLang="en-US" smtClean="0"/>
-              <a:t>2023-01-22</a:t>
+              <a:t>2023-01-23</a:t>
             </a:fld>
             <a:endParaRPr lang="ko-KR" altLang="en-US" dirty="0"/>
           </a:p>
@@ -12105,7 +12105,7 @@
           <a:p>
             <a:fld id="{36BCCD0E-2A54-4016-BFFC-FEAABCDA6915}" type="datetime1">
               <a:rPr lang="ko-KR" altLang="en-US" smtClean="0"/>
-              <a:t>2023-01-22</a:t>
+              <a:t>2023-01-23</a:t>
             </a:fld>
             <a:endParaRPr lang="ko-KR" altLang="en-US" dirty="0"/>
           </a:p>
@@ -12393,7 +12393,7 @@
           <a:p>
             <a:fld id="{C984B0C4-64BA-4E4C-B5E6-A51EE3F6ED95}" type="datetime1">
               <a:rPr lang="ko-KR" altLang="en-US" smtClean="0"/>
-              <a:t>2023-01-22</a:t>
+              <a:t>2023-01-23</a:t>
             </a:fld>
             <a:endParaRPr lang="ko-KR" altLang="en-US" dirty="0"/>
           </a:p>
@@ -12635,7 +12635,7 @@
           <a:p>
             <a:fld id="{C984B0C4-64BA-4E4C-B5E6-A51EE3F6ED95}" type="datetime1">
               <a:rPr lang="ko-KR" altLang="en-US" smtClean="0"/>
-              <a:t>2023-01-22</a:t>
+              <a:t>2023-01-23</a:t>
             </a:fld>
             <a:endParaRPr lang="ko-KR" altLang="en-US" dirty="0"/>
           </a:p>
@@ -15288,7 +15288,7 @@
 </file>
 
 <file path=ppt/slides/slide13.xml><?xml version="1.0" encoding="utf-8"?>
-<p:sld xmlns:a="http://schemas.openxmlformats.org/drawingml/2006/main" xmlns:r="http://schemas.openxmlformats.org/officeDocument/2006/relationships" xmlns:p="http://schemas.openxmlformats.org/presentationml/2006/main">
+<p:sld xmlns:a="http://schemas.openxmlformats.org/drawingml/2006/main" xmlns:r="http://schemas.openxmlformats.org/officeDocument/2006/relationships" xmlns:p="http://schemas.openxmlformats.org/presentationml/2006/main" show="0">
   <p:cSld>
     <p:spTree>
       <p:nvGrpSpPr>

--- a/DsDotNet/src/UnitTest/UnitTest.Engine/ImportOffice/Sample/s.pptx
+++ b/DsDotNet/src/UnitTest/UnitTest.Engine/ImportOffice/Sample/s.pptx
@@ -5,10 +5,10 @@
     <p:sldMasterId id="2147483687" r:id="rId1"/>
   </p:sldMasterIdLst>
   <p:notesMasterIdLst>
-    <p:notesMasterId r:id="rId17"/>
+    <p:notesMasterId r:id="rId18"/>
   </p:notesMasterIdLst>
   <p:handoutMasterIdLst>
-    <p:handoutMasterId r:id="rId18"/>
+    <p:handoutMasterId r:id="rId19"/>
   </p:handoutMasterIdLst>
   <p:sldIdLst>
     <p:sldId id="614" r:id="rId2"/>
@@ -26,6 +26,7 @@
     <p:sldId id="621" r:id="rId14"/>
     <p:sldId id="624" r:id="rId15"/>
     <p:sldId id="607" r:id="rId16"/>
+    <p:sldId id="633" r:id="rId17"/>
   </p:sldIdLst>
   <p:sldSz cx="12192000" cy="6858000"/>
   <p:notesSz cx="6797675" cy="9926638"/>
@@ -229,7 +230,7 @@
           <a:p>
             <a:fld id="{DD503887-5801-43A0-AEF9-041E8DDC2558}" type="datetimeFigureOut">
               <a:rPr lang="ko-KR" altLang="en-US" smtClean="0"/>
-              <a:t>2023-01-23</a:t>
+              <a:t>2023-01-26</a:t>
             </a:fld>
             <a:endParaRPr lang="ko-KR" altLang="en-US" dirty="0"/>
           </a:p>
@@ -406,7 +407,7 @@
           <a:p>
             <a:fld id="{95336A0E-57B1-4D4C-BD9B-2F72B5943464}" type="datetimeFigureOut">
               <a:rPr lang="ko-KR" altLang="en-US" smtClean="0"/>
-              <a:t>2023-01-23</a:t>
+              <a:t>2023-01-26</a:t>
             </a:fld>
             <a:endParaRPr lang="ko-KR" altLang="en-US" dirty="0"/>
           </a:p>
@@ -904,7 +905,7 @@
           <a:p>
             <a:fld id="{229D12C7-0FF5-4972-A033-474EFFC79F40}" type="datetime1">
               <a:rPr lang="ko-KR" altLang="en-US" smtClean="0"/>
-              <a:t>2023-01-23</a:t>
+              <a:t>2023-01-26</a:t>
             </a:fld>
             <a:endParaRPr lang="ko-KR" altLang="en-US" dirty="0"/>
           </a:p>
@@ -1102,7 +1103,7 @@
           <a:p>
             <a:fld id="{5BA19FD4-B052-4F56-8FD8-EAFD078DEFB0}" type="datetime1">
               <a:rPr lang="ko-KR" altLang="en-US" smtClean="0"/>
-              <a:t>2023-01-23</a:t>
+              <a:t>2023-01-26</a:t>
             </a:fld>
             <a:endParaRPr lang="ko-KR" altLang="en-US" dirty="0"/>
           </a:p>
@@ -1310,7 +1311,7 @@
           <a:p>
             <a:fld id="{024994B9-23A6-4B0A-A038-AC140E83DAA3}" type="datetime1">
               <a:rPr lang="ko-KR" altLang="en-US" smtClean="0"/>
-              <a:t>2023-01-23</a:t>
+              <a:t>2023-01-26</a:t>
             </a:fld>
             <a:endParaRPr lang="ko-KR" altLang="en-US" dirty="0"/>
           </a:p>
@@ -1452,7 +1453,7 @@
           <a:p>
             <a:fld id="{B5B1BBC2-B738-4C35-AEE5-660EB2DEB482}" type="datetime1">
               <a:rPr lang="ko-KR" altLang="en-US" smtClean="0"/>
-              <a:t>2023-01-23</a:t>
+              <a:t>2023-01-26</a:t>
             </a:fld>
             <a:endParaRPr lang="ko-KR" altLang="en-US" dirty="0"/>
           </a:p>
@@ -6119,7 +6120,7 @@
           <a:p>
             <a:fld id="{70D0DAB2-87CB-4028-B965-3AA710ADF2CB}" type="datetime1">
               <a:rPr lang="ko-KR" altLang="en-US" smtClean="0"/>
-              <a:t>2023-01-23</a:t>
+              <a:t>2023-01-26</a:t>
             </a:fld>
             <a:endParaRPr lang="ko-KR" altLang="en-US" dirty="0"/>
           </a:p>
@@ -6394,7 +6395,7 @@
           <a:p>
             <a:fld id="{63FA3D71-FEA8-477F-9D1E-EA860F411BC7}" type="datetime1">
               <a:rPr lang="ko-KR" altLang="en-US" smtClean="0"/>
-              <a:t>2023-01-23</a:t>
+              <a:t>2023-01-26</a:t>
             </a:fld>
             <a:endParaRPr lang="ko-KR" altLang="en-US" dirty="0"/>
           </a:p>
@@ -6659,7 +6660,7 @@
           <a:p>
             <a:fld id="{F58E3EF4-7980-4C97-BA64-EC66995BB574}" type="datetime1">
               <a:rPr lang="ko-KR" altLang="en-US" smtClean="0"/>
-              <a:t>2023-01-23</a:t>
+              <a:t>2023-01-26</a:t>
             </a:fld>
             <a:endParaRPr lang="ko-KR" altLang="en-US" dirty="0"/>
           </a:p>
@@ -7071,7 +7072,7 @@
           <a:p>
             <a:fld id="{FC9BC1D0-7D6B-4634-9D19-644040D74EAE}" type="datetime1">
               <a:rPr lang="ko-KR" altLang="en-US" smtClean="0"/>
-              <a:t>2023-01-23</a:t>
+              <a:t>2023-01-26</a:t>
             </a:fld>
             <a:endParaRPr lang="ko-KR" altLang="en-US" dirty="0"/>
           </a:p>
@@ -7212,7 +7213,7 @@
           <a:p>
             <a:fld id="{B5B1BBC2-B738-4C35-AEE5-660EB2DEB482}" type="datetime1">
               <a:rPr lang="ko-KR" altLang="en-US" smtClean="0"/>
-              <a:t>2023-01-23</a:t>
+              <a:t>2023-01-26</a:t>
             </a:fld>
             <a:endParaRPr lang="ko-KR" altLang="en-US" dirty="0"/>
           </a:p>
@@ -11794,7 +11795,7 @@
           <a:p>
             <a:fld id="{C60E9F93-7E77-4F36-B88C-A425F00C8D91}" type="datetime1">
               <a:rPr lang="ko-KR" altLang="en-US" smtClean="0"/>
-              <a:t>2023-01-23</a:t>
+              <a:t>2023-01-26</a:t>
             </a:fld>
             <a:endParaRPr lang="ko-KR" altLang="en-US" dirty="0"/>
           </a:p>
@@ -12105,7 +12106,7 @@
           <a:p>
             <a:fld id="{36BCCD0E-2A54-4016-BFFC-FEAABCDA6915}" type="datetime1">
               <a:rPr lang="ko-KR" altLang="en-US" smtClean="0"/>
-              <a:t>2023-01-23</a:t>
+              <a:t>2023-01-26</a:t>
             </a:fld>
             <a:endParaRPr lang="ko-KR" altLang="en-US" dirty="0"/>
           </a:p>
@@ -12393,7 +12394,7 @@
           <a:p>
             <a:fld id="{C984B0C4-64BA-4E4C-B5E6-A51EE3F6ED95}" type="datetime1">
               <a:rPr lang="ko-KR" altLang="en-US" smtClean="0"/>
-              <a:t>2023-01-23</a:t>
+              <a:t>2023-01-26</a:t>
             </a:fld>
             <a:endParaRPr lang="ko-KR" altLang="en-US" dirty="0"/>
           </a:p>
@@ -12635,7 +12636,7 @@
           <a:p>
             <a:fld id="{C984B0C4-64BA-4E4C-B5E6-A51EE3F6ED95}" type="datetime1">
               <a:rPr lang="ko-KR" altLang="en-US" smtClean="0"/>
-              <a:t>2023-01-23</a:t>
+              <a:t>2023-01-26</a:t>
             </a:fld>
             <a:endParaRPr lang="ko-KR" altLang="en-US" dirty="0"/>
           </a:p>
@@ -16678,6 +16679,361 @@
           </a:p>
         </p:txBody>
       </p:sp>
+      <p:grpSp>
+        <p:nvGrpSpPr>
+          <p:cNvPr id="13" name="그룹 12">
+            <a:extLst>
+              <a:ext uri="{FF2B5EF4-FFF2-40B4-BE49-F238E27FC236}">
+                <a16:creationId xmlns:a16="http://schemas.microsoft.com/office/drawing/2014/main" id="{195B5BE1-15C8-4C51-6305-FB64693439BC}"/>
+              </a:ext>
+            </a:extLst>
+          </p:cNvPr>
+          <p:cNvGrpSpPr/>
+          <p:nvPr/>
+        </p:nvGrpSpPr>
+        <p:grpSpPr>
+          <a:xfrm>
+            <a:off x="2642782" y="2365525"/>
+            <a:ext cx="4427269" cy="2126950"/>
+            <a:chOff x="3001992" y="4222092"/>
+            <a:chExt cx="4427269" cy="2126950"/>
+          </a:xfrm>
+        </p:grpSpPr>
+        <p:sp>
+          <p:nvSpPr>
+            <p:cNvPr id="15" name="직사각형 14">
+              <a:extLst>
+                <a:ext uri="{FF2B5EF4-FFF2-40B4-BE49-F238E27FC236}">
+                  <a16:creationId xmlns:a16="http://schemas.microsoft.com/office/drawing/2014/main" id="{9AAA99B1-39AA-E637-6E2E-36AAA7408885}"/>
+                </a:ext>
+              </a:extLst>
+            </p:cNvPr>
+            <p:cNvSpPr/>
+            <p:nvPr/>
+          </p:nvSpPr>
+          <p:spPr>
+            <a:xfrm>
+              <a:off x="3001992" y="4222092"/>
+              <a:ext cx="4427269" cy="2126950"/>
+            </a:xfrm>
+            <a:prstGeom prst="rect">
+              <a:avLst/>
+            </a:prstGeom>
+            <a:solidFill>
+              <a:schemeClr val="accent4">
+                <a:alpha val="50000"/>
+              </a:schemeClr>
+            </a:solidFill>
+            <a:ln>
+              <a:noFill/>
+            </a:ln>
+          </p:spPr>
+          <p:style>
+            <a:lnRef idx="0">
+              <a:scrgbClr r="0" g="0" b="0"/>
+            </a:lnRef>
+            <a:fillRef idx="0">
+              <a:scrgbClr r="0" g="0" b="0"/>
+            </a:fillRef>
+            <a:effectRef idx="0">
+              <a:scrgbClr r="0" g="0" b="0"/>
+            </a:effectRef>
+            <a:fontRef idx="minor">
+              <a:schemeClr val="lt1"/>
+            </a:fontRef>
+          </p:style>
+          <p:txBody>
+            <a:bodyPr rtlCol="0" anchor="ctr"/>
+            <a:lstStyle/>
+            <a:p>
+              <a:pPr algn="ctr"/>
+              <a:r>
+                <a:rPr lang="en-US" altLang="ko-KR" sz="1200" dirty="0"/>
+                <a:t>R1</a:t>
+              </a:r>
+              <a:endParaRPr lang="ko-KR" altLang="en-US" sz="1200" dirty="0"/>
+            </a:p>
+          </p:txBody>
+        </p:sp>
+        <p:sp>
+          <p:nvSpPr>
+            <p:cNvPr id="16" name="타원 15">
+              <a:extLst>
+                <a:ext uri="{FF2B5EF4-FFF2-40B4-BE49-F238E27FC236}">
+                  <a16:creationId xmlns:a16="http://schemas.microsoft.com/office/drawing/2014/main" id="{C2E31DE0-D7E6-6EFF-621C-8F3377809418}"/>
+                </a:ext>
+              </a:extLst>
+            </p:cNvPr>
+            <p:cNvSpPr/>
+            <p:nvPr/>
+          </p:nvSpPr>
+          <p:spPr>
+            <a:xfrm>
+              <a:off x="3200400" y="5244860"/>
+              <a:ext cx="802257" cy="388189"/>
+            </a:xfrm>
+            <a:prstGeom prst="ellipse">
+              <a:avLst/>
+            </a:prstGeom>
+          </p:spPr>
+          <p:style>
+            <a:lnRef idx="2">
+              <a:schemeClr val="accent5">
+                <a:shade val="50000"/>
+              </a:schemeClr>
+            </a:lnRef>
+            <a:fillRef idx="1">
+              <a:schemeClr val="accent5"/>
+            </a:fillRef>
+            <a:effectRef idx="0">
+              <a:schemeClr val="accent5"/>
+            </a:effectRef>
+            <a:fontRef idx="minor">
+              <a:schemeClr val="lt1"/>
+            </a:fontRef>
+          </p:style>
+          <p:txBody>
+            <a:bodyPr rtlCol="0" anchor="ctr"/>
+            <a:lstStyle/>
+            <a:p>
+              <a:pPr algn="ctr"/>
+              <a:r>
+                <a:rPr lang="en-US" altLang="ko-KR" sz="1000" dirty="0"/>
+                <a:t>Pin</a:t>
+              </a:r>
+            </a:p>
+            <a:p>
+              <a:pPr algn="ctr"/>
+              <a:r>
+                <a:rPr lang="en-US" altLang="ko-KR" sz="1000" dirty="0"/>
+                <a:t>$ADV</a:t>
+              </a:r>
+              <a:endParaRPr lang="ko-KR" altLang="en-US" sz="1000" dirty="0"/>
+            </a:p>
+          </p:txBody>
+        </p:sp>
+        <p:sp>
+          <p:nvSpPr>
+            <p:cNvPr id="17" name="타원 16">
+              <a:extLst>
+                <a:ext uri="{FF2B5EF4-FFF2-40B4-BE49-F238E27FC236}">
+                  <a16:creationId xmlns:a16="http://schemas.microsoft.com/office/drawing/2014/main" id="{C1A102AA-BD6A-B7C8-F949-A28A9EA3A7ED}"/>
+                </a:ext>
+              </a:extLst>
+            </p:cNvPr>
+            <p:cNvSpPr/>
+            <p:nvPr/>
+          </p:nvSpPr>
+          <p:spPr>
+            <a:xfrm>
+              <a:off x="4814497" y="5669812"/>
+              <a:ext cx="802257" cy="388189"/>
+            </a:xfrm>
+            <a:prstGeom prst="ellipse">
+              <a:avLst/>
+            </a:prstGeom>
+          </p:spPr>
+          <p:style>
+            <a:lnRef idx="2">
+              <a:schemeClr val="accent5">
+                <a:shade val="50000"/>
+              </a:schemeClr>
+            </a:lnRef>
+            <a:fillRef idx="1">
+              <a:schemeClr val="accent5"/>
+            </a:fillRef>
+            <a:effectRef idx="0">
+              <a:schemeClr val="accent5"/>
+            </a:effectRef>
+            <a:fontRef idx="minor">
+              <a:schemeClr val="lt1"/>
+            </a:fontRef>
+          </p:style>
+          <p:txBody>
+            <a:bodyPr rtlCol="0" anchor="ctr"/>
+            <a:lstStyle/>
+            <a:p>
+              <a:pPr algn="ctr"/>
+              <a:r>
+                <a:rPr lang="en-US" altLang="ko-KR" sz="1000" dirty="0"/>
+                <a:t>Pin</a:t>
+              </a:r>
+            </a:p>
+            <a:p>
+              <a:pPr algn="ctr"/>
+              <a:r>
+                <a:rPr lang="en-US" altLang="ko-KR" sz="1000" dirty="0"/>
+                <a:t>$RET</a:t>
+              </a:r>
+              <a:endParaRPr lang="ko-KR" altLang="en-US" sz="1000" dirty="0"/>
+            </a:p>
+          </p:txBody>
+        </p:sp>
+        <p:cxnSp>
+          <p:nvCxnSpPr>
+            <p:cNvPr id="18" name="연결선: 꺾임 17">
+              <a:extLst>
+                <a:ext uri="{FF2B5EF4-FFF2-40B4-BE49-F238E27FC236}">
+                  <a16:creationId xmlns:a16="http://schemas.microsoft.com/office/drawing/2014/main" id="{38139240-D571-9FFA-C0C5-4D87BDB7B616}"/>
+                </a:ext>
+              </a:extLst>
+            </p:cNvPr>
+            <p:cNvCxnSpPr>
+              <a:stCxn id="16" idx="6"/>
+              <a:endCxn id="17" idx="2"/>
+            </p:cNvCxnSpPr>
+            <p:nvPr/>
+          </p:nvCxnSpPr>
+          <p:spPr>
+            <a:xfrm>
+              <a:off x="4002657" y="5438955"/>
+              <a:ext cx="811840" cy="424952"/>
+            </a:xfrm>
+            <a:prstGeom prst="bentConnector3">
+              <a:avLst/>
+            </a:prstGeom>
+            <a:ln>
+              <a:tailEnd type="triangle"/>
+            </a:ln>
+          </p:spPr>
+          <p:style>
+            <a:lnRef idx="1">
+              <a:schemeClr val="accent1"/>
+            </a:lnRef>
+            <a:fillRef idx="0">
+              <a:schemeClr val="accent1"/>
+            </a:fillRef>
+            <a:effectRef idx="0">
+              <a:schemeClr val="accent1"/>
+            </a:effectRef>
+            <a:fontRef idx="minor">
+              <a:schemeClr val="tx1"/>
+            </a:fontRef>
+          </p:style>
+        </p:cxnSp>
+      </p:grpSp>
+      <p:sp>
+        <p:nvSpPr>
+          <p:cNvPr id="23" name="사각형: 모서리가 접힌 도형 22">
+            <a:extLst>
+              <a:ext uri="{FF2B5EF4-FFF2-40B4-BE49-F238E27FC236}">
+                <a16:creationId xmlns:a16="http://schemas.microsoft.com/office/drawing/2014/main" id="{8BF2D7F7-9923-1433-47F8-87D4ECE91657}"/>
+              </a:ext>
+            </a:extLst>
+          </p:cNvPr>
+          <p:cNvSpPr/>
+          <p:nvPr/>
+        </p:nvSpPr>
+        <p:spPr>
+          <a:xfrm>
+            <a:off x="8654322" y="3062164"/>
+            <a:ext cx="2437946" cy="1223682"/>
+          </a:xfrm>
+          <a:prstGeom prst="foldedCorner">
+            <a:avLst/>
+          </a:prstGeom>
+          <a:solidFill>
+            <a:schemeClr val="accent3">
+              <a:alpha val="50000"/>
+            </a:schemeClr>
+          </a:solidFill>
+          <a:ln>
+            <a:noFill/>
+          </a:ln>
+        </p:spPr>
+        <p:style>
+          <a:lnRef idx="0">
+            <a:scrgbClr r="0" g="0" b="0"/>
+          </a:lnRef>
+          <a:fillRef idx="0">
+            <a:scrgbClr r="0" g="0" b="0"/>
+          </a:fillRef>
+          <a:effectRef idx="0">
+            <a:scrgbClr r="0" g="0" b="0"/>
+          </a:effectRef>
+          <a:fontRef idx="minor">
+            <a:schemeClr val="lt1"/>
+          </a:fontRef>
+        </p:style>
+        <p:txBody>
+          <a:bodyPr rtlCol="0" anchor="ctr"/>
+          <a:lstStyle/>
+          <a:p>
+            <a:pPr algn="ctr"/>
+            <a:r>
+              <a:rPr lang="en-US" altLang="ko-KR" dirty="0"/>
+              <a:t>../Sample/lib/Cylinder/Double </a:t>
+            </a:r>
+          </a:p>
+          <a:p>
+            <a:pPr algn="ctr"/>
+            <a:r>
+              <a:rPr lang="en-US" altLang="ko-KR" dirty="0"/>
+              <a:t>[Pin]</a:t>
+            </a:r>
+            <a:endParaRPr lang="ko-KR" altLang="en-US" dirty="0"/>
+          </a:p>
+        </p:txBody>
+      </p:sp>
+    </p:spTree>
+    <p:extLst>
+      <p:ext uri="{BB962C8B-B14F-4D97-AF65-F5344CB8AC3E}">
+        <p14:creationId xmlns:p14="http://schemas.microsoft.com/office/powerpoint/2010/main" val="1142561549"/>
+      </p:ext>
+    </p:extLst>
+  </p:cSld>
+  <p:clrMapOvr>
+    <a:masterClrMapping/>
+  </p:clrMapOvr>
+</p:sld>
+</file>
+
+<file path=ppt/slides/slide16.xml><?xml version="1.0" encoding="utf-8"?>
+<p:sld xmlns:a="http://schemas.openxmlformats.org/drawingml/2006/main" xmlns:r="http://schemas.openxmlformats.org/officeDocument/2006/relationships" xmlns:p="http://schemas.openxmlformats.org/presentationml/2006/main" show="0">
+  <p:cSld>
+    <p:spTree>
+      <p:nvGrpSpPr>
+        <p:cNvPr id="1" name=""/>
+        <p:cNvGrpSpPr/>
+        <p:nvPr/>
+      </p:nvGrpSpPr>
+      <p:grpSpPr>
+        <a:xfrm>
+          <a:off x="0" y="0"/>
+          <a:ext cx="0" cy="0"/>
+          <a:chOff x="0" y="0"/>
+          <a:chExt cx="0" cy="0"/>
+        </a:xfrm>
+      </p:grpSpPr>
+      <p:sp>
+        <p:nvSpPr>
+          <p:cNvPr id="2" name="제목 1">
+            <a:extLst>
+              <a:ext uri="{FF2B5EF4-FFF2-40B4-BE49-F238E27FC236}">
+                <a16:creationId xmlns:a16="http://schemas.microsoft.com/office/drawing/2014/main" id="{5E8FE27E-4086-E570-1BA4-F2B433CAA376}"/>
+              </a:ext>
+            </a:extLst>
+          </p:cNvPr>
+          <p:cNvSpPr>
+            <a:spLocks noGrp="1"/>
+          </p:cNvSpPr>
+          <p:nvPr>
+            <p:ph type="title"/>
+          </p:nvPr>
+        </p:nvSpPr>
+        <p:spPr/>
+        <p:txBody>
+          <a:bodyPr/>
+          <a:lstStyle/>
+          <a:p>
+            <a:r>
+              <a:rPr lang="en-US" altLang="ko-KR" dirty="0"/>
+              <a:t>F</a:t>
+            </a:r>
+            <a:endParaRPr lang="ko-KR" altLang="en-US" dirty="0"/>
+          </a:p>
+        </p:txBody>
+      </p:sp>
       <p:sp>
         <p:nvSpPr>
           <p:cNvPr id="7" name="사각형: 모서리가 접힌 도형 6">
@@ -17061,7 +17417,7 @@
         </p:nvSpPr>
         <p:spPr>
           <a:xfrm>
-            <a:off x="5577462" y="2476493"/>
+            <a:off x="6372020" y="1218042"/>
             <a:ext cx="1437283" cy="1537002"/>
           </a:xfrm>
           <a:prstGeom prst="rect">
@@ -17126,13 +17482,14 @@
         </p:nvCxnSpPr>
         <p:spPr>
           <a:xfrm flipV="1">
-            <a:off x="4865013" y="3244994"/>
-            <a:ext cx="712449" cy="190162"/>
+            <a:off x="4865013" y="1986543"/>
+            <a:ext cx="1507007" cy="1448613"/>
           </a:xfrm>
           <a:prstGeom prst="bentConnector3">
             <a:avLst/>
           </a:prstGeom>
           <a:ln>
+            <a:prstDash val="dash"/>
             <a:tailEnd type="triangle"/>
           </a:ln>
         </p:spPr>
@@ -17217,7 +17574,7 @@
     </p:spTree>
     <p:extLst>
       <p:ext uri="{BB962C8B-B14F-4D97-AF65-F5344CB8AC3E}">
-        <p14:creationId xmlns:p14="http://schemas.microsoft.com/office/powerpoint/2010/main" val="1142561549"/>
+        <p14:creationId xmlns:p14="http://schemas.microsoft.com/office/powerpoint/2010/main" val="2184689226"/>
       </p:ext>
     </p:extLst>
   </p:cSld>

--- a/DsDotNet/src/UnitTest/UnitTest.Engine/ImportOffice/Sample/s.pptx
+++ b/DsDotNet/src/UnitTest/UnitTest.Engine/ImportOffice/Sample/s.pptx
@@ -5,10 +5,10 @@
     <p:sldMasterId id="2147483687" r:id="rId1"/>
   </p:sldMasterIdLst>
   <p:notesMasterIdLst>
-    <p:notesMasterId r:id="rId18"/>
+    <p:notesMasterId r:id="rId19"/>
   </p:notesMasterIdLst>
   <p:handoutMasterIdLst>
-    <p:handoutMasterId r:id="rId19"/>
+    <p:handoutMasterId r:id="rId20"/>
   </p:handoutMasterIdLst>
   <p:sldIdLst>
     <p:sldId id="614" r:id="rId2"/>
@@ -24,9 +24,10 @@
     <p:sldId id="618" r:id="rId12"/>
     <p:sldId id="615" r:id="rId13"/>
     <p:sldId id="621" r:id="rId14"/>
-    <p:sldId id="624" r:id="rId15"/>
-    <p:sldId id="607" r:id="rId16"/>
-    <p:sldId id="633" r:id="rId17"/>
+    <p:sldId id="622" r:id="rId15"/>
+    <p:sldId id="713" r:id="rId16"/>
+    <p:sldId id="607" r:id="rId17"/>
+    <p:sldId id="633" r:id="rId18"/>
   </p:sldIdLst>
   <p:sldSz cx="12192000" cy="6858000"/>
   <p:notesSz cx="6797675" cy="9926638"/>
@@ -230,7 +231,7 @@
           <a:p>
             <a:fld id="{DD503887-5801-43A0-AEF9-041E8DDC2558}" type="datetimeFigureOut">
               <a:rPr lang="ko-KR" altLang="en-US" smtClean="0"/>
-              <a:t>2023-01-26</a:t>
+              <a:t>2023-01-27</a:t>
             </a:fld>
             <a:endParaRPr lang="ko-KR" altLang="en-US" dirty="0"/>
           </a:p>
@@ -407,7 +408,7 @@
           <a:p>
             <a:fld id="{95336A0E-57B1-4D4C-BD9B-2F72B5943464}" type="datetimeFigureOut">
               <a:rPr lang="ko-KR" altLang="en-US" smtClean="0"/>
-              <a:t>2023-01-26</a:t>
+              <a:t>2023-01-27</a:t>
             </a:fld>
             <a:endParaRPr lang="ko-KR" altLang="en-US" dirty="0"/>
           </a:p>
@@ -905,7 +906,7 @@
           <a:p>
             <a:fld id="{229D12C7-0FF5-4972-A033-474EFFC79F40}" type="datetime1">
               <a:rPr lang="ko-KR" altLang="en-US" smtClean="0"/>
-              <a:t>2023-01-26</a:t>
+              <a:t>2023-01-27</a:t>
             </a:fld>
             <a:endParaRPr lang="ko-KR" altLang="en-US" dirty="0"/>
           </a:p>
@@ -1103,7 +1104,7 @@
           <a:p>
             <a:fld id="{5BA19FD4-B052-4F56-8FD8-EAFD078DEFB0}" type="datetime1">
               <a:rPr lang="ko-KR" altLang="en-US" smtClean="0"/>
-              <a:t>2023-01-26</a:t>
+              <a:t>2023-01-27</a:t>
             </a:fld>
             <a:endParaRPr lang="ko-KR" altLang="en-US" dirty="0"/>
           </a:p>
@@ -1311,7 +1312,7 @@
           <a:p>
             <a:fld id="{024994B9-23A6-4B0A-A038-AC140E83DAA3}" type="datetime1">
               <a:rPr lang="ko-KR" altLang="en-US" smtClean="0"/>
-              <a:t>2023-01-26</a:t>
+              <a:t>2023-01-27</a:t>
             </a:fld>
             <a:endParaRPr lang="ko-KR" altLang="en-US" dirty="0"/>
           </a:p>
@@ -1453,7 +1454,7 @@
           <a:p>
             <a:fld id="{B5B1BBC2-B738-4C35-AEE5-660EB2DEB482}" type="datetime1">
               <a:rPr lang="ko-KR" altLang="en-US" smtClean="0"/>
-              <a:t>2023-01-26</a:t>
+              <a:t>2023-01-27</a:t>
             </a:fld>
             <a:endParaRPr lang="ko-KR" altLang="en-US" dirty="0"/>
           </a:p>
@@ -6120,7 +6121,7 @@
           <a:p>
             <a:fld id="{70D0DAB2-87CB-4028-B965-3AA710ADF2CB}" type="datetime1">
               <a:rPr lang="ko-KR" altLang="en-US" smtClean="0"/>
-              <a:t>2023-01-26</a:t>
+              <a:t>2023-01-27</a:t>
             </a:fld>
             <a:endParaRPr lang="ko-KR" altLang="en-US" dirty="0"/>
           </a:p>
@@ -6395,7 +6396,7 @@
           <a:p>
             <a:fld id="{63FA3D71-FEA8-477F-9D1E-EA860F411BC7}" type="datetime1">
               <a:rPr lang="ko-KR" altLang="en-US" smtClean="0"/>
-              <a:t>2023-01-26</a:t>
+              <a:t>2023-01-27</a:t>
             </a:fld>
             <a:endParaRPr lang="ko-KR" altLang="en-US" dirty="0"/>
           </a:p>
@@ -6660,7 +6661,7 @@
           <a:p>
             <a:fld id="{F58E3EF4-7980-4C97-BA64-EC66995BB574}" type="datetime1">
               <a:rPr lang="ko-KR" altLang="en-US" smtClean="0"/>
-              <a:t>2023-01-26</a:t>
+              <a:t>2023-01-27</a:t>
             </a:fld>
             <a:endParaRPr lang="ko-KR" altLang="en-US" dirty="0"/>
           </a:p>
@@ -7072,7 +7073,7 @@
           <a:p>
             <a:fld id="{FC9BC1D0-7D6B-4634-9D19-644040D74EAE}" type="datetime1">
               <a:rPr lang="ko-KR" altLang="en-US" smtClean="0"/>
-              <a:t>2023-01-26</a:t>
+              <a:t>2023-01-27</a:t>
             </a:fld>
             <a:endParaRPr lang="ko-KR" altLang="en-US" dirty="0"/>
           </a:p>
@@ -7213,7 +7214,7 @@
           <a:p>
             <a:fld id="{B5B1BBC2-B738-4C35-AEE5-660EB2DEB482}" type="datetime1">
               <a:rPr lang="ko-KR" altLang="en-US" smtClean="0"/>
-              <a:t>2023-01-26</a:t>
+              <a:t>2023-01-27</a:t>
             </a:fld>
             <a:endParaRPr lang="ko-KR" altLang="en-US" dirty="0"/>
           </a:p>
@@ -11795,7 +11796,7 @@
           <a:p>
             <a:fld id="{C60E9F93-7E77-4F36-B88C-A425F00C8D91}" type="datetime1">
               <a:rPr lang="ko-KR" altLang="en-US" smtClean="0"/>
-              <a:t>2023-01-26</a:t>
+              <a:t>2023-01-27</a:t>
             </a:fld>
             <a:endParaRPr lang="ko-KR" altLang="en-US" dirty="0"/>
           </a:p>
@@ -12106,7 +12107,7 @@
           <a:p>
             <a:fld id="{36BCCD0E-2A54-4016-BFFC-FEAABCDA6915}" type="datetime1">
               <a:rPr lang="ko-KR" altLang="en-US" smtClean="0"/>
-              <a:t>2023-01-26</a:t>
+              <a:t>2023-01-27</a:t>
             </a:fld>
             <a:endParaRPr lang="ko-KR" altLang="en-US" dirty="0"/>
           </a:p>
@@ -12394,7 +12395,7 @@
           <a:p>
             <a:fld id="{C984B0C4-64BA-4E4C-B5E6-A51EE3F6ED95}" type="datetime1">
               <a:rPr lang="ko-KR" altLang="en-US" smtClean="0"/>
-              <a:t>2023-01-26</a:t>
+              <a:t>2023-01-27</a:t>
             </a:fld>
             <a:endParaRPr lang="ko-KR" altLang="en-US" dirty="0"/>
           </a:p>
@@ -12636,7 +12637,7 @@
           <a:p>
             <a:fld id="{C984B0C4-64BA-4E4C-B5E6-A51EE3F6ED95}" type="datetime1">
               <a:rPr lang="ko-KR" altLang="en-US" smtClean="0"/>
-              <a:t>2023-01-26</a:t>
+              <a:t>2023-01-27</a:t>
             </a:fld>
             <a:endParaRPr lang="ko-KR" altLang="en-US" dirty="0"/>
           </a:p>
@@ -15932,293 +15933,6 @@
       </p:sp>
       <p:sp>
         <p:nvSpPr>
-          <p:cNvPr id="13" name="사각형: 빗면 12">
-            <a:extLst>
-              <a:ext uri="{FF2B5EF4-FFF2-40B4-BE49-F238E27FC236}">
-                <a16:creationId xmlns:a16="http://schemas.microsoft.com/office/drawing/2014/main" id="{E6018F8E-B364-76CE-E38F-DC4E29FE5642}"/>
-              </a:ext>
-            </a:extLst>
-          </p:cNvPr>
-          <p:cNvSpPr/>
-          <p:nvPr/>
-        </p:nvSpPr>
-        <p:spPr>
-          <a:xfrm>
-            <a:off x="4799148" y="103853"/>
-            <a:ext cx="3591555" cy="3534697"/>
-          </a:xfrm>
-          <a:prstGeom prst="bevel">
-            <a:avLst>
-              <a:gd name="adj" fmla="val 11343"/>
-            </a:avLst>
-          </a:prstGeom>
-          <a:ln>
-            <a:solidFill>
-              <a:schemeClr val="tx1"/>
-            </a:solidFill>
-          </a:ln>
-        </p:spPr>
-        <p:style>
-          <a:lnRef idx="2">
-            <a:schemeClr val="accent1">
-              <a:shade val="50000"/>
-            </a:schemeClr>
-          </a:lnRef>
-          <a:fillRef idx="1">
-            <a:schemeClr val="accent1"/>
-          </a:fillRef>
-          <a:effectRef idx="0">
-            <a:schemeClr val="accent1"/>
-          </a:effectRef>
-          <a:fontRef idx="minor">
-            <a:schemeClr val="lt1"/>
-          </a:fontRef>
-        </p:style>
-        <p:txBody>
-          <a:bodyPr rtlCol="0" anchor="ctr"/>
-          <a:lstStyle/>
-          <a:p>
-            <a:pPr algn="ctr"/>
-            <a:r>
-              <a:rPr lang="en-US" altLang="ko-KR" sz="1400" dirty="0">
-                <a:solidFill>
-                  <a:schemeClr val="bg2"/>
-                </a:solidFill>
-              </a:rPr>
-              <a:t>A[autoBtn1]</a:t>
-            </a:r>
-          </a:p>
-          <a:p>
-            <a:pPr algn="ctr"/>
-            <a:r>
-              <a:rPr lang="en-US" altLang="ko-KR" sz="1400" dirty="0">
-                <a:solidFill>
-                  <a:schemeClr val="bg2"/>
-                </a:solidFill>
-              </a:rPr>
-              <a:t>M[manualBtn1]</a:t>
-            </a:r>
-          </a:p>
-          <a:p>
-            <a:pPr algn="ctr"/>
-            <a:r>
-              <a:rPr lang="en-US" altLang="ko-KR" sz="1400" dirty="0">
-                <a:solidFill>
-                  <a:schemeClr val="bg2"/>
-                </a:solidFill>
-              </a:rPr>
-              <a:t>D[driveBtn1]</a:t>
-            </a:r>
-          </a:p>
-          <a:p>
-            <a:pPr algn="ctr"/>
-            <a:r>
-              <a:rPr lang="en-US" altLang="ko-KR" sz="1400" dirty="0">
-                <a:solidFill>
-                  <a:schemeClr val="bg2"/>
-                </a:solidFill>
-              </a:rPr>
-              <a:t>S[stopBtn1]</a:t>
-            </a:r>
-          </a:p>
-          <a:p>
-            <a:pPr algn="ctr"/>
-            <a:r>
-              <a:rPr lang="en-US" altLang="ko-KR" sz="1400" dirty="0">
-                <a:solidFill>
-                  <a:schemeClr val="bg2"/>
-                </a:solidFill>
-              </a:rPr>
-              <a:t>E[emgBtn1]</a:t>
-            </a:r>
-          </a:p>
-          <a:p>
-            <a:pPr algn="ctr"/>
-            <a:r>
-              <a:rPr lang="en-US" altLang="ko-KR" sz="1400" dirty="0">
-                <a:solidFill>
-                  <a:schemeClr val="bg2"/>
-                </a:solidFill>
-              </a:rPr>
-              <a:t>T[testrunBtn1]</a:t>
-            </a:r>
-          </a:p>
-          <a:p>
-            <a:pPr algn="ctr"/>
-            <a:r>
-              <a:rPr lang="en-US" altLang="ko-KR" sz="1400" dirty="0">
-                <a:solidFill>
-                  <a:schemeClr val="bg2"/>
-                </a:solidFill>
-              </a:rPr>
-              <a:t>R[readyBtn1]</a:t>
-            </a:r>
-          </a:p>
-          <a:p>
-            <a:pPr algn="ctr"/>
-            <a:r>
-              <a:rPr lang="en-US" altLang="ko-KR" sz="1400" dirty="0">
-                <a:solidFill>
-                  <a:schemeClr val="bg2"/>
-                </a:solidFill>
-              </a:rPr>
-              <a:t>C[clearBtn1]</a:t>
-            </a:r>
-          </a:p>
-          <a:p>
-            <a:pPr algn="ctr"/>
-            <a:r>
-              <a:rPr lang="en-US" altLang="ko-KR" sz="1400" dirty="0">
-                <a:solidFill>
-                  <a:schemeClr val="bg2"/>
-                </a:solidFill>
-              </a:rPr>
-              <a:t>H[homeBtn1]</a:t>
-            </a:r>
-            <a:endParaRPr lang="en-US" altLang="ko-KR" sz="1100" dirty="0">
-              <a:solidFill>
-                <a:schemeClr val="bg2"/>
-              </a:solidFill>
-            </a:endParaRPr>
-          </a:p>
-        </p:txBody>
-      </p:sp>
-      <p:sp>
-        <p:nvSpPr>
-          <p:cNvPr id="14" name="사각형: 빗면 13">
-            <a:extLst>
-              <a:ext uri="{FF2B5EF4-FFF2-40B4-BE49-F238E27FC236}">
-                <a16:creationId xmlns:a16="http://schemas.microsoft.com/office/drawing/2014/main" id="{6CB4F80D-DA90-58D7-3754-6DF08E23B623}"/>
-              </a:ext>
-            </a:extLst>
-          </p:cNvPr>
-          <p:cNvSpPr/>
-          <p:nvPr/>
-        </p:nvSpPr>
-        <p:spPr>
-          <a:xfrm>
-            <a:off x="7574864" y="1848422"/>
-            <a:ext cx="3591555" cy="3534697"/>
-          </a:xfrm>
-          <a:prstGeom prst="bevel">
-            <a:avLst>
-              <a:gd name="adj" fmla="val 0"/>
-            </a:avLst>
-          </a:prstGeom>
-          <a:ln>
-            <a:solidFill>
-              <a:schemeClr val="tx1"/>
-            </a:solidFill>
-          </a:ln>
-        </p:spPr>
-        <p:style>
-          <a:lnRef idx="2">
-            <a:schemeClr val="accent1">
-              <a:shade val="50000"/>
-            </a:schemeClr>
-          </a:lnRef>
-          <a:fillRef idx="1">
-            <a:schemeClr val="accent1"/>
-          </a:fillRef>
-          <a:effectRef idx="0">
-            <a:schemeClr val="accent1"/>
-          </a:effectRef>
-          <a:fontRef idx="minor">
-            <a:schemeClr val="lt1"/>
-          </a:fontRef>
-        </p:style>
-        <p:txBody>
-          <a:bodyPr rtlCol="0" anchor="ctr"/>
-          <a:lstStyle/>
-          <a:p>
-            <a:pPr algn="ctr"/>
-            <a:r>
-              <a:rPr lang="en-US" altLang="ko-KR" dirty="0">
-                <a:solidFill>
-                  <a:schemeClr val="bg2"/>
-                </a:solidFill>
-              </a:rPr>
-              <a:t>A[autoLamp1]</a:t>
-            </a:r>
-          </a:p>
-          <a:p>
-            <a:pPr algn="ctr"/>
-            <a:r>
-              <a:rPr lang="en-US" altLang="ko-KR" dirty="0">
-                <a:solidFill>
-                  <a:schemeClr val="bg2"/>
-                </a:solidFill>
-              </a:rPr>
-              <a:t>M[manualLamp1]</a:t>
-            </a:r>
-          </a:p>
-          <a:p>
-            <a:pPr algn="ctr"/>
-            <a:r>
-              <a:rPr lang="en-US" altLang="ko-KR" dirty="0">
-                <a:solidFill>
-                  <a:schemeClr val="bg2"/>
-                </a:solidFill>
-              </a:rPr>
-              <a:t>D[driveLamp1]</a:t>
-            </a:r>
-          </a:p>
-          <a:p>
-            <a:pPr algn="ctr"/>
-            <a:r>
-              <a:rPr lang="en-US" altLang="ko-KR" dirty="0">
-                <a:solidFill>
-                  <a:schemeClr val="bg2"/>
-                </a:solidFill>
-              </a:rPr>
-              <a:t>S[stopLamp1] </a:t>
-            </a:r>
-          </a:p>
-          <a:p>
-            <a:pPr algn="ctr"/>
-            <a:r>
-              <a:rPr lang="en-US" altLang="ko-KR" dirty="0">
-                <a:solidFill>
-                  <a:schemeClr val="bg2"/>
-                </a:solidFill>
-              </a:rPr>
-              <a:t>E[emgLamp1]</a:t>
-            </a:r>
-          </a:p>
-          <a:p>
-            <a:pPr algn="ctr"/>
-            <a:r>
-              <a:rPr lang="en-US" altLang="ko-KR" dirty="0">
-                <a:solidFill>
-                  <a:schemeClr val="bg2"/>
-                </a:solidFill>
-              </a:rPr>
-              <a:t>T[testrunLamp1]</a:t>
-            </a:r>
-          </a:p>
-          <a:p>
-            <a:pPr algn="ctr"/>
-            <a:r>
-              <a:rPr lang="en-US" altLang="ko-KR" dirty="0">
-                <a:solidFill>
-                  <a:schemeClr val="bg2"/>
-                </a:solidFill>
-              </a:rPr>
-              <a:t>R[readyLamp1]</a:t>
-            </a:r>
-          </a:p>
-          <a:p>
-            <a:pPr algn="ctr"/>
-            <a:endParaRPr lang="en-US" altLang="ko-KR" dirty="0">
-              <a:solidFill>
-                <a:schemeClr val="bg2"/>
-              </a:solidFill>
-            </a:endParaRPr>
-          </a:p>
-        </p:txBody>
-      </p:sp>
-      <p:sp>
-        <p:nvSpPr>
           <p:cNvPr id="16" name="액자 15">
             <a:extLst>
               <a:ext uri="{FF2B5EF4-FFF2-40B4-BE49-F238E27FC236}">
@@ -16340,7 +16054,7 @@
 </file>
 
 <file path=ppt/slides/slide14.xml><?xml version="1.0" encoding="utf-8"?>
-<p:sld xmlns:a="http://schemas.openxmlformats.org/drawingml/2006/main" xmlns:r="http://schemas.openxmlformats.org/officeDocument/2006/relationships" xmlns:p="http://schemas.openxmlformats.org/presentationml/2006/main" show="0">
+<p:sld xmlns:a="http://schemas.openxmlformats.org/drawingml/2006/main" xmlns:r="http://schemas.openxmlformats.org/officeDocument/2006/relationships" xmlns:p="http://schemas.openxmlformats.org/presentationml/2006/main">
   <p:cSld>
     <p:spTree>
       <p:nvGrpSpPr>
@@ -16378,8 +16092,8 @@
           <a:lstStyle/>
           <a:p>
             <a:r>
-              <a:rPr lang="en-US" altLang="ko-KR" dirty="0" err="1"/>
-              <a:t>S202</a:t>
+              <a:rPr lang="en-US" altLang="ko-KR" dirty="0"/>
+              <a:t>S101</a:t>
             </a:r>
             <a:endParaRPr lang="ko-KR" altLang="en-US" dirty="0"/>
           </a:p>
@@ -16387,10 +16101,10 @@
       </p:sp>
       <p:sp>
         <p:nvSpPr>
-          <p:cNvPr id="3" name="사각형: 빗면 2">
-            <a:extLst>
-              <a:ext uri="{FF2B5EF4-FFF2-40B4-BE49-F238E27FC236}">
-                <a16:creationId xmlns:a16="http://schemas.microsoft.com/office/drawing/2014/main" id="{BA76CFB2-F4A6-864A-5B86-8B733C0B4E6D}"/>
+          <p:cNvPr id="4" name="사각형: 빗면 3">
+            <a:extLst>
+              <a:ext uri="{FF2B5EF4-FFF2-40B4-BE49-F238E27FC236}">
+                <a16:creationId xmlns:a16="http://schemas.microsoft.com/office/drawing/2014/main" id="{43F727FF-A1DD-341C-11C2-1AF95E71B98C}"/>
               </a:ext>
             </a:extLst>
           </p:cNvPr>
@@ -16435,63 +16149,149 @@
           <a:p>
             <a:pPr algn="ctr"/>
             <a:r>
-              <a:rPr lang="en-US" altLang="ko-KR" dirty="0">
+              <a:rPr lang="en-US" altLang="ko-KR" sz="1400" dirty="0">
                 <a:solidFill>
                   <a:schemeClr val="bg2"/>
                 </a:solidFill>
               </a:rPr>
-              <a:t>A[autoBtn1]</a:t>
+              <a:t>[A]autoBtn1</a:t>
             </a:r>
           </a:p>
           <a:p>
             <a:pPr algn="ctr"/>
             <a:r>
-              <a:rPr lang="en-US" altLang="ko-KR" dirty="0">
+              <a:rPr lang="en-US" altLang="ko-KR" sz="1400" dirty="0">
                 <a:solidFill>
                   <a:schemeClr val="bg2"/>
                 </a:solidFill>
               </a:rPr>
-              <a:t>M[manualBtn1]</a:t>
-            </a:r>
-          </a:p>
-          <a:p>
-            <a:pPr algn="ctr"/>
-            <a:r>
-              <a:rPr lang="en-US" altLang="ko-KR" dirty="0">
+              <a:t>[M]</a:t>
+            </a:r>
+            <a:r>
+              <a:rPr lang="en-US" altLang="ko-KR" sz="1400" dirty="0" err="1">
                 <a:solidFill>
                   <a:schemeClr val="bg2"/>
                 </a:solidFill>
               </a:rPr>
-              <a:t>E[emgBtn1]</a:t>
-            </a:r>
-          </a:p>
-          <a:p>
-            <a:pPr algn="ctr"/>
-            <a:r>
-              <a:rPr lang="en-US" altLang="ko-KR" sz="1800" dirty="0">
-                <a:solidFill>
-                  <a:schemeClr val="bg2"/>
-                </a:solidFill>
-              </a:rPr>
-              <a:t>R[readyBtn1]</a:t>
-            </a:r>
-          </a:p>
-          <a:p>
-            <a:pPr algn="ctr"/>
-            <a:endParaRPr lang="en-US" altLang="ko-KR" dirty="0">
+              <a:t>manualBtn1</a:t>
+            </a:r>
+            <a:endParaRPr lang="en-US" altLang="ko-KR" sz="1400" dirty="0">
               <a:solidFill>
                 <a:schemeClr val="bg2"/>
               </a:solidFill>
             </a:endParaRPr>
           </a:p>
+          <a:p>
+            <a:pPr algn="ctr"/>
+            <a:r>
+              <a:rPr lang="en-US" altLang="ko-KR" sz="1400" dirty="0">
+                <a:solidFill>
+                  <a:schemeClr val="bg2"/>
+                </a:solidFill>
+              </a:rPr>
+              <a:t>[D] driveBtn1</a:t>
+            </a:r>
+          </a:p>
+          <a:p>
+            <a:pPr algn="ctr"/>
+            <a:r>
+              <a:rPr lang="en-US" altLang="ko-KR" sz="1400" dirty="0">
+                <a:solidFill>
+                  <a:schemeClr val="bg2"/>
+                </a:solidFill>
+              </a:rPr>
+              <a:t>[S]stopBtn1</a:t>
+            </a:r>
+          </a:p>
+          <a:p>
+            <a:pPr algn="ctr"/>
+            <a:r>
+              <a:rPr lang="en-US" altLang="ko-KR" sz="1400" dirty="0">
+                <a:solidFill>
+                  <a:schemeClr val="bg2"/>
+                </a:solidFill>
+              </a:rPr>
+              <a:t>[E] emgBtn1</a:t>
+            </a:r>
+          </a:p>
+          <a:p>
+            <a:pPr algn="ctr"/>
+            <a:r>
+              <a:rPr lang="en-US" altLang="ko-KR" sz="1400" dirty="0">
+                <a:solidFill>
+                  <a:schemeClr val="bg2"/>
+                </a:solidFill>
+              </a:rPr>
+              <a:t>[T] testrunBtn1</a:t>
+            </a:r>
+          </a:p>
+          <a:p>
+            <a:pPr algn="ctr"/>
+            <a:r>
+              <a:rPr lang="en-US" altLang="ko-KR" sz="1400" dirty="0">
+                <a:solidFill>
+                  <a:schemeClr val="bg2"/>
+                </a:solidFill>
+              </a:rPr>
+              <a:t>[R] readyBtn1</a:t>
+            </a:r>
+          </a:p>
+          <a:p>
+            <a:pPr algn="ctr"/>
+            <a:r>
+              <a:rPr lang="en-US" altLang="ko-KR" sz="1400" dirty="0">
+                <a:solidFill>
+                  <a:schemeClr val="bg2"/>
+                </a:solidFill>
+              </a:rPr>
+              <a:t>[C] </a:t>
+            </a:r>
+            <a:r>
+              <a:rPr lang="en-US" altLang="ko-KR" sz="1400" dirty="0" err="1">
+                <a:solidFill>
+                  <a:schemeClr val="bg2"/>
+                </a:solidFill>
+              </a:rPr>
+              <a:t>clearBtn1</a:t>
+            </a:r>
+            <a:endParaRPr lang="en-US" altLang="ko-KR" sz="1400" dirty="0">
+              <a:solidFill>
+                <a:schemeClr val="bg2"/>
+              </a:solidFill>
+            </a:endParaRPr>
+          </a:p>
+          <a:p>
+            <a:pPr algn="ctr"/>
+            <a:r>
+              <a:rPr lang="en-US" altLang="ko-KR" sz="1400" dirty="0">
+                <a:solidFill>
+                  <a:schemeClr val="bg2"/>
+                </a:solidFill>
+              </a:rPr>
+              <a:t>[H] </a:t>
+            </a:r>
+            <a:r>
+              <a:rPr lang="en-US" altLang="ko-KR" sz="1400" dirty="0" err="1">
+                <a:solidFill>
+                  <a:schemeClr val="bg2"/>
+                </a:solidFill>
+              </a:rPr>
+              <a:t>homeBtn1</a:t>
+            </a:r>
+            <a:endParaRPr lang="en-US" altLang="ko-KR" sz="1100" dirty="0">
+              <a:solidFill>
+                <a:schemeClr val="bg2"/>
+              </a:solidFill>
+            </a:endParaRPr>
+          </a:p>
         </p:txBody>
       </p:sp>
       <p:sp>
         <p:nvSpPr>
-          <p:cNvPr id="6" name="사각형: 빗면 5">
-            <a:extLst>
-              <a:ext uri="{FF2B5EF4-FFF2-40B4-BE49-F238E27FC236}">
-                <a16:creationId xmlns:a16="http://schemas.microsoft.com/office/drawing/2014/main" id="{8A95F819-4979-CB68-9CE6-016454A6E94C}"/>
+          <p:cNvPr id="5" name="사각형: 빗면 4">
+            <a:extLst>
+              <a:ext uri="{FF2B5EF4-FFF2-40B4-BE49-F238E27FC236}">
+                <a16:creationId xmlns:a16="http://schemas.microsoft.com/office/drawing/2014/main" id="{CC109A94-E99B-595B-64CD-E549C28F0B12}"/>
               </a:ext>
             </a:extLst>
           </p:cNvPr>
@@ -16541,7 +16341,7 @@
                   <a:schemeClr val="bg2"/>
                 </a:solidFill>
               </a:rPr>
-              <a:t>A[autoLamp1]</a:t>
+              <a:t>[A] autoLamp1</a:t>
             </a:r>
           </a:p>
           <a:p>
@@ -16552,8 +16352,21 @@
                   <a:schemeClr val="bg2"/>
                 </a:solidFill>
               </a:rPr>
-              <a:t>M[manualLamp1]</a:t>
-            </a:r>
+              <a:t>[M] </a:t>
+            </a:r>
+            <a:r>
+              <a:rPr lang="en-US" altLang="ko-KR" dirty="0" err="1">
+                <a:solidFill>
+                  <a:schemeClr val="bg2"/>
+                </a:solidFill>
+              </a:rPr>
+              <a:t>manualLamp1</a:t>
+            </a:r>
+            <a:endParaRPr lang="en-US" altLang="ko-KR" dirty="0">
+              <a:solidFill>
+                <a:schemeClr val="bg2"/>
+              </a:solidFill>
+            </a:endParaRPr>
           </a:p>
           <a:p>
             <a:pPr algn="ctr"/>
@@ -16563,7 +16376,7 @@
                   <a:schemeClr val="bg2"/>
                 </a:solidFill>
               </a:rPr>
-              <a:t>E[emgLamp1]</a:t>
+              <a:t>[D] driveLamp1</a:t>
             </a:r>
           </a:p>
           <a:p>
@@ -16574,7 +16387,7 @@
                   <a:schemeClr val="bg2"/>
                 </a:solidFill>
               </a:rPr>
-              <a:t>S[stopLamp1]</a:t>
+              <a:t>[S] stopLamp1 </a:t>
             </a:r>
           </a:p>
           <a:p>
@@ -16585,7 +16398,7 @@
                   <a:schemeClr val="bg2"/>
                 </a:solidFill>
               </a:rPr>
-              <a:t>D[driveLamp1]</a:t>
+              <a:t>[E] emgLamp1</a:t>
             </a:r>
           </a:p>
           <a:p>
@@ -16596,7 +16409,7 @@
                   <a:schemeClr val="bg2"/>
                 </a:solidFill>
               </a:rPr>
-              <a:t>T[testrunLamp1]</a:t>
+              <a:t>[T] testrunLamp1</a:t>
             </a:r>
           </a:p>
           <a:p>
@@ -16607,7 +16420,7 @@
                   <a:schemeClr val="bg2"/>
                 </a:solidFill>
               </a:rPr>
-              <a:t>R[readyLamp1]</a:t>
+              <a:t>[R] readyLamp1</a:t>
             </a:r>
           </a:p>
           <a:p>
@@ -16620,10 +16433,98 @@
           </a:p>
         </p:txBody>
       </p:sp>
+      <p:sp>
+        <p:nvSpPr>
+          <p:cNvPr id="3" name="TextBox 2">
+            <a:extLst>
+              <a:ext uri="{FF2B5EF4-FFF2-40B4-BE49-F238E27FC236}">
+                <a16:creationId xmlns:a16="http://schemas.microsoft.com/office/drawing/2014/main" id="{EAE317E8-83B7-4022-A1E1-5B0C847EADAE}"/>
+              </a:ext>
+            </a:extLst>
+          </p:cNvPr>
+          <p:cNvSpPr txBox="1"/>
+          <p:nvPr/>
+        </p:nvSpPr>
+        <p:spPr>
+          <a:xfrm>
+            <a:off x="2890685" y="2045109"/>
+            <a:ext cx="2073003" cy="369332"/>
+          </a:xfrm>
+          <a:prstGeom prst="rect">
+            <a:avLst/>
+          </a:prstGeom>
+          <a:noFill/>
+        </p:spPr>
+        <p:txBody>
+          <a:bodyPr wrap="none" rtlCol="0">
+            <a:spAutoFit/>
+          </a:bodyPr>
+          <a:lstStyle/>
+          <a:p>
+            <a:r>
+              <a:rPr lang="en-US" altLang="ko-KR" dirty="0">
+                <a:solidFill>
+                  <a:schemeClr val="accent1"/>
+                </a:solidFill>
+              </a:rPr>
+              <a:t>A M D S E T R </a:t>
+            </a:r>
+            <a:r>
+              <a:rPr lang="en-US" altLang="ko-KR" dirty="0"/>
+              <a:t>C H</a:t>
+            </a:r>
+            <a:endParaRPr lang="ko-KR" altLang="en-US" dirty="0"/>
+          </a:p>
+        </p:txBody>
+      </p:sp>
+      <p:sp>
+        <p:nvSpPr>
+          <p:cNvPr id="6" name="TextBox 5">
+            <a:extLst>
+              <a:ext uri="{FF2B5EF4-FFF2-40B4-BE49-F238E27FC236}">
+                <a16:creationId xmlns:a16="http://schemas.microsoft.com/office/drawing/2014/main" id="{3DBFDA71-0EDF-EBB0-264D-9F64B93F7B24}"/>
+              </a:ext>
+            </a:extLst>
+          </p:cNvPr>
+          <p:cNvSpPr txBox="1"/>
+          <p:nvPr/>
+        </p:nvSpPr>
+        <p:spPr>
+          <a:xfrm>
+            <a:off x="7079227" y="2045109"/>
+            <a:ext cx="1600118" cy="369332"/>
+          </a:xfrm>
+          <a:prstGeom prst="rect">
+            <a:avLst/>
+          </a:prstGeom>
+          <a:noFill/>
+        </p:spPr>
+        <p:txBody>
+          <a:bodyPr wrap="none" rtlCol="0">
+            <a:spAutoFit/>
+          </a:bodyPr>
+          <a:lstStyle/>
+          <a:p>
+            <a:r>
+              <a:rPr lang="en-US" altLang="ko-KR" dirty="0">
+                <a:solidFill>
+                  <a:schemeClr val="accent1"/>
+                </a:solidFill>
+              </a:rPr>
+              <a:t>A M D S E T R</a:t>
+            </a:r>
+            <a:endParaRPr lang="ko-KR" altLang="en-US" dirty="0">
+              <a:solidFill>
+                <a:schemeClr val="accent1"/>
+              </a:solidFill>
+            </a:endParaRPr>
+          </a:p>
+        </p:txBody>
+      </p:sp>
     </p:spTree>
     <p:extLst>
       <p:ext uri="{BB962C8B-B14F-4D97-AF65-F5344CB8AC3E}">
-        <p14:creationId xmlns:p14="http://schemas.microsoft.com/office/powerpoint/2010/main" val="907386579"/>
+        <p14:creationId xmlns:p14="http://schemas.microsoft.com/office/powerpoint/2010/main" val="2074684439"/>
       </p:ext>
     </p:extLst>
   </p:cSld>
@@ -16634,6 +16535,337 @@
 </file>
 
 <file path=ppt/slides/slide15.xml><?xml version="1.0" encoding="utf-8"?>
+<p:sld xmlns:a="http://schemas.openxmlformats.org/drawingml/2006/main" xmlns:r="http://schemas.openxmlformats.org/officeDocument/2006/relationships" xmlns:p="http://schemas.openxmlformats.org/presentationml/2006/main">
+  <p:cSld>
+    <p:spTree>
+      <p:nvGrpSpPr>
+        <p:cNvPr id="1" name=""/>
+        <p:cNvGrpSpPr/>
+        <p:nvPr/>
+      </p:nvGrpSpPr>
+      <p:grpSpPr>
+        <a:xfrm>
+          <a:off x="0" y="0"/>
+          <a:ext cx="0" cy="0"/>
+          <a:chOff x="0" y="0"/>
+          <a:chExt cx="0" cy="0"/>
+        </a:xfrm>
+      </p:grpSpPr>
+      <p:sp>
+        <p:nvSpPr>
+          <p:cNvPr id="2" name="제목 1">
+            <a:extLst>
+              <a:ext uri="{FF2B5EF4-FFF2-40B4-BE49-F238E27FC236}">
+                <a16:creationId xmlns:a16="http://schemas.microsoft.com/office/drawing/2014/main" id="{E35BEC89-0CFB-7F29-D8C7-71B3E64B4D66}"/>
+              </a:ext>
+            </a:extLst>
+          </p:cNvPr>
+          <p:cNvSpPr>
+            <a:spLocks noGrp="1"/>
+          </p:cNvSpPr>
+          <p:nvPr>
+            <p:ph type="title"/>
+          </p:nvPr>
+        </p:nvSpPr>
+        <p:spPr/>
+        <p:txBody>
+          <a:bodyPr/>
+          <a:lstStyle/>
+          <a:p>
+            <a:r>
+              <a:rPr lang="en-US" altLang="ko-KR" dirty="0" err="1"/>
+              <a:t>S102</a:t>
+            </a:r>
+            <a:endParaRPr lang="ko-KR" altLang="en-US" dirty="0"/>
+          </a:p>
+        </p:txBody>
+      </p:sp>
+      <p:sp>
+        <p:nvSpPr>
+          <p:cNvPr id="4" name="사각형: 빗면 3">
+            <a:extLst>
+              <a:ext uri="{FF2B5EF4-FFF2-40B4-BE49-F238E27FC236}">
+                <a16:creationId xmlns:a16="http://schemas.microsoft.com/office/drawing/2014/main" id="{43F727FF-A1DD-341C-11C2-1AF95E71B98C}"/>
+              </a:ext>
+            </a:extLst>
+          </p:cNvPr>
+          <p:cNvSpPr/>
+          <p:nvPr/>
+        </p:nvSpPr>
+        <p:spPr>
+          <a:xfrm>
+            <a:off x="1658871" y="2561303"/>
+            <a:ext cx="3591555" cy="3534697"/>
+          </a:xfrm>
+          <a:prstGeom prst="bevel">
+            <a:avLst>
+              <a:gd name="adj" fmla="val 16754"/>
+            </a:avLst>
+          </a:prstGeom>
+          <a:ln>
+            <a:solidFill>
+              <a:schemeClr val="tx1"/>
+            </a:solidFill>
+          </a:ln>
+        </p:spPr>
+        <p:style>
+          <a:lnRef idx="2">
+            <a:schemeClr val="accent1">
+              <a:shade val="50000"/>
+            </a:schemeClr>
+          </a:lnRef>
+          <a:fillRef idx="1">
+            <a:schemeClr val="accent1"/>
+          </a:fillRef>
+          <a:effectRef idx="0">
+            <a:schemeClr val="accent1"/>
+          </a:effectRef>
+          <a:fontRef idx="minor">
+            <a:schemeClr val="lt1"/>
+          </a:fontRef>
+        </p:style>
+        <p:txBody>
+          <a:bodyPr rtlCol="0" anchor="ctr"/>
+          <a:lstStyle/>
+          <a:p>
+            <a:pPr algn="ctr"/>
+            <a:r>
+              <a:rPr lang="en-US" altLang="ko-KR" sz="1400" dirty="0">
+                <a:solidFill>
+                  <a:schemeClr val="bg2"/>
+                </a:solidFill>
+              </a:rPr>
+              <a:t>[A]autoBtn1</a:t>
+            </a:r>
+          </a:p>
+          <a:p>
+            <a:pPr algn="ctr"/>
+            <a:r>
+              <a:rPr lang="en-US" altLang="ko-KR" sz="1400" dirty="0">
+                <a:solidFill>
+                  <a:schemeClr val="bg2"/>
+                </a:solidFill>
+              </a:rPr>
+              <a:t>[M]</a:t>
+            </a:r>
+            <a:r>
+              <a:rPr lang="en-US" altLang="ko-KR" sz="1400" dirty="0" err="1">
+                <a:solidFill>
+                  <a:schemeClr val="bg2"/>
+                </a:solidFill>
+              </a:rPr>
+              <a:t>manualBtn1</a:t>
+            </a:r>
+            <a:endParaRPr lang="en-US" altLang="ko-KR" sz="1400" dirty="0">
+              <a:solidFill>
+                <a:schemeClr val="bg2"/>
+              </a:solidFill>
+            </a:endParaRPr>
+          </a:p>
+          <a:p>
+            <a:pPr algn="ctr"/>
+            <a:r>
+              <a:rPr lang="en-US" altLang="ko-KR" sz="1400" dirty="0">
+                <a:solidFill>
+                  <a:schemeClr val="bg2"/>
+                </a:solidFill>
+              </a:rPr>
+              <a:t>[D] driveBtn1</a:t>
+            </a:r>
+          </a:p>
+          <a:p>
+            <a:pPr algn="ctr"/>
+            <a:r>
+              <a:rPr lang="en-US" altLang="ko-KR" sz="1400" dirty="0">
+                <a:solidFill>
+                  <a:schemeClr val="bg2"/>
+                </a:solidFill>
+              </a:rPr>
+              <a:t>[H] </a:t>
+            </a:r>
+            <a:r>
+              <a:rPr lang="en-US" altLang="ko-KR" sz="1400" dirty="0" err="1">
+                <a:solidFill>
+                  <a:schemeClr val="bg2"/>
+                </a:solidFill>
+              </a:rPr>
+              <a:t>homeBtn1</a:t>
+            </a:r>
+            <a:endParaRPr lang="en-US" altLang="ko-KR" sz="1100" dirty="0">
+              <a:solidFill>
+                <a:schemeClr val="bg2"/>
+              </a:solidFill>
+            </a:endParaRPr>
+          </a:p>
+        </p:txBody>
+      </p:sp>
+      <p:sp>
+        <p:nvSpPr>
+          <p:cNvPr id="5" name="사각형: 빗면 4">
+            <a:extLst>
+              <a:ext uri="{FF2B5EF4-FFF2-40B4-BE49-F238E27FC236}">
+                <a16:creationId xmlns:a16="http://schemas.microsoft.com/office/drawing/2014/main" id="{CC109A94-E99B-595B-64CD-E549C28F0B12}"/>
+              </a:ext>
+            </a:extLst>
+          </p:cNvPr>
+          <p:cNvSpPr/>
+          <p:nvPr/>
+        </p:nvSpPr>
+        <p:spPr>
+          <a:xfrm>
+            <a:off x="6427516" y="2561302"/>
+            <a:ext cx="3591555" cy="3534697"/>
+          </a:xfrm>
+          <a:prstGeom prst="bevel">
+            <a:avLst>
+              <a:gd name="adj" fmla="val 0"/>
+            </a:avLst>
+          </a:prstGeom>
+          <a:ln>
+            <a:solidFill>
+              <a:schemeClr val="tx1"/>
+            </a:solidFill>
+          </a:ln>
+        </p:spPr>
+        <p:style>
+          <a:lnRef idx="2">
+            <a:schemeClr val="accent1">
+              <a:shade val="50000"/>
+            </a:schemeClr>
+          </a:lnRef>
+          <a:fillRef idx="1">
+            <a:schemeClr val="accent1"/>
+          </a:fillRef>
+          <a:effectRef idx="0">
+            <a:schemeClr val="accent1"/>
+          </a:effectRef>
+          <a:fontRef idx="minor">
+            <a:schemeClr val="lt1"/>
+          </a:fontRef>
+        </p:style>
+        <p:txBody>
+          <a:bodyPr rtlCol="0" anchor="ctr"/>
+          <a:lstStyle/>
+          <a:p>
+            <a:pPr algn="ctr"/>
+            <a:r>
+              <a:rPr lang="en-US" altLang="ko-KR" dirty="0">
+                <a:solidFill>
+                  <a:schemeClr val="bg2"/>
+                </a:solidFill>
+              </a:rPr>
+              <a:t>[A] </a:t>
+            </a:r>
+            <a:r>
+              <a:rPr lang="en-US" altLang="ko-KR" dirty="0" err="1">
+                <a:solidFill>
+                  <a:schemeClr val="bg2"/>
+                </a:solidFill>
+              </a:rPr>
+              <a:t>autoLamp2</a:t>
+            </a:r>
+            <a:endParaRPr lang="en-US" altLang="ko-KR" dirty="0">
+              <a:solidFill>
+                <a:schemeClr val="bg2"/>
+              </a:solidFill>
+            </a:endParaRPr>
+          </a:p>
+          <a:p>
+            <a:pPr algn="ctr"/>
+            <a:r>
+              <a:rPr lang="en-US" altLang="ko-KR" dirty="0">
+                <a:solidFill>
+                  <a:schemeClr val="bg2"/>
+                </a:solidFill>
+              </a:rPr>
+              <a:t>[M] </a:t>
+            </a:r>
+            <a:r>
+              <a:rPr lang="en-US" altLang="ko-KR" dirty="0" err="1">
+                <a:solidFill>
+                  <a:schemeClr val="bg2"/>
+                </a:solidFill>
+              </a:rPr>
+              <a:t>manualLamp2</a:t>
+            </a:r>
+            <a:endParaRPr lang="en-US" altLang="ko-KR" dirty="0">
+              <a:solidFill>
+                <a:schemeClr val="bg2"/>
+              </a:solidFill>
+            </a:endParaRPr>
+          </a:p>
+          <a:p>
+            <a:pPr algn="ctr"/>
+            <a:r>
+              <a:rPr lang="en-US" altLang="ko-KR" dirty="0">
+                <a:solidFill>
+                  <a:schemeClr val="bg2"/>
+                </a:solidFill>
+              </a:rPr>
+              <a:t>[T] </a:t>
+            </a:r>
+            <a:r>
+              <a:rPr lang="en-US" altLang="ko-KR" dirty="0" err="1">
+                <a:solidFill>
+                  <a:schemeClr val="bg2"/>
+                </a:solidFill>
+              </a:rPr>
+              <a:t>testrunLamp2</a:t>
+            </a:r>
+            <a:endParaRPr lang="en-US" altLang="ko-KR" dirty="0">
+              <a:solidFill>
+                <a:schemeClr val="bg2"/>
+              </a:solidFill>
+            </a:endParaRPr>
+          </a:p>
+          <a:p>
+            <a:pPr algn="ctr"/>
+            <a:r>
+              <a:rPr lang="en-US" altLang="ko-KR" dirty="0">
+                <a:solidFill>
+                  <a:schemeClr val="bg2"/>
+                </a:solidFill>
+              </a:rPr>
+              <a:t>[R] </a:t>
+            </a:r>
+            <a:r>
+              <a:rPr lang="en-US" altLang="ko-KR" dirty="0" err="1">
+                <a:solidFill>
+                  <a:schemeClr val="bg2"/>
+                </a:solidFill>
+              </a:rPr>
+              <a:t>readyLamp2</a:t>
+            </a:r>
+            <a:endParaRPr lang="en-US" altLang="ko-KR" dirty="0">
+              <a:solidFill>
+                <a:schemeClr val="bg2"/>
+              </a:solidFill>
+            </a:endParaRPr>
+          </a:p>
+          <a:p>
+            <a:pPr algn="ctr"/>
+            <a:endParaRPr lang="en-US" altLang="ko-KR" dirty="0">
+              <a:solidFill>
+                <a:schemeClr val="bg2"/>
+              </a:solidFill>
+            </a:endParaRPr>
+          </a:p>
+        </p:txBody>
+      </p:sp>
+    </p:spTree>
+    <p:extLst>
+      <p:ext uri="{BB962C8B-B14F-4D97-AF65-F5344CB8AC3E}">
+        <p14:creationId xmlns:p14="http://schemas.microsoft.com/office/powerpoint/2010/main" val="449957838"/>
+      </p:ext>
+    </p:extLst>
+  </p:cSld>
+  <p:clrMapOvr>
+    <a:masterClrMapping/>
+  </p:clrMapOvr>
+</p:sld>
+</file>
+
+<file path=ppt/slides/slide16.xml><?xml version="1.0" encoding="utf-8"?>
 <p:sld xmlns:a="http://schemas.openxmlformats.org/drawingml/2006/main" xmlns:r="http://schemas.openxmlformats.org/officeDocument/2006/relationships" xmlns:p="http://schemas.openxmlformats.org/presentationml/2006/main">
   <p:cSld>
     <p:spTree>
@@ -16988,7 +17220,7 @@
 </p:sld>
 </file>
 
-<file path=ppt/slides/slide16.xml><?xml version="1.0" encoding="utf-8"?>
+<file path=ppt/slides/slide17.xml><?xml version="1.0" encoding="utf-8"?>
 <p:sld xmlns:a="http://schemas.openxmlformats.org/drawingml/2006/main" xmlns:r="http://schemas.openxmlformats.org/officeDocument/2006/relationships" xmlns:p="http://schemas.openxmlformats.org/presentationml/2006/main" show="0">
   <p:cSld>
     <p:spTree>

--- a/DsDotNet/src/UnitTest/UnitTest.Engine/ImportOffice/Sample/s.pptx
+++ b/DsDotNet/src/UnitTest/UnitTest.Engine/ImportOffice/Sample/s.pptx
@@ -24,8 +24,8 @@
     <p:sldId id="618" r:id="rId12"/>
     <p:sldId id="615" r:id="rId13"/>
     <p:sldId id="621" r:id="rId14"/>
-    <p:sldId id="622" r:id="rId15"/>
-    <p:sldId id="713" r:id="rId16"/>
+    <p:sldId id="714" r:id="rId15"/>
+    <p:sldId id="715" r:id="rId16"/>
     <p:sldId id="607" r:id="rId17"/>
     <p:sldId id="633" r:id="rId18"/>
   </p:sldIdLst>
@@ -16425,6 +16425,30 @@
           </a:p>
           <a:p>
             <a:pPr algn="ctr"/>
+            <a:r>
+              <a:rPr lang="en-US" altLang="ko-KR" dirty="0">
+                <a:solidFill>
+                  <a:schemeClr val="bg2"/>
+                </a:solidFill>
+              </a:rPr>
+              <a:t>[I] </a:t>
+            </a:r>
+            <a:r>
+              <a:rPr lang="en-US" altLang="ko-KR" dirty="0" err="1">
+                <a:solidFill>
+                  <a:schemeClr val="bg2"/>
+                </a:solidFill>
+              </a:rPr>
+              <a:t>idleLamp1</a:t>
+            </a:r>
+            <a:endParaRPr lang="en-US" altLang="ko-KR" dirty="0">
+              <a:solidFill>
+                <a:schemeClr val="bg2"/>
+              </a:solidFill>
+            </a:endParaRPr>
+          </a:p>
+          <a:p>
+            <a:pPr algn="ctr"/>
             <a:endParaRPr lang="en-US" altLang="ko-KR" dirty="0">
               <a:solidFill>
                 <a:schemeClr val="bg2"/>
@@ -16524,7 +16548,7 @@
     </p:spTree>
     <p:extLst>
       <p:ext uri="{BB962C8B-B14F-4D97-AF65-F5344CB8AC3E}">
-        <p14:creationId xmlns:p14="http://schemas.microsoft.com/office/powerpoint/2010/main" val="2074684439"/>
+        <p14:creationId xmlns:p14="http://schemas.microsoft.com/office/powerpoint/2010/main" val="3992733833"/>
       </p:ext>
     </p:extLst>
   </p:cSld>
@@ -16574,7 +16598,7 @@
           <a:p>
             <a:r>
               <a:rPr lang="en-US" altLang="ko-KR" dirty="0" err="1"/>
-              <a:t>S102</a:t>
+              <a:t>S10</a:t>
             </a:r>
             <a:endParaRPr lang="ko-KR" altLang="en-US" dirty="0"/>
           </a:p>
@@ -16844,18 +16868,42 @@
           </a:p>
           <a:p>
             <a:pPr algn="ctr"/>
+            <a:r>
+              <a:rPr lang="en-US" altLang="ko-KR" dirty="0">
+                <a:solidFill>
+                  <a:schemeClr val="bg2"/>
+                </a:solidFill>
+              </a:rPr>
+              <a:t>[I] </a:t>
+            </a:r>
+            <a:r>
+              <a:rPr lang="en-US" altLang="ko-KR" dirty="0" err="1">
+                <a:solidFill>
+                  <a:schemeClr val="bg2"/>
+                </a:solidFill>
+              </a:rPr>
+              <a:t>idleLamp2</a:t>
+            </a:r>
             <a:endParaRPr lang="en-US" altLang="ko-KR" dirty="0">
               <a:solidFill>
                 <a:schemeClr val="bg2"/>
               </a:solidFill>
             </a:endParaRPr>
           </a:p>
+          <a:p>
+            <a:pPr algn="ctr"/>
+            <a:endParaRPr lang="en-US" altLang="ko-KR" dirty="0">
+              <a:solidFill>
+                <a:schemeClr val="bg2"/>
+              </a:solidFill>
+            </a:endParaRPr>
+          </a:p>
         </p:txBody>
       </p:sp>
     </p:spTree>
     <p:extLst>
       <p:ext uri="{BB962C8B-B14F-4D97-AF65-F5344CB8AC3E}">
-        <p14:creationId xmlns:p14="http://schemas.microsoft.com/office/powerpoint/2010/main" val="449957838"/>
+        <p14:creationId xmlns:p14="http://schemas.microsoft.com/office/powerpoint/2010/main" val="1499651881"/>
       </p:ext>
     </p:extLst>
   </p:cSld>

--- a/DsDotNet/src/UnitTest/UnitTest.Engine/ImportOffice/Sample/s.pptx
+++ b/DsDotNet/src/UnitTest/UnitTest.Engine/ImportOffice/Sample/s.pptx
@@ -16516,7 +16516,7 @@
         <p:spPr>
           <a:xfrm>
             <a:off x="7079227" y="2045109"/>
-            <a:ext cx="1600118" cy="369332"/>
+            <a:ext cx="1856598" cy="369332"/>
           </a:xfrm>
           <a:prstGeom prst="rect">
             <a:avLst/>
@@ -16535,7 +16535,7 @@
                   <a:schemeClr val="accent1"/>
                 </a:solidFill>
               </a:rPr>
-              <a:t>A M D S E T R</a:t>
+              <a:t>A M D S E T R I</a:t>
             </a:r>
             <a:endParaRPr lang="ko-KR" altLang="en-US" dirty="0">
               <a:solidFill>

--- a/DsDotNet/src/UnitTest/UnitTest.Engine/ImportOffice/Sample/s.pptx
+++ b/DsDotNet/src/UnitTest/UnitTest.Engine/ImportOffice/Sample/s.pptx
@@ -16516,7 +16516,7 @@
         <p:spPr>
           <a:xfrm>
             <a:off x="7079227" y="2045109"/>
-            <a:ext cx="1856598" cy="369332"/>
+            <a:ext cx="1600118" cy="369332"/>
           </a:xfrm>
           <a:prstGeom prst="rect">
             <a:avLst/>
@@ -16535,7 +16535,7 @@
                   <a:schemeClr val="accent1"/>
                 </a:solidFill>
               </a:rPr>
-              <a:t>A M D S E T R I</a:t>
+              <a:t>A M D S E T R</a:t>
             </a:r>
             <a:endParaRPr lang="ko-KR" altLang="en-US" dirty="0">
               <a:solidFill>

--- a/DsDotNet/src/UnitTest/UnitTest.Engine/ImportOffice/Sample/s.pptx
+++ b/DsDotNet/src/UnitTest/UnitTest.Engine/ImportOffice/Sample/s.pptx
@@ -5,10 +5,10 @@
     <p:sldMasterId id="2147483687" r:id="rId1"/>
   </p:sldMasterIdLst>
   <p:notesMasterIdLst>
-    <p:notesMasterId r:id="rId19"/>
+    <p:notesMasterId r:id="rId20"/>
   </p:notesMasterIdLst>
   <p:handoutMasterIdLst>
-    <p:handoutMasterId r:id="rId20"/>
+    <p:handoutMasterId r:id="rId21"/>
   </p:handoutMasterIdLst>
   <p:sldIdLst>
     <p:sldId id="614" r:id="rId2"/>
@@ -16,18 +16,19 @@
     <p:sldId id="259" r:id="rId4"/>
     <p:sldId id="630" r:id="rId5"/>
     <p:sldId id="629" r:id="rId6"/>
-    <p:sldId id="625" r:id="rId7"/>
-    <p:sldId id="627" r:id="rId8"/>
-    <p:sldId id="628" r:id="rId9"/>
-    <p:sldId id="631" r:id="rId10"/>
-    <p:sldId id="632" r:id="rId11"/>
-    <p:sldId id="618" r:id="rId12"/>
-    <p:sldId id="615" r:id="rId13"/>
-    <p:sldId id="621" r:id="rId14"/>
-    <p:sldId id="714" r:id="rId15"/>
-    <p:sldId id="715" r:id="rId16"/>
-    <p:sldId id="607" r:id="rId17"/>
-    <p:sldId id="633" r:id="rId18"/>
+    <p:sldId id="716" r:id="rId7"/>
+    <p:sldId id="625" r:id="rId8"/>
+    <p:sldId id="627" r:id="rId9"/>
+    <p:sldId id="628" r:id="rId10"/>
+    <p:sldId id="631" r:id="rId11"/>
+    <p:sldId id="632" r:id="rId12"/>
+    <p:sldId id="618" r:id="rId13"/>
+    <p:sldId id="615" r:id="rId14"/>
+    <p:sldId id="621" r:id="rId15"/>
+    <p:sldId id="714" r:id="rId16"/>
+    <p:sldId id="715" r:id="rId17"/>
+    <p:sldId id="607" r:id="rId18"/>
+    <p:sldId id="633" r:id="rId19"/>
   </p:sldIdLst>
   <p:sldSz cx="12192000" cy="6858000"/>
   <p:notesSz cx="6797675" cy="9926638"/>
@@ -231,7 +232,7 @@
           <a:p>
             <a:fld id="{DD503887-5801-43A0-AEF9-041E8DDC2558}" type="datetimeFigureOut">
               <a:rPr lang="ko-KR" altLang="en-US" smtClean="0"/>
-              <a:t>2023-01-27</a:t>
+              <a:t>2023-02-01</a:t>
             </a:fld>
             <a:endParaRPr lang="ko-KR" altLang="en-US" dirty="0"/>
           </a:p>
@@ -408,7 +409,7 @@
           <a:p>
             <a:fld id="{95336A0E-57B1-4D4C-BD9B-2F72B5943464}" type="datetimeFigureOut">
               <a:rPr lang="ko-KR" altLang="en-US" smtClean="0"/>
-              <a:t>2023-01-27</a:t>
+              <a:t>2023-02-01</a:t>
             </a:fld>
             <a:endParaRPr lang="ko-KR" altLang="en-US" dirty="0"/>
           </a:p>
@@ -906,7 +907,7 @@
           <a:p>
             <a:fld id="{229D12C7-0FF5-4972-A033-474EFFC79F40}" type="datetime1">
               <a:rPr lang="ko-KR" altLang="en-US" smtClean="0"/>
-              <a:t>2023-01-27</a:t>
+              <a:t>2023-02-01</a:t>
             </a:fld>
             <a:endParaRPr lang="ko-KR" altLang="en-US" dirty="0"/>
           </a:p>
@@ -1104,7 +1105,7 @@
           <a:p>
             <a:fld id="{5BA19FD4-B052-4F56-8FD8-EAFD078DEFB0}" type="datetime1">
               <a:rPr lang="ko-KR" altLang="en-US" smtClean="0"/>
-              <a:t>2023-01-27</a:t>
+              <a:t>2023-02-01</a:t>
             </a:fld>
             <a:endParaRPr lang="ko-KR" altLang="en-US" dirty="0"/>
           </a:p>
@@ -1312,7 +1313,7 @@
           <a:p>
             <a:fld id="{024994B9-23A6-4B0A-A038-AC140E83DAA3}" type="datetime1">
               <a:rPr lang="ko-KR" altLang="en-US" smtClean="0"/>
-              <a:t>2023-01-27</a:t>
+              <a:t>2023-02-01</a:t>
             </a:fld>
             <a:endParaRPr lang="ko-KR" altLang="en-US" dirty="0"/>
           </a:p>
@@ -1454,7 +1455,7 @@
           <a:p>
             <a:fld id="{B5B1BBC2-B738-4C35-AEE5-660EB2DEB482}" type="datetime1">
               <a:rPr lang="ko-KR" altLang="en-US" smtClean="0"/>
-              <a:t>2023-01-27</a:t>
+              <a:t>2023-02-01</a:t>
             </a:fld>
             <a:endParaRPr lang="ko-KR" altLang="en-US" dirty="0"/>
           </a:p>
@@ -6121,7 +6122,7 @@
           <a:p>
             <a:fld id="{70D0DAB2-87CB-4028-B965-3AA710ADF2CB}" type="datetime1">
               <a:rPr lang="ko-KR" altLang="en-US" smtClean="0"/>
-              <a:t>2023-01-27</a:t>
+              <a:t>2023-02-01</a:t>
             </a:fld>
             <a:endParaRPr lang="ko-KR" altLang="en-US" dirty="0"/>
           </a:p>
@@ -6396,7 +6397,7 @@
           <a:p>
             <a:fld id="{63FA3D71-FEA8-477F-9D1E-EA860F411BC7}" type="datetime1">
               <a:rPr lang="ko-KR" altLang="en-US" smtClean="0"/>
-              <a:t>2023-01-27</a:t>
+              <a:t>2023-02-01</a:t>
             </a:fld>
             <a:endParaRPr lang="ko-KR" altLang="en-US" dirty="0"/>
           </a:p>
@@ -6661,7 +6662,7 @@
           <a:p>
             <a:fld id="{F58E3EF4-7980-4C97-BA64-EC66995BB574}" type="datetime1">
               <a:rPr lang="ko-KR" altLang="en-US" smtClean="0"/>
-              <a:t>2023-01-27</a:t>
+              <a:t>2023-02-01</a:t>
             </a:fld>
             <a:endParaRPr lang="ko-KR" altLang="en-US" dirty="0"/>
           </a:p>
@@ -7073,7 +7074,7 @@
           <a:p>
             <a:fld id="{FC9BC1D0-7D6B-4634-9D19-644040D74EAE}" type="datetime1">
               <a:rPr lang="ko-KR" altLang="en-US" smtClean="0"/>
-              <a:t>2023-01-27</a:t>
+              <a:t>2023-02-01</a:t>
             </a:fld>
             <a:endParaRPr lang="ko-KR" altLang="en-US" dirty="0"/>
           </a:p>
@@ -7214,7 +7215,7 @@
           <a:p>
             <a:fld id="{B5B1BBC2-B738-4C35-AEE5-660EB2DEB482}" type="datetime1">
               <a:rPr lang="ko-KR" altLang="en-US" smtClean="0"/>
-              <a:t>2023-01-27</a:t>
+              <a:t>2023-02-01</a:t>
             </a:fld>
             <a:endParaRPr lang="ko-KR" altLang="en-US" dirty="0"/>
           </a:p>
@@ -11796,7 +11797,7 @@
           <a:p>
             <a:fld id="{C60E9F93-7E77-4F36-B88C-A425F00C8D91}" type="datetime1">
               <a:rPr lang="ko-KR" altLang="en-US" smtClean="0"/>
-              <a:t>2023-01-27</a:t>
+              <a:t>2023-02-01</a:t>
             </a:fld>
             <a:endParaRPr lang="ko-KR" altLang="en-US" dirty="0"/>
           </a:p>
@@ -12107,7 +12108,7 @@
           <a:p>
             <a:fld id="{36BCCD0E-2A54-4016-BFFC-FEAABCDA6915}" type="datetime1">
               <a:rPr lang="ko-KR" altLang="en-US" smtClean="0"/>
-              <a:t>2023-01-27</a:t>
+              <a:t>2023-02-01</a:t>
             </a:fld>
             <a:endParaRPr lang="ko-KR" altLang="en-US" dirty="0"/>
           </a:p>
@@ -12395,7 +12396,7 @@
           <a:p>
             <a:fld id="{C984B0C4-64BA-4E4C-B5E6-A51EE3F6ED95}" type="datetime1">
               <a:rPr lang="ko-KR" altLang="en-US" smtClean="0"/>
-              <a:t>2023-01-27</a:t>
+              <a:t>2023-02-01</a:t>
             </a:fld>
             <a:endParaRPr lang="ko-KR" altLang="en-US" dirty="0"/>
           </a:p>
@@ -12637,7 +12638,7 @@
           <a:p>
             <a:fld id="{C984B0C4-64BA-4E4C-B5E6-A51EE3F6ED95}" type="datetime1">
               <a:rPr lang="ko-KR" altLang="en-US" smtClean="0"/>
-              <a:t>2023-01-27</a:t>
+              <a:t>2023-02-01</a:t>
             </a:fld>
             <a:endParaRPr lang="ko-KR" altLang="en-US" dirty="0"/>
           </a:p>
@@ -13040,7 +13041,7 @@
 </file>
 
 <file path=ppt/slides/slide1.xml><?xml version="1.0" encoding="utf-8"?>
-<p:sld xmlns:a="http://schemas.openxmlformats.org/drawingml/2006/main" xmlns:r="http://schemas.openxmlformats.org/officeDocument/2006/relationships" xmlns:p="http://schemas.openxmlformats.org/presentationml/2006/main" show="0">
+<p:sld xmlns:a="http://schemas.openxmlformats.org/drawingml/2006/main" xmlns:r="http://schemas.openxmlformats.org/officeDocument/2006/relationships" xmlns:p="http://schemas.openxmlformats.org/presentationml/2006/main">
   <p:cSld>
     <p:spTree>
       <p:nvGrpSpPr>
@@ -13128,7 +13129,552 @@
 </file>
 
 <file path=ppt/slides/slide10.xml><?xml version="1.0" encoding="utf-8"?>
-<p:sld xmlns:a="http://schemas.openxmlformats.org/drawingml/2006/main" xmlns:r="http://schemas.openxmlformats.org/officeDocument/2006/relationships" xmlns:p="http://schemas.openxmlformats.org/presentationml/2006/main" show="0">
+<p:sld xmlns:a="http://schemas.openxmlformats.org/drawingml/2006/main" xmlns:r="http://schemas.openxmlformats.org/officeDocument/2006/relationships" xmlns:p="http://schemas.openxmlformats.org/presentationml/2006/main">
+  <p:cSld>
+    <p:spTree>
+      <p:nvGrpSpPr>
+        <p:cNvPr id="1" name=""/>
+        <p:cNvGrpSpPr/>
+        <p:nvPr/>
+      </p:nvGrpSpPr>
+      <p:grpSpPr>
+        <a:xfrm>
+          <a:off x="0" y="0"/>
+          <a:ext cx="0" cy="0"/>
+          <a:chOff x="0" y="0"/>
+          <a:chExt cx="0" cy="0"/>
+        </a:xfrm>
+      </p:grpSpPr>
+      <p:sp>
+        <p:nvSpPr>
+          <p:cNvPr id="2" name="제목 1">
+            <a:extLst>
+              <a:ext uri="{FF2B5EF4-FFF2-40B4-BE49-F238E27FC236}">
+                <a16:creationId xmlns:a16="http://schemas.microsoft.com/office/drawing/2014/main" id="{E35BEC89-0CFB-7F29-D8C7-71B3E64B4D66}"/>
+              </a:ext>
+            </a:extLst>
+          </p:cNvPr>
+          <p:cNvSpPr>
+            <a:spLocks noGrp="1"/>
+          </p:cNvSpPr>
+          <p:nvPr>
+            <p:ph type="title"/>
+          </p:nvPr>
+        </p:nvSpPr>
+        <p:spPr/>
+        <p:txBody>
+          <a:bodyPr/>
+          <a:lstStyle/>
+          <a:p>
+            <a:r>
+              <a:rPr lang="en-US" altLang="ko-KR" dirty="0"/>
+              <a:t>S3</a:t>
+            </a:r>
+            <a:endParaRPr lang="ko-KR" altLang="en-US" dirty="0"/>
+          </a:p>
+        </p:txBody>
+      </p:sp>
+      <p:sp>
+        <p:nvSpPr>
+          <p:cNvPr id="10" name="직사각형 9">
+            <a:extLst>
+              <a:ext uri="{FF2B5EF4-FFF2-40B4-BE49-F238E27FC236}">
+                <a16:creationId xmlns:a16="http://schemas.microsoft.com/office/drawing/2014/main" id="{F318C6E2-FDDA-8B00-0783-15AA765D0AA6}"/>
+              </a:ext>
+            </a:extLst>
+          </p:cNvPr>
+          <p:cNvSpPr/>
+          <p:nvPr/>
+        </p:nvSpPr>
+        <p:spPr>
+          <a:xfrm>
+            <a:off x="7349499" y="4624766"/>
+            <a:ext cx="2437946" cy="1223682"/>
+          </a:xfrm>
+          <a:prstGeom prst="rect">
+            <a:avLst/>
+          </a:prstGeom>
+          <a:solidFill>
+            <a:schemeClr val="accent4">
+              <a:alpha val="50000"/>
+            </a:schemeClr>
+          </a:solidFill>
+          <a:ln>
+            <a:noFill/>
+          </a:ln>
+        </p:spPr>
+        <p:style>
+          <a:lnRef idx="0">
+            <a:scrgbClr r="0" g="0" b="0"/>
+          </a:lnRef>
+          <a:fillRef idx="0">
+            <a:scrgbClr r="0" g="0" b="0"/>
+          </a:fillRef>
+          <a:effectRef idx="0">
+            <a:scrgbClr r="0" g="0" b="0"/>
+          </a:effectRef>
+          <a:fontRef idx="minor">
+            <a:schemeClr val="lt1"/>
+          </a:fontRef>
+        </p:style>
+        <p:txBody>
+          <a:bodyPr rtlCol="0" anchor="ctr"/>
+          <a:lstStyle/>
+          <a:p>
+            <a:pPr algn="ctr"/>
+            <a:r>
+              <a:rPr lang="en-US" altLang="ko-KR" sz="1200" dirty="0"/>
+              <a:t>R2</a:t>
+            </a:r>
+            <a:endParaRPr lang="ko-KR" altLang="en-US" sz="1200" dirty="0"/>
+          </a:p>
+        </p:txBody>
+      </p:sp>
+      <p:cxnSp>
+        <p:nvCxnSpPr>
+          <p:cNvPr id="13" name="직선 화살표 연결선 12">
+            <a:extLst>
+              <a:ext uri="{FF2B5EF4-FFF2-40B4-BE49-F238E27FC236}">
+                <a16:creationId xmlns:a16="http://schemas.microsoft.com/office/drawing/2014/main" id="{DF6B060D-6633-DD91-FDA7-49A882D2EBE8}"/>
+              </a:ext>
+            </a:extLst>
+          </p:cNvPr>
+          <p:cNvCxnSpPr>
+            <a:cxnSpLocks/>
+            <a:stCxn id="16" idx="3"/>
+            <a:endCxn id="10" idx="1"/>
+          </p:cNvCxnSpPr>
+          <p:nvPr/>
+        </p:nvCxnSpPr>
+        <p:spPr>
+          <a:xfrm>
+            <a:off x="6534526" y="4220068"/>
+            <a:ext cx="814973" cy="1016539"/>
+          </a:xfrm>
+          <a:prstGeom prst="straightConnector1">
+            <a:avLst/>
+          </a:prstGeom>
+          <a:ln w="28575">
+            <a:solidFill>
+              <a:schemeClr val="tx1">
+                <a:lumMod val="75000"/>
+                <a:lumOff val="25000"/>
+              </a:schemeClr>
+            </a:solidFill>
+            <a:tailEnd type="triangle"/>
+          </a:ln>
+        </p:spPr>
+        <p:style>
+          <a:lnRef idx="1">
+            <a:schemeClr val="dk1"/>
+          </a:lnRef>
+          <a:fillRef idx="3">
+            <a:schemeClr val="dk1"/>
+          </a:fillRef>
+          <a:effectRef idx="2">
+            <a:schemeClr val="dk1"/>
+          </a:effectRef>
+          <a:fontRef idx="minor">
+            <a:schemeClr val="lt1"/>
+          </a:fontRef>
+        </p:style>
+      </p:cxnSp>
+      <p:grpSp>
+        <p:nvGrpSpPr>
+          <p:cNvPr id="15" name="그룹 14">
+            <a:extLst>
+              <a:ext uri="{FF2B5EF4-FFF2-40B4-BE49-F238E27FC236}">
+                <a16:creationId xmlns:a16="http://schemas.microsoft.com/office/drawing/2014/main" id="{EEAD2CC3-3FF9-E574-DCC0-CFF9A0A99A95}"/>
+              </a:ext>
+            </a:extLst>
+          </p:cNvPr>
+          <p:cNvGrpSpPr/>
+          <p:nvPr/>
+        </p:nvGrpSpPr>
+        <p:grpSpPr>
+          <a:xfrm>
+            <a:off x="810000" y="2424605"/>
+            <a:ext cx="5724526" cy="3590925"/>
+            <a:chOff x="848416" y="1962150"/>
+            <a:chExt cx="5724526" cy="3590925"/>
+          </a:xfrm>
+        </p:grpSpPr>
+        <p:sp>
+          <p:nvSpPr>
+            <p:cNvPr id="16" name="직사각형 15">
+              <a:extLst>
+                <a:ext uri="{FF2B5EF4-FFF2-40B4-BE49-F238E27FC236}">
+                  <a16:creationId xmlns:a16="http://schemas.microsoft.com/office/drawing/2014/main" id="{B33EEBEF-13AF-E7A3-33A7-C063A7A9FF05}"/>
+                </a:ext>
+              </a:extLst>
+            </p:cNvPr>
+            <p:cNvSpPr/>
+            <p:nvPr/>
+          </p:nvSpPr>
+          <p:spPr>
+            <a:xfrm>
+              <a:off x="848416" y="1962150"/>
+              <a:ext cx="5724526" cy="3590925"/>
+            </a:xfrm>
+            <a:prstGeom prst="rect">
+              <a:avLst/>
+            </a:prstGeom>
+            <a:solidFill>
+              <a:schemeClr val="accent4">
+                <a:alpha val="50000"/>
+              </a:schemeClr>
+            </a:solidFill>
+            <a:ln>
+              <a:noFill/>
+            </a:ln>
+          </p:spPr>
+          <p:style>
+            <a:lnRef idx="0">
+              <a:scrgbClr r="0" g="0" b="0"/>
+            </a:lnRef>
+            <a:fillRef idx="0">
+              <a:scrgbClr r="0" g="0" b="0"/>
+            </a:fillRef>
+            <a:effectRef idx="0">
+              <a:scrgbClr r="0" g="0" b="0"/>
+            </a:effectRef>
+            <a:fontRef idx="minor">
+              <a:schemeClr val="lt1"/>
+            </a:fontRef>
+          </p:style>
+          <p:txBody>
+            <a:bodyPr rtlCol="0" anchor="t"/>
+            <a:lstStyle/>
+            <a:p>
+              <a:pPr algn="ctr"/>
+              <a:r>
+                <a:rPr lang="en-US" altLang="ko-KR" sz="2800" dirty="0">
+                  <a:solidFill>
+                    <a:schemeClr val="tx1"/>
+                  </a:solidFill>
+                </a:rPr>
+                <a:t>R1</a:t>
+              </a:r>
+              <a:endParaRPr lang="ko-KR" altLang="en-US" sz="1200" dirty="0">
+                <a:solidFill>
+                  <a:schemeClr val="tx1"/>
+                </a:solidFill>
+              </a:endParaRPr>
+            </a:p>
+          </p:txBody>
+        </p:sp>
+        <p:grpSp>
+          <p:nvGrpSpPr>
+            <p:cNvPr id="17" name="그룹 16">
+              <a:extLst>
+                <a:ext uri="{FF2B5EF4-FFF2-40B4-BE49-F238E27FC236}">
+                  <a16:creationId xmlns:a16="http://schemas.microsoft.com/office/drawing/2014/main" id="{1032C5B6-6F15-0B71-31AC-6A846F1ABAF9}"/>
+                </a:ext>
+              </a:extLst>
+            </p:cNvPr>
+            <p:cNvGrpSpPr/>
+            <p:nvPr/>
+          </p:nvGrpSpPr>
+          <p:grpSpPr>
+            <a:xfrm>
+              <a:off x="1405973" y="2441441"/>
+              <a:ext cx="4398681" cy="2052964"/>
+              <a:chOff x="1314450" y="2476500"/>
+              <a:chExt cx="4476750" cy="2447925"/>
+            </a:xfrm>
+          </p:grpSpPr>
+          <p:sp>
+            <p:nvSpPr>
+              <p:cNvPr id="18" name="타원 17">
+                <a:extLst>
+                  <a:ext uri="{FF2B5EF4-FFF2-40B4-BE49-F238E27FC236}">
+                    <a16:creationId xmlns:a16="http://schemas.microsoft.com/office/drawing/2014/main" id="{4799297C-C1B1-B459-CA8E-C18F6B037C8E}"/>
+                  </a:ext>
+                </a:extLst>
+              </p:cNvPr>
+              <p:cNvSpPr/>
+              <p:nvPr/>
+            </p:nvSpPr>
+            <p:spPr>
+              <a:xfrm>
+                <a:off x="1314450" y="2476500"/>
+                <a:ext cx="1733550" cy="952500"/>
+              </a:xfrm>
+              <a:prstGeom prst="ellipse">
+                <a:avLst/>
+              </a:prstGeom>
+              <a:solidFill>
+                <a:schemeClr val="accent4">
+                  <a:alpha val="50000"/>
+                </a:schemeClr>
+              </a:solidFill>
+              <a:ln>
+                <a:noFill/>
+              </a:ln>
+            </p:spPr>
+            <p:style>
+              <a:lnRef idx="0">
+                <a:scrgbClr r="0" g="0" b="0"/>
+              </a:lnRef>
+              <a:fillRef idx="0">
+                <a:scrgbClr r="0" g="0" b="0"/>
+              </a:fillRef>
+              <a:effectRef idx="0">
+                <a:scrgbClr r="0" g="0" b="0"/>
+              </a:effectRef>
+              <a:fontRef idx="minor">
+                <a:schemeClr val="lt1"/>
+              </a:fontRef>
+            </p:style>
+            <p:txBody>
+              <a:bodyPr rtlCol="0" anchor="ctr"/>
+              <a:lstStyle/>
+              <a:p>
+                <a:pPr algn="ctr"/>
+                <a:r>
+                  <a:rPr lang="en-US" altLang="ko-KR" dirty="0"/>
+                  <a:t>Job $Func1</a:t>
+                </a:r>
+                <a:endParaRPr lang="ko-KR" altLang="en-US" dirty="0"/>
+              </a:p>
+            </p:txBody>
+          </p:sp>
+          <p:sp>
+            <p:nvSpPr>
+              <p:cNvPr id="19" name="타원 18">
+                <a:extLst>
+                  <a:ext uri="{FF2B5EF4-FFF2-40B4-BE49-F238E27FC236}">
+                    <a16:creationId xmlns:a16="http://schemas.microsoft.com/office/drawing/2014/main" id="{BC1C2AB1-53C2-3134-39D7-821DDE64FCA6}"/>
+                  </a:ext>
+                </a:extLst>
+              </p:cNvPr>
+              <p:cNvSpPr/>
+              <p:nvPr/>
+            </p:nvSpPr>
+            <p:spPr>
+              <a:xfrm>
+                <a:off x="4057650" y="3971925"/>
+                <a:ext cx="1733550" cy="952500"/>
+              </a:xfrm>
+              <a:prstGeom prst="ellipse">
+                <a:avLst/>
+              </a:prstGeom>
+              <a:solidFill>
+                <a:schemeClr val="accent4">
+                  <a:alpha val="50000"/>
+                </a:schemeClr>
+              </a:solidFill>
+              <a:ln>
+                <a:noFill/>
+              </a:ln>
+            </p:spPr>
+            <p:style>
+              <a:lnRef idx="0">
+                <a:scrgbClr r="0" g="0" b="0"/>
+              </a:lnRef>
+              <a:fillRef idx="0">
+                <a:scrgbClr r="0" g="0" b="0"/>
+              </a:fillRef>
+              <a:effectRef idx="0">
+                <a:scrgbClr r="0" g="0" b="0"/>
+              </a:effectRef>
+              <a:fontRef idx="minor">
+                <a:schemeClr val="lt1"/>
+              </a:fontRef>
+            </p:style>
+            <p:txBody>
+              <a:bodyPr rtlCol="0" anchor="ctr"/>
+              <a:lstStyle/>
+              <a:p>
+                <a:pPr algn="ctr"/>
+                <a:r>
+                  <a:rPr lang="en-US" altLang="ko-KR" dirty="0"/>
+                  <a:t>Job $Func2</a:t>
+                </a:r>
+                <a:endParaRPr lang="ko-KR" altLang="en-US" dirty="0"/>
+              </a:p>
+            </p:txBody>
+          </p:sp>
+          <p:cxnSp>
+            <p:nvCxnSpPr>
+              <p:cNvPr id="20" name="연결선: 꺾임 19">
+                <a:extLst>
+                  <a:ext uri="{FF2B5EF4-FFF2-40B4-BE49-F238E27FC236}">
+                    <a16:creationId xmlns:a16="http://schemas.microsoft.com/office/drawing/2014/main" id="{58E16926-A46B-1D84-E0E7-FF453F933C82}"/>
+                  </a:ext>
+                </a:extLst>
+              </p:cNvPr>
+              <p:cNvCxnSpPr>
+                <a:stCxn id="18" idx="5"/>
+                <a:endCxn id="19" idx="1"/>
+              </p:cNvCxnSpPr>
+              <p:nvPr/>
+            </p:nvCxnSpPr>
+            <p:spPr>
+              <a:xfrm rot="16200000" flipH="1">
+                <a:off x="3141873" y="2941764"/>
+                <a:ext cx="821905" cy="1517396"/>
+              </a:xfrm>
+              <a:prstGeom prst="bentConnector3">
+                <a:avLst/>
+              </a:prstGeom>
+              <a:ln>
+                <a:tailEnd type="triangle"/>
+              </a:ln>
+            </p:spPr>
+            <p:style>
+              <a:lnRef idx="1">
+                <a:schemeClr val="accent4"/>
+              </a:lnRef>
+              <a:fillRef idx="0">
+                <a:schemeClr val="accent4"/>
+              </a:fillRef>
+              <a:effectRef idx="0">
+                <a:schemeClr val="accent4"/>
+              </a:effectRef>
+              <a:fontRef idx="minor">
+                <a:schemeClr val="tx1"/>
+              </a:fontRef>
+            </p:style>
+          </p:cxnSp>
+        </p:grpSp>
+      </p:grpSp>
+      <p:sp>
+        <p:nvSpPr>
+          <p:cNvPr id="21" name="사각형: 모서리가 접힌 도형 20">
+            <a:extLst>
+              <a:ext uri="{FF2B5EF4-FFF2-40B4-BE49-F238E27FC236}">
+                <a16:creationId xmlns:a16="http://schemas.microsoft.com/office/drawing/2014/main" id="{DB926D2F-DFBD-8412-5ADF-EFF48CDDFE8A}"/>
+              </a:ext>
+            </a:extLst>
+          </p:cNvPr>
+          <p:cNvSpPr/>
+          <p:nvPr/>
+        </p:nvSpPr>
+        <p:spPr>
+          <a:xfrm>
+            <a:off x="8545957" y="2675440"/>
+            <a:ext cx="2437946" cy="1223682"/>
+          </a:xfrm>
+          <a:prstGeom prst="foldedCorner">
+            <a:avLst/>
+          </a:prstGeom>
+          <a:solidFill>
+            <a:schemeClr val="accent3">
+              <a:alpha val="50000"/>
+            </a:schemeClr>
+          </a:solidFill>
+          <a:ln>
+            <a:noFill/>
+          </a:ln>
+        </p:spPr>
+        <p:style>
+          <a:lnRef idx="0">
+            <a:scrgbClr r="0" g="0" b="0"/>
+          </a:lnRef>
+          <a:fillRef idx="0">
+            <a:scrgbClr r="0" g="0" b="0"/>
+          </a:fillRef>
+          <a:effectRef idx="0">
+            <a:scrgbClr r="0" g="0" b="0"/>
+          </a:effectRef>
+          <a:fontRef idx="minor">
+            <a:schemeClr val="lt1"/>
+          </a:fontRef>
+        </p:style>
+        <p:txBody>
+          <a:bodyPr rtlCol="0" anchor="ctr"/>
+          <a:lstStyle/>
+          <a:p>
+            <a:pPr algn="ctr"/>
+            <a:r>
+              <a:rPr lang="en-US" altLang="ko-KR" dirty="0"/>
+              <a:t>Lib/tester </a:t>
+            </a:r>
+          </a:p>
+          <a:p>
+            <a:pPr algn="ctr"/>
+            <a:r>
+              <a:rPr lang="en-US" altLang="ko-KR" dirty="0"/>
+              <a:t>[Job]5</a:t>
+            </a:r>
+            <a:endParaRPr lang="ko-KR" altLang="en-US" dirty="0"/>
+          </a:p>
+        </p:txBody>
+      </p:sp>
+      <p:sp>
+        <p:nvSpPr>
+          <p:cNvPr id="22" name="TextBox 21">
+            <a:extLst>
+              <a:ext uri="{FF2B5EF4-FFF2-40B4-BE49-F238E27FC236}">
+                <a16:creationId xmlns:a16="http://schemas.microsoft.com/office/drawing/2014/main" id="{0772646A-C193-829E-B2AE-9749CB2CD9D4}"/>
+              </a:ext>
+            </a:extLst>
+          </p:cNvPr>
+          <p:cNvSpPr txBox="1"/>
+          <p:nvPr/>
+        </p:nvSpPr>
+        <p:spPr>
+          <a:xfrm>
+            <a:off x="6817869" y="1861486"/>
+            <a:ext cx="4996881" cy="646331"/>
+          </a:xfrm>
+          <a:prstGeom prst="rect">
+            <a:avLst/>
+          </a:prstGeom>
+          <a:noFill/>
+        </p:spPr>
+        <p:txBody>
+          <a:bodyPr wrap="none" rtlCol="0">
+            <a:spAutoFit/>
+          </a:bodyPr>
+          <a:lstStyle/>
+          <a:p>
+            <a:r>
+              <a:rPr lang="ko-KR" altLang="en-US" dirty="0"/>
+              <a:t>확장정의</a:t>
+            </a:r>
+            <a:r>
+              <a:rPr lang="en-US" altLang="ko-KR" dirty="0"/>
+              <a:t>2 : N </a:t>
+            </a:r>
+            <a:r>
+              <a:rPr lang="ko-KR" altLang="en-US" dirty="0"/>
+              <a:t>숫자 만큼 </a:t>
+            </a:r>
+            <a:endParaRPr lang="en-US" altLang="ko-KR" dirty="0"/>
+          </a:p>
+          <a:p>
+            <a:r>
+              <a:rPr lang="en-US" altLang="ko-KR" dirty="0"/>
+              <a:t>groupName1~ groupNameN Loading </a:t>
+            </a:r>
+            <a:r>
+              <a:rPr lang="ko-KR" altLang="en-US" dirty="0"/>
+              <a:t>한다</a:t>
+            </a:r>
+            <a:r>
+              <a:rPr lang="en-US" altLang="ko-KR" dirty="0"/>
+              <a:t>.</a:t>
+            </a:r>
+          </a:p>
+        </p:txBody>
+      </p:sp>
+    </p:spTree>
+    <p:extLst>
+      <p:ext uri="{BB962C8B-B14F-4D97-AF65-F5344CB8AC3E}">
+        <p14:creationId xmlns:p14="http://schemas.microsoft.com/office/powerpoint/2010/main" val="3764349495"/>
+      </p:ext>
+    </p:extLst>
+  </p:cSld>
+  <p:clrMapOvr>
+    <a:masterClrMapping/>
+  </p:clrMapOvr>
+</p:sld>
+</file>
+
+<file path=ppt/slides/slide11.xml><?xml version="1.0" encoding="utf-8"?>
+<p:sld xmlns:a="http://schemas.openxmlformats.org/drawingml/2006/main" xmlns:r="http://schemas.openxmlformats.org/officeDocument/2006/relationships" xmlns:p="http://schemas.openxmlformats.org/presentationml/2006/main">
   <p:cSld>
     <p:spTree>
       <p:nvGrpSpPr>
@@ -13614,7 +14160,7 @@
             <a:pPr algn="ctr"/>
             <a:r>
               <a:rPr lang="en-US" altLang="ko-KR" dirty="0"/>
-              <a:t>../sample/Lib/Robot/Weld</a:t>
+              <a:t>Lib/Robot/Weld</a:t>
             </a:r>
           </a:p>
           <a:p>
@@ -13706,8 +14252,8 @@
 </p:sld>
 </file>
 
-<file path=ppt/slides/slide11.xml><?xml version="1.0" encoding="utf-8"?>
-<p:sld xmlns:a="http://schemas.openxmlformats.org/drawingml/2006/main" xmlns:r="http://schemas.openxmlformats.org/officeDocument/2006/relationships" xmlns:p="http://schemas.openxmlformats.org/presentationml/2006/main" show="0">
+<file path=ppt/slides/slide12.xml><?xml version="1.0" encoding="utf-8"?>
+<p:sld xmlns:a="http://schemas.openxmlformats.org/drawingml/2006/main" xmlns:r="http://schemas.openxmlformats.org/officeDocument/2006/relationships" xmlns:p="http://schemas.openxmlformats.org/presentationml/2006/main">
   <p:cSld>
     <p:spTree>
       <p:nvGrpSpPr>
@@ -14242,8 +14788,8 @@
 </p:sld>
 </file>
 
-<file path=ppt/slides/slide12.xml><?xml version="1.0" encoding="utf-8"?>
-<p:sld xmlns:a="http://schemas.openxmlformats.org/drawingml/2006/main" xmlns:r="http://schemas.openxmlformats.org/officeDocument/2006/relationships" xmlns:p="http://schemas.openxmlformats.org/presentationml/2006/main" show="0">
+<file path=ppt/slides/slide13.xml><?xml version="1.0" encoding="utf-8"?>
+<p:sld xmlns:a="http://schemas.openxmlformats.org/drawingml/2006/main" xmlns:r="http://schemas.openxmlformats.org/officeDocument/2006/relationships" xmlns:p="http://schemas.openxmlformats.org/presentationml/2006/main">
   <p:cSld>
     <p:spTree>
       <p:nvGrpSpPr>
@@ -15289,8 +15835,8 @@
 </p:sld>
 </file>
 
-<file path=ppt/slides/slide13.xml><?xml version="1.0" encoding="utf-8"?>
-<p:sld xmlns:a="http://schemas.openxmlformats.org/drawingml/2006/main" xmlns:r="http://schemas.openxmlformats.org/officeDocument/2006/relationships" xmlns:p="http://schemas.openxmlformats.org/presentationml/2006/main" show="0">
+<file path=ppt/slides/slide14.xml><?xml version="1.0" encoding="utf-8"?>
+<p:sld xmlns:a="http://schemas.openxmlformats.org/drawingml/2006/main" xmlns:r="http://schemas.openxmlformats.org/officeDocument/2006/relationships" xmlns:p="http://schemas.openxmlformats.org/presentationml/2006/main">
   <p:cSld>
     <p:spTree>
       <p:nvGrpSpPr>
@@ -15945,7 +16491,7 @@
         </p:nvSpPr>
         <p:spPr>
           <a:xfrm>
-            <a:off x="2152650" y="726379"/>
+            <a:off x="4179858" y="417326"/>
             <a:ext cx="1595718" cy="1760724"/>
           </a:xfrm>
           <a:prstGeom prst="frame">
@@ -15976,28 +16522,22 @@
           <a:p>
             <a:pPr algn="ctr"/>
             <a:r>
-              <a:rPr lang="en-US" altLang="ko-KR" sz="1100">
+              <a:rPr lang="en-US" altLang="ko-KR" sz="1100" dirty="0">
                 <a:solidFill>
                   <a:schemeClr val="tx1"/>
                 </a:solidFill>
               </a:rPr>
-              <a:t>R[airOn1]</a:t>
-            </a:r>
-          </a:p>
-          <a:p>
-            <a:pPr algn="ctr"/>
-            <a:r>
-              <a:rPr lang="en-US" altLang="ko-KR" sz="1100">
+              <a:t>[R]</a:t>
+            </a:r>
+            <a:r>
+              <a:rPr lang="en-US" altLang="ko-KR" sz="1100" dirty="0" err="1">
                 <a:solidFill>
                   <a:schemeClr val="tx1"/>
                 </a:solidFill>
               </a:rPr>
-              <a:t>R[airOn2]</a:t>
-            </a:r>
-          </a:p>
-          <a:p>
-            <a:pPr algn="ctr"/>
-            <a:endParaRPr lang="en-US" altLang="ko-KR" sz="1100">
+              <a:t>airOn1</a:t>
+            </a:r>
+            <a:endParaRPr lang="en-US" altLang="ko-KR" sz="1100" dirty="0">
               <a:solidFill>
                 <a:schemeClr val="tx1"/>
               </a:solidFill>
@@ -16006,25 +16546,78 @@
           <a:p>
             <a:pPr algn="ctr"/>
             <a:r>
+              <a:rPr lang="en-US" altLang="ko-KR" sz="1100" dirty="0">
+                <a:solidFill>
+                  <a:schemeClr val="tx1"/>
+                </a:solidFill>
+              </a:rPr>
+              <a:t>[R]</a:t>
+            </a:r>
+            <a:r>
+              <a:rPr lang="en-US" altLang="ko-KR" sz="1100" dirty="0" err="1">
+                <a:solidFill>
+                  <a:schemeClr val="tx1"/>
+                </a:solidFill>
+              </a:rPr>
+              <a:t>airOn2</a:t>
+            </a:r>
+            <a:endParaRPr lang="en-US" altLang="ko-KR" sz="1100" dirty="0">
+              <a:solidFill>
+                <a:schemeClr val="tx1"/>
+              </a:solidFill>
+            </a:endParaRPr>
+          </a:p>
+          <a:p>
+            <a:pPr algn="ctr"/>
+            <a:endParaRPr lang="en-US" altLang="ko-KR" sz="1100" dirty="0">
+              <a:solidFill>
+                <a:schemeClr val="tx1"/>
+              </a:solidFill>
+            </a:endParaRPr>
+          </a:p>
+          <a:p>
+            <a:pPr algn="ctr"/>
+            <a:r>
+              <a:rPr lang="en-US" altLang="ko-KR" sz="1100" dirty="0">
+                <a:solidFill>
+                  <a:schemeClr val="tx1"/>
+                </a:solidFill>
+              </a:rPr>
+              <a:t>[D]</a:t>
+            </a:r>
+            <a:r>
+              <a:rPr lang="en-US" altLang="ko-KR" sz="1100" dirty="0" err="1">
+                <a:solidFill>
+                  <a:schemeClr val="tx1"/>
+                </a:solidFill>
+              </a:rPr>
+              <a:t>leakOn</a:t>
+            </a:r>
+            <a:endParaRPr lang="en-US" altLang="ko-KR" sz="1100" dirty="0">
+              <a:solidFill>
+                <a:schemeClr val="tx1"/>
+              </a:solidFill>
+            </a:endParaRPr>
+          </a:p>
+          <a:p>
+            <a:pPr algn="ctr"/>
+            <a:r>
               <a:rPr lang="en-US" altLang="ko-KR" sz="1100">
                 <a:solidFill>
                   <a:schemeClr val="tx1"/>
                 </a:solidFill>
               </a:rPr>
-              <a:t>D[leakOn]</a:t>
-            </a:r>
-          </a:p>
-          <a:p>
-            <a:pPr algn="ctr"/>
-            <a:r>
-              <a:rPr lang="en-US" altLang="ko-KR" sz="1100">
+              <a:t>[D]</a:t>
+            </a:r>
+            <a:r>
+              <a:rPr lang="en-US" altLang="ko-KR" sz="1100" dirty="0" err="1">
                 <a:solidFill>
                   <a:schemeClr val="tx1"/>
                 </a:solidFill>
               </a:rPr>
-              <a:t>D[waterLowErr]</a:t>
-            </a:r>
-            <a:endParaRPr lang="ko-KR" altLang="en-US" sz="1100">
+              <a:t>waterLowErr</a:t>
+            </a:r>
+            <a:endParaRPr lang="ko-KR" altLang="en-US" sz="1100" dirty="0">
               <a:solidFill>
                 <a:schemeClr val="tx1"/>
               </a:solidFill>
@@ -16053,7 +16646,7 @@
 </p:sld>
 </file>
 
-<file path=ppt/slides/slide14.xml><?xml version="1.0" encoding="utf-8"?>
+<file path=ppt/slides/slide15.xml><?xml version="1.0" encoding="utf-8"?>
 <p:sld xmlns:a="http://schemas.openxmlformats.org/drawingml/2006/main" xmlns:r="http://schemas.openxmlformats.org/officeDocument/2006/relationships" xmlns:p="http://schemas.openxmlformats.org/presentationml/2006/main">
   <p:cSld>
     <p:spTree>
@@ -16092,8 +16685,8 @@
           <a:lstStyle/>
           <a:p>
             <a:r>
-              <a:rPr lang="en-US" altLang="ko-KR" dirty="0"/>
-              <a:t>S101</a:t>
+              <a:rPr lang="en-US" altLang="ko-KR" dirty="0" err="1"/>
+              <a:t>S01</a:t>
             </a:r>
             <a:endParaRPr lang="ko-KR" altLang="en-US" dirty="0"/>
           </a:p>
@@ -16558,7 +17151,7 @@
 </p:sld>
 </file>
 
-<file path=ppt/slides/slide15.xml><?xml version="1.0" encoding="utf-8"?>
+<file path=ppt/slides/slide16.xml><?xml version="1.0" encoding="utf-8"?>
 <p:sld xmlns:a="http://schemas.openxmlformats.org/drawingml/2006/main" xmlns:r="http://schemas.openxmlformats.org/officeDocument/2006/relationships" xmlns:p="http://schemas.openxmlformats.org/presentationml/2006/main">
   <p:cSld>
     <p:spTree>
@@ -16598,7 +17191,7 @@
           <a:p>
             <a:r>
               <a:rPr lang="en-US" altLang="ko-KR" dirty="0" err="1"/>
-              <a:t>S10</a:t>
+              <a:t>S02</a:t>
             </a:r>
             <a:endParaRPr lang="ko-KR" altLang="en-US" dirty="0"/>
           </a:p>
@@ -16913,7 +17506,7 @@
 </p:sld>
 </file>
 
-<file path=ppt/slides/slide16.xml><?xml version="1.0" encoding="utf-8"?>
+<file path=ppt/slides/slide17.xml><?xml version="1.0" encoding="utf-8"?>
 <p:sld xmlns:a="http://schemas.openxmlformats.org/drawingml/2006/main" xmlns:r="http://schemas.openxmlformats.org/officeDocument/2006/relationships" xmlns:p="http://schemas.openxmlformats.org/presentationml/2006/main">
   <p:cSld>
     <p:spTree>
@@ -16952,8 +17545,8 @@
           <a:lstStyle/>
           <a:p>
             <a:r>
-              <a:rPr lang="en-US" altLang="ko-KR" dirty="0"/>
-              <a:t>F</a:t>
+              <a:rPr lang="en-US" altLang="ko-KR" dirty="0" err="1"/>
+              <a:t>F10</a:t>
             </a:r>
             <a:endParaRPr lang="ko-KR" altLang="en-US" dirty="0"/>
           </a:p>
@@ -17242,7 +17835,7 @@
             <a:pPr algn="ctr"/>
             <a:r>
               <a:rPr lang="en-US" altLang="ko-KR" dirty="0"/>
-              <a:t>../Sample/lib/Cylinder/Double </a:t>
+              <a:t>lib/Cylinder/Double </a:t>
             </a:r>
           </a:p>
           <a:p>
@@ -17268,8 +17861,8 @@
 </p:sld>
 </file>
 
-<file path=ppt/slides/slide17.xml><?xml version="1.0" encoding="utf-8"?>
-<p:sld xmlns:a="http://schemas.openxmlformats.org/drawingml/2006/main" xmlns:r="http://schemas.openxmlformats.org/officeDocument/2006/relationships" xmlns:p="http://schemas.openxmlformats.org/presentationml/2006/main" show="0">
+<file path=ppt/slides/slide18.xml><?xml version="1.0" encoding="utf-8"?>
+<p:sld xmlns:a="http://schemas.openxmlformats.org/drawingml/2006/main" xmlns:r="http://schemas.openxmlformats.org/officeDocument/2006/relationships" xmlns:p="http://schemas.openxmlformats.org/presentationml/2006/main">
   <p:cSld>
     <p:spTree>
       <p:nvGrpSpPr>
@@ -17307,8 +17900,8 @@
           <a:lstStyle/>
           <a:p>
             <a:r>
-              <a:rPr lang="en-US" altLang="ko-KR" dirty="0"/>
-              <a:t>F</a:t>
+              <a:rPr lang="en-US" altLang="ko-KR" dirty="0" err="1"/>
+              <a:t>F11</a:t>
             </a:r>
             <a:endParaRPr lang="ko-KR" altLang="en-US" dirty="0"/>
           </a:p>
@@ -17429,7 +18022,7 @@
             <a:pPr algn="ctr"/>
             <a:r>
               <a:rPr lang="en-US" altLang="ko-KR" dirty="0"/>
-              <a:t>../Sample/lib/Cylinder/Double </a:t>
+              <a:t>lib/Cylinder/Double </a:t>
             </a:r>
           </a:p>
           <a:p>
@@ -17838,7 +18431,7 @@
             <a:pPr algn="ctr"/>
             <a:r>
               <a:rPr lang="en-US" altLang="ko-KR" dirty="0"/>
-              <a:t>../Sample/lib/Cylinder/Double </a:t>
+              <a:t>lib/Cylinder/Double </a:t>
             </a:r>
           </a:p>
           <a:p>
@@ -17865,7 +18458,7 @@
 </file>
 
 <file path=ppt/slides/slide2.xml><?xml version="1.0" encoding="utf-8"?>
-<p:sld xmlns:a="http://schemas.openxmlformats.org/drawingml/2006/main" xmlns:r="http://schemas.openxmlformats.org/officeDocument/2006/relationships" xmlns:p="http://schemas.openxmlformats.org/presentationml/2006/main" show="0">
+<p:sld xmlns:a="http://schemas.openxmlformats.org/drawingml/2006/main" xmlns:r="http://schemas.openxmlformats.org/officeDocument/2006/relationships" xmlns:p="http://schemas.openxmlformats.org/presentationml/2006/main">
   <p:cSld>
     <p:spTree>
       <p:nvGrpSpPr>
@@ -18093,7 +18686,7 @@
             <a:pPr algn="ctr"/>
             <a:r>
               <a:rPr lang="en-US" altLang="ko-KR" sz="1600" dirty="0"/>
-              <a:t>../Sample/lib/Cylinder/Double</a:t>
+              <a:t>lib/Cylinder/Double</a:t>
             </a:r>
           </a:p>
           <a:p>
@@ -18158,7 +18751,7 @@
             <a:pPr algn="ctr"/>
             <a:r>
               <a:rPr lang="en-US" altLang="ko-KR" sz="1600" dirty="0"/>
-              <a:t>../Sample/lib/Robot/Weld</a:t>
+              <a:t>lib/Robot/Weld</a:t>
             </a:r>
           </a:p>
           <a:p>
@@ -18223,7 +18816,7 @@
             <a:pPr algn="ctr"/>
             <a:r>
               <a:rPr lang="en-US" altLang="ko-KR" sz="1600" dirty="0"/>
-              <a:t>../Sample/lib/Cylinder/Double</a:t>
+              <a:t>lib/Cylinder/Double</a:t>
             </a:r>
           </a:p>
           <a:p>
@@ -18258,7 +18851,7 @@
 </file>
 
 <file path=ppt/slides/slide3.xml><?xml version="1.0" encoding="utf-8"?>
-<p:sld xmlns:a="http://schemas.openxmlformats.org/drawingml/2006/main" xmlns:r="http://schemas.openxmlformats.org/officeDocument/2006/relationships" xmlns:p="http://schemas.openxmlformats.org/presentationml/2006/main" show="0">
+<p:sld xmlns:a="http://schemas.openxmlformats.org/drawingml/2006/main" xmlns:r="http://schemas.openxmlformats.org/officeDocument/2006/relationships" xmlns:p="http://schemas.openxmlformats.org/presentationml/2006/main">
   <p:cSld>
     <p:spTree>
       <p:nvGrpSpPr>
@@ -18355,7 +18948,7 @@
             <a:pPr algn="ctr"/>
             <a:r>
               <a:rPr lang="en-US" altLang="ko-KR" sz="1600" dirty="0"/>
-              <a:t>../Sample/lib/Cylinder/Double</a:t>
+              <a:t>lib/Cylinder/Double</a:t>
             </a:r>
           </a:p>
           <a:p>
@@ -18420,7 +19013,7 @@
             <a:pPr algn="ctr"/>
             <a:r>
               <a:rPr lang="en-US" altLang="ko-KR" sz="1600" dirty="0"/>
-              <a:t>../Sample/lib/Robot/Weld</a:t>
+              <a:t>lib/Robot/Weld</a:t>
             </a:r>
           </a:p>
           <a:p>
@@ -18447,7 +19040,7 @@
 </file>
 
 <file path=ppt/slides/slide4.xml><?xml version="1.0" encoding="utf-8"?>
-<p:sld xmlns:a="http://schemas.openxmlformats.org/drawingml/2006/main" xmlns:r="http://schemas.openxmlformats.org/officeDocument/2006/relationships" xmlns:p="http://schemas.openxmlformats.org/presentationml/2006/main" show="0">
+<p:sld xmlns:a="http://schemas.openxmlformats.org/drawingml/2006/main" xmlns:r="http://schemas.openxmlformats.org/officeDocument/2006/relationships" xmlns:p="http://schemas.openxmlformats.org/presentationml/2006/main">
   <p:cSld>
     <p:spTree>
       <p:nvGrpSpPr>
@@ -18486,7 +19079,7 @@
           <a:p>
             <a:r>
               <a:rPr lang="en-US" altLang="ko-KR" dirty="0"/>
-              <a:t>F</a:t>
+              <a:t>F0</a:t>
             </a:r>
             <a:endParaRPr lang="ko-KR" altLang="en-US" dirty="0"/>
           </a:p>
@@ -18696,7 +19289,7 @@
             <a:pPr algn="ctr"/>
             <a:r>
               <a:rPr lang="en-US" altLang="ko-KR" dirty="0"/>
-              <a:t>../Sample/lib/Cylinder/Single </a:t>
+              <a:t>lib/Cylinder/Single </a:t>
             </a:r>
           </a:p>
           <a:p>
@@ -18880,7 +19473,7 @@
 </file>
 
 <file path=ppt/slides/slide5.xml><?xml version="1.0" encoding="utf-8"?>
-<p:sld xmlns:a="http://schemas.openxmlformats.org/drawingml/2006/main" xmlns:r="http://schemas.openxmlformats.org/officeDocument/2006/relationships" xmlns:p="http://schemas.openxmlformats.org/presentationml/2006/main" show="0">
+<p:sld xmlns:a="http://schemas.openxmlformats.org/drawingml/2006/main" xmlns:r="http://schemas.openxmlformats.org/officeDocument/2006/relationships" xmlns:p="http://schemas.openxmlformats.org/presentationml/2006/main">
   <p:cSld>
     <p:spTree>
       <p:nvGrpSpPr>
@@ -18918,8 +19511,8 @@
           <a:lstStyle/>
           <a:p>
             <a:r>
-              <a:rPr lang="en-US" altLang="ko-KR" dirty="0"/>
-              <a:t>F1</a:t>
+              <a:rPr lang="en-US" altLang="ko-KR" sz="4400" dirty="0"/>
+              <a:t>FEX</a:t>
             </a:r>
             <a:endParaRPr lang="ko-KR" altLang="en-US" dirty="0"/>
           </a:p>
@@ -20071,7 +20664,1204 @@
 </file>
 
 <file path=ppt/slides/slide6.xml><?xml version="1.0" encoding="utf-8"?>
-<p:sld xmlns:a="http://schemas.openxmlformats.org/drawingml/2006/main" xmlns:r="http://schemas.openxmlformats.org/officeDocument/2006/relationships" xmlns:p="http://schemas.openxmlformats.org/presentationml/2006/main" show="0">
+<p:sld xmlns:a="http://schemas.openxmlformats.org/drawingml/2006/main" xmlns:r="http://schemas.openxmlformats.org/officeDocument/2006/relationships" xmlns:p="http://schemas.openxmlformats.org/presentationml/2006/main">
+  <p:cSld>
+    <p:spTree>
+      <p:nvGrpSpPr>
+        <p:cNvPr id="1" name=""/>
+        <p:cNvGrpSpPr/>
+        <p:nvPr/>
+      </p:nvGrpSpPr>
+      <p:grpSpPr>
+        <a:xfrm>
+          <a:off x="0" y="0"/>
+          <a:ext cx="0" cy="0"/>
+          <a:chOff x="0" y="0"/>
+          <a:chExt cx="0" cy="0"/>
+        </a:xfrm>
+      </p:grpSpPr>
+      <p:sp>
+        <p:nvSpPr>
+          <p:cNvPr id="2" name="제목 1">
+            <a:extLst>
+              <a:ext uri="{FF2B5EF4-FFF2-40B4-BE49-F238E27FC236}">
+                <a16:creationId xmlns:a16="http://schemas.microsoft.com/office/drawing/2014/main" id="{5E8FE27E-4086-E570-1BA4-F2B433CAA376}"/>
+              </a:ext>
+            </a:extLst>
+          </p:cNvPr>
+          <p:cNvSpPr>
+            <a:spLocks noGrp="1"/>
+          </p:cNvSpPr>
+          <p:nvPr>
+            <p:ph type="title"/>
+          </p:nvPr>
+        </p:nvSpPr>
+        <p:spPr/>
+        <p:txBody>
+          <a:bodyPr/>
+          <a:lstStyle/>
+          <a:p>
+            <a:r>
+              <a:rPr lang="en-US" altLang="ko-KR" sz="4400" dirty="0"/>
+              <a:t>F1</a:t>
+            </a:r>
+            <a:endParaRPr lang="ko-KR" altLang="en-US" dirty="0"/>
+          </a:p>
+        </p:txBody>
+      </p:sp>
+      <p:sp>
+        <p:nvSpPr>
+          <p:cNvPr id="42" name="화살표: 오각형 41">
+            <a:extLst>
+              <a:ext uri="{FF2B5EF4-FFF2-40B4-BE49-F238E27FC236}">
+                <a16:creationId xmlns:a16="http://schemas.microsoft.com/office/drawing/2014/main" id="{2F89300B-092D-5CED-C5FE-5B8BE106F031}"/>
+              </a:ext>
+            </a:extLst>
+          </p:cNvPr>
+          <p:cNvSpPr/>
+          <p:nvPr/>
+        </p:nvSpPr>
+        <p:spPr>
+          <a:xfrm flipH="1">
+            <a:off x="-71505" y="3121460"/>
+            <a:ext cx="1233582" cy="690024"/>
+          </a:xfrm>
+          <a:prstGeom prst="homePlate">
+            <a:avLst/>
+          </a:prstGeom>
+          <a:solidFill>
+            <a:schemeClr val="accent2">
+              <a:alpha val="50000"/>
+            </a:schemeClr>
+          </a:solidFill>
+          <a:ln>
+            <a:noFill/>
+          </a:ln>
+        </p:spPr>
+        <p:style>
+          <a:lnRef idx="0">
+            <a:scrgbClr r="0" g="0" b="0"/>
+          </a:lnRef>
+          <a:fillRef idx="0">
+            <a:scrgbClr r="0" g="0" b="0"/>
+          </a:fillRef>
+          <a:effectRef idx="0">
+            <a:scrgbClr r="0" g="0" b="0"/>
+          </a:effectRef>
+          <a:fontRef idx="minor">
+            <a:schemeClr val="lt1"/>
+          </a:fontRef>
+        </p:style>
+        <p:txBody>
+          <a:bodyPr vert="horz" wrap="none" lIns="91440" tIns="45720" rIns="91440" bIns="45720" numCol="1" rtlCol="0" anchor="ctr" anchorCtr="0" compatLnSpc="1">
+            <a:prstTxWarp prst="textNoShape">
+              <a:avLst/>
+            </a:prstTxWarp>
+          </a:bodyPr>
+          <a:lstStyle/>
+          <a:p>
+            <a:pPr algn="ctr"/>
+            <a:r>
+              <a:rPr lang="en-US" altLang="ko-KR" sz="1200" dirty="0" err="1">
+                <a:ea typeface="현대하모니 M" panose="02020603020101020101"/>
+              </a:rPr>
+              <a:t>API11</a:t>
+            </a:r>
+            <a:endParaRPr lang="en-US" altLang="ko-KR" sz="1200" dirty="0">
+              <a:ea typeface="현대하모니 M" panose="02020603020101020101"/>
+            </a:endParaRPr>
+          </a:p>
+          <a:p>
+            <a:pPr algn="ctr"/>
+            <a:r>
+              <a:rPr lang="en-US" altLang="ko-KR" sz="1200" dirty="0">
+                <a:ea typeface="현대하모니 M" panose="02020603020101020101"/>
+              </a:rPr>
+              <a:t>[</a:t>
+            </a:r>
+            <a:r>
+              <a:rPr lang="en-US" altLang="ko-KR" sz="1200" dirty="0" err="1">
+                <a:ea typeface="현대하모니 M" panose="02020603020101020101"/>
+              </a:rPr>
+              <a:t>R1~R2</a:t>
+            </a:r>
+            <a:r>
+              <a:rPr lang="en-US" altLang="ko-KR" sz="1200" dirty="0">
+                <a:ea typeface="현대하모니 M" panose="02020603020101020101"/>
+              </a:rPr>
+              <a:t>]</a:t>
+            </a:r>
+            <a:endParaRPr lang="ko-KR" altLang="en-US" sz="1200" dirty="0">
+              <a:ea typeface="현대하모니 M" panose="02020603020101020101"/>
+            </a:endParaRPr>
+          </a:p>
+        </p:txBody>
+      </p:sp>
+      <p:sp>
+        <p:nvSpPr>
+          <p:cNvPr id="44" name="화살표: 오각형 43">
+            <a:extLst>
+              <a:ext uri="{FF2B5EF4-FFF2-40B4-BE49-F238E27FC236}">
+                <a16:creationId xmlns:a16="http://schemas.microsoft.com/office/drawing/2014/main" id="{AA65BDF8-B9CD-00FB-C4EB-97887425723E}"/>
+              </a:ext>
+            </a:extLst>
+          </p:cNvPr>
+          <p:cNvSpPr/>
+          <p:nvPr/>
+        </p:nvSpPr>
+        <p:spPr>
+          <a:xfrm flipH="1">
+            <a:off x="-71506" y="3900938"/>
+            <a:ext cx="1233582" cy="690024"/>
+          </a:xfrm>
+          <a:prstGeom prst="homePlate">
+            <a:avLst/>
+          </a:prstGeom>
+          <a:solidFill>
+            <a:schemeClr val="accent2">
+              <a:alpha val="50000"/>
+            </a:schemeClr>
+          </a:solidFill>
+          <a:ln>
+            <a:noFill/>
+          </a:ln>
+        </p:spPr>
+        <p:style>
+          <a:lnRef idx="0">
+            <a:scrgbClr r="0" g="0" b="0"/>
+          </a:lnRef>
+          <a:fillRef idx="0">
+            <a:scrgbClr r="0" g="0" b="0"/>
+          </a:fillRef>
+          <a:effectRef idx="0">
+            <a:scrgbClr r="0" g="0" b="0"/>
+          </a:effectRef>
+          <a:fontRef idx="minor">
+            <a:schemeClr val="lt1"/>
+          </a:fontRef>
+        </p:style>
+        <p:txBody>
+          <a:bodyPr vert="horz" wrap="none" lIns="91440" tIns="45720" rIns="91440" bIns="45720" numCol="1" rtlCol="0" anchor="ctr" anchorCtr="0" compatLnSpc="1">
+            <a:prstTxWarp prst="textNoShape">
+              <a:avLst/>
+            </a:prstTxWarp>
+          </a:bodyPr>
+          <a:lstStyle/>
+          <a:p>
+            <a:pPr algn="ctr"/>
+            <a:r>
+              <a:rPr lang="en-US" altLang="ko-KR" sz="1200" dirty="0" err="1">
+                <a:ea typeface="현대하모니 M" panose="02020603020101020101"/>
+              </a:rPr>
+              <a:t>API12</a:t>
+            </a:r>
+            <a:endParaRPr lang="en-US" altLang="ko-KR" sz="1200" dirty="0">
+              <a:ea typeface="현대하모니 M" panose="02020603020101020101"/>
+            </a:endParaRPr>
+          </a:p>
+          <a:p>
+            <a:pPr algn="ctr"/>
+            <a:r>
+              <a:rPr lang="en-US" altLang="ko-KR" sz="1200" dirty="0">
+                <a:ea typeface="현대하모니 M" panose="02020603020101020101"/>
+              </a:rPr>
+              <a:t>[</a:t>
+            </a:r>
+            <a:r>
+              <a:rPr lang="en-US" altLang="ko-KR" sz="1200" dirty="0" err="1">
+                <a:ea typeface="현대하모니 M" panose="02020603020101020101"/>
+              </a:rPr>
+              <a:t>R4~R6</a:t>
+            </a:r>
+            <a:r>
+              <a:rPr lang="en-US" altLang="ko-KR" sz="1200" dirty="0">
+                <a:ea typeface="현대하모니 M" panose="02020603020101020101"/>
+              </a:rPr>
+              <a:t>]</a:t>
+            </a:r>
+            <a:endParaRPr lang="ko-KR" altLang="en-US" sz="1200" dirty="0">
+              <a:ea typeface="현대하모니 M" panose="02020603020101020101"/>
+            </a:endParaRPr>
+          </a:p>
+        </p:txBody>
+      </p:sp>
+      <p:cxnSp>
+        <p:nvCxnSpPr>
+          <p:cNvPr id="45" name="연결선: 꺾임 44">
+            <a:extLst>
+              <a:ext uri="{FF2B5EF4-FFF2-40B4-BE49-F238E27FC236}">
+                <a16:creationId xmlns:a16="http://schemas.microsoft.com/office/drawing/2014/main" id="{B2E87DD6-491A-DFA6-EF05-57E3DE69FB3E}"/>
+              </a:ext>
+            </a:extLst>
+          </p:cNvPr>
+          <p:cNvCxnSpPr>
+            <a:cxnSpLocks/>
+            <a:stCxn id="44" idx="1"/>
+            <a:endCxn id="42" idx="1"/>
+          </p:cNvCxnSpPr>
+          <p:nvPr/>
+        </p:nvCxnSpPr>
+        <p:spPr>
+          <a:xfrm flipV="1">
+            <a:off x="1162076" y="3466472"/>
+            <a:ext cx="1" cy="779478"/>
+          </a:xfrm>
+          <a:prstGeom prst="bentConnector3">
+            <a:avLst>
+              <a:gd name="adj1" fmla="val 22860100000"/>
+            </a:avLst>
+          </a:prstGeom>
+          <a:ln w="57150">
+            <a:solidFill>
+              <a:schemeClr val="accent6"/>
+            </a:solidFill>
+            <a:prstDash val="dash"/>
+            <a:headEnd type="triangle" w="med" len="med"/>
+            <a:tailEnd type="triangle" w="med" len="med"/>
+          </a:ln>
+        </p:spPr>
+        <p:style>
+          <a:lnRef idx="1">
+            <a:schemeClr val="accent1"/>
+          </a:lnRef>
+          <a:fillRef idx="0">
+            <a:schemeClr val="accent1"/>
+          </a:fillRef>
+          <a:effectRef idx="0">
+            <a:schemeClr val="accent1"/>
+          </a:effectRef>
+          <a:fontRef idx="minor">
+            <a:schemeClr val="tx1"/>
+          </a:fontRef>
+        </p:style>
+      </p:cxnSp>
+      <p:sp>
+        <p:nvSpPr>
+          <p:cNvPr id="56" name="직사각형 55">
+            <a:extLst>
+              <a:ext uri="{FF2B5EF4-FFF2-40B4-BE49-F238E27FC236}">
+                <a16:creationId xmlns:a16="http://schemas.microsoft.com/office/drawing/2014/main" id="{B59930BF-EFE8-0861-D55E-FEAC7FD46A32}"/>
+              </a:ext>
+            </a:extLst>
+          </p:cNvPr>
+          <p:cNvSpPr/>
+          <p:nvPr/>
+        </p:nvSpPr>
+        <p:spPr>
+          <a:xfrm>
+            <a:off x="3367314" y="2622445"/>
+            <a:ext cx="1103086" cy="1066431"/>
+          </a:xfrm>
+          <a:prstGeom prst="rect">
+            <a:avLst/>
+          </a:prstGeom>
+          <a:solidFill>
+            <a:schemeClr val="accent4">
+              <a:alpha val="50000"/>
+            </a:schemeClr>
+          </a:solidFill>
+          <a:ln>
+            <a:noFill/>
+          </a:ln>
+        </p:spPr>
+        <p:style>
+          <a:lnRef idx="0">
+            <a:scrgbClr r="0" g="0" b="0"/>
+          </a:lnRef>
+          <a:fillRef idx="0">
+            <a:scrgbClr r="0" g="0" b="0"/>
+          </a:fillRef>
+          <a:effectRef idx="0">
+            <a:scrgbClr r="0" g="0" b="0"/>
+          </a:effectRef>
+          <a:fontRef idx="minor">
+            <a:schemeClr val="lt1"/>
+          </a:fontRef>
+        </p:style>
+        <p:txBody>
+          <a:bodyPr rtlCol="0" anchor="ctr"/>
+          <a:lstStyle/>
+          <a:p>
+            <a:pPr algn="ctr"/>
+            <a:r>
+              <a:rPr lang="en-US" altLang="ko-KR" sz="1200" dirty="0"/>
+              <a:t>R1</a:t>
+            </a:r>
+            <a:endParaRPr lang="ko-KR" altLang="en-US" sz="1200" dirty="0"/>
+          </a:p>
+        </p:txBody>
+      </p:sp>
+      <p:sp>
+        <p:nvSpPr>
+          <p:cNvPr id="57" name="직사각형 56">
+            <a:extLst>
+              <a:ext uri="{FF2B5EF4-FFF2-40B4-BE49-F238E27FC236}">
+                <a16:creationId xmlns:a16="http://schemas.microsoft.com/office/drawing/2014/main" id="{BC6400FF-5524-4038-3024-EDBA75033DA4}"/>
+              </a:ext>
+            </a:extLst>
+          </p:cNvPr>
+          <p:cNvSpPr/>
+          <p:nvPr/>
+        </p:nvSpPr>
+        <p:spPr>
+          <a:xfrm>
+            <a:off x="5152571" y="2622445"/>
+            <a:ext cx="1103086" cy="1066431"/>
+          </a:xfrm>
+          <a:prstGeom prst="rect">
+            <a:avLst/>
+          </a:prstGeom>
+          <a:solidFill>
+            <a:schemeClr val="accent4">
+              <a:alpha val="50000"/>
+            </a:schemeClr>
+          </a:solidFill>
+          <a:ln>
+            <a:noFill/>
+          </a:ln>
+        </p:spPr>
+        <p:style>
+          <a:lnRef idx="0">
+            <a:scrgbClr r="0" g="0" b="0"/>
+          </a:lnRef>
+          <a:fillRef idx="0">
+            <a:scrgbClr r="0" g="0" b="0"/>
+          </a:fillRef>
+          <a:effectRef idx="0">
+            <a:scrgbClr r="0" g="0" b="0"/>
+          </a:effectRef>
+          <a:fontRef idx="minor">
+            <a:schemeClr val="lt1"/>
+          </a:fontRef>
+        </p:style>
+        <p:txBody>
+          <a:bodyPr rtlCol="0" anchor="ctr"/>
+          <a:lstStyle/>
+          <a:p>
+            <a:pPr algn="ctr"/>
+            <a:r>
+              <a:rPr lang="en-US" altLang="ko-KR" sz="1200" dirty="0"/>
+              <a:t>R2</a:t>
+            </a:r>
+            <a:endParaRPr lang="ko-KR" altLang="en-US" sz="1200" dirty="0"/>
+          </a:p>
+        </p:txBody>
+      </p:sp>
+      <p:sp>
+        <p:nvSpPr>
+          <p:cNvPr id="58" name="직사각형 57">
+            <a:extLst>
+              <a:ext uri="{FF2B5EF4-FFF2-40B4-BE49-F238E27FC236}">
+                <a16:creationId xmlns:a16="http://schemas.microsoft.com/office/drawing/2014/main" id="{AC60E36D-ED89-20DC-649C-AC6A71988D99}"/>
+              </a:ext>
+            </a:extLst>
+          </p:cNvPr>
+          <p:cNvSpPr/>
+          <p:nvPr/>
+        </p:nvSpPr>
+        <p:spPr>
+          <a:xfrm>
+            <a:off x="6937828" y="2622445"/>
+            <a:ext cx="1103086" cy="1066431"/>
+          </a:xfrm>
+          <a:prstGeom prst="rect">
+            <a:avLst/>
+          </a:prstGeom>
+          <a:solidFill>
+            <a:schemeClr val="accent4">
+              <a:alpha val="50000"/>
+            </a:schemeClr>
+          </a:solidFill>
+          <a:ln>
+            <a:noFill/>
+          </a:ln>
+        </p:spPr>
+        <p:style>
+          <a:lnRef idx="0">
+            <a:scrgbClr r="0" g="0" b="0"/>
+          </a:lnRef>
+          <a:fillRef idx="0">
+            <a:scrgbClr r="0" g="0" b="0"/>
+          </a:fillRef>
+          <a:effectRef idx="0">
+            <a:scrgbClr r="0" g="0" b="0"/>
+          </a:effectRef>
+          <a:fontRef idx="minor">
+            <a:schemeClr val="lt1"/>
+          </a:fontRef>
+        </p:style>
+        <p:txBody>
+          <a:bodyPr rtlCol="0" anchor="ctr"/>
+          <a:lstStyle/>
+          <a:p>
+            <a:pPr algn="ctr"/>
+            <a:r>
+              <a:rPr lang="en-US" altLang="ko-KR" sz="1200" dirty="0"/>
+              <a:t>R3</a:t>
+            </a:r>
+            <a:endParaRPr lang="ko-KR" altLang="en-US" sz="1200" dirty="0"/>
+          </a:p>
+        </p:txBody>
+      </p:sp>
+      <p:cxnSp>
+        <p:nvCxnSpPr>
+          <p:cNvPr id="60" name="직선 화살표 연결선 59">
+            <a:extLst>
+              <a:ext uri="{FF2B5EF4-FFF2-40B4-BE49-F238E27FC236}">
+                <a16:creationId xmlns:a16="http://schemas.microsoft.com/office/drawing/2014/main" id="{212CABAB-11EC-E692-772C-DCB98D8A7446}"/>
+              </a:ext>
+            </a:extLst>
+          </p:cNvPr>
+          <p:cNvCxnSpPr>
+            <a:cxnSpLocks/>
+            <a:stCxn id="56" idx="3"/>
+            <a:endCxn id="57" idx="1"/>
+          </p:cNvCxnSpPr>
+          <p:nvPr/>
+        </p:nvCxnSpPr>
+        <p:spPr>
+          <a:xfrm>
+            <a:off x="4470400" y="3155661"/>
+            <a:ext cx="682171" cy="0"/>
+          </a:xfrm>
+          <a:prstGeom prst="straightConnector1">
+            <a:avLst/>
+          </a:prstGeom>
+          <a:ln w="57150">
+            <a:tailEnd type="triangle"/>
+          </a:ln>
+        </p:spPr>
+        <p:style>
+          <a:lnRef idx="1">
+            <a:schemeClr val="accent1"/>
+          </a:lnRef>
+          <a:fillRef idx="0">
+            <a:schemeClr val="accent1"/>
+          </a:fillRef>
+          <a:effectRef idx="0">
+            <a:schemeClr val="accent1"/>
+          </a:effectRef>
+          <a:fontRef idx="minor">
+            <a:schemeClr val="tx1"/>
+          </a:fontRef>
+        </p:style>
+      </p:cxnSp>
+      <p:cxnSp>
+        <p:nvCxnSpPr>
+          <p:cNvPr id="61" name="직선 화살표 연결선 60">
+            <a:extLst>
+              <a:ext uri="{FF2B5EF4-FFF2-40B4-BE49-F238E27FC236}">
+                <a16:creationId xmlns:a16="http://schemas.microsoft.com/office/drawing/2014/main" id="{3DD5BD68-5DED-63DC-6E32-E19170A965EF}"/>
+              </a:ext>
+            </a:extLst>
+          </p:cNvPr>
+          <p:cNvCxnSpPr>
+            <a:cxnSpLocks/>
+            <a:stCxn id="57" idx="3"/>
+            <a:endCxn id="58" idx="1"/>
+          </p:cNvCxnSpPr>
+          <p:nvPr/>
+        </p:nvCxnSpPr>
+        <p:spPr>
+          <a:xfrm>
+            <a:off x="6255657" y="3155661"/>
+            <a:ext cx="682171" cy="0"/>
+          </a:xfrm>
+          <a:prstGeom prst="straightConnector1">
+            <a:avLst/>
+          </a:prstGeom>
+          <a:ln w="57150">
+            <a:tailEnd type="triangle"/>
+          </a:ln>
+        </p:spPr>
+        <p:style>
+          <a:lnRef idx="1">
+            <a:schemeClr val="accent1"/>
+          </a:lnRef>
+          <a:fillRef idx="0">
+            <a:schemeClr val="accent1"/>
+          </a:fillRef>
+          <a:effectRef idx="0">
+            <a:schemeClr val="accent1"/>
+          </a:effectRef>
+          <a:fontRef idx="minor">
+            <a:schemeClr val="tx1"/>
+          </a:fontRef>
+        </p:style>
+      </p:cxnSp>
+      <p:sp>
+        <p:nvSpPr>
+          <p:cNvPr id="67" name="직사각형 66">
+            <a:extLst>
+              <a:ext uri="{FF2B5EF4-FFF2-40B4-BE49-F238E27FC236}">
+                <a16:creationId xmlns:a16="http://schemas.microsoft.com/office/drawing/2014/main" id="{6CD07698-261E-1C80-B0B9-45488C6F0EF0}"/>
+              </a:ext>
+            </a:extLst>
+          </p:cNvPr>
+          <p:cNvSpPr/>
+          <p:nvPr/>
+        </p:nvSpPr>
+        <p:spPr>
+          <a:xfrm>
+            <a:off x="4310743" y="4778872"/>
+            <a:ext cx="1103086" cy="1066431"/>
+          </a:xfrm>
+          <a:prstGeom prst="rect">
+            <a:avLst/>
+          </a:prstGeom>
+          <a:solidFill>
+            <a:schemeClr val="accent4">
+              <a:alpha val="50000"/>
+            </a:schemeClr>
+          </a:solidFill>
+          <a:ln>
+            <a:noFill/>
+          </a:ln>
+        </p:spPr>
+        <p:style>
+          <a:lnRef idx="0">
+            <a:scrgbClr r="0" g="0" b="0"/>
+          </a:lnRef>
+          <a:fillRef idx="0">
+            <a:scrgbClr r="0" g="0" b="0"/>
+          </a:fillRef>
+          <a:effectRef idx="0">
+            <a:scrgbClr r="0" g="0" b="0"/>
+          </a:effectRef>
+          <a:fontRef idx="minor">
+            <a:schemeClr val="lt1"/>
+          </a:fontRef>
+        </p:style>
+        <p:txBody>
+          <a:bodyPr rtlCol="0" anchor="ctr"/>
+          <a:lstStyle/>
+          <a:p>
+            <a:pPr algn="ctr"/>
+            <a:r>
+              <a:rPr lang="en-US" altLang="ko-KR" sz="1200" dirty="0"/>
+              <a:t>R4</a:t>
+            </a:r>
+            <a:endParaRPr lang="ko-KR" altLang="en-US" sz="1200" dirty="0"/>
+          </a:p>
+        </p:txBody>
+      </p:sp>
+      <p:sp>
+        <p:nvSpPr>
+          <p:cNvPr id="68" name="직사각형 67">
+            <a:extLst>
+              <a:ext uri="{FF2B5EF4-FFF2-40B4-BE49-F238E27FC236}">
+                <a16:creationId xmlns:a16="http://schemas.microsoft.com/office/drawing/2014/main" id="{B94BB7DD-A7A7-F819-BF18-8F8A7E87882F}"/>
+              </a:ext>
+            </a:extLst>
+          </p:cNvPr>
+          <p:cNvSpPr/>
+          <p:nvPr/>
+        </p:nvSpPr>
+        <p:spPr>
+          <a:xfrm>
+            <a:off x="6096000" y="4778872"/>
+            <a:ext cx="1103086" cy="1066431"/>
+          </a:xfrm>
+          <a:prstGeom prst="rect">
+            <a:avLst/>
+          </a:prstGeom>
+          <a:solidFill>
+            <a:schemeClr val="accent4">
+              <a:alpha val="50000"/>
+            </a:schemeClr>
+          </a:solidFill>
+          <a:ln>
+            <a:noFill/>
+          </a:ln>
+        </p:spPr>
+        <p:style>
+          <a:lnRef idx="0">
+            <a:scrgbClr r="0" g="0" b="0"/>
+          </a:lnRef>
+          <a:fillRef idx="0">
+            <a:scrgbClr r="0" g="0" b="0"/>
+          </a:fillRef>
+          <a:effectRef idx="0">
+            <a:scrgbClr r="0" g="0" b="0"/>
+          </a:effectRef>
+          <a:fontRef idx="minor">
+            <a:schemeClr val="lt1"/>
+          </a:fontRef>
+        </p:style>
+        <p:txBody>
+          <a:bodyPr rtlCol="0" anchor="ctr"/>
+          <a:lstStyle/>
+          <a:p>
+            <a:pPr algn="ctr"/>
+            <a:r>
+              <a:rPr lang="en-US" altLang="ko-KR" sz="1200" dirty="0"/>
+              <a:t>R5</a:t>
+            </a:r>
+            <a:endParaRPr lang="ko-KR" altLang="en-US" sz="1200" dirty="0"/>
+          </a:p>
+        </p:txBody>
+      </p:sp>
+      <p:sp>
+        <p:nvSpPr>
+          <p:cNvPr id="69" name="직사각형 68">
+            <a:extLst>
+              <a:ext uri="{FF2B5EF4-FFF2-40B4-BE49-F238E27FC236}">
+                <a16:creationId xmlns:a16="http://schemas.microsoft.com/office/drawing/2014/main" id="{E6BDE77E-6A37-11C1-D34D-AD3171D69A07}"/>
+              </a:ext>
+            </a:extLst>
+          </p:cNvPr>
+          <p:cNvSpPr/>
+          <p:nvPr/>
+        </p:nvSpPr>
+        <p:spPr>
+          <a:xfrm>
+            <a:off x="7881257" y="4778872"/>
+            <a:ext cx="1103086" cy="1066431"/>
+          </a:xfrm>
+          <a:prstGeom prst="rect">
+            <a:avLst/>
+          </a:prstGeom>
+          <a:solidFill>
+            <a:schemeClr val="accent4">
+              <a:alpha val="50000"/>
+            </a:schemeClr>
+          </a:solidFill>
+          <a:ln>
+            <a:noFill/>
+          </a:ln>
+        </p:spPr>
+        <p:style>
+          <a:lnRef idx="0">
+            <a:scrgbClr r="0" g="0" b="0"/>
+          </a:lnRef>
+          <a:fillRef idx="0">
+            <a:scrgbClr r="0" g="0" b="0"/>
+          </a:fillRef>
+          <a:effectRef idx="0">
+            <a:scrgbClr r="0" g="0" b="0"/>
+          </a:effectRef>
+          <a:fontRef idx="minor">
+            <a:schemeClr val="lt1"/>
+          </a:fontRef>
+        </p:style>
+        <p:txBody>
+          <a:bodyPr rtlCol="0" anchor="ctr"/>
+          <a:lstStyle/>
+          <a:p>
+            <a:pPr algn="ctr"/>
+            <a:r>
+              <a:rPr lang="en-US" altLang="ko-KR" sz="1200" dirty="0"/>
+              <a:t>R6</a:t>
+            </a:r>
+            <a:endParaRPr lang="ko-KR" altLang="en-US" sz="1200" dirty="0"/>
+          </a:p>
+        </p:txBody>
+      </p:sp>
+      <p:cxnSp>
+        <p:nvCxnSpPr>
+          <p:cNvPr id="70" name="직선 화살표 연결선 69">
+            <a:extLst>
+              <a:ext uri="{FF2B5EF4-FFF2-40B4-BE49-F238E27FC236}">
+                <a16:creationId xmlns:a16="http://schemas.microsoft.com/office/drawing/2014/main" id="{624AE606-11A5-F72E-34D2-5DFDEE5E8C33}"/>
+              </a:ext>
+            </a:extLst>
+          </p:cNvPr>
+          <p:cNvCxnSpPr>
+            <a:cxnSpLocks/>
+            <a:stCxn id="67" idx="3"/>
+            <a:endCxn id="68" idx="1"/>
+          </p:cNvCxnSpPr>
+          <p:nvPr/>
+        </p:nvCxnSpPr>
+        <p:spPr>
+          <a:xfrm>
+            <a:off x="5413829" y="5312088"/>
+            <a:ext cx="682171" cy="0"/>
+          </a:xfrm>
+          <a:prstGeom prst="straightConnector1">
+            <a:avLst/>
+          </a:prstGeom>
+          <a:ln w="57150">
+            <a:tailEnd type="triangle"/>
+          </a:ln>
+        </p:spPr>
+        <p:style>
+          <a:lnRef idx="1">
+            <a:schemeClr val="accent1"/>
+          </a:lnRef>
+          <a:fillRef idx="0">
+            <a:schemeClr val="accent1"/>
+          </a:fillRef>
+          <a:effectRef idx="0">
+            <a:schemeClr val="accent1"/>
+          </a:effectRef>
+          <a:fontRef idx="minor">
+            <a:schemeClr val="tx1"/>
+          </a:fontRef>
+        </p:style>
+      </p:cxnSp>
+      <p:cxnSp>
+        <p:nvCxnSpPr>
+          <p:cNvPr id="71" name="직선 화살표 연결선 70">
+            <a:extLst>
+              <a:ext uri="{FF2B5EF4-FFF2-40B4-BE49-F238E27FC236}">
+                <a16:creationId xmlns:a16="http://schemas.microsoft.com/office/drawing/2014/main" id="{2D3C963E-2D9B-C387-0BCA-7F22ACDF94D2}"/>
+              </a:ext>
+            </a:extLst>
+          </p:cNvPr>
+          <p:cNvCxnSpPr>
+            <a:cxnSpLocks/>
+            <a:stCxn id="68" idx="3"/>
+            <a:endCxn id="69" idx="1"/>
+          </p:cNvCxnSpPr>
+          <p:nvPr/>
+        </p:nvCxnSpPr>
+        <p:spPr>
+          <a:xfrm>
+            <a:off x="7199086" y="5312088"/>
+            <a:ext cx="682171" cy="0"/>
+          </a:xfrm>
+          <a:prstGeom prst="straightConnector1">
+            <a:avLst/>
+          </a:prstGeom>
+          <a:ln w="57150">
+            <a:tailEnd type="triangle"/>
+          </a:ln>
+        </p:spPr>
+        <p:style>
+          <a:lnRef idx="1">
+            <a:schemeClr val="accent1"/>
+          </a:lnRef>
+          <a:fillRef idx="0">
+            <a:schemeClr val="accent1"/>
+          </a:fillRef>
+          <a:effectRef idx="0">
+            <a:schemeClr val="accent1"/>
+          </a:effectRef>
+          <a:fontRef idx="minor">
+            <a:schemeClr val="tx1"/>
+          </a:fontRef>
+        </p:style>
+      </p:cxnSp>
+      <p:sp>
+        <p:nvSpPr>
+          <p:cNvPr id="80" name="화살표: 오각형 79">
+            <a:extLst>
+              <a:ext uri="{FF2B5EF4-FFF2-40B4-BE49-F238E27FC236}">
+                <a16:creationId xmlns:a16="http://schemas.microsoft.com/office/drawing/2014/main" id="{CB5747B3-AC8A-5B6E-FCF3-6ABFB0F2E1BE}"/>
+              </a:ext>
+            </a:extLst>
+          </p:cNvPr>
+          <p:cNvSpPr/>
+          <p:nvPr/>
+        </p:nvSpPr>
+        <p:spPr>
+          <a:xfrm>
+            <a:off x="10948270" y="3179519"/>
+            <a:ext cx="1233577" cy="690024"/>
+          </a:xfrm>
+          <a:prstGeom prst="homePlate">
+            <a:avLst/>
+          </a:prstGeom>
+          <a:solidFill>
+            <a:schemeClr val="accent2">
+              <a:alpha val="50000"/>
+            </a:schemeClr>
+          </a:solidFill>
+          <a:ln>
+            <a:noFill/>
+          </a:ln>
+        </p:spPr>
+        <p:style>
+          <a:lnRef idx="0">
+            <a:scrgbClr r="0" g="0" b="0"/>
+          </a:lnRef>
+          <a:fillRef idx="0">
+            <a:scrgbClr r="0" g="0" b="0"/>
+          </a:fillRef>
+          <a:effectRef idx="0">
+            <a:scrgbClr r="0" g="0" b="0"/>
+          </a:effectRef>
+          <a:fontRef idx="minor">
+            <a:schemeClr val="lt1"/>
+          </a:fontRef>
+        </p:style>
+        <p:txBody>
+          <a:bodyPr vert="horz" wrap="none" lIns="91440" tIns="45720" rIns="91440" bIns="45720" numCol="1" rtlCol="0" anchor="ctr" anchorCtr="0" compatLnSpc="1">
+            <a:prstTxWarp prst="textNoShape">
+              <a:avLst/>
+            </a:prstTxWarp>
+          </a:bodyPr>
+          <a:lstStyle/>
+          <a:p>
+            <a:pPr algn="ctr"/>
+            <a:r>
+              <a:rPr lang="en-US" altLang="ko-KR" sz="1200" dirty="0" err="1">
+                <a:ea typeface="현대하모니 M" panose="02020603020101020101"/>
+              </a:rPr>
+              <a:t>API13</a:t>
+            </a:r>
+            <a:endParaRPr lang="en-US" altLang="ko-KR" sz="1200" dirty="0">
+              <a:ea typeface="현대하모니 M" panose="02020603020101020101"/>
+            </a:endParaRPr>
+          </a:p>
+          <a:p>
+            <a:pPr algn="ctr"/>
+            <a:r>
+              <a:rPr lang="en-US" altLang="ko-KR" sz="1200" dirty="0">
+                <a:ea typeface="현대하모니 M" panose="02020603020101020101"/>
+              </a:rPr>
+              <a:t>[</a:t>
+            </a:r>
+            <a:r>
+              <a:rPr lang="en-US" altLang="ko-KR" sz="1200" dirty="0" err="1">
+                <a:ea typeface="현대하모니 M" panose="02020603020101020101"/>
+              </a:rPr>
+              <a:t>R2~R5</a:t>
+            </a:r>
+            <a:r>
+              <a:rPr lang="en-US" altLang="ko-KR" sz="1200" dirty="0">
+                <a:ea typeface="현대하모니 M" panose="02020603020101020101"/>
+              </a:rPr>
+              <a:t>]</a:t>
+            </a:r>
+            <a:endParaRPr lang="ko-KR" altLang="en-US" sz="1200" dirty="0">
+              <a:ea typeface="현대하모니 M" panose="02020603020101020101"/>
+            </a:endParaRPr>
+          </a:p>
+        </p:txBody>
+      </p:sp>
+      <p:sp>
+        <p:nvSpPr>
+          <p:cNvPr id="81" name="화살표: 오각형 80">
+            <a:extLst>
+              <a:ext uri="{FF2B5EF4-FFF2-40B4-BE49-F238E27FC236}">
+                <a16:creationId xmlns:a16="http://schemas.microsoft.com/office/drawing/2014/main" id="{11D9824B-9C79-1754-1358-CAFCD5BF3EA9}"/>
+              </a:ext>
+            </a:extLst>
+          </p:cNvPr>
+          <p:cNvSpPr/>
+          <p:nvPr/>
+        </p:nvSpPr>
+        <p:spPr>
+          <a:xfrm>
+            <a:off x="10948269" y="3958997"/>
+            <a:ext cx="1233577" cy="690024"/>
+          </a:xfrm>
+          <a:prstGeom prst="homePlate">
+            <a:avLst/>
+          </a:prstGeom>
+          <a:solidFill>
+            <a:schemeClr val="accent2">
+              <a:alpha val="50000"/>
+            </a:schemeClr>
+          </a:solidFill>
+          <a:ln>
+            <a:noFill/>
+          </a:ln>
+        </p:spPr>
+        <p:style>
+          <a:lnRef idx="0">
+            <a:scrgbClr r="0" g="0" b="0"/>
+          </a:lnRef>
+          <a:fillRef idx="0">
+            <a:scrgbClr r="0" g="0" b="0"/>
+          </a:fillRef>
+          <a:effectRef idx="0">
+            <a:scrgbClr r="0" g="0" b="0"/>
+          </a:effectRef>
+          <a:fontRef idx="minor">
+            <a:schemeClr val="lt1"/>
+          </a:fontRef>
+        </p:style>
+        <p:txBody>
+          <a:bodyPr vert="horz" wrap="none" lIns="91440" tIns="45720" rIns="91440" bIns="45720" numCol="1" rtlCol="0" anchor="ctr" anchorCtr="0" compatLnSpc="1">
+            <a:prstTxWarp prst="textNoShape">
+              <a:avLst/>
+            </a:prstTxWarp>
+          </a:bodyPr>
+          <a:lstStyle/>
+          <a:p>
+            <a:pPr algn="ctr"/>
+            <a:r>
+              <a:rPr lang="en-US" altLang="ko-KR" sz="1200" dirty="0" err="1">
+                <a:ea typeface="현대하모니 M" panose="02020603020101020101"/>
+              </a:rPr>
+              <a:t>API14</a:t>
+            </a:r>
+            <a:endParaRPr lang="en-US" altLang="ko-KR" sz="1200" dirty="0">
+              <a:ea typeface="현대하모니 M" panose="02020603020101020101"/>
+            </a:endParaRPr>
+          </a:p>
+          <a:p>
+            <a:pPr algn="ctr"/>
+            <a:r>
+              <a:rPr lang="en-US" altLang="ko-KR" sz="1200" dirty="0">
+                <a:ea typeface="현대하모니 M" panose="02020603020101020101"/>
+              </a:rPr>
+              <a:t>[R1;R4~]</a:t>
+            </a:r>
+            <a:endParaRPr lang="ko-KR" altLang="en-US" sz="1200" dirty="0">
+              <a:ea typeface="현대하모니 M" panose="02020603020101020101"/>
+            </a:endParaRPr>
+          </a:p>
+        </p:txBody>
+      </p:sp>
+      <p:cxnSp>
+        <p:nvCxnSpPr>
+          <p:cNvPr id="82" name="연결선: 꺾임 81">
+            <a:extLst>
+              <a:ext uri="{FF2B5EF4-FFF2-40B4-BE49-F238E27FC236}">
+                <a16:creationId xmlns:a16="http://schemas.microsoft.com/office/drawing/2014/main" id="{F7145B42-2C09-D6CE-2298-12CF80CB6686}"/>
+              </a:ext>
+            </a:extLst>
+          </p:cNvPr>
+          <p:cNvCxnSpPr>
+            <a:cxnSpLocks/>
+            <a:stCxn id="81" idx="1"/>
+            <a:endCxn id="80" idx="1"/>
+          </p:cNvCxnSpPr>
+          <p:nvPr/>
+        </p:nvCxnSpPr>
+        <p:spPr>
+          <a:xfrm rot="10800000" flipH="1">
+            <a:off x="10948268" y="3524531"/>
+            <a:ext cx="1" cy="779478"/>
+          </a:xfrm>
+          <a:prstGeom prst="bentConnector3">
+            <a:avLst>
+              <a:gd name="adj1" fmla="val -22860000000"/>
+            </a:avLst>
+          </a:prstGeom>
+          <a:ln w="57150">
+            <a:solidFill>
+              <a:schemeClr val="accent6"/>
+            </a:solidFill>
+            <a:prstDash val="dash"/>
+            <a:headEnd type="triangle" w="med" len="med"/>
+            <a:tailEnd type="triangle" w="med" len="med"/>
+          </a:ln>
+        </p:spPr>
+        <p:style>
+          <a:lnRef idx="1">
+            <a:schemeClr val="accent1"/>
+          </a:lnRef>
+          <a:fillRef idx="0">
+            <a:schemeClr val="accent1"/>
+          </a:fillRef>
+          <a:effectRef idx="0">
+            <a:schemeClr val="accent1"/>
+          </a:effectRef>
+          <a:fontRef idx="minor">
+            <a:schemeClr val="tx1"/>
+          </a:fontRef>
+        </p:style>
+      </p:cxnSp>
+      <p:cxnSp>
+        <p:nvCxnSpPr>
+          <p:cNvPr id="4" name="연결선: 꺾임 3">
+            <a:extLst>
+              <a:ext uri="{FF2B5EF4-FFF2-40B4-BE49-F238E27FC236}">
+                <a16:creationId xmlns:a16="http://schemas.microsoft.com/office/drawing/2014/main" id="{4E54C3BB-7447-B34B-FBA0-7CDE26CE0B30}"/>
+              </a:ext>
+            </a:extLst>
+          </p:cNvPr>
+          <p:cNvCxnSpPr>
+            <a:cxnSpLocks/>
+            <a:stCxn id="68" idx="0"/>
+            <a:endCxn id="57" idx="2"/>
+          </p:cNvCxnSpPr>
+          <p:nvPr/>
+        </p:nvCxnSpPr>
+        <p:spPr>
+          <a:xfrm rot="16200000" flipV="1">
+            <a:off x="5630831" y="3762159"/>
+            <a:ext cx="1089996" cy="943429"/>
+          </a:xfrm>
+          <a:prstGeom prst="bentConnector3">
+            <a:avLst>
+              <a:gd name="adj1" fmla="val 50000"/>
+            </a:avLst>
+          </a:prstGeom>
+          <a:ln w="57150">
+            <a:solidFill>
+              <a:schemeClr val="accent6"/>
+            </a:solidFill>
+            <a:prstDash val="dash"/>
+            <a:headEnd type="triangle" w="med" len="med"/>
+            <a:tailEnd type="triangle" w="med" len="med"/>
+          </a:ln>
+        </p:spPr>
+        <p:style>
+          <a:lnRef idx="1">
+            <a:schemeClr val="accent1"/>
+          </a:lnRef>
+          <a:fillRef idx="0">
+            <a:schemeClr val="accent1"/>
+          </a:fillRef>
+          <a:effectRef idx="0">
+            <a:schemeClr val="accent1"/>
+          </a:effectRef>
+          <a:fontRef idx="minor">
+            <a:schemeClr val="tx1"/>
+          </a:fontRef>
+        </p:style>
+      </p:cxnSp>
+      <p:cxnSp>
+        <p:nvCxnSpPr>
+          <p:cNvPr id="12" name="연결선: 꺾임 11">
+            <a:extLst>
+              <a:ext uri="{FF2B5EF4-FFF2-40B4-BE49-F238E27FC236}">
+                <a16:creationId xmlns:a16="http://schemas.microsoft.com/office/drawing/2014/main" id="{7F33A159-63C2-73E5-0693-383E04CD8793}"/>
+              </a:ext>
+            </a:extLst>
+          </p:cNvPr>
+          <p:cNvCxnSpPr>
+            <a:cxnSpLocks/>
+            <a:stCxn id="67" idx="0"/>
+            <a:endCxn id="56" idx="2"/>
+          </p:cNvCxnSpPr>
+          <p:nvPr/>
+        </p:nvCxnSpPr>
+        <p:spPr>
+          <a:xfrm rot="16200000" flipV="1">
+            <a:off x="3845574" y="3762159"/>
+            <a:ext cx="1089996" cy="943429"/>
+          </a:xfrm>
+          <a:prstGeom prst="bentConnector3">
+            <a:avLst>
+              <a:gd name="adj1" fmla="val 50000"/>
+            </a:avLst>
+          </a:prstGeom>
+          <a:ln w="57150">
+            <a:solidFill>
+              <a:schemeClr val="accent6"/>
+            </a:solidFill>
+            <a:prstDash val="dash"/>
+            <a:headEnd type="triangle" w="med" len="med"/>
+            <a:tailEnd type="triangle" w="med" len="med"/>
+          </a:ln>
+        </p:spPr>
+        <p:style>
+          <a:lnRef idx="1">
+            <a:schemeClr val="accent1"/>
+          </a:lnRef>
+          <a:fillRef idx="0">
+            <a:schemeClr val="accent1"/>
+          </a:fillRef>
+          <a:effectRef idx="0">
+            <a:schemeClr val="accent1"/>
+          </a:effectRef>
+          <a:fontRef idx="minor">
+            <a:schemeClr val="tx1"/>
+          </a:fontRef>
+        </p:style>
+      </p:cxnSp>
+      <p:cxnSp>
+        <p:nvCxnSpPr>
+          <p:cNvPr id="6" name="직선 화살표 연결선 5">
+            <a:extLst>
+              <a:ext uri="{FF2B5EF4-FFF2-40B4-BE49-F238E27FC236}">
+                <a16:creationId xmlns:a16="http://schemas.microsoft.com/office/drawing/2014/main" id="{DF280476-EF41-7429-66AB-F6B3AF2625F8}"/>
+              </a:ext>
+            </a:extLst>
+          </p:cNvPr>
+          <p:cNvCxnSpPr>
+            <a:cxnSpLocks/>
+            <a:stCxn id="56" idx="2"/>
+            <a:endCxn id="69" idx="0"/>
+          </p:cNvCxnSpPr>
+          <p:nvPr/>
+        </p:nvCxnSpPr>
+        <p:spPr>
+          <a:xfrm>
+            <a:off x="3918857" y="3688876"/>
+            <a:ext cx="4513943" cy="1089996"/>
+          </a:xfrm>
+          <a:prstGeom prst="straightConnector1">
+            <a:avLst/>
+          </a:prstGeom>
+          <a:ln w="57150" cmpd="dbl">
+            <a:prstDash val="dashDot"/>
+            <a:headEnd type="none" w="med" len="med"/>
+            <a:tailEnd type="triangle" w="med" len="med"/>
+          </a:ln>
+        </p:spPr>
+        <p:style>
+          <a:lnRef idx="1">
+            <a:schemeClr val="accent1"/>
+          </a:lnRef>
+          <a:fillRef idx="0">
+            <a:schemeClr val="accent1"/>
+          </a:fillRef>
+          <a:effectRef idx="0">
+            <a:schemeClr val="accent1"/>
+          </a:effectRef>
+          <a:fontRef idx="minor">
+            <a:schemeClr val="tx1"/>
+          </a:fontRef>
+        </p:style>
+      </p:cxnSp>
+      <p:cxnSp>
+        <p:nvCxnSpPr>
+          <p:cNvPr id="7" name="직선 화살표 연결선 6">
+            <a:extLst>
+              <a:ext uri="{FF2B5EF4-FFF2-40B4-BE49-F238E27FC236}">
+                <a16:creationId xmlns:a16="http://schemas.microsoft.com/office/drawing/2014/main" id="{EE7EB334-56BE-83F0-B0C4-34EB1942DC1A}"/>
+              </a:ext>
+            </a:extLst>
+          </p:cNvPr>
+          <p:cNvCxnSpPr>
+            <a:cxnSpLocks/>
+            <a:stCxn id="67" idx="0"/>
+            <a:endCxn id="58" idx="2"/>
+          </p:cNvCxnSpPr>
+          <p:nvPr/>
+        </p:nvCxnSpPr>
+        <p:spPr>
+          <a:xfrm flipV="1">
+            <a:off x="4862286" y="3688876"/>
+            <a:ext cx="2627085" cy="1089996"/>
+          </a:xfrm>
+          <a:prstGeom prst="straightConnector1">
+            <a:avLst/>
+          </a:prstGeom>
+          <a:ln w="57150" cmpd="dbl">
+            <a:prstDash val="dashDot"/>
+            <a:headEnd type="none" w="med" len="med"/>
+            <a:tailEnd type="triangle" w="med" len="med"/>
+          </a:ln>
+        </p:spPr>
+        <p:style>
+          <a:lnRef idx="1">
+            <a:schemeClr val="accent1"/>
+          </a:lnRef>
+          <a:fillRef idx="0">
+            <a:schemeClr val="accent1"/>
+          </a:fillRef>
+          <a:effectRef idx="0">
+            <a:schemeClr val="accent1"/>
+          </a:effectRef>
+          <a:fontRef idx="minor">
+            <a:schemeClr val="tx1"/>
+          </a:fontRef>
+        </p:style>
+      </p:cxnSp>
+    </p:spTree>
+    <p:extLst>
+      <p:ext uri="{BB962C8B-B14F-4D97-AF65-F5344CB8AC3E}">
+        <p14:creationId xmlns:p14="http://schemas.microsoft.com/office/powerpoint/2010/main" val="1652240457"/>
+      </p:ext>
+    </p:extLst>
+  </p:cSld>
+  <p:clrMapOvr>
+    <a:masterClrMapping/>
+  </p:clrMapOvr>
+</p:sld>
+</file>
+
+<file path=ppt/slides/slide7.xml><?xml version="1.0" encoding="utf-8"?>
+<p:sld xmlns:a="http://schemas.openxmlformats.org/drawingml/2006/main" xmlns:r="http://schemas.openxmlformats.org/officeDocument/2006/relationships" xmlns:p="http://schemas.openxmlformats.org/presentationml/2006/main">
   <p:cSld>
     <p:spTree>
       <p:nvGrpSpPr>
@@ -20362,12 +22152,36 @@
           <a:p>
             <a:pPr algn="ctr"/>
             <a:r>
+              <a:rPr lang="en-US" altLang="ko-KR" sz="1800" dirty="0" err="1">
+                <a:ea typeface="현대하모니 M" panose="02020603020101020101"/>
+              </a:rPr>
+              <a:t>API9</a:t>
+            </a:r>
+            <a:endParaRPr lang="en-US" altLang="ko-KR" sz="1800" dirty="0">
+              <a:ea typeface="현대하모니 M" panose="02020603020101020101"/>
+            </a:endParaRPr>
+          </a:p>
+          <a:p>
+            <a:pPr algn="ctr"/>
+            <a:r>
               <a:rPr lang="en-US" altLang="ko-KR" sz="1800" dirty="0">
                 <a:ea typeface="현대하모니 M" panose="02020603020101020101"/>
               </a:rPr>
-              <a:t>API9</a:t>
-            </a:r>
-            <a:endParaRPr lang="en-US" altLang="ko-KR" dirty="0">
+              <a:t>[</a:t>
+            </a:r>
+            <a:r>
+              <a:rPr lang="en-US" altLang="ko-KR" sz="1800" dirty="0" err="1">
+                <a:ea typeface="현대하모니 M" panose="02020603020101020101"/>
+              </a:rPr>
+              <a:t>F1.R3~F1.R5</a:t>
+            </a:r>
+            <a:r>
+              <a:rPr lang="en-US" altLang="ko-KR" sz="1800" dirty="0">
+                <a:ea typeface="현대하모니 M" panose="02020603020101020101"/>
+              </a:rPr>
+              <a:t>]</a:t>
+            </a:r>
+            <a:endParaRPr lang="ko-KR" altLang="en-US" sz="1800" dirty="0">
               <a:ea typeface="현대하모니 M" panose="02020603020101020101"/>
             </a:endParaRPr>
           </a:p>
@@ -20446,7 +22260,7 @@
         <p:spPr>
           <a:xfrm>
             <a:off x="1629840" y="4552233"/>
-            <a:ext cx="4444092" cy="646331"/>
+            <a:ext cx="4444092" cy="369332"/>
           </a:xfrm>
           <a:prstGeom prst="rect">
             <a:avLst/>
@@ -20461,34 +22275,19 @@
           <a:p>
             <a:r>
               <a:rPr lang="en-US" altLang="ko-KR" sz="1800" dirty="0"/>
-              <a:t>TXs ~ RXs </a:t>
+              <a:t>TXs ~ </a:t>
+            </a:r>
+            <a:r>
+              <a:rPr lang="en-US" altLang="ko-KR" sz="1800" dirty="0" err="1"/>
+              <a:t>RXs</a:t>
+            </a:r>
+            <a:r>
+              <a:rPr lang="en-US" altLang="ko-KR" sz="1800" dirty="0"/>
+              <a:t> </a:t>
             </a:r>
             <a:r>
               <a:rPr lang="ko-KR" altLang="en-US" sz="1800" dirty="0"/>
-              <a:t>생략가능</a:t>
-            </a:r>
-            <a:endParaRPr lang="en-US" altLang="ko-KR" sz="1800" dirty="0"/>
-          </a:p>
-          <a:p>
-            <a:r>
-              <a:rPr lang="en-US" altLang="ko-KR" sz="1800" dirty="0"/>
-              <a:t>(Real </a:t>
-            </a:r>
-            <a:r>
-              <a:rPr lang="ko-KR" altLang="en-US" sz="1800" dirty="0"/>
-              <a:t>인과처리 없이 </a:t>
-            </a:r>
-            <a:r>
-              <a:rPr lang="en-US" altLang="ko-KR" sz="1800" dirty="0"/>
-              <a:t>Plan </a:t>
-            </a:r>
-            <a:r>
-              <a:rPr lang="ko-KR" altLang="en-US" dirty="0"/>
-              <a:t>무처리</a:t>
-            </a:r>
-            <a:r>
-              <a:rPr lang="en-US" altLang="ko-KR" dirty="0"/>
-              <a:t>)</a:t>
+              <a:t>생략불가능</a:t>
             </a:r>
             <a:endParaRPr lang="en-US" altLang="ko-KR" sz="1800" dirty="0"/>
           </a:p>
@@ -20554,8 +22353,8 @@
 </p:sld>
 </file>
 
-<file path=ppt/slides/slide7.xml><?xml version="1.0" encoding="utf-8"?>
-<p:sld xmlns:a="http://schemas.openxmlformats.org/drawingml/2006/main" xmlns:r="http://schemas.openxmlformats.org/officeDocument/2006/relationships" xmlns:p="http://schemas.openxmlformats.org/presentationml/2006/main" show="0">
+<file path=ppt/slides/slide8.xml><?xml version="1.0" encoding="utf-8"?>
+<p:sld xmlns:a="http://schemas.openxmlformats.org/drawingml/2006/main" xmlns:r="http://schemas.openxmlformats.org/officeDocument/2006/relationships" xmlns:p="http://schemas.openxmlformats.org/presentationml/2006/main">
   <p:cSld>
     <p:spTree>
       <p:nvGrpSpPr>
@@ -21077,7 +22876,7 @@
             <a:pPr algn="ctr"/>
             <a:r>
               <a:rPr lang="en-US" altLang="ko-KR" dirty="0"/>
-              <a:t>../Sample/lib/Cylinder/Single </a:t>
+              <a:t>lib/Cylinder/Single </a:t>
             </a:r>
           </a:p>
           <a:p>
@@ -21103,8 +22902,8 @@
 </p:sld>
 </file>
 
-<file path=ppt/slides/slide8.xml><?xml version="1.0" encoding="utf-8"?>
-<p:sld xmlns:a="http://schemas.openxmlformats.org/drawingml/2006/main" xmlns:r="http://schemas.openxmlformats.org/officeDocument/2006/relationships" xmlns:p="http://schemas.openxmlformats.org/presentationml/2006/main" show="0">
+<file path=ppt/slides/slide9.xml><?xml version="1.0" encoding="utf-8"?>
+<p:sld xmlns:a="http://schemas.openxmlformats.org/drawingml/2006/main" xmlns:r="http://schemas.openxmlformats.org/officeDocument/2006/relationships" xmlns:p="http://schemas.openxmlformats.org/presentationml/2006/main">
   <p:cSld>
     <p:spTree>
       <p:nvGrpSpPr>
@@ -21407,8 +23206,12 @@
               <a:p>
                 <a:pPr algn="ctr"/>
                 <a:r>
+                  <a:rPr lang="en-US" altLang="ko-KR" dirty="0" err="1"/>
+                  <a:t>Copy1</a:t>
+                </a:r>
+                <a:r>
                   <a:rPr lang="en-US" altLang="ko-KR" dirty="0"/>
-                  <a:t>Copy1 $Func1</a:t>
+                  <a:t> $ADV</a:t>
                 </a:r>
                 <a:endParaRPr lang="ko-KR" altLang="en-US" dirty="0"/>
               </a:p>
@@ -21463,8 +23266,12 @@
               <a:p>
                 <a:pPr algn="ctr"/>
                 <a:r>
+                  <a:rPr lang="en-US" altLang="ko-KR" dirty="0" err="1"/>
+                  <a:t>Copy2</a:t>
+                </a:r>
+                <a:r>
                   <a:rPr lang="en-US" altLang="ko-KR" dirty="0"/>
-                  <a:t>Copy2 $Func2</a:t>
+                  <a:t> $RET</a:t>
                 </a:r>
                 <a:endParaRPr lang="ko-KR" altLang="en-US" dirty="0"/>
               </a:p>
@@ -21564,7 +23371,7 @@
             <a:pPr algn="ctr"/>
             <a:r>
               <a:rPr lang="en-US" altLang="ko-KR" dirty="0"/>
-              <a:t>../Sample/lib/test </a:t>
+              <a:t>lib/Cylinder/Single </a:t>
             </a:r>
           </a:p>
           <a:p>
@@ -21667,551 +23474,6 @@
     <p:extLst>
       <p:ext uri="{BB962C8B-B14F-4D97-AF65-F5344CB8AC3E}">
         <p14:creationId xmlns:p14="http://schemas.microsoft.com/office/powerpoint/2010/main" val="2157853785"/>
-      </p:ext>
-    </p:extLst>
-  </p:cSld>
-  <p:clrMapOvr>
-    <a:masterClrMapping/>
-  </p:clrMapOvr>
-</p:sld>
-</file>
-
-<file path=ppt/slides/slide9.xml><?xml version="1.0" encoding="utf-8"?>
-<p:sld xmlns:a="http://schemas.openxmlformats.org/drawingml/2006/main" xmlns:r="http://schemas.openxmlformats.org/officeDocument/2006/relationships" xmlns:p="http://schemas.openxmlformats.org/presentationml/2006/main" show="0">
-  <p:cSld>
-    <p:spTree>
-      <p:nvGrpSpPr>
-        <p:cNvPr id="1" name=""/>
-        <p:cNvGrpSpPr/>
-        <p:nvPr/>
-      </p:nvGrpSpPr>
-      <p:grpSpPr>
-        <a:xfrm>
-          <a:off x="0" y="0"/>
-          <a:ext cx="0" cy="0"/>
-          <a:chOff x="0" y="0"/>
-          <a:chExt cx="0" cy="0"/>
-        </a:xfrm>
-      </p:grpSpPr>
-      <p:sp>
-        <p:nvSpPr>
-          <p:cNvPr id="2" name="제목 1">
-            <a:extLst>
-              <a:ext uri="{FF2B5EF4-FFF2-40B4-BE49-F238E27FC236}">
-                <a16:creationId xmlns:a16="http://schemas.microsoft.com/office/drawing/2014/main" id="{E35BEC89-0CFB-7F29-D8C7-71B3E64B4D66}"/>
-              </a:ext>
-            </a:extLst>
-          </p:cNvPr>
-          <p:cNvSpPr>
-            <a:spLocks noGrp="1"/>
-          </p:cNvSpPr>
-          <p:nvPr>
-            <p:ph type="title"/>
-          </p:nvPr>
-        </p:nvSpPr>
-        <p:spPr/>
-        <p:txBody>
-          <a:bodyPr/>
-          <a:lstStyle/>
-          <a:p>
-            <a:r>
-              <a:rPr lang="en-US" altLang="ko-KR" dirty="0"/>
-              <a:t>S3</a:t>
-            </a:r>
-            <a:endParaRPr lang="ko-KR" altLang="en-US" dirty="0"/>
-          </a:p>
-        </p:txBody>
-      </p:sp>
-      <p:sp>
-        <p:nvSpPr>
-          <p:cNvPr id="10" name="직사각형 9">
-            <a:extLst>
-              <a:ext uri="{FF2B5EF4-FFF2-40B4-BE49-F238E27FC236}">
-                <a16:creationId xmlns:a16="http://schemas.microsoft.com/office/drawing/2014/main" id="{F318C6E2-FDDA-8B00-0783-15AA765D0AA6}"/>
-              </a:ext>
-            </a:extLst>
-          </p:cNvPr>
-          <p:cNvSpPr/>
-          <p:nvPr/>
-        </p:nvSpPr>
-        <p:spPr>
-          <a:xfrm>
-            <a:off x="7349499" y="4624766"/>
-            <a:ext cx="2437946" cy="1223682"/>
-          </a:xfrm>
-          <a:prstGeom prst="rect">
-            <a:avLst/>
-          </a:prstGeom>
-          <a:solidFill>
-            <a:schemeClr val="accent4">
-              <a:alpha val="50000"/>
-            </a:schemeClr>
-          </a:solidFill>
-          <a:ln>
-            <a:noFill/>
-          </a:ln>
-        </p:spPr>
-        <p:style>
-          <a:lnRef idx="0">
-            <a:scrgbClr r="0" g="0" b="0"/>
-          </a:lnRef>
-          <a:fillRef idx="0">
-            <a:scrgbClr r="0" g="0" b="0"/>
-          </a:fillRef>
-          <a:effectRef idx="0">
-            <a:scrgbClr r="0" g="0" b="0"/>
-          </a:effectRef>
-          <a:fontRef idx="minor">
-            <a:schemeClr val="lt1"/>
-          </a:fontRef>
-        </p:style>
-        <p:txBody>
-          <a:bodyPr rtlCol="0" anchor="ctr"/>
-          <a:lstStyle/>
-          <a:p>
-            <a:pPr algn="ctr"/>
-            <a:r>
-              <a:rPr lang="en-US" altLang="ko-KR" sz="1200" dirty="0"/>
-              <a:t>R2</a:t>
-            </a:r>
-            <a:endParaRPr lang="ko-KR" altLang="en-US" sz="1200" dirty="0"/>
-          </a:p>
-        </p:txBody>
-      </p:sp>
-      <p:cxnSp>
-        <p:nvCxnSpPr>
-          <p:cNvPr id="13" name="직선 화살표 연결선 12">
-            <a:extLst>
-              <a:ext uri="{FF2B5EF4-FFF2-40B4-BE49-F238E27FC236}">
-                <a16:creationId xmlns:a16="http://schemas.microsoft.com/office/drawing/2014/main" id="{DF6B060D-6633-DD91-FDA7-49A882D2EBE8}"/>
-              </a:ext>
-            </a:extLst>
-          </p:cNvPr>
-          <p:cNvCxnSpPr>
-            <a:cxnSpLocks/>
-            <a:stCxn id="16" idx="3"/>
-            <a:endCxn id="10" idx="1"/>
-          </p:cNvCxnSpPr>
-          <p:nvPr/>
-        </p:nvCxnSpPr>
-        <p:spPr>
-          <a:xfrm>
-            <a:off x="6534526" y="4220068"/>
-            <a:ext cx="814973" cy="1016539"/>
-          </a:xfrm>
-          <a:prstGeom prst="straightConnector1">
-            <a:avLst/>
-          </a:prstGeom>
-          <a:ln w="28575">
-            <a:solidFill>
-              <a:schemeClr val="tx1">
-                <a:lumMod val="75000"/>
-                <a:lumOff val="25000"/>
-              </a:schemeClr>
-            </a:solidFill>
-            <a:tailEnd type="triangle"/>
-          </a:ln>
-        </p:spPr>
-        <p:style>
-          <a:lnRef idx="1">
-            <a:schemeClr val="dk1"/>
-          </a:lnRef>
-          <a:fillRef idx="3">
-            <a:schemeClr val="dk1"/>
-          </a:fillRef>
-          <a:effectRef idx="2">
-            <a:schemeClr val="dk1"/>
-          </a:effectRef>
-          <a:fontRef idx="minor">
-            <a:schemeClr val="lt1"/>
-          </a:fontRef>
-        </p:style>
-      </p:cxnSp>
-      <p:grpSp>
-        <p:nvGrpSpPr>
-          <p:cNvPr id="15" name="그룹 14">
-            <a:extLst>
-              <a:ext uri="{FF2B5EF4-FFF2-40B4-BE49-F238E27FC236}">
-                <a16:creationId xmlns:a16="http://schemas.microsoft.com/office/drawing/2014/main" id="{EEAD2CC3-3FF9-E574-DCC0-CFF9A0A99A95}"/>
-              </a:ext>
-            </a:extLst>
-          </p:cNvPr>
-          <p:cNvGrpSpPr/>
-          <p:nvPr/>
-        </p:nvGrpSpPr>
-        <p:grpSpPr>
-          <a:xfrm>
-            <a:off x="810000" y="2424605"/>
-            <a:ext cx="5724526" cy="3590925"/>
-            <a:chOff x="848416" y="1962150"/>
-            <a:chExt cx="5724526" cy="3590925"/>
-          </a:xfrm>
-        </p:grpSpPr>
-        <p:sp>
-          <p:nvSpPr>
-            <p:cNvPr id="16" name="직사각형 15">
-              <a:extLst>
-                <a:ext uri="{FF2B5EF4-FFF2-40B4-BE49-F238E27FC236}">
-                  <a16:creationId xmlns:a16="http://schemas.microsoft.com/office/drawing/2014/main" id="{B33EEBEF-13AF-E7A3-33A7-C063A7A9FF05}"/>
-                </a:ext>
-              </a:extLst>
-            </p:cNvPr>
-            <p:cNvSpPr/>
-            <p:nvPr/>
-          </p:nvSpPr>
-          <p:spPr>
-            <a:xfrm>
-              <a:off x="848416" y="1962150"/>
-              <a:ext cx="5724526" cy="3590925"/>
-            </a:xfrm>
-            <a:prstGeom prst="rect">
-              <a:avLst/>
-            </a:prstGeom>
-            <a:solidFill>
-              <a:schemeClr val="accent4">
-                <a:alpha val="50000"/>
-              </a:schemeClr>
-            </a:solidFill>
-            <a:ln>
-              <a:noFill/>
-            </a:ln>
-          </p:spPr>
-          <p:style>
-            <a:lnRef idx="0">
-              <a:scrgbClr r="0" g="0" b="0"/>
-            </a:lnRef>
-            <a:fillRef idx="0">
-              <a:scrgbClr r="0" g="0" b="0"/>
-            </a:fillRef>
-            <a:effectRef idx="0">
-              <a:scrgbClr r="0" g="0" b="0"/>
-            </a:effectRef>
-            <a:fontRef idx="minor">
-              <a:schemeClr val="lt1"/>
-            </a:fontRef>
-          </p:style>
-          <p:txBody>
-            <a:bodyPr rtlCol="0" anchor="t"/>
-            <a:lstStyle/>
-            <a:p>
-              <a:pPr algn="ctr"/>
-              <a:r>
-                <a:rPr lang="en-US" altLang="ko-KR" sz="2800" dirty="0">
-                  <a:solidFill>
-                    <a:schemeClr val="tx1"/>
-                  </a:solidFill>
-                </a:rPr>
-                <a:t>R1</a:t>
-              </a:r>
-              <a:endParaRPr lang="ko-KR" altLang="en-US" sz="1200" dirty="0">
-                <a:solidFill>
-                  <a:schemeClr val="tx1"/>
-                </a:solidFill>
-              </a:endParaRPr>
-            </a:p>
-          </p:txBody>
-        </p:sp>
-        <p:grpSp>
-          <p:nvGrpSpPr>
-            <p:cNvPr id="17" name="그룹 16">
-              <a:extLst>
-                <a:ext uri="{FF2B5EF4-FFF2-40B4-BE49-F238E27FC236}">
-                  <a16:creationId xmlns:a16="http://schemas.microsoft.com/office/drawing/2014/main" id="{1032C5B6-6F15-0B71-31AC-6A846F1ABAF9}"/>
-                </a:ext>
-              </a:extLst>
-            </p:cNvPr>
-            <p:cNvGrpSpPr/>
-            <p:nvPr/>
-          </p:nvGrpSpPr>
-          <p:grpSpPr>
-            <a:xfrm>
-              <a:off x="1405973" y="2441441"/>
-              <a:ext cx="4398681" cy="2052964"/>
-              <a:chOff x="1314450" y="2476500"/>
-              <a:chExt cx="4476750" cy="2447925"/>
-            </a:xfrm>
-          </p:grpSpPr>
-          <p:sp>
-            <p:nvSpPr>
-              <p:cNvPr id="18" name="타원 17">
-                <a:extLst>
-                  <a:ext uri="{FF2B5EF4-FFF2-40B4-BE49-F238E27FC236}">
-                    <a16:creationId xmlns:a16="http://schemas.microsoft.com/office/drawing/2014/main" id="{4799297C-C1B1-B459-CA8E-C18F6B037C8E}"/>
-                  </a:ext>
-                </a:extLst>
-              </p:cNvPr>
-              <p:cNvSpPr/>
-              <p:nvPr/>
-            </p:nvSpPr>
-            <p:spPr>
-              <a:xfrm>
-                <a:off x="1314450" y="2476500"/>
-                <a:ext cx="1733550" cy="952500"/>
-              </a:xfrm>
-              <a:prstGeom prst="ellipse">
-                <a:avLst/>
-              </a:prstGeom>
-              <a:solidFill>
-                <a:schemeClr val="accent4">
-                  <a:alpha val="50000"/>
-                </a:schemeClr>
-              </a:solidFill>
-              <a:ln>
-                <a:noFill/>
-              </a:ln>
-            </p:spPr>
-            <p:style>
-              <a:lnRef idx="0">
-                <a:scrgbClr r="0" g="0" b="0"/>
-              </a:lnRef>
-              <a:fillRef idx="0">
-                <a:scrgbClr r="0" g="0" b="0"/>
-              </a:fillRef>
-              <a:effectRef idx="0">
-                <a:scrgbClr r="0" g="0" b="0"/>
-              </a:effectRef>
-              <a:fontRef idx="minor">
-                <a:schemeClr val="lt1"/>
-              </a:fontRef>
-            </p:style>
-            <p:txBody>
-              <a:bodyPr rtlCol="0" anchor="ctr"/>
-              <a:lstStyle/>
-              <a:p>
-                <a:pPr algn="ctr"/>
-                <a:r>
-                  <a:rPr lang="en-US" altLang="ko-KR" dirty="0"/>
-                  <a:t>Job $Func1</a:t>
-                </a:r>
-                <a:endParaRPr lang="ko-KR" altLang="en-US" dirty="0"/>
-              </a:p>
-            </p:txBody>
-          </p:sp>
-          <p:sp>
-            <p:nvSpPr>
-              <p:cNvPr id="19" name="타원 18">
-                <a:extLst>
-                  <a:ext uri="{FF2B5EF4-FFF2-40B4-BE49-F238E27FC236}">
-                    <a16:creationId xmlns:a16="http://schemas.microsoft.com/office/drawing/2014/main" id="{BC1C2AB1-53C2-3134-39D7-821DDE64FCA6}"/>
-                  </a:ext>
-                </a:extLst>
-              </p:cNvPr>
-              <p:cNvSpPr/>
-              <p:nvPr/>
-            </p:nvSpPr>
-            <p:spPr>
-              <a:xfrm>
-                <a:off x="4057650" y="3971925"/>
-                <a:ext cx="1733550" cy="952500"/>
-              </a:xfrm>
-              <a:prstGeom prst="ellipse">
-                <a:avLst/>
-              </a:prstGeom>
-              <a:solidFill>
-                <a:schemeClr val="accent4">
-                  <a:alpha val="50000"/>
-                </a:schemeClr>
-              </a:solidFill>
-              <a:ln>
-                <a:noFill/>
-              </a:ln>
-            </p:spPr>
-            <p:style>
-              <a:lnRef idx="0">
-                <a:scrgbClr r="0" g="0" b="0"/>
-              </a:lnRef>
-              <a:fillRef idx="0">
-                <a:scrgbClr r="0" g="0" b="0"/>
-              </a:fillRef>
-              <a:effectRef idx="0">
-                <a:scrgbClr r="0" g="0" b="0"/>
-              </a:effectRef>
-              <a:fontRef idx="minor">
-                <a:schemeClr val="lt1"/>
-              </a:fontRef>
-            </p:style>
-            <p:txBody>
-              <a:bodyPr rtlCol="0" anchor="ctr"/>
-              <a:lstStyle/>
-              <a:p>
-                <a:pPr algn="ctr"/>
-                <a:r>
-                  <a:rPr lang="en-US" altLang="ko-KR" dirty="0"/>
-                  <a:t>Job $Func2</a:t>
-                </a:r>
-                <a:endParaRPr lang="ko-KR" altLang="en-US" dirty="0"/>
-              </a:p>
-            </p:txBody>
-          </p:sp>
-          <p:cxnSp>
-            <p:nvCxnSpPr>
-              <p:cNvPr id="20" name="연결선: 꺾임 19">
-                <a:extLst>
-                  <a:ext uri="{FF2B5EF4-FFF2-40B4-BE49-F238E27FC236}">
-                    <a16:creationId xmlns:a16="http://schemas.microsoft.com/office/drawing/2014/main" id="{58E16926-A46B-1D84-E0E7-FF453F933C82}"/>
-                  </a:ext>
-                </a:extLst>
-              </p:cNvPr>
-              <p:cNvCxnSpPr>
-                <a:stCxn id="18" idx="5"/>
-                <a:endCxn id="19" idx="1"/>
-              </p:cNvCxnSpPr>
-              <p:nvPr/>
-            </p:nvCxnSpPr>
-            <p:spPr>
-              <a:xfrm rot="16200000" flipH="1">
-                <a:off x="3141873" y="2941764"/>
-                <a:ext cx="821905" cy="1517396"/>
-              </a:xfrm>
-              <a:prstGeom prst="bentConnector3">
-                <a:avLst/>
-              </a:prstGeom>
-              <a:ln>
-                <a:tailEnd type="triangle"/>
-              </a:ln>
-            </p:spPr>
-            <p:style>
-              <a:lnRef idx="1">
-                <a:schemeClr val="accent4"/>
-              </a:lnRef>
-              <a:fillRef idx="0">
-                <a:schemeClr val="accent4"/>
-              </a:fillRef>
-              <a:effectRef idx="0">
-                <a:schemeClr val="accent4"/>
-              </a:effectRef>
-              <a:fontRef idx="minor">
-                <a:schemeClr val="tx1"/>
-              </a:fontRef>
-            </p:style>
-          </p:cxnSp>
-        </p:grpSp>
-      </p:grpSp>
-      <p:sp>
-        <p:nvSpPr>
-          <p:cNvPr id="21" name="사각형: 모서리가 접힌 도형 20">
-            <a:extLst>
-              <a:ext uri="{FF2B5EF4-FFF2-40B4-BE49-F238E27FC236}">
-                <a16:creationId xmlns:a16="http://schemas.microsoft.com/office/drawing/2014/main" id="{DB926D2F-DFBD-8412-5ADF-EFF48CDDFE8A}"/>
-              </a:ext>
-            </a:extLst>
-          </p:cNvPr>
-          <p:cNvSpPr/>
-          <p:nvPr/>
-        </p:nvSpPr>
-        <p:spPr>
-          <a:xfrm>
-            <a:off x="8545957" y="2675440"/>
-            <a:ext cx="2437946" cy="1223682"/>
-          </a:xfrm>
-          <a:prstGeom prst="foldedCorner">
-            <a:avLst/>
-          </a:prstGeom>
-          <a:solidFill>
-            <a:schemeClr val="accent3">
-              <a:alpha val="50000"/>
-            </a:schemeClr>
-          </a:solidFill>
-          <a:ln>
-            <a:noFill/>
-          </a:ln>
-        </p:spPr>
-        <p:style>
-          <a:lnRef idx="0">
-            <a:scrgbClr r="0" g="0" b="0"/>
-          </a:lnRef>
-          <a:fillRef idx="0">
-            <a:scrgbClr r="0" g="0" b="0"/>
-          </a:fillRef>
-          <a:effectRef idx="0">
-            <a:scrgbClr r="0" g="0" b="0"/>
-          </a:effectRef>
-          <a:fontRef idx="minor">
-            <a:schemeClr val="lt1"/>
-          </a:fontRef>
-        </p:style>
-        <p:txBody>
-          <a:bodyPr rtlCol="0" anchor="ctr"/>
-          <a:lstStyle/>
-          <a:p>
-            <a:pPr algn="ctr"/>
-            <a:r>
-              <a:rPr lang="en-US" altLang="ko-KR" dirty="0"/>
-              <a:t>../sample/Lib/test </a:t>
-            </a:r>
-          </a:p>
-          <a:p>
-            <a:pPr algn="ctr"/>
-            <a:r>
-              <a:rPr lang="en-US" altLang="ko-KR" dirty="0"/>
-              <a:t>[Job]5</a:t>
-            </a:r>
-            <a:endParaRPr lang="ko-KR" altLang="en-US" dirty="0"/>
-          </a:p>
-        </p:txBody>
-      </p:sp>
-      <p:sp>
-        <p:nvSpPr>
-          <p:cNvPr id="22" name="TextBox 21">
-            <a:extLst>
-              <a:ext uri="{FF2B5EF4-FFF2-40B4-BE49-F238E27FC236}">
-                <a16:creationId xmlns:a16="http://schemas.microsoft.com/office/drawing/2014/main" id="{0772646A-C193-829E-B2AE-9749CB2CD9D4}"/>
-              </a:ext>
-            </a:extLst>
-          </p:cNvPr>
-          <p:cNvSpPr txBox="1"/>
-          <p:nvPr/>
-        </p:nvSpPr>
-        <p:spPr>
-          <a:xfrm>
-            <a:off x="6817869" y="1861486"/>
-            <a:ext cx="4996881" cy="646331"/>
-          </a:xfrm>
-          <a:prstGeom prst="rect">
-            <a:avLst/>
-          </a:prstGeom>
-          <a:noFill/>
-        </p:spPr>
-        <p:txBody>
-          <a:bodyPr wrap="none" rtlCol="0">
-            <a:spAutoFit/>
-          </a:bodyPr>
-          <a:lstStyle/>
-          <a:p>
-            <a:r>
-              <a:rPr lang="ko-KR" altLang="en-US" dirty="0"/>
-              <a:t>확장정의</a:t>
-            </a:r>
-            <a:r>
-              <a:rPr lang="en-US" altLang="ko-KR" dirty="0"/>
-              <a:t>2 : N </a:t>
-            </a:r>
-            <a:r>
-              <a:rPr lang="ko-KR" altLang="en-US" dirty="0"/>
-              <a:t>숫자 만큼 </a:t>
-            </a:r>
-            <a:endParaRPr lang="en-US" altLang="ko-KR" dirty="0"/>
-          </a:p>
-          <a:p>
-            <a:r>
-              <a:rPr lang="en-US" altLang="ko-KR" dirty="0"/>
-              <a:t>groupName1~ groupNameN Loading </a:t>
-            </a:r>
-            <a:r>
-              <a:rPr lang="ko-KR" altLang="en-US" dirty="0"/>
-              <a:t>한다</a:t>
-            </a:r>
-            <a:r>
-              <a:rPr lang="en-US" altLang="ko-KR" dirty="0"/>
-              <a:t>.</a:t>
-            </a:r>
-          </a:p>
-        </p:txBody>
-      </p:sp>
-    </p:spTree>
-    <p:extLst>
-      <p:ext uri="{BB962C8B-B14F-4D97-AF65-F5344CB8AC3E}">
-        <p14:creationId xmlns:p14="http://schemas.microsoft.com/office/powerpoint/2010/main" val="3764349495"/>
       </p:ext>
     </p:extLst>
   </p:cSld>

--- a/DsDotNet/src/UnitTest/UnitTest.Engine/ImportOffice/Sample/s.pptx
+++ b/DsDotNet/src/UnitTest/UnitTest.Engine/ImportOffice/Sample/s.pptx
@@ -13041,7 +13041,7 @@
 </file>
 
 <file path=ppt/slides/slide1.xml><?xml version="1.0" encoding="utf-8"?>
-<p:sld xmlns:a="http://schemas.openxmlformats.org/drawingml/2006/main" xmlns:r="http://schemas.openxmlformats.org/officeDocument/2006/relationships" xmlns:p="http://schemas.openxmlformats.org/presentationml/2006/main">
+<p:sld xmlns:a="http://schemas.openxmlformats.org/drawingml/2006/main" xmlns:r="http://schemas.openxmlformats.org/officeDocument/2006/relationships" xmlns:p="http://schemas.openxmlformats.org/presentationml/2006/main" show="0">
   <p:cSld>
     <p:spTree>
       <p:nvGrpSpPr>
@@ -13129,7 +13129,7 @@
 </file>
 
 <file path=ppt/slides/slide10.xml><?xml version="1.0" encoding="utf-8"?>
-<p:sld xmlns:a="http://schemas.openxmlformats.org/drawingml/2006/main" xmlns:r="http://schemas.openxmlformats.org/officeDocument/2006/relationships" xmlns:p="http://schemas.openxmlformats.org/presentationml/2006/main">
+<p:sld xmlns:a="http://schemas.openxmlformats.org/drawingml/2006/main" xmlns:r="http://schemas.openxmlformats.org/officeDocument/2006/relationships" xmlns:p="http://schemas.openxmlformats.org/presentationml/2006/main" show="0">
   <p:cSld>
     <p:spTree>
       <p:nvGrpSpPr>
@@ -13674,7 +13674,7 @@
 </file>
 
 <file path=ppt/slides/slide11.xml><?xml version="1.0" encoding="utf-8"?>
-<p:sld xmlns:a="http://schemas.openxmlformats.org/drawingml/2006/main" xmlns:r="http://schemas.openxmlformats.org/officeDocument/2006/relationships" xmlns:p="http://schemas.openxmlformats.org/presentationml/2006/main">
+<p:sld xmlns:a="http://schemas.openxmlformats.org/drawingml/2006/main" xmlns:r="http://schemas.openxmlformats.org/officeDocument/2006/relationships" xmlns:p="http://schemas.openxmlformats.org/presentationml/2006/main" show="0">
   <p:cSld>
     <p:spTree>
       <p:nvGrpSpPr>
@@ -14253,7 +14253,7 @@
 </file>
 
 <file path=ppt/slides/slide12.xml><?xml version="1.0" encoding="utf-8"?>
-<p:sld xmlns:a="http://schemas.openxmlformats.org/drawingml/2006/main" xmlns:r="http://schemas.openxmlformats.org/officeDocument/2006/relationships" xmlns:p="http://schemas.openxmlformats.org/presentationml/2006/main">
+<p:sld xmlns:a="http://schemas.openxmlformats.org/drawingml/2006/main" xmlns:r="http://schemas.openxmlformats.org/officeDocument/2006/relationships" xmlns:p="http://schemas.openxmlformats.org/presentationml/2006/main" show="0">
   <p:cSld>
     <p:spTree>
       <p:nvGrpSpPr>
@@ -14789,7 +14789,7 @@
 </file>
 
 <file path=ppt/slides/slide13.xml><?xml version="1.0" encoding="utf-8"?>
-<p:sld xmlns:a="http://schemas.openxmlformats.org/drawingml/2006/main" xmlns:r="http://schemas.openxmlformats.org/officeDocument/2006/relationships" xmlns:p="http://schemas.openxmlformats.org/presentationml/2006/main">
+<p:sld xmlns:a="http://schemas.openxmlformats.org/drawingml/2006/main" xmlns:r="http://schemas.openxmlformats.org/officeDocument/2006/relationships" xmlns:p="http://schemas.openxmlformats.org/presentationml/2006/main" show="0">
   <p:cSld>
     <p:spTree>
       <p:nvGrpSpPr>
@@ -15836,7 +15836,7 @@
 </file>
 
 <file path=ppt/slides/slide14.xml><?xml version="1.0" encoding="utf-8"?>
-<p:sld xmlns:a="http://schemas.openxmlformats.org/drawingml/2006/main" xmlns:r="http://schemas.openxmlformats.org/officeDocument/2006/relationships" xmlns:p="http://schemas.openxmlformats.org/presentationml/2006/main">
+<p:sld xmlns:a="http://schemas.openxmlformats.org/drawingml/2006/main" xmlns:r="http://schemas.openxmlformats.org/officeDocument/2006/relationships" xmlns:p="http://schemas.openxmlformats.org/presentationml/2006/main" show="0">
   <p:cSld>
     <p:spTree>
       <p:nvGrpSpPr>
@@ -16647,7 +16647,7 @@
 </file>
 
 <file path=ppt/slides/slide15.xml><?xml version="1.0" encoding="utf-8"?>
-<p:sld xmlns:a="http://schemas.openxmlformats.org/drawingml/2006/main" xmlns:r="http://schemas.openxmlformats.org/officeDocument/2006/relationships" xmlns:p="http://schemas.openxmlformats.org/presentationml/2006/main">
+<p:sld xmlns:a="http://schemas.openxmlformats.org/drawingml/2006/main" xmlns:r="http://schemas.openxmlformats.org/officeDocument/2006/relationships" xmlns:p="http://schemas.openxmlformats.org/presentationml/2006/main" show="0">
   <p:cSld>
     <p:spTree>
       <p:nvGrpSpPr>
@@ -17152,7 +17152,7 @@
 </file>
 
 <file path=ppt/slides/slide16.xml><?xml version="1.0" encoding="utf-8"?>
-<p:sld xmlns:a="http://schemas.openxmlformats.org/drawingml/2006/main" xmlns:r="http://schemas.openxmlformats.org/officeDocument/2006/relationships" xmlns:p="http://schemas.openxmlformats.org/presentationml/2006/main">
+<p:sld xmlns:a="http://schemas.openxmlformats.org/drawingml/2006/main" xmlns:r="http://schemas.openxmlformats.org/officeDocument/2006/relationships" xmlns:p="http://schemas.openxmlformats.org/presentationml/2006/main" show="0">
   <p:cSld>
     <p:spTree>
       <p:nvGrpSpPr>
@@ -17507,7 +17507,7 @@
 </file>
 
 <file path=ppt/slides/slide17.xml><?xml version="1.0" encoding="utf-8"?>
-<p:sld xmlns:a="http://schemas.openxmlformats.org/drawingml/2006/main" xmlns:r="http://schemas.openxmlformats.org/officeDocument/2006/relationships" xmlns:p="http://schemas.openxmlformats.org/presentationml/2006/main">
+<p:sld xmlns:a="http://schemas.openxmlformats.org/drawingml/2006/main" xmlns:r="http://schemas.openxmlformats.org/officeDocument/2006/relationships" xmlns:p="http://schemas.openxmlformats.org/presentationml/2006/main" show="0">
   <p:cSld>
     <p:spTree>
       <p:nvGrpSpPr>
@@ -17862,7 +17862,7 @@
 </file>
 
 <file path=ppt/slides/slide18.xml><?xml version="1.0" encoding="utf-8"?>
-<p:sld xmlns:a="http://schemas.openxmlformats.org/drawingml/2006/main" xmlns:r="http://schemas.openxmlformats.org/officeDocument/2006/relationships" xmlns:p="http://schemas.openxmlformats.org/presentationml/2006/main">
+<p:sld xmlns:a="http://schemas.openxmlformats.org/drawingml/2006/main" xmlns:r="http://schemas.openxmlformats.org/officeDocument/2006/relationships" xmlns:p="http://schemas.openxmlformats.org/presentationml/2006/main" show="0">
   <p:cSld>
     <p:spTree>
       <p:nvGrpSpPr>
@@ -18458,7 +18458,7 @@
 </file>
 
 <file path=ppt/slides/slide2.xml><?xml version="1.0" encoding="utf-8"?>
-<p:sld xmlns:a="http://schemas.openxmlformats.org/drawingml/2006/main" xmlns:r="http://schemas.openxmlformats.org/officeDocument/2006/relationships" xmlns:p="http://schemas.openxmlformats.org/presentationml/2006/main">
+<p:sld xmlns:a="http://schemas.openxmlformats.org/drawingml/2006/main" xmlns:r="http://schemas.openxmlformats.org/officeDocument/2006/relationships" xmlns:p="http://schemas.openxmlformats.org/presentationml/2006/main" show="0">
   <p:cSld>
     <p:spTree>
       <p:nvGrpSpPr>
@@ -18851,7 +18851,7 @@
 </file>
 
 <file path=ppt/slides/slide3.xml><?xml version="1.0" encoding="utf-8"?>
-<p:sld xmlns:a="http://schemas.openxmlformats.org/drawingml/2006/main" xmlns:r="http://schemas.openxmlformats.org/officeDocument/2006/relationships" xmlns:p="http://schemas.openxmlformats.org/presentationml/2006/main">
+<p:sld xmlns:a="http://schemas.openxmlformats.org/drawingml/2006/main" xmlns:r="http://schemas.openxmlformats.org/officeDocument/2006/relationships" xmlns:p="http://schemas.openxmlformats.org/presentationml/2006/main" show="0">
   <p:cSld>
     <p:spTree>
       <p:nvGrpSpPr>
@@ -20664,7 +20664,7 @@
 </file>
 
 <file path=ppt/slides/slide6.xml><?xml version="1.0" encoding="utf-8"?>
-<p:sld xmlns:a="http://schemas.openxmlformats.org/drawingml/2006/main" xmlns:r="http://schemas.openxmlformats.org/officeDocument/2006/relationships" xmlns:p="http://schemas.openxmlformats.org/presentationml/2006/main">
+<p:sld xmlns:a="http://schemas.openxmlformats.org/drawingml/2006/main" xmlns:r="http://schemas.openxmlformats.org/officeDocument/2006/relationships" xmlns:p="http://schemas.openxmlformats.org/presentationml/2006/main" show="0">
   <p:cSld>
     <p:spTree>
       <p:nvGrpSpPr>
@@ -21861,7 +21861,7 @@
 </file>
 
 <file path=ppt/slides/slide7.xml><?xml version="1.0" encoding="utf-8"?>
-<p:sld xmlns:a="http://schemas.openxmlformats.org/drawingml/2006/main" xmlns:r="http://schemas.openxmlformats.org/officeDocument/2006/relationships" xmlns:p="http://schemas.openxmlformats.org/presentationml/2006/main">
+<p:sld xmlns:a="http://schemas.openxmlformats.org/drawingml/2006/main" xmlns:r="http://schemas.openxmlformats.org/officeDocument/2006/relationships" xmlns:p="http://schemas.openxmlformats.org/presentationml/2006/main" show="0">
   <p:cSld>
     <p:spTree>
       <p:nvGrpSpPr>
@@ -22354,7 +22354,7 @@
 </file>
 
 <file path=ppt/slides/slide8.xml><?xml version="1.0" encoding="utf-8"?>
-<p:sld xmlns:a="http://schemas.openxmlformats.org/drawingml/2006/main" xmlns:r="http://schemas.openxmlformats.org/officeDocument/2006/relationships" xmlns:p="http://schemas.openxmlformats.org/presentationml/2006/main">
+<p:sld xmlns:a="http://schemas.openxmlformats.org/drawingml/2006/main" xmlns:r="http://schemas.openxmlformats.org/officeDocument/2006/relationships" xmlns:p="http://schemas.openxmlformats.org/presentationml/2006/main" show="0">
   <p:cSld>
     <p:spTree>
       <p:nvGrpSpPr>
@@ -22903,7 +22903,7 @@
 </file>
 
 <file path=ppt/slides/slide9.xml><?xml version="1.0" encoding="utf-8"?>
-<p:sld xmlns:a="http://schemas.openxmlformats.org/drawingml/2006/main" xmlns:r="http://schemas.openxmlformats.org/officeDocument/2006/relationships" xmlns:p="http://schemas.openxmlformats.org/presentationml/2006/main">
+<p:sld xmlns:a="http://schemas.openxmlformats.org/drawingml/2006/main" xmlns:r="http://schemas.openxmlformats.org/officeDocument/2006/relationships" xmlns:p="http://schemas.openxmlformats.org/presentationml/2006/main" show="0">
   <p:cSld>
     <p:spTree>
       <p:nvGrpSpPr>
